--- a/Data Mining_Final Project_Hospital Ranking.pptx
+++ b/Data Mining_Final Project_Hospital Ranking.pptx
@@ -5,7 +5,7 @@
     <p:sldMasterId id="2147483654" r:id="rId1"/>
   </p:sldMasterIdLst>
   <p:notesMasterIdLst>
-    <p:notesMasterId r:id="rId18"/>
+    <p:notesMasterId r:id="rId19"/>
   </p:notesMasterIdLst>
   <p:sldIdLst>
     <p:sldId id="256" r:id="rId2"/>
@@ -16,14 +16,15 @@
     <p:sldId id="277" r:id="rId7"/>
     <p:sldId id="278" r:id="rId8"/>
     <p:sldId id="287" r:id="rId9"/>
-    <p:sldId id="280" r:id="rId10"/>
-    <p:sldId id="285" r:id="rId11"/>
-    <p:sldId id="286" r:id="rId12"/>
-    <p:sldId id="281" r:id="rId13"/>
-    <p:sldId id="282" r:id="rId14"/>
-    <p:sldId id="283" r:id="rId15"/>
-    <p:sldId id="284" r:id="rId16"/>
-    <p:sldId id="274" r:id="rId17"/>
+    <p:sldId id="289" r:id="rId10"/>
+    <p:sldId id="280" r:id="rId11"/>
+    <p:sldId id="285" r:id="rId12"/>
+    <p:sldId id="286" r:id="rId13"/>
+    <p:sldId id="281" r:id="rId14"/>
+    <p:sldId id="282" r:id="rId15"/>
+    <p:sldId id="283" r:id="rId16"/>
+    <p:sldId id="284" r:id="rId17"/>
+    <p:sldId id="274" r:id="rId18"/>
   </p:sldIdLst>
   <p:sldSz cx="12192000" cy="6858000"/>
   <p:notesSz cx="6858000" cy="9144000"/>
@@ -1025,20 +1026,6 @@
 
 <file path=ppt/comments/comment10.xml><?xml version="1.0" encoding="utf-8"?>
 <p:cmLst xmlns:a="http://schemas.openxmlformats.org/drawingml/2006/main" xmlns:r="http://schemas.openxmlformats.org/officeDocument/2006/relationships" xmlns:p="http://schemas.openxmlformats.org/presentationml/2006/main">
-  <p:cm authorId="1" dt="2019-05-26T11:16:38.960" idx="7">
-    <p:pos x="10" y="10"/>
-    <p:text>Zain Iqbal &amp; Michael</p:text>
-    <p:extLst>
-      <p:ext uri="{C676402C-5697-4E1C-873F-D02D1690AC5C}">
-        <p15:threadingInfo xmlns:p15="http://schemas.microsoft.com/office/powerpoint/2012/main" timeZoneBias="300"/>
-      </p:ext>
-    </p:extLst>
-  </p:cm>
-</p:cmLst>
-</file>
-
-<file path=ppt/comments/comment11.xml><?xml version="1.0" encoding="utf-8"?>
-<p:cmLst xmlns:a="http://schemas.openxmlformats.org/drawingml/2006/main" xmlns:r="http://schemas.openxmlformats.org/officeDocument/2006/relationships" xmlns:p="http://schemas.openxmlformats.org/presentationml/2006/main">
   <p:cm authorId="1" dt="2019-05-26T11:16:46.847" idx="8">
     <p:pos x="10" y="10"/>
     <p:text>Zain Jafri, Michael &amp; Zain Iqbal -- we may need to discuss more and then figure out if it makes sense for one us to take this slide (or if there are multiple).</p:text>
@@ -1051,7 +1038,7 @@
 </p:cmLst>
 </file>
 
-<file path=ppt/comments/comment12.xml><?xml version="1.0" encoding="utf-8"?>
+<file path=ppt/comments/comment11.xml><?xml version="1.0" encoding="utf-8"?>
 <p:cmLst xmlns:a="http://schemas.openxmlformats.org/drawingml/2006/main" xmlns:r="http://schemas.openxmlformats.org/officeDocument/2006/relationships" xmlns:p="http://schemas.openxmlformats.org/presentationml/2006/main">
   <p:cm authorId="1" dt="2019-05-26T11:18:57.197" idx="10">
     <p:pos x="10" y="10"/>
@@ -1065,7 +1052,7 @@
 </p:cmLst>
 </file>
 
-<file path=ppt/comments/comment13.xml><?xml version="1.0" encoding="utf-8"?>
+<file path=ppt/comments/comment12.xml><?xml version="1.0" encoding="utf-8"?>
 <p:cmLst xmlns:a="http://schemas.openxmlformats.org/drawingml/2006/main" xmlns:r="http://schemas.openxmlformats.org/officeDocument/2006/relationships" xmlns:p="http://schemas.openxmlformats.org/presentationml/2006/main">
   <p:cm authorId="1" dt="2019-05-26T11:18:32.735" idx="9">
     <p:pos x="10" y="10"/>
@@ -1188,9 +1175,18 @@
 
 <file path=ppt/comments/comment6.xml><?xml version="1.0" encoding="utf-8"?>
 <p:cmLst xmlns:a="http://schemas.openxmlformats.org/drawingml/2006/main" xmlns:r="http://schemas.openxmlformats.org/officeDocument/2006/relationships" xmlns:p="http://schemas.openxmlformats.org/presentationml/2006/main">
-  <p:cm authorId="1" dt="2019-05-26T11:16:22.605" idx="5">
+  <p:cm authorId="1" dt="2019-05-26T11:16:29.684" idx="6">
     <p:pos x="10" y="10"/>
-    <p:text>Marin and Venku</p:text>
+    <p:text>Everyone fill out their model</p:text>
+    <p:extLst mod="1">
+      <p:ext uri="{C676402C-5697-4E1C-873F-D02D1690AC5C}">
+        <p15:threadingInfo xmlns:p15="http://schemas.microsoft.com/office/powerpoint/2012/main" timeZoneBias="300"/>
+      </p:ext>
+    </p:extLst>
+  </p:cm>
+  <p:cm authorId="1" dt="2019-05-29T20:17:26.281" idx="16">
+    <p:pos x="106" y="106"/>
+    <p:text>Overall review of regression</p:text>
     <p:extLst>
       <p:ext uri="{C676402C-5697-4E1C-873F-D02D1690AC5C}">
         <p15:threadingInfo xmlns:p15="http://schemas.microsoft.com/office/powerpoint/2012/main" timeZoneBias="300"/>
@@ -1204,16 +1200,7 @@
 <p:cmLst xmlns:a="http://schemas.openxmlformats.org/drawingml/2006/main" xmlns:r="http://schemas.openxmlformats.org/officeDocument/2006/relationships" xmlns:p="http://schemas.openxmlformats.org/presentationml/2006/main">
   <p:cm authorId="1" dt="2019-05-26T11:16:29.684" idx="6">
     <p:pos x="10" y="10"/>
-    <p:text>Everyone fill out their model</p:text>
-    <p:extLst mod="1">
-      <p:ext uri="{C676402C-5697-4E1C-873F-D02D1690AC5C}">
-        <p15:threadingInfo xmlns:p15="http://schemas.microsoft.com/office/powerpoint/2012/main" timeZoneBias="300"/>
-      </p:ext>
-    </p:extLst>
-  </p:cm>
-  <p:cm authorId="1" dt="2019-05-29T20:17:26.281" idx="16">
-    <p:pos x="106" y="106"/>
-    <p:text>Overall review of regression</p:text>
+    <p:text>Zain Iqbal &amp; Michael</p:text>
     <p:extLst>
       <p:ext uri="{C676402C-5697-4E1C-873F-D02D1690AC5C}">
         <p15:threadingInfo xmlns:p15="http://schemas.microsoft.com/office/powerpoint/2012/main" timeZoneBias="300"/>
@@ -1239,7 +1226,7 @@
 
 <file path=ppt/comments/comment9.xml><?xml version="1.0" encoding="utf-8"?>
 <p:cmLst xmlns:a="http://schemas.openxmlformats.org/drawingml/2006/main" xmlns:r="http://schemas.openxmlformats.org/officeDocument/2006/relationships" xmlns:p="http://schemas.openxmlformats.org/presentationml/2006/main">
-  <p:cm authorId="1" dt="2019-05-26T11:16:29.684" idx="6">
+  <p:cm authorId="1" dt="2019-05-26T11:16:38.960" idx="7">
     <p:pos x="10" y="10"/>
     <p:text>Zain Iqbal &amp; Michael</p:text>
     <p:extLst>
@@ -2829,7 +2816,7 @@
     </p:spTree>
     <p:extLst>
       <p:ext uri="{BB962C8B-B14F-4D97-AF65-F5344CB8AC3E}">
-        <p14:creationId xmlns:p14="http://schemas.microsoft.com/office/powerpoint/2010/main" val="670686601"/>
+        <p14:creationId xmlns:p14="http://schemas.microsoft.com/office/powerpoint/2010/main" val="2543882952"/>
       </p:ext>
     </p:extLst>
   </p:cSld>
@@ -2938,7 +2925,7 @@
     </p:spTree>
     <p:extLst>
       <p:ext uri="{BB962C8B-B14F-4D97-AF65-F5344CB8AC3E}">
-        <p14:creationId xmlns:p14="http://schemas.microsoft.com/office/powerpoint/2010/main" val="3423171033"/>
+        <p14:creationId xmlns:p14="http://schemas.microsoft.com/office/powerpoint/2010/main" val="670686601"/>
       </p:ext>
     </p:extLst>
   </p:cSld>
@@ -3047,7 +3034,7 @@
     </p:spTree>
     <p:extLst>
       <p:ext uri="{BB962C8B-B14F-4D97-AF65-F5344CB8AC3E}">
-        <p14:creationId xmlns:p14="http://schemas.microsoft.com/office/powerpoint/2010/main" val="3958769749"/>
+        <p14:creationId xmlns:p14="http://schemas.microsoft.com/office/powerpoint/2010/main" val="3423171033"/>
       </p:ext>
     </p:extLst>
   </p:cSld>
@@ -3156,7 +3143,7 @@
     </p:spTree>
     <p:extLst>
       <p:ext uri="{BB962C8B-B14F-4D97-AF65-F5344CB8AC3E}">
-        <p14:creationId xmlns:p14="http://schemas.microsoft.com/office/powerpoint/2010/main" val="8596556"/>
+        <p14:creationId xmlns:p14="http://schemas.microsoft.com/office/powerpoint/2010/main" val="3958769749"/>
       </p:ext>
     </p:extLst>
   </p:cSld>
@@ -3265,7 +3252,7 @@
     </p:spTree>
     <p:extLst>
       <p:ext uri="{BB962C8B-B14F-4D97-AF65-F5344CB8AC3E}">
-        <p14:creationId xmlns:p14="http://schemas.microsoft.com/office/powerpoint/2010/main" val="2298777400"/>
+        <p14:creationId xmlns:p14="http://schemas.microsoft.com/office/powerpoint/2010/main" val="8596556"/>
       </p:ext>
     </p:extLst>
   </p:cSld>
@@ -3374,6 +3361,115 @@
     </p:spTree>
     <p:extLst>
       <p:ext uri="{BB962C8B-B14F-4D97-AF65-F5344CB8AC3E}">
+        <p14:creationId xmlns:p14="http://schemas.microsoft.com/office/powerpoint/2010/main" val="2298777400"/>
+      </p:ext>
+    </p:extLst>
+  </p:cSld>
+  <p:clrMapOvr>
+    <a:masterClrMapping/>
+  </p:clrMapOvr>
+</p:notes>
+</file>
+
+<file path=ppt/notesSlides/notesSlide16.xml><?xml version="1.0" encoding="utf-8"?>
+<p:notes xmlns:a="http://schemas.openxmlformats.org/drawingml/2006/main" xmlns:r="http://schemas.openxmlformats.org/officeDocument/2006/relationships" xmlns:p="http://schemas.openxmlformats.org/presentationml/2006/main" showMasterSp="0" showMasterPhAnim="0">
+  <p:cSld>
+    <p:spTree>
+      <p:nvGrpSpPr>
+        <p:cNvPr id="1" name="Shape 101"/>
+        <p:cNvGrpSpPr/>
+        <p:nvPr/>
+      </p:nvGrpSpPr>
+      <p:grpSpPr>
+        <a:xfrm>
+          <a:off x="0" y="0"/>
+          <a:ext cx="0" cy="0"/>
+          <a:chOff x="0" y="0"/>
+          <a:chExt cx="0" cy="0"/>
+        </a:xfrm>
+      </p:grpSpPr>
+      <p:sp>
+        <p:nvSpPr>
+          <p:cNvPr id="102" name="Google Shape;102;p3:notes"/>
+          <p:cNvSpPr txBox="1">
+            <a:spLocks noGrp="1"/>
+          </p:cNvSpPr>
+          <p:nvPr>
+            <p:ph type="body" idx="1"/>
+          </p:nvPr>
+        </p:nvSpPr>
+        <p:spPr>
+          <a:xfrm>
+            <a:off x="685800" y="4400550"/>
+            <a:ext cx="5486400" cy="3600450"/>
+          </a:xfrm>
+          <a:prstGeom prst="rect">
+            <a:avLst/>
+          </a:prstGeom>
+        </p:spPr>
+        <p:txBody>
+          <a:bodyPr spcFirstLastPara="1" wrap="square" lIns="91425" tIns="45700" rIns="91425" bIns="45700" anchor="t" anchorCtr="0">
+            <a:noAutofit/>
+          </a:bodyPr>
+          <a:lstStyle/>
+          <a:p>
+            <a:pPr marL="0" lvl="0" indent="0" algn="l" rtl="0">
+              <a:spcBef>
+                <a:spcPts val="0"/>
+              </a:spcBef>
+              <a:spcAft>
+                <a:spcPts val="0"/>
+              </a:spcAft>
+              <a:buNone/>
+            </a:pPr>
+            <a:endParaRPr/>
+          </a:p>
+        </p:txBody>
+      </p:sp>
+      <p:sp>
+        <p:nvSpPr>
+          <p:cNvPr id="103" name="Google Shape;103;p3:notes"/>
+          <p:cNvSpPr>
+            <a:spLocks noGrp="1" noRot="1" noChangeAspect="1"/>
+          </p:cNvSpPr>
+          <p:nvPr>
+            <p:ph type="sldImg" idx="2"/>
+          </p:nvPr>
+        </p:nvSpPr>
+        <p:spPr>
+          <a:xfrm>
+            <a:off x="685800" y="1143000"/>
+            <a:ext cx="5486400" cy="3086100"/>
+          </a:xfrm>
+          <a:custGeom>
+            <a:avLst/>
+            <a:gdLst/>
+            <a:ahLst/>
+            <a:cxnLst/>
+            <a:rect l="l" t="t" r="r" b="b"/>
+            <a:pathLst>
+              <a:path w="120000" h="120000" extrusionOk="0">
+                <a:moveTo>
+                  <a:pt x="0" y="0"/>
+                </a:moveTo>
+                <a:lnTo>
+                  <a:pt x="120000" y="0"/>
+                </a:lnTo>
+                <a:lnTo>
+                  <a:pt x="120000" y="120000"/>
+                </a:lnTo>
+                <a:lnTo>
+                  <a:pt x="0" y="120000"/>
+                </a:lnTo>
+                <a:close/>
+              </a:path>
+            </a:pathLst>
+          </a:custGeom>
+        </p:spPr>
+      </p:sp>
+    </p:spTree>
+    <p:extLst>
+      <p:ext uri="{BB962C8B-B14F-4D97-AF65-F5344CB8AC3E}">
         <p14:creationId xmlns:p14="http://schemas.microsoft.com/office/powerpoint/2010/main" val="427315351"/>
       </p:ext>
     </p:extLst>
@@ -3384,7 +3480,7 @@
 </p:notes>
 </file>
 
-<file path=ppt/notesSlides/notesSlide16.xml><?xml version="1.0" encoding="utf-8"?>
+<file path=ppt/notesSlides/notesSlide17.xml><?xml version="1.0" encoding="utf-8"?>
 <p:notes xmlns:a="http://schemas.openxmlformats.org/drawingml/2006/main" xmlns:r="http://schemas.openxmlformats.org/officeDocument/2006/relationships" xmlns:p="http://schemas.openxmlformats.org/presentationml/2006/main" showMasterSp="0" showMasterPhAnim="0">
   <p:cSld>
     <p:spTree>
@@ -4340,7 +4436,7 @@
     </p:spTree>
     <p:extLst>
       <p:ext uri="{BB962C8B-B14F-4D97-AF65-F5344CB8AC3E}">
-        <p14:creationId xmlns:p14="http://schemas.microsoft.com/office/powerpoint/2010/main" val="2543882952"/>
+        <p14:creationId xmlns:p14="http://schemas.microsoft.com/office/powerpoint/2010/main" val="4212063831"/>
       </p:ext>
     </p:extLst>
   </p:cSld>
@@ -9645,6 +9741,472 @@
             </a:pPr>
             <a:r>
               <a:rPr lang="en-US" sz="3200" dirty="0"/>
+              <a:t>Modeling Approaches Utilized: Regression</a:t>
+            </a:r>
+            <a:endParaRPr sz="3200" dirty="0"/>
+          </a:p>
+        </p:txBody>
+      </p:sp>
+      <p:graphicFrame>
+        <p:nvGraphicFramePr>
+          <p:cNvPr id="2" name="Table 1">
+            <a:extLst>
+              <a:ext uri="{FF2B5EF4-FFF2-40B4-BE49-F238E27FC236}">
+                <a16:creationId xmlns:a16="http://schemas.microsoft.com/office/drawing/2014/main" id="{20589061-E9DC-477E-87F5-2BDC299FFCFC}"/>
+              </a:ext>
+            </a:extLst>
+          </p:cNvPr>
+          <p:cNvGraphicFramePr>
+            <a:graphicFrameLocks noGrp="1"/>
+          </p:cNvGraphicFramePr>
+          <p:nvPr>
+            <p:extLst>
+              <p:ext uri="{D42A27DB-BD31-4B8C-83A1-F6EECF244321}">
+                <p14:modId xmlns:p14="http://schemas.microsoft.com/office/powerpoint/2010/main" val="2422842497"/>
+              </p:ext>
+            </p:extLst>
+          </p:nvPr>
+        </p:nvGraphicFramePr>
+        <p:xfrm>
+          <a:off x="960283" y="1398089"/>
+          <a:ext cx="10403840" cy="2352040"/>
+        </p:xfrm>
+        <a:graphic>
+          <a:graphicData uri="http://schemas.openxmlformats.org/drawingml/2006/table">
+            <a:tbl>
+              <a:tblPr firstRow="1" bandRow="1">
+                <a:tableStyleId>{8799B23B-EC83-4686-B30A-512413B5E67A}</a:tableStyleId>
+              </a:tblPr>
+              <a:tblGrid>
+                <a:gridCol w="1625600">
+                  <a:extLst>
+                    <a:ext uri="{9D8B030D-6E8A-4147-A177-3AD203B41FA5}">
+                      <a16:colId xmlns:a16="http://schemas.microsoft.com/office/drawing/2014/main" val="3047201911"/>
+                    </a:ext>
+                  </a:extLst>
+                </a:gridCol>
+                <a:gridCol w="2194560">
+                  <a:extLst>
+                    <a:ext uri="{9D8B030D-6E8A-4147-A177-3AD203B41FA5}">
+                      <a16:colId xmlns:a16="http://schemas.microsoft.com/office/drawing/2014/main" val="3831299100"/>
+                    </a:ext>
+                  </a:extLst>
+                </a:gridCol>
+                <a:gridCol w="2194560">
+                  <a:extLst>
+                    <a:ext uri="{9D8B030D-6E8A-4147-A177-3AD203B41FA5}">
+                      <a16:colId xmlns:a16="http://schemas.microsoft.com/office/drawing/2014/main" val="3024791108"/>
+                    </a:ext>
+                  </a:extLst>
+                </a:gridCol>
+                <a:gridCol w="2194560">
+                  <a:extLst>
+                    <a:ext uri="{9D8B030D-6E8A-4147-A177-3AD203B41FA5}">
+                      <a16:colId xmlns:a16="http://schemas.microsoft.com/office/drawing/2014/main" val="2176626461"/>
+                    </a:ext>
+                  </a:extLst>
+                </a:gridCol>
+                <a:gridCol w="2194560">
+                  <a:extLst>
+                    <a:ext uri="{9D8B030D-6E8A-4147-A177-3AD203B41FA5}">
+                      <a16:colId xmlns:a16="http://schemas.microsoft.com/office/drawing/2014/main" val="2037370934"/>
+                    </a:ext>
+                  </a:extLst>
+                </a:gridCol>
+              </a:tblGrid>
+              <a:tr h="370840">
+                <a:tc>
+                  <a:txBody>
+                    <a:bodyPr/>
+                    <a:lstStyle/>
+                    <a:p>
+                      <a:endParaRPr lang="en-US" dirty="0"/>
+                    </a:p>
+                  </a:txBody>
+                  <a:tcPr/>
+                </a:tc>
+                <a:tc>
+                  <a:txBody>
+                    <a:bodyPr/>
+                    <a:lstStyle/>
+                    <a:p>
+                      <a:pPr algn="ctr"/>
+                      <a:r>
+                        <a:rPr lang="en-US" dirty="0"/>
+                        <a:t>Model 1</a:t>
+                      </a:r>
+                    </a:p>
+                  </a:txBody>
+                  <a:tcPr/>
+                </a:tc>
+                <a:tc>
+                  <a:txBody>
+                    <a:bodyPr/>
+                    <a:lstStyle/>
+                    <a:p>
+                      <a:pPr algn="ctr"/>
+                      <a:r>
+                        <a:rPr lang="en-US" dirty="0"/>
+                        <a:t>Model 2</a:t>
+                      </a:r>
+                    </a:p>
+                  </a:txBody>
+                  <a:tcPr/>
+                </a:tc>
+                <a:tc>
+                  <a:txBody>
+                    <a:bodyPr/>
+                    <a:lstStyle/>
+                    <a:p>
+                      <a:pPr algn="ctr"/>
+                      <a:r>
+                        <a:rPr lang="en-US" dirty="0"/>
+                        <a:t>Model 3</a:t>
+                      </a:r>
+                    </a:p>
+                  </a:txBody>
+                  <a:tcPr/>
+                </a:tc>
+                <a:tc>
+                  <a:txBody>
+                    <a:bodyPr/>
+                    <a:lstStyle/>
+                    <a:p>
+                      <a:pPr algn="ctr"/>
+                      <a:r>
+                        <a:rPr lang="en-US" dirty="0"/>
+                        <a:t>Model 4</a:t>
+                      </a:r>
+                    </a:p>
+                  </a:txBody>
+                  <a:tcPr/>
+                </a:tc>
+                <a:extLst>
+                  <a:ext uri="{0D108BD9-81ED-4DB2-BD59-A6C34878D82A}">
+                    <a16:rowId xmlns:a16="http://schemas.microsoft.com/office/drawing/2014/main" val="807575487"/>
+                  </a:ext>
+                </a:extLst>
+              </a:tr>
+              <a:tr h="822960">
+                <a:tc>
+                  <a:txBody>
+                    <a:bodyPr/>
+                    <a:lstStyle/>
+                    <a:p>
+                      <a:pPr algn="ctr"/>
+                      <a:r>
+                        <a:rPr lang="en-US" b="1" dirty="0"/>
+                        <a:t>Overview</a:t>
+                      </a:r>
+                    </a:p>
+                  </a:txBody>
+                  <a:tcPr anchor="ctr"/>
+                </a:tc>
+                <a:tc>
+                  <a:txBody>
+                    <a:bodyPr/>
+                    <a:lstStyle/>
+                    <a:p>
+                      <a:endParaRPr lang="en-US" dirty="0"/>
+                    </a:p>
+                  </a:txBody>
+                  <a:tcPr/>
+                </a:tc>
+                <a:tc>
+                  <a:txBody>
+                    <a:bodyPr/>
+                    <a:lstStyle/>
+                    <a:p>
+                      <a:endParaRPr lang="en-US"/>
+                    </a:p>
+                  </a:txBody>
+                  <a:tcPr/>
+                </a:tc>
+                <a:tc>
+                  <a:txBody>
+                    <a:bodyPr/>
+                    <a:lstStyle/>
+                    <a:p>
+                      <a:endParaRPr lang="en-US"/>
+                    </a:p>
+                  </a:txBody>
+                  <a:tcPr/>
+                </a:tc>
+                <a:tc>
+                  <a:txBody>
+                    <a:bodyPr/>
+                    <a:lstStyle/>
+                    <a:p>
+                      <a:endParaRPr lang="en-US" dirty="0"/>
+                    </a:p>
+                  </a:txBody>
+                  <a:tcPr/>
+                </a:tc>
+                <a:extLst>
+                  <a:ext uri="{0D108BD9-81ED-4DB2-BD59-A6C34878D82A}">
+                    <a16:rowId xmlns:a16="http://schemas.microsoft.com/office/drawing/2014/main" val="2246008554"/>
+                  </a:ext>
+                </a:extLst>
+              </a:tr>
+              <a:tr h="822960">
+                <a:tc>
+                  <a:txBody>
+                    <a:bodyPr/>
+                    <a:lstStyle/>
+                    <a:p>
+                      <a:pPr algn="ctr"/>
+                      <a:r>
+                        <a:rPr lang="en-US" b="1" dirty="0"/>
+                        <a:t>Performance</a:t>
+                      </a:r>
+                    </a:p>
+                  </a:txBody>
+                  <a:tcPr anchor="ctr"/>
+                </a:tc>
+                <a:tc>
+                  <a:txBody>
+                    <a:bodyPr/>
+                    <a:lstStyle/>
+                    <a:p>
+                      <a:r>
+                        <a:rPr lang="en-US" dirty="0"/>
+                        <a:t>Accuracy</a:t>
+                      </a:r>
+                    </a:p>
+                    <a:p>
+                      <a:r>
+                        <a:rPr lang="en-US" dirty="0"/>
+                        <a:t>Precision</a:t>
+                      </a:r>
+                    </a:p>
+                    <a:p>
+                      <a:r>
+                        <a:rPr lang="en-US" dirty="0"/>
+                        <a:t>Recall</a:t>
+                      </a:r>
+                    </a:p>
+                    <a:p>
+                      <a:r>
+                        <a:rPr lang="en-US" dirty="0"/>
+                        <a:t>F1 Score</a:t>
+                      </a:r>
+                    </a:p>
+                    <a:p>
+                      <a:r>
+                        <a:rPr lang="en-US" dirty="0"/>
+                        <a:t>RMSE</a:t>
+                      </a:r>
+                    </a:p>
+                  </a:txBody>
+                  <a:tcPr/>
+                </a:tc>
+                <a:tc>
+                  <a:txBody>
+                    <a:bodyPr/>
+                    <a:lstStyle/>
+                    <a:p>
+                      <a:endParaRPr lang="en-US" dirty="0"/>
+                    </a:p>
+                  </a:txBody>
+                  <a:tcPr/>
+                </a:tc>
+                <a:tc>
+                  <a:txBody>
+                    <a:bodyPr/>
+                    <a:lstStyle/>
+                    <a:p>
+                      <a:endParaRPr lang="en-US" dirty="0"/>
+                    </a:p>
+                  </a:txBody>
+                  <a:tcPr/>
+                </a:tc>
+                <a:tc>
+                  <a:txBody>
+                    <a:bodyPr/>
+                    <a:lstStyle/>
+                    <a:p>
+                      <a:endParaRPr lang="en-US" dirty="0"/>
+                    </a:p>
+                  </a:txBody>
+                  <a:tcPr/>
+                </a:tc>
+                <a:extLst>
+                  <a:ext uri="{0D108BD9-81ED-4DB2-BD59-A6C34878D82A}">
+                    <a16:rowId xmlns:a16="http://schemas.microsoft.com/office/drawing/2014/main" val="32276016"/>
+                  </a:ext>
+                </a:extLst>
+              </a:tr>
+            </a:tbl>
+          </a:graphicData>
+        </a:graphic>
+      </p:graphicFrame>
+      <p:sp>
+        <p:nvSpPr>
+          <p:cNvPr id="5" name="Google Shape;109;p10">
+            <a:extLst>
+              <a:ext uri="{FF2B5EF4-FFF2-40B4-BE49-F238E27FC236}">
+                <a16:creationId xmlns:a16="http://schemas.microsoft.com/office/drawing/2014/main" id="{2BFDF0D6-F40D-456F-B8E0-932363E5B50E}"/>
+              </a:ext>
+            </a:extLst>
+          </p:cNvPr>
+          <p:cNvSpPr txBox="1"/>
+          <p:nvPr/>
+        </p:nvSpPr>
+        <p:spPr>
+          <a:xfrm>
+            <a:off x="761999" y="876963"/>
+            <a:ext cx="10947647" cy="1041568"/>
+          </a:xfrm>
+          <a:prstGeom prst="rect">
+            <a:avLst/>
+          </a:prstGeom>
+          <a:noFill/>
+          <a:ln>
+            <a:noFill/>
+          </a:ln>
+        </p:spPr>
+        <p:txBody>
+          <a:bodyPr spcFirstLastPara="1" wrap="square" lIns="91425" tIns="45700" rIns="91425" bIns="45700" anchor="t" anchorCtr="0">
+            <a:noAutofit/>
+          </a:bodyPr>
+          <a:lstStyle/>
+          <a:p>
+            <a:pPr marL="0" marR="0" lvl="0" indent="0" algn="l" rtl="0">
+              <a:spcBef>
+                <a:spcPts val="0"/>
+              </a:spcBef>
+              <a:spcAft>
+                <a:spcPts val="0"/>
+              </a:spcAft>
+              <a:buNone/>
+            </a:pPr>
+            <a:r>
+              <a:rPr lang="en-US" sz="1800" dirty="0">
+                <a:solidFill>
+                  <a:schemeClr val="dk1"/>
+                </a:solidFill>
+              </a:rPr>
+              <a:t>We tested several modeling approaches, however ultimately landed on [Model X] due to….</a:t>
+            </a:r>
+          </a:p>
+        </p:txBody>
+      </p:sp>
+      <p:sp>
+        <p:nvSpPr>
+          <p:cNvPr id="3" name="Slide Number Placeholder 2">
+            <a:extLst>
+              <a:ext uri="{FF2B5EF4-FFF2-40B4-BE49-F238E27FC236}">
+                <a16:creationId xmlns:a16="http://schemas.microsoft.com/office/drawing/2014/main" id="{BD56DDDA-9184-4E12-85DF-473A0329F5D5}"/>
+              </a:ext>
+            </a:extLst>
+          </p:cNvPr>
+          <p:cNvSpPr>
+            <a:spLocks noGrp="1"/>
+          </p:cNvSpPr>
+          <p:nvPr>
+            <p:ph type="sldNum" idx="12"/>
+          </p:nvPr>
+        </p:nvSpPr>
+        <p:spPr/>
+        <p:txBody>
+          <a:bodyPr/>
+          <a:lstStyle/>
+          <a:p>
+            <a:pPr marL="0" lvl="0" indent="0" algn="r" rtl="0">
+              <a:spcBef>
+                <a:spcPts val="0"/>
+              </a:spcBef>
+              <a:spcAft>
+                <a:spcPts val="0"/>
+              </a:spcAft>
+              <a:buNone/>
+            </a:pPr>
+            <a:fld id="{00000000-1234-1234-1234-123412341234}" type="slidenum">
+              <a:rPr lang="en-US" smtClean="0"/>
+              <a:t>9</a:t>
+            </a:fld>
+            <a:endParaRPr lang="en-US"/>
+          </a:p>
+        </p:txBody>
+      </p:sp>
+    </p:spTree>
+    <p:extLst>
+      <p:ext uri="{BB962C8B-B14F-4D97-AF65-F5344CB8AC3E}">
+        <p14:creationId xmlns:p14="http://schemas.microsoft.com/office/powerpoint/2010/main" val="1163658318"/>
+      </p:ext>
+    </p:extLst>
+  </p:cSld>
+  <p:clrMapOvr>
+    <a:masterClrMapping/>
+  </p:clrMapOvr>
+</p:sld>
+</file>
+
+<file path=ppt/slides/slide11.xml><?xml version="1.0" encoding="utf-8"?>
+<p:sld xmlns:a="http://schemas.openxmlformats.org/drawingml/2006/main" xmlns:r="http://schemas.openxmlformats.org/officeDocument/2006/relationships" xmlns:p="http://schemas.openxmlformats.org/presentationml/2006/main">
+  <p:cSld>
+    <p:spTree>
+      <p:nvGrpSpPr>
+        <p:cNvPr id="1" name="Shape 104"/>
+        <p:cNvGrpSpPr/>
+        <p:nvPr/>
+      </p:nvGrpSpPr>
+      <p:grpSpPr>
+        <a:xfrm>
+          <a:off x="0" y="0"/>
+          <a:ext cx="0" cy="0"/>
+          <a:chOff x="0" y="0"/>
+          <a:chExt cx="0" cy="0"/>
+        </a:xfrm>
+      </p:grpSpPr>
+      <p:sp>
+        <p:nvSpPr>
+          <p:cNvPr id="105" name="Google Shape;105;p10"/>
+          <p:cNvSpPr txBox="1">
+            <a:spLocks noGrp="1"/>
+          </p:cNvSpPr>
+          <p:nvPr>
+            <p:ph type="title"/>
+          </p:nvPr>
+        </p:nvSpPr>
+        <p:spPr>
+          <a:xfrm>
+            <a:off x="762000" y="363538"/>
+            <a:ext cx="10668000" cy="540230"/>
+          </a:xfrm>
+          <a:prstGeom prst="rect">
+            <a:avLst/>
+          </a:prstGeom>
+          <a:noFill/>
+          <a:ln>
+            <a:noFill/>
+          </a:ln>
+        </p:spPr>
+        <p:txBody>
+          <a:bodyPr spcFirstLastPara="1" wrap="square" lIns="91425" tIns="45700" rIns="91425" bIns="45700" anchor="t" anchorCtr="0">
+            <a:noAutofit/>
+          </a:bodyPr>
+          <a:lstStyle/>
+          <a:p>
+            <a:pPr marL="0" lvl="0" indent="0" algn="l" rtl="0">
+              <a:lnSpc>
+                <a:spcPct val="90000"/>
+              </a:lnSpc>
+              <a:spcBef>
+                <a:spcPts val="0"/>
+              </a:spcBef>
+              <a:spcAft>
+                <a:spcPts val="0"/>
+              </a:spcAft>
+              <a:buClr>
+                <a:schemeClr val="dk1"/>
+              </a:buClr>
+              <a:buSzPts val="3600"/>
+              <a:buFont typeface="Arial"/>
+              <a:buNone/>
+            </a:pPr>
+            <a:r>
+              <a:rPr lang="en-US" sz="3200" dirty="0"/>
               <a:t>Modeling Approaches Utilized: Classification</a:t>
             </a:r>
             <a:endParaRPr sz="3200" dirty="0"/>
@@ -10145,7 +10707,7 @@
             </a:pPr>
             <a:fld id="{00000000-1234-1234-1234-123412341234}" type="slidenum">
               <a:rPr lang="en-US" smtClean="0"/>
-              <a:t>9</a:t>
+              <a:t>10</a:t>
             </a:fld>
             <a:endParaRPr lang="en-US"/>
           </a:p>
@@ -10155,179 +10717,6 @@
     <p:extLst>
       <p:ext uri="{BB962C8B-B14F-4D97-AF65-F5344CB8AC3E}">
         <p14:creationId xmlns:p14="http://schemas.microsoft.com/office/powerpoint/2010/main" val="491648610"/>
-      </p:ext>
-    </p:extLst>
-  </p:cSld>
-  <p:clrMapOvr>
-    <a:masterClrMapping/>
-  </p:clrMapOvr>
-</p:sld>
-</file>
-
-<file path=ppt/slides/slide11.xml><?xml version="1.0" encoding="utf-8"?>
-<p:sld xmlns:a="http://schemas.openxmlformats.org/drawingml/2006/main" xmlns:r="http://schemas.openxmlformats.org/officeDocument/2006/relationships" xmlns:p="http://schemas.openxmlformats.org/presentationml/2006/main">
-  <p:cSld>
-    <p:spTree>
-      <p:nvGrpSpPr>
-        <p:cNvPr id="1" name="Shape 104"/>
-        <p:cNvGrpSpPr/>
-        <p:nvPr/>
-      </p:nvGrpSpPr>
-      <p:grpSpPr>
-        <a:xfrm>
-          <a:off x="0" y="0"/>
-          <a:ext cx="0" cy="0"/>
-          <a:chOff x="0" y="0"/>
-          <a:chExt cx="0" cy="0"/>
-        </a:xfrm>
-      </p:grpSpPr>
-      <p:sp>
-        <p:nvSpPr>
-          <p:cNvPr id="105" name="Google Shape;105;p10"/>
-          <p:cNvSpPr txBox="1">
-            <a:spLocks noGrp="1"/>
-          </p:cNvSpPr>
-          <p:nvPr>
-            <p:ph type="title"/>
-          </p:nvPr>
-        </p:nvSpPr>
-        <p:spPr>
-          <a:xfrm>
-            <a:off x="762000" y="363538"/>
-            <a:ext cx="10668000" cy="540230"/>
-          </a:xfrm>
-          <a:prstGeom prst="rect">
-            <a:avLst/>
-          </a:prstGeom>
-          <a:noFill/>
-          <a:ln>
-            <a:noFill/>
-          </a:ln>
-        </p:spPr>
-        <p:txBody>
-          <a:bodyPr spcFirstLastPara="1" wrap="square" lIns="91425" tIns="45700" rIns="91425" bIns="45700" anchor="t" anchorCtr="0">
-            <a:noAutofit/>
-          </a:bodyPr>
-          <a:lstStyle/>
-          <a:p>
-            <a:pPr marL="0" lvl="0" indent="0" algn="l" rtl="0">
-              <a:lnSpc>
-                <a:spcPct val="90000"/>
-              </a:lnSpc>
-              <a:spcBef>
-                <a:spcPts val="0"/>
-              </a:spcBef>
-              <a:spcAft>
-                <a:spcPts val="0"/>
-              </a:spcAft>
-              <a:buClr>
-                <a:schemeClr val="dk1"/>
-              </a:buClr>
-              <a:buSzPts val="3600"/>
-              <a:buFont typeface="Arial"/>
-              <a:buNone/>
-            </a:pPr>
-            <a:r>
-              <a:rPr lang="en-US" sz="3200" dirty="0"/>
-              <a:t>Selected Model</a:t>
-            </a:r>
-            <a:endParaRPr sz="3200" dirty="0"/>
-          </a:p>
-        </p:txBody>
-      </p:sp>
-      <p:sp>
-        <p:nvSpPr>
-          <p:cNvPr id="5" name="Google Shape;109;p10">
-            <a:extLst>
-              <a:ext uri="{FF2B5EF4-FFF2-40B4-BE49-F238E27FC236}">
-                <a16:creationId xmlns:a16="http://schemas.microsoft.com/office/drawing/2014/main" id="{2BFDF0D6-F40D-456F-B8E0-932363E5B50E}"/>
-              </a:ext>
-            </a:extLst>
-          </p:cNvPr>
-          <p:cNvSpPr txBox="1"/>
-          <p:nvPr/>
-        </p:nvSpPr>
-        <p:spPr>
-          <a:xfrm>
-            <a:off x="761999" y="876963"/>
-            <a:ext cx="10947647" cy="1041568"/>
-          </a:xfrm>
-          <a:prstGeom prst="rect">
-            <a:avLst/>
-          </a:prstGeom>
-          <a:noFill/>
-          <a:ln>
-            <a:noFill/>
-          </a:ln>
-        </p:spPr>
-        <p:txBody>
-          <a:bodyPr spcFirstLastPara="1" wrap="square" lIns="91425" tIns="45700" rIns="91425" bIns="45700" anchor="t" anchorCtr="0">
-            <a:noAutofit/>
-          </a:bodyPr>
-          <a:lstStyle/>
-          <a:p>
-            <a:pPr marL="0" marR="0" lvl="0" indent="0" algn="l" rtl="0">
-              <a:spcBef>
-                <a:spcPts val="0"/>
-              </a:spcBef>
-              <a:spcAft>
-                <a:spcPts val="0"/>
-              </a:spcAft>
-              <a:buNone/>
-            </a:pPr>
-            <a:r>
-              <a:rPr lang="en-US" sz="1800" dirty="0">
-                <a:solidFill>
-                  <a:schemeClr val="dk1"/>
-                </a:solidFill>
-              </a:rPr>
-              <a:t>We tested several modeling approaches, however ultimately landed on [Model X] due to….</a:t>
-            </a:r>
-          </a:p>
-        </p:txBody>
-      </p:sp>
-      <p:sp>
-        <p:nvSpPr>
-          <p:cNvPr id="3" name="Slide Number Placeholder 2">
-            <a:extLst>
-              <a:ext uri="{FF2B5EF4-FFF2-40B4-BE49-F238E27FC236}">
-                <a16:creationId xmlns:a16="http://schemas.microsoft.com/office/drawing/2014/main" id="{BD56DDDA-9184-4E12-85DF-473A0329F5D5}"/>
-              </a:ext>
-            </a:extLst>
-          </p:cNvPr>
-          <p:cNvSpPr>
-            <a:spLocks noGrp="1"/>
-          </p:cNvSpPr>
-          <p:nvPr>
-            <p:ph type="sldNum" idx="12"/>
-          </p:nvPr>
-        </p:nvSpPr>
-        <p:spPr/>
-        <p:txBody>
-          <a:bodyPr/>
-          <a:lstStyle/>
-          <a:p>
-            <a:pPr marL="0" lvl="0" indent="0" algn="r" rtl="0">
-              <a:spcBef>
-                <a:spcPts val="0"/>
-              </a:spcBef>
-              <a:spcAft>
-                <a:spcPts val="0"/>
-              </a:spcAft>
-              <a:buNone/>
-            </a:pPr>
-            <a:fld id="{00000000-1234-1234-1234-123412341234}" type="slidenum">
-              <a:rPr lang="en-US" smtClean="0"/>
-              <a:t>10</a:t>
-            </a:fld>
-            <a:endParaRPr lang="en-US"/>
-          </a:p>
-        </p:txBody>
-      </p:sp>
-    </p:spTree>
-    <p:extLst>
-      <p:ext uri="{BB962C8B-B14F-4D97-AF65-F5344CB8AC3E}">
-        <p14:creationId xmlns:p14="http://schemas.microsoft.com/office/powerpoint/2010/main" val="450061217"/>
       </p:ext>
     </p:extLst>
   </p:cSld>
@@ -10402,7 +10791,7 @@
             </a:pPr>
             <a:r>
               <a:rPr lang="en-US" sz="3200" dirty="0"/>
-              <a:t>Feature Refinement &amp; Final Model</a:t>
+              <a:t>Selected Model</a:t>
             </a:r>
             <a:endParaRPr sz="3200" dirty="0"/>
           </a:p>
@@ -10410,10 +10799,10 @@
       </p:sp>
       <p:sp>
         <p:nvSpPr>
-          <p:cNvPr id="4" name="TextBox 3">
+          <p:cNvPr id="5" name="Google Shape;109;p10">
             <a:extLst>
               <a:ext uri="{FF2B5EF4-FFF2-40B4-BE49-F238E27FC236}">
-                <a16:creationId xmlns:a16="http://schemas.microsoft.com/office/drawing/2014/main" id="{BBC4606E-4940-4851-BF99-9D456FA4E71E}"/>
+                <a16:creationId xmlns:a16="http://schemas.microsoft.com/office/drawing/2014/main" id="{2BFDF0D6-F40D-456F-B8E0-932363E5B50E}"/>
               </a:ext>
             </a:extLst>
           </p:cNvPr>
@@ -10422,37 +10811,49 @@
         </p:nvSpPr>
         <p:spPr>
           <a:xfrm>
-            <a:off x="669302" y="2394003"/>
-            <a:ext cx="7481640" cy="523220"/>
+            <a:off x="761999" y="876963"/>
+            <a:ext cx="10947647" cy="1041568"/>
           </a:xfrm>
           <a:prstGeom prst="rect">
             <a:avLst/>
           </a:prstGeom>
           <a:noFill/>
+          <a:ln>
+            <a:noFill/>
+          </a:ln>
         </p:spPr>
         <p:txBody>
-          <a:bodyPr wrap="square" rtlCol="0">
-            <a:spAutoFit/>
+          <a:bodyPr spcFirstLastPara="1" wrap="square" lIns="91425" tIns="45700" rIns="91425" bIns="45700" anchor="t" anchorCtr="0">
+            <a:noAutofit/>
           </a:bodyPr>
           <a:lstStyle/>
           <a:p>
+            <a:pPr marL="0" marR="0" lvl="0" indent="0" algn="l" rtl="0">
+              <a:spcBef>
+                <a:spcPts val="0"/>
+              </a:spcBef>
+              <a:spcAft>
+                <a:spcPts val="0"/>
+              </a:spcAft>
+              <a:buNone/>
+            </a:pPr>
             <a:r>
-              <a:rPr lang="en-US" dirty="0">
-                <a:solidFill>
-                  <a:srgbClr val="C00000"/>
+              <a:rPr lang="en-US" sz="1800" dirty="0">
+                <a:solidFill>
+                  <a:schemeClr val="dk1"/>
                 </a:solidFill>
               </a:rPr>
-              <a:t>I am assuming similar to the homework we may run initial models and then refine the features; in which case we may want this slide. However, if not, we can delete.</a:t>
+              <a:t>We tested several modeling approaches, however ultimately landed on [Model X] due to….</a:t>
             </a:r>
           </a:p>
         </p:txBody>
       </p:sp>
       <p:sp>
         <p:nvSpPr>
-          <p:cNvPr id="2" name="Slide Number Placeholder 1">
+          <p:cNvPr id="3" name="Slide Number Placeholder 2">
             <a:extLst>
               <a:ext uri="{FF2B5EF4-FFF2-40B4-BE49-F238E27FC236}">
-                <a16:creationId xmlns:a16="http://schemas.microsoft.com/office/drawing/2014/main" id="{383CC481-9A85-40E2-BDB3-01C13762481C}"/>
+                <a16:creationId xmlns:a16="http://schemas.microsoft.com/office/drawing/2014/main" id="{BD56DDDA-9184-4E12-85DF-473A0329F5D5}"/>
               </a:ext>
             </a:extLst>
           </p:cNvPr>
@@ -10488,7 +10889,7 @@
     </p:spTree>
     <p:extLst>
       <p:ext uri="{BB962C8B-B14F-4D97-AF65-F5344CB8AC3E}">
-        <p14:creationId xmlns:p14="http://schemas.microsoft.com/office/powerpoint/2010/main" val="3291061125"/>
+        <p14:creationId xmlns:p14="http://schemas.microsoft.com/office/powerpoint/2010/main" val="450061217"/>
       </p:ext>
     </p:extLst>
   </p:cSld>
@@ -10563,7 +10964,7 @@
             </a:pPr>
             <a:r>
               <a:rPr lang="en-US" sz="3200" dirty="0"/>
-              <a:t>Model Outcomes</a:t>
+              <a:t>Feature Refinement &amp; Final Model</a:t>
             </a:r>
             <a:endParaRPr sz="3200" dirty="0"/>
           </a:p>
@@ -10584,7 +10985,7 @@
         <p:spPr>
           <a:xfrm>
             <a:off x="669302" y="2394003"/>
-            <a:ext cx="7481640" cy="1384995"/>
+            <a:ext cx="7481640" cy="523220"/>
           </a:xfrm>
           <a:prstGeom prst="rect">
             <a:avLst/>
@@ -10603,24 +11004,7 @@
                   <a:srgbClr val="C00000"/>
                 </a:solidFill>
               </a:rPr>
-              <a:t>For this slide, I think we should take the outputs of the model and pick a region/geography to do a deep dive on the results and what the application would be. E.g., rank hospitals in Chicago to show how they perform relative to one another.</a:t>
-            </a:r>
-          </a:p>
-          <a:p>
-            <a:endParaRPr lang="en-US" dirty="0">
-              <a:solidFill>
-                <a:srgbClr val="C00000"/>
-              </a:solidFill>
-            </a:endParaRPr>
-          </a:p>
-          <a:p>
-            <a:r>
-              <a:rPr lang="en-US" dirty="0">
-                <a:solidFill>
-                  <a:srgbClr val="C00000"/>
-                </a:solidFill>
-              </a:rPr>
-              <a:t>I could also foresee this being multiple slides of graphical outputs, similar to the example we looked at. We probably need to further discuss/think more about what these would be.</a:t>
+              <a:t>I am assuming similar to the homework we may run initial models and then refine the features; in which case we may want this slide. However, if not, we can delete.</a:t>
             </a:r>
           </a:p>
         </p:txBody>
@@ -10630,7 +11014,7 @@
           <p:cNvPr id="2" name="Slide Number Placeholder 1">
             <a:extLst>
               <a:ext uri="{FF2B5EF4-FFF2-40B4-BE49-F238E27FC236}">
-                <a16:creationId xmlns:a16="http://schemas.microsoft.com/office/drawing/2014/main" id="{8794F2E9-EA18-491F-84B2-75FD8A5197F9}"/>
+                <a16:creationId xmlns:a16="http://schemas.microsoft.com/office/drawing/2014/main" id="{383CC481-9A85-40E2-BDB3-01C13762481C}"/>
               </a:ext>
             </a:extLst>
           </p:cNvPr>
@@ -10663,109 +11047,10 @@
           </a:p>
         </p:txBody>
       </p:sp>
-      <p:sp>
-        <p:nvSpPr>
-          <p:cNvPr id="5" name="Text Placeholder 2">
-            <a:extLst>
-              <a:ext uri="{FF2B5EF4-FFF2-40B4-BE49-F238E27FC236}">
-                <a16:creationId xmlns:a16="http://schemas.microsoft.com/office/drawing/2014/main" id="{86CEA2F1-75FD-4223-B672-21BC3A9CB736}"/>
-              </a:ext>
-            </a:extLst>
-          </p:cNvPr>
-          <p:cNvSpPr>
-            <a:spLocks noGrp="1"/>
-          </p:cNvSpPr>
-          <p:nvPr>
-            <p:ph type="body" idx="1"/>
-          </p:nvPr>
-        </p:nvSpPr>
-        <p:spPr>
-          <a:xfrm>
-            <a:off x="6429080" y="1565559"/>
-            <a:ext cx="5000920" cy="3996965"/>
-          </a:xfrm>
-        </p:spPr>
-        <p:txBody>
-          <a:bodyPr/>
-          <a:lstStyle/>
-          <a:p>
-            <a:pPr>
-              <a:spcBef>
-                <a:spcPts val="1200"/>
-              </a:spcBef>
-              <a:spcAft>
-                <a:spcPts val="1200"/>
-              </a:spcAft>
-            </a:pPr>
-            <a:r>
-              <a:rPr lang="en-US" sz="2000" dirty="0">
-                <a:solidFill>
-                  <a:schemeClr val="tx1"/>
-                </a:solidFill>
-              </a:rPr>
-              <a:t>A timely hospital quality and performance reporting application for consumers</a:t>
-            </a:r>
-          </a:p>
-          <a:p>
-            <a:pPr>
-              <a:spcBef>
-                <a:spcPts val="1200"/>
-              </a:spcBef>
-              <a:spcAft>
-                <a:spcPts val="1200"/>
-              </a:spcAft>
-            </a:pPr>
-            <a:r>
-              <a:rPr lang="en-US" sz="2000" dirty="0">
-                <a:solidFill>
-                  <a:schemeClr val="tx1"/>
-                </a:solidFill>
-              </a:rPr>
-              <a:t>Based on consumer surveys and voluntary reporting from hospitals</a:t>
-            </a:r>
-          </a:p>
-          <a:p>
-            <a:pPr>
-              <a:spcBef>
-                <a:spcPts val="1200"/>
-              </a:spcBef>
-              <a:spcAft>
-                <a:spcPts val="1200"/>
-              </a:spcAft>
-            </a:pPr>
-            <a:r>
-              <a:rPr lang="en-US" sz="2000" dirty="0">
-                <a:solidFill>
-                  <a:schemeClr val="tx1"/>
-                </a:solidFill>
-              </a:rPr>
-              <a:t>Reports an overall score and ranking for each hospitals in a region</a:t>
-            </a:r>
-          </a:p>
-          <a:p>
-            <a:pPr>
-              <a:spcBef>
-                <a:spcPts val="1200"/>
-              </a:spcBef>
-              <a:spcAft>
-                <a:spcPts val="1200"/>
-              </a:spcAft>
-            </a:pPr>
-            <a:r>
-              <a:rPr lang="en-US" sz="2000" dirty="0">
-                <a:solidFill>
-                  <a:schemeClr val="tx1"/>
-                </a:solidFill>
-              </a:rPr>
-              <a:t>Used by consumers to determine where they may seek non-emergency care</a:t>
-            </a:r>
-          </a:p>
-        </p:txBody>
-      </p:sp>
     </p:spTree>
     <p:extLst>
       <p:ext uri="{BB962C8B-B14F-4D97-AF65-F5344CB8AC3E}">
-        <p14:creationId xmlns:p14="http://schemas.microsoft.com/office/powerpoint/2010/main" val="2303775462"/>
+        <p14:creationId xmlns:p14="http://schemas.microsoft.com/office/powerpoint/2010/main" val="3291061125"/>
       </p:ext>
     </p:extLst>
   </p:cSld>
@@ -10840,6 +11125,283 @@
             </a:pPr>
             <a:r>
               <a:rPr lang="en-US" sz="3200" dirty="0"/>
+              <a:t>Model Outcomes</a:t>
+            </a:r>
+            <a:endParaRPr sz="3200" dirty="0"/>
+          </a:p>
+        </p:txBody>
+      </p:sp>
+      <p:sp>
+        <p:nvSpPr>
+          <p:cNvPr id="4" name="TextBox 3">
+            <a:extLst>
+              <a:ext uri="{FF2B5EF4-FFF2-40B4-BE49-F238E27FC236}">
+                <a16:creationId xmlns:a16="http://schemas.microsoft.com/office/drawing/2014/main" id="{BBC4606E-4940-4851-BF99-9D456FA4E71E}"/>
+              </a:ext>
+            </a:extLst>
+          </p:cNvPr>
+          <p:cNvSpPr txBox="1"/>
+          <p:nvPr/>
+        </p:nvSpPr>
+        <p:spPr>
+          <a:xfrm>
+            <a:off x="669302" y="2394003"/>
+            <a:ext cx="7481640" cy="1384995"/>
+          </a:xfrm>
+          <a:prstGeom prst="rect">
+            <a:avLst/>
+          </a:prstGeom>
+          <a:noFill/>
+        </p:spPr>
+        <p:txBody>
+          <a:bodyPr wrap="square" rtlCol="0">
+            <a:spAutoFit/>
+          </a:bodyPr>
+          <a:lstStyle/>
+          <a:p>
+            <a:r>
+              <a:rPr lang="en-US" dirty="0">
+                <a:solidFill>
+                  <a:srgbClr val="C00000"/>
+                </a:solidFill>
+              </a:rPr>
+              <a:t>For this slide, I think we should take the outputs of the model and pick a region/geography to do a deep dive on the results and what the application would be. E.g., rank hospitals in Chicago to show how they perform relative to one another.</a:t>
+            </a:r>
+          </a:p>
+          <a:p>
+            <a:endParaRPr lang="en-US" dirty="0">
+              <a:solidFill>
+                <a:srgbClr val="C00000"/>
+              </a:solidFill>
+            </a:endParaRPr>
+          </a:p>
+          <a:p>
+            <a:r>
+              <a:rPr lang="en-US" dirty="0">
+                <a:solidFill>
+                  <a:srgbClr val="C00000"/>
+                </a:solidFill>
+              </a:rPr>
+              <a:t>I could also foresee this being multiple slides of graphical outputs, similar to the example we looked at. We probably need to further discuss/think more about what these would be.</a:t>
+            </a:r>
+          </a:p>
+        </p:txBody>
+      </p:sp>
+      <p:sp>
+        <p:nvSpPr>
+          <p:cNvPr id="2" name="Slide Number Placeholder 1">
+            <a:extLst>
+              <a:ext uri="{FF2B5EF4-FFF2-40B4-BE49-F238E27FC236}">
+                <a16:creationId xmlns:a16="http://schemas.microsoft.com/office/drawing/2014/main" id="{8794F2E9-EA18-491F-84B2-75FD8A5197F9}"/>
+              </a:ext>
+            </a:extLst>
+          </p:cNvPr>
+          <p:cNvSpPr>
+            <a:spLocks noGrp="1"/>
+          </p:cNvSpPr>
+          <p:nvPr>
+            <p:ph type="sldNum" idx="12"/>
+          </p:nvPr>
+        </p:nvSpPr>
+        <p:spPr/>
+        <p:txBody>
+          <a:bodyPr/>
+          <a:lstStyle/>
+          <a:p>
+            <a:pPr marL="0" lvl="0" indent="0" algn="r" rtl="0">
+              <a:spcBef>
+                <a:spcPts val="0"/>
+              </a:spcBef>
+              <a:spcAft>
+                <a:spcPts val="0"/>
+              </a:spcAft>
+              <a:buNone/>
+            </a:pPr>
+            <a:fld id="{00000000-1234-1234-1234-123412341234}" type="slidenum">
+              <a:rPr lang="en-US" smtClean="0"/>
+              <a:t>13</a:t>
+            </a:fld>
+            <a:endParaRPr lang="en-US"/>
+          </a:p>
+        </p:txBody>
+      </p:sp>
+      <p:sp>
+        <p:nvSpPr>
+          <p:cNvPr id="5" name="Text Placeholder 2">
+            <a:extLst>
+              <a:ext uri="{FF2B5EF4-FFF2-40B4-BE49-F238E27FC236}">
+                <a16:creationId xmlns:a16="http://schemas.microsoft.com/office/drawing/2014/main" id="{86CEA2F1-75FD-4223-B672-21BC3A9CB736}"/>
+              </a:ext>
+            </a:extLst>
+          </p:cNvPr>
+          <p:cNvSpPr>
+            <a:spLocks noGrp="1"/>
+          </p:cNvSpPr>
+          <p:nvPr>
+            <p:ph type="body" idx="1"/>
+          </p:nvPr>
+        </p:nvSpPr>
+        <p:spPr>
+          <a:xfrm>
+            <a:off x="6429080" y="1565559"/>
+            <a:ext cx="5000920" cy="3996965"/>
+          </a:xfrm>
+        </p:spPr>
+        <p:txBody>
+          <a:bodyPr/>
+          <a:lstStyle/>
+          <a:p>
+            <a:pPr>
+              <a:spcBef>
+                <a:spcPts val="1200"/>
+              </a:spcBef>
+              <a:spcAft>
+                <a:spcPts val="1200"/>
+              </a:spcAft>
+            </a:pPr>
+            <a:r>
+              <a:rPr lang="en-US" sz="2000" dirty="0">
+                <a:solidFill>
+                  <a:schemeClr val="tx1"/>
+                </a:solidFill>
+              </a:rPr>
+              <a:t>A timely hospital quality and performance reporting application for consumers</a:t>
+            </a:r>
+          </a:p>
+          <a:p>
+            <a:pPr>
+              <a:spcBef>
+                <a:spcPts val="1200"/>
+              </a:spcBef>
+              <a:spcAft>
+                <a:spcPts val="1200"/>
+              </a:spcAft>
+            </a:pPr>
+            <a:r>
+              <a:rPr lang="en-US" sz="2000" dirty="0">
+                <a:solidFill>
+                  <a:schemeClr val="tx1"/>
+                </a:solidFill>
+              </a:rPr>
+              <a:t>Based on consumer surveys and voluntary reporting from hospitals</a:t>
+            </a:r>
+          </a:p>
+          <a:p>
+            <a:pPr>
+              <a:spcBef>
+                <a:spcPts val="1200"/>
+              </a:spcBef>
+              <a:spcAft>
+                <a:spcPts val="1200"/>
+              </a:spcAft>
+            </a:pPr>
+            <a:r>
+              <a:rPr lang="en-US" sz="2000" dirty="0">
+                <a:solidFill>
+                  <a:schemeClr val="tx1"/>
+                </a:solidFill>
+              </a:rPr>
+              <a:t>Reports an overall score and ranking for each hospitals in a region</a:t>
+            </a:r>
+          </a:p>
+          <a:p>
+            <a:pPr>
+              <a:spcBef>
+                <a:spcPts val="1200"/>
+              </a:spcBef>
+              <a:spcAft>
+                <a:spcPts val="1200"/>
+              </a:spcAft>
+            </a:pPr>
+            <a:r>
+              <a:rPr lang="en-US" sz="2000" dirty="0">
+                <a:solidFill>
+                  <a:schemeClr val="tx1"/>
+                </a:solidFill>
+              </a:rPr>
+              <a:t>Used by consumers to determine where they may seek non-emergency care</a:t>
+            </a:r>
+          </a:p>
+        </p:txBody>
+      </p:sp>
+    </p:spTree>
+    <p:extLst>
+      <p:ext uri="{BB962C8B-B14F-4D97-AF65-F5344CB8AC3E}">
+        <p14:creationId xmlns:p14="http://schemas.microsoft.com/office/powerpoint/2010/main" val="2303775462"/>
+      </p:ext>
+    </p:extLst>
+  </p:cSld>
+  <p:clrMapOvr>
+    <a:masterClrMapping/>
+  </p:clrMapOvr>
+</p:sld>
+</file>
+
+<file path=ppt/slides/slide15.xml><?xml version="1.0" encoding="utf-8"?>
+<p:sld xmlns:a="http://schemas.openxmlformats.org/drawingml/2006/main" xmlns:r="http://schemas.openxmlformats.org/officeDocument/2006/relationships" xmlns:p="http://schemas.openxmlformats.org/presentationml/2006/main">
+  <p:cSld>
+    <p:spTree>
+      <p:nvGrpSpPr>
+        <p:cNvPr id="1" name="Shape 104"/>
+        <p:cNvGrpSpPr/>
+        <p:nvPr/>
+      </p:nvGrpSpPr>
+      <p:grpSpPr>
+        <a:xfrm>
+          <a:off x="0" y="0"/>
+          <a:ext cx="0" cy="0"/>
+          <a:chOff x="0" y="0"/>
+          <a:chExt cx="0" cy="0"/>
+        </a:xfrm>
+      </p:grpSpPr>
+      <p:sp>
+        <p:nvSpPr>
+          <p:cNvPr id="105" name="Google Shape;105;p10"/>
+          <p:cNvSpPr txBox="1">
+            <a:spLocks noGrp="1"/>
+          </p:cNvSpPr>
+          <p:nvPr>
+            <p:ph type="title"/>
+          </p:nvPr>
+        </p:nvSpPr>
+        <p:spPr>
+          <a:xfrm>
+            <a:off x="762000" y="363538"/>
+            <a:ext cx="10668000" cy="540230"/>
+          </a:xfrm>
+          <a:prstGeom prst="rect">
+            <a:avLst/>
+          </a:prstGeom>
+          <a:noFill/>
+          <a:ln>
+            <a:noFill/>
+          </a:ln>
+        </p:spPr>
+        <p:txBody>
+          <a:bodyPr spcFirstLastPara="1" wrap="square" lIns="91425" tIns="45700" rIns="91425" bIns="45700" anchor="t" anchorCtr="0">
+            <a:noAutofit/>
+          </a:bodyPr>
+          <a:lstStyle/>
+          <a:p>
+            <a:pPr marL="0" lvl="0" indent="0" algn="l" rtl="0">
+              <a:lnSpc>
+                <a:spcPct val="90000"/>
+              </a:lnSpc>
+              <a:spcBef>
+                <a:spcPts val="0"/>
+              </a:spcBef>
+              <a:spcAft>
+                <a:spcPts val="0"/>
+              </a:spcAft>
+              <a:buClr>
+                <a:schemeClr val="dk1"/>
+              </a:buClr>
+              <a:buSzPts val="3600"/>
+              <a:buFont typeface="Arial"/>
+              <a:buNone/>
+            </a:pPr>
+            <a:r>
+              <a:rPr lang="en-US" sz="3200" dirty="0"/>
               <a:t>Recommendations</a:t>
             </a:r>
             <a:endParaRPr sz="3200" dirty="0"/>
@@ -10917,7 +11479,7 @@
             </a:pPr>
             <a:fld id="{00000000-1234-1234-1234-123412341234}" type="slidenum">
               <a:rPr lang="en-US" smtClean="0"/>
-              <a:t>13</a:t>
+              <a:t>14</a:t>
             </a:fld>
             <a:endParaRPr lang="en-US"/>
           </a:p>
@@ -10936,7 +11498,7 @@
 </p:sld>
 </file>
 
-<file path=ppt/slides/slide15.xml><?xml version="1.0" encoding="utf-8"?>
+<file path=ppt/slides/slide16.xml><?xml version="1.0" encoding="utf-8"?>
 <p:sld xmlns:a="http://schemas.openxmlformats.org/drawingml/2006/main" xmlns:r="http://schemas.openxmlformats.org/officeDocument/2006/relationships" xmlns:p="http://schemas.openxmlformats.org/presentationml/2006/main">
   <p:cSld>
     <p:spTree>
@@ -11082,7 +11644,7 @@
             </a:pPr>
             <a:fld id="{00000000-1234-1234-1234-123412341234}" type="slidenum">
               <a:rPr lang="en-US" smtClean="0"/>
-              <a:t>14</a:t>
+              <a:t>15</a:t>
             </a:fld>
             <a:endParaRPr lang="en-US"/>
           </a:p>
@@ -11101,7 +11663,7 @@
 </p:sld>
 </file>
 
-<file path=ppt/slides/slide16.xml><?xml version="1.0" encoding="utf-8"?>
+<file path=ppt/slides/slide17.xml><?xml version="1.0" encoding="utf-8"?>
 <p:sld xmlns:a="http://schemas.openxmlformats.org/drawingml/2006/main" xmlns:r="http://schemas.openxmlformats.org/officeDocument/2006/relationships" xmlns:p="http://schemas.openxmlformats.org/presentationml/2006/main">
   <p:cSld>
     <p:spTree>
@@ -11331,7 +11893,7 @@
             </a:pPr>
             <a:fld id="{00000000-1234-1234-1234-123412341234}" type="slidenum">
               <a:rPr lang="en-US" smtClean="0"/>
-              <a:t>15</a:t>
+              <a:t>16</a:t>
             </a:fld>
             <a:endParaRPr lang="en-US"/>
           </a:p>
@@ -16988,12 +17550,42 @@
           </a:p>
         </p:txBody>
       </p:sp>
+      <p:pic>
+        <p:nvPicPr>
+          <p:cNvPr id="3" name="Picture 2">
+            <a:extLst>
+              <a:ext uri="{FF2B5EF4-FFF2-40B4-BE49-F238E27FC236}">
+                <a16:creationId xmlns:a16="http://schemas.microsoft.com/office/drawing/2014/main" id="{8A23C4E9-8BD1-49BB-816E-4AB3A8E43BE8}"/>
+              </a:ext>
+            </a:extLst>
+          </p:cNvPr>
+          <p:cNvPicPr>
+            <a:picLocks noChangeAspect="1"/>
+          </p:cNvPicPr>
+          <p:nvPr/>
+        </p:nvPicPr>
+        <p:blipFill>
+          <a:blip r:embed="rId3"/>
+          <a:stretch>
+            <a:fillRect/>
+          </a:stretch>
+        </p:blipFill>
+        <p:spPr>
+          <a:xfrm>
+            <a:off x="5320728" y="515286"/>
+            <a:ext cx="6276975" cy="5276850"/>
+          </a:xfrm>
+          <a:prstGeom prst="rect">
+            <a:avLst/>
+          </a:prstGeom>
+        </p:spPr>
+      </p:pic>
       <p:sp>
         <p:nvSpPr>
-          <p:cNvPr id="5" name="TextBox 4">
+          <p:cNvPr id="6" name="TextBox 5">
             <a:extLst>
               <a:ext uri="{FF2B5EF4-FFF2-40B4-BE49-F238E27FC236}">
-                <a16:creationId xmlns:a16="http://schemas.microsoft.com/office/drawing/2014/main" id="{D46576A1-D4E8-4062-A8A0-086E299D421B}"/>
+                <a16:creationId xmlns:a16="http://schemas.microsoft.com/office/drawing/2014/main" id="{54EB30FB-3595-4105-94DE-8ABF9B15CE21}"/>
               </a:ext>
             </a:extLst>
           </p:cNvPr>
@@ -17002,8 +17594,8 @@
         </p:nvSpPr>
         <p:spPr>
           <a:xfrm>
-            <a:off x="669302" y="2394002"/>
-            <a:ext cx="2196433" cy="1169551"/>
+            <a:off x="761999" y="1344058"/>
+            <a:ext cx="4283725" cy="3785652"/>
           </a:xfrm>
           <a:prstGeom prst="rect">
             <a:avLst/>
@@ -17016,14 +17608,39 @@
           </a:bodyPr>
           <a:lstStyle/>
           <a:p>
+            <a:pPr marL="285750" indent="-285750">
+              <a:buFont typeface="Arial" panose="020B0604020202020204" pitchFamily="34" charset="0"/>
+              <a:buChar char="•"/>
+            </a:pPr>
             <a:r>
-              <a:rPr lang="en-US" dirty="0">
-                <a:solidFill>
-                  <a:srgbClr val="C00000"/>
-                </a:solidFill>
-              </a:rPr>
-              <a:t>Will we need a second slide for the imputation? Could be a good way for us to call out our methodology.</a:t>
+              <a:rPr lang="en-US" sz="2400" dirty="0"/>
+              <a:t>Complications and Survey datasets combined using shared Provider ID</a:t>
             </a:r>
+          </a:p>
+          <a:p>
+            <a:pPr marL="285750" indent="-285750">
+              <a:buFont typeface="Arial" panose="020B0604020202020204" pitchFamily="34" charset="0"/>
+              <a:buChar char="•"/>
+            </a:pPr>
+            <a:r>
+              <a:rPr lang="en-US" sz="2400" dirty="0"/>
+              <a:t>Dropped high cardinality features such as zip code and state</a:t>
+            </a:r>
+          </a:p>
+          <a:p>
+            <a:pPr marL="285750" indent="-285750">
+              <a:buFont typeface="Arial" panose="020B0604020202020204" pitchFamily="34" charset="0"/>
+              <a:buChar char="•"/>
+            </a:pPr>
+            <a:r>
+              <a:rPr lang="en-US" sz="2400" dirty="0"/>
+              <a:t>Selected Star Rating and Recommended Linear Score as our </a:t>
+            </a:r>
+            <a:r>
+              <a:rPr lang="en-US" sz="2400"/>
+              <a:t>target variables</a:t>
+            </a:r>
+            <a:endParaRPr lang="en-US" sz="2400" dirty="0"/>
           </a:p>
         </p:txBody>
       </p:sp>
@@ -17105,362 +17722,18 @@
             </a:pPr>
             <a:r>
               <a:rPr lang="en-US" sz="3200" dirty="0"/>
-              <a:t>Modeling Approaches Utilized: Regression</a:t>
+              <a:t>Imputation</a:t>
             </a:r>
             <a:endParaRPr sz="3200" dirty="0"/>
           </a:p>
         </p:txBody>
       </p:sp>
-      <p:graphicFrame>
-        <p:nvGraphicFramePr>
-          <p:cNvPr id="2" name="Table 1">
+      <p:sp>
+        <p:nvSpPr>
+          <p:cNvPr id="2" name="Slide Number Placeholder 1">
             <a:extLst>
               <a:ext uri="{FF2B5EF4-FFF2-40B4-BE49-F238E27FC236}">
-                <a16:creationId xmlns:a16="http://schemas.microsoft.com/office/drawing/2014/main" id="{20589061-E9DC-477E-87F5-2BDC299FFCFC}"/>
-              </a:ext>
-            </a:extLst>
-          </p:cNvPr>
-          <p:cNvGraphicFramePr>
-            <a:graphicFrameLocks noGrp="1"/>
-          </p:cNvGraphicFramePr>
-          <p:nvPr>
-            <p:extLst>
-              <p:ext uri="{D42A27DB-BD31-4B8C-83A1-F6EECF244321}">
-                <p14:modId xmlns:p14="http://schemas.microsoft.com/office/powerpoint/2010/main" val="2422842497"/>
-              </p:ext>
-            </p:extLst>
-          </p:nvPr>
-        </p:nvGraphicFramePr>
-        <p:xfrm>
-          <a:off x="960283" y="1398089"/>
-          <a:ext cx="10403840" cy="2352040"/>
-        </p:xfrm>
-        <a:graphic>
-          <a:graphicData uri="http://schemas.openxmlformats.org/drawingml/2006/table">
-            <a:tbl>
-              <a:tblPr firstRow="1" bandRow="1">
-                <a:tableStyleId>{8799B23B-EC83-4686-B30A-512413B5E67A}</a:tableStyleId>
-              </a:tblPr>
-              <a:tblGrid>
-                <a:gridCol w="1625600">
-                  <a:extLst>
-                    <a:ext uri="{9D8B030D-6E8A-4147-A177-3AD203B41FA5}">
-                      <a16:colId xmlns:a16="http://schemas.microsoft.com/office/drawing/2014/main" val="3047201911"/>
-                    </a:ext>
-                  </a:extLst>
-                </a:gridCol>
-                <a:gridCol w="2194560">
-                  <a:extLst>
-                    <a:ext uri="{9D8B030D-6E8A-4147-A177-3AD203B41FA5}">
-                      <a16:colId xmlns:a16="http://schemas.microsoft.com/office/drawing/2014/main" val="3831299100"/>
-                    </a:ext>
-                  </a:extLst>
-                </a:gridCol>
-                <a:gridCol w="2194560">
-                  <a:extLst>
-                    <a:ext uri="{9D8B030D-6E8A-4147-A177-3AD203B41FA5}">
-                      <a16:colId xmlns:a16="http://schemas.microsoft.com/office/drawing/2014/main" val="3024791108"/>
-                    </a:ext>
-                  </a:extLst>
-                </a:gridCol>
-                <a:gridCol w="2194560">
-                  <a:extLst>
-                    <a:ext uri="{9D8B030D-6E8A-4147-A177-3AD203B41FA5}">
-                      <a16:colId xmlns:a16="http://schemas.microsoft.com/office/drawing/2014/main" val="2176626461"/>
-                    </a:ext>
-                  </a:extLst>
-                </a:gridCol>
-                <a:gridCol w="2194560">
-                  <a:extLst>
-                    <a:ext uri="{9D8B030D-6E8A-4147-A177-3AD203B41FA5}">
-                      <a16:colId xmlns:a16="http://schemas.microsoft.com/office/drawing/2014/main" val="2037370934"/>
-                    </a:ext>
-                  </a:extLst>
-                </a:gridCol>
-              </a:tblGrid>
-              <a:tr h="370840">
-                <a:tc>
-                  <a:txBody>
-                    <a:bodyPr/>
-                    <a:lstStyle/>
-                    <a:p>
-                      <a:endParaRPr lang="en-US" dirty="0"/>
-                    </a:p>
-                  </a:txBody>
-                  <a:tcPr/>
-                </a:tc>
-                <a:tc>
-                  <a:txBody>
-                    <a:bodyPr/>
-                    <a:lstStyle/>
-                    <a:p>
-                      <a:pPr algn="ctr"/>
-                      <a:r>
-                        <a:rPr lang="en-US" dirty="0"/>
-                        <a:t>Model 1</a:t>
-                      </a:r>
-                    </a:p>
-                  </a:txBody>
-                  <a:tcPr/>
-                </a:tc>
-                <a:tc>
-                  <a:txBody>
-                    <a:bodyPr/>
-                    <a:lstStyle/>
-                    <a:p>
-                      <a:pPr algn="ctr"/>
-                      <a:r>
-                        <a:rPr lang="en-US" dirty="0"/>
-                        <a:t>Model 2</a:t>
-                      </a:r>
-                    </a:p>
-                  </a:txBody>
-                  <a:tcPr/>
-                </a:tc>
-                <a:tc>
-                  <a:txBody>
-                    <a:bodyPr/>
-                    <a:lstStyle/>
-                    <a:p>
-                      <a:pPr algn="ctr"/>
-                      <a:r>
-                        <a:rPr lang="en-US" dirty="0"/>
-                        <a:t>Model 3</a:t>
-                      </a:r>
-                    </a:p>
-                  </a:txBody>
-                  <a:tcPr/>
-                </a:tc>
-                <a:tc>
-                  <a:txBody>
-                    <a:bodyPr/>
-                    <a:lstStyle/>
-                    <a:p>
-                      <a:pPr algn="ctr"/>
-                      <a:r>
-                        <a:rPr lang="en-US" dirty="0"/>
-                        <a:t>Model 4</a:t>
-                      </a:r>
-                    </a:p>
-                  </a:txBody>
-                  <a:tcPr/>
-                </a:tc>
-                <a:extLst>
-                  <a:ext uri="{0D108BD9-81ED-4DB2-BD59-A6C34878D82A}">
-                    <a16:rowId xmlns:a16="http://schemas.microsoft.com/office/drawing/2014/main" val="807575487"/>
-                  </a:ext>
-                </a:extLst>
-              </a:tr>
-              <a:tr h="822960">
-                <a:tc>
-                  <a:txBody>
-                    <a:bodyPr/>
-                    <a:lstStyle/>
-                    <a:p>
-                      <a:pPr algn="ctr"/>
-                      <a:r>
-                        <a:rPr lang="en-US" b="1" dirty="0"/>
-                        <a:t>Overview</a:t>
-                      </a:r>
-                    </a:p>
-                  </a:txBody>
-                  <a:tcPr anchor="ctr"/>
-                </a:tc>
-                <a:tc>
-                  <a:txBody>
-                    <a:bodyPr/>
-                    <a:lstStyle/>
-                    <a:p>
-                      <a:endParaRPr lang="en-US" dirty="0"/>
-                    </a:p>
-                  </a:txBody>
-                  <a:tcPr/>
-                </a:tc>
-                <a:tc>
-                  <a:txBody>
-                    <a:bodyPr/>
-                    <a:lstStyle/>
-                    <a:p>
-                      <a:endParaRPr lang="en-US"/>
-                    </a:p>
-                  </a:txBody>
-                  <a:tcPr/>
-                </a:tc>
-                <a:tc>
-                  <a:txBody>
-                    <a:bodyPr/>
-                    <a:lstStyle/>
-                    <a:p>
-                      <a:endParaRPr lang="en-US"/>
-                    </a:p>
-                  </a:txBody>
-                  <a:tcPr/>
-                </a:tc>
-                <a:tc>
-                  <a:txBody>
-                    <a:bodyPr/>
-                    <a:lstStyle/>
-                    <a:p>
-                      <a:endParaRPr lang="en-US" dirty="0"/>
-                    </a:p>
-                  </a:txBody>
-                  <a:tcPr/>
-                </a:tc>
-                <a:extLst>
-                  <a:ext uri="{0D108BD9-81ED-4DB2-BD59-A6C34878D82A}">
-                    <a16:rowId xmlns:a16="http://schemas.microsoft.com/office/drawing/2014/main" val="2246008554"/>
-                  </a:ext>
-                </a:extLst>
-              </a:tr>
-              <a:tr h="822960">
-                <a:tc>
-                  <a:txBody>
-                    <a:bodyPr/>
-                    <a:lstStyle/>
-                    <a:p>
-                      <a:pPr algn="ctr"/>
-                      <a:r>
-                        <a:rPr lang="en-US" b="1" dirty="0"/>
-                        <a:t>Performance</a:t>
-                      </a:r>
-                    </a:p>
-                  </a:txBody>
-                  <a:tcPr anchor="ctr"/>
-                </a:tc>
-                <a:tc>
-                  <a:txBody>
-                    <a:bodyPr/>
-                    <a:lstStyle/>
-                    <a:p>
-                      <a:r>
-                        <a:rPr lang="en-US" dirty="0"/>
-                        <a:t>Accuracy</a:t>
-                      </a:r>
-                    </a:p>
-                    <a:p>
-                      <a:r>
-                        <a:rPr lang="en-US" dirty="0"/>
-                        <a:t>Precision</a:t>
-                      </a:r>
-                    </a:p>
-                    <a:p>
-                      <a:r>
-                        <a:rPr lang="en-US" dirty="0"/>
-                        <a:t>Recall</a:t>
-                      </a:r>
-                    </a:p>
-                    <a:p>
-                      <a:r>
-                        <a:rPr lang="en-US" dirty="0"/>
-                        <a:t>F1 Score</a:t>
-                      </a:r>
-                    </a:p>
-                    <a:p>
-                      <a:r>
-                        <a:rPr lang="en-US" dirty="0"/>
-                        <a:t>RMSE</a:t>
-                      </a:r>
-                    </a:p>
-                  </a:txBody>
-                  <a:tcPr/>
-                </a:tc>
-                <a:tc>
-                  <a:txBody>
-                    <a:bodyPr/>
-                    <a:lstStyle/>
-                    <a:p>
-                      <a:endParaRPr lang="en-US" dirty="0"/>
-                    </a:p>
-                  </a:txBody>
-                  <a:tcPr/>
-                </a:tc>
-                <a:tc>
-                  <a:txBody>
-                    <a:bodyPr/>
-                    <a:lstStyle/>
-                    <a:p>
-                      <a:endParaRPr lang="en-US" dirty="0"/>
-                    </a:p>
-                  </a:txBody>
-                  <a:tcPr/>
-                </a:tc>
-                <a:tc>
-                  <a:txBody>
-                    <a:bodyPr/>
-                    <a:lstStyle/>
-                    <a:p>
-                      <a:endParaRPr lang="en-US" dirty="0"/>
-                    </a:p>
-                  </a:txBody>
-                  <a:tcPr/>
-                </a:tc>
-                <a:extLst>
-                  <a:ext uri="{0D108BD9-81ED-4DB2-BD59-A6C34878D82A}">
-                    <a16:rowId xmlns:a16="http://schemas.microsoft.com/office/drawing/2014/main" val="32276016"/>
-                  </a:ext>
-                </a:extLst>
-              </a:tr>
-            </a:tbl>
-          </a:graphicData>
-        </a:graphic>
-      </p:graphicFrame>
-      <p:sp>
-        <p:nvSpPr>
-          <p:cNvPr id="5" name="Google Shape;109;p10">
-            <a:extLst>
-              <a:ext uri="{FF2B5EF4-FFF2-40B4-BE49-F238E27FC236}">
-                <a16:creationId xmlns:a16="http://schemas.microsoft.com/office/drawing/2014/main" id="{2BFDF0D6-F40D-456F-B8E0-932363E5B50E}"/>
-              </a:ext>
-            </a:extLst>
-          </p:cNvPr>
-          <p:cNvSpPr txBox="1"/>
-          <p:nvPr/>
-        </p:nvSpPr>
-        <p:spPr>
-          <a:xfrm>
-            <a:off x="761999" y="876963"/>
-            <a:ext cx="10947647" cy="1041568"/>
-          </a:xfrm>
-          <a:prstGeom prst="rect">
-            <a:avLst/>
-          </a:prstGeom>
-          <a:noFill/>
-          <a:ln>
-            <a:noFill/>
-          </a:ln>
-        </p:spPr>
-        <p:txBody>
-          <a:bodyPr spcFirstLastPara="1" wrap="square" lIns="91425" tIns="45700" rIns="91425" bIns="45700" anchor="t" anchorCtr="0">
-            <a:noAutofit/>
-          </a:bodyPr>
-          <a:lstStyle/>
-          <a:p>
-            <a:pPr marL="0" marR="0" lvl="0" indent="0" algn="l" rtl="0">
-              <a:spcBef>
-                <a:spcPts val="0"/>
-              </a:spcBef>
-              <a:spcAft>
-                <a:spcPts val="0"/>
-              </a:spcAft>
-              <a:buNone/>
-            </a:pPr>
-            <a:r>
-              <a:rPr lang="en-US" sz="1800" dirty="0">
-                <a:solidFill>
-                  <a:schemeClr val="dk1"/>
-                </a:solidFill>
-              </a:rPr>
-              <a:t>We tested several modeling approaches, however ultimately landed on [Model X] due to….</a:t>
-            </a:r>
-          </a:p>
-        </p:txBody>
-      </p:sp>
-      <p:sp>
-        <p:nvSpPr>
-          <p:cNvPr id="3" name="Slide Number Placeholder 2">
-            <a:extLst>
-              <a:ext uri="{FF2B5EF4-FFF2-40B4-BE49-F238E27FC236}">
-                <a16:creationId xmlns:a16="http://schemas.microsoft.com/office/drawing/2014/main" id="{BD56DDDA-9184-4E12-85DF-473A0329F5D5}"/>
+                <a16:creationId xmlns:a16="http://schemas.microsoft.com/office/drawing/2014/main" id="{FDCEC58A-EC01-4B69-A8A7-39E289CBB2BE}"/>
               </a:ext>
             </a:extLst>
           </p:cNvPr>
@@ -17493,10 +17766,196 @@
           </a:p>
         </p:txBody>
       </p:sp>
+      <p:sp>
+        <p:nvSpPr>
+          <p:cNvPr id="3" name="TextBox 2">
+            <a:extLst>
+              <a:ext uri="{FF2B5EF4-FFF2-40B4-BE49-F238E27FC236}">
+                <a16:creationId xmlns:a16="http://schemas.microsoft.com/office/drawing/2014/main" id="{8B8ED356-6E94-47AD-B0A5-7FACA0BA2AA5}"/>
+              </a:ext>
+            </a:extLst>
+          </p:cNvPr>
+          <p:cNvSpPr txBox="1"/>
+          <p:nvPr/>
+        </p:nvSpPr>
+        <p:spPr>
+          <a:xfrm>
+            <a:off x="764525" y="1366349"/>
+            <a:ext cx="3847182" cy="2677656"/>
+          </a:xfrm>
+          <a:prstGeom prst="rect">
+            <a:avLst/>
+          </a:prstGeom>
+          <a:noFill/>
+        </p:spPr>
+        <p:txBody>
+          <a:bodyPr wrap="square" rtlCol="0">
+            <a:spAutoFit/>
+          </a:bodyPr>
+          <a:lstStyle/>
+          <a:p>
+            <a:r>
+              <a:rPr lang="en-US" sz="2800" dirty="0"/>
+              <a:t>Three imputation methods:</a:t>
+            </a:r>
+          </a:p>
+          <a:p>
+            <a:endParaRPr lang="en-US" sz="2800" dirty="0"/>
+          </a:p>
+          <a:p>
+            <a:pPr marL="457200" indent="-457200">
+              <a:buFont typeface="Arial" panose="020B0604020202020204" pitchFamily="34" charset="0"/>
+              <a:buChar char="•"/>
+            </a:pPr>
+            <a:r>
+              <a:rPr lang="en-US" sz="2800" dirty="0"/>
+              <a:t>Mean</a:t>
+            </a:r>
+          </a:p>
+          <a:p>
+            <a:pPr marL="457200" indent="-457200">
+              <a:buFont typeface="Arial" panose="020B0604020202020204" pitchFamily="34" charset="0"/>
+              <a:buChar char="•"/>
+            </a:pPr>
+            <a:r>
+              <a:rPr lang="en-US" sz="2800" dirty="0"/>
+              <a:t>Linear regression</a:t>
+            </a:r>
+          </a:p>
+          <a:p>
+            <a:pPr marL="457200" indent="-457200">
+              <a:buFont typeface="Arial" panose="020B0604020202020204" pitchFamily="34" charset="0"/>
+              <a:buChar char="•"/>
+            </a:pPr>
+            <a:r>
+              <a:rPr lang="en-US" sz="2800" dirty="0"/>
+              <a:t>KNN</a:t>
+            </a:r>
+          </a:p>
+        </p:txBody>
+      </p:sp>
+      <p:sp>
+        <p:nvSpPr>
+          <p:cNvPr id="4" name="Star: 5 Points 3">
+            <a:extLst>
+              <a:ext uri="{FF2B5EF4-FFF2-40B4-BE49-F238E27FC236}">
+                <a16:creationId xmlns:a16="http://schemas.microsoft.com/office/drawing/2014/main" id="{AF8439BA-6A5E-4098-9C52-5FB10583648B}"/>
+              </a:ext>
+            </a:extLst>
+          </p:cNvPr>
+          <p:cNvSpPr/>
+          <p:nvPr/>
+        </p:nvSpPr>
+        <p:spPr>
+          <a:xfrm>
+            <a:off x="2396169" y="4871139"/>
+            <a:ext cx="583894" cy="540230"/>
+          </a:xfrm>
+          <a:prstGeom prst="star5">
+            <a:avLst/>
+          </a:prstGeom>
+          <a:solidFill>
+            <a:schemeClr val="accent4"/>
+          </a:solidFill>
+          <a:ln>
+            <a:solidFill>
+              <a:schemeClr val="accent4"/>
+            </a:solidFill>
+          </a:ln>
+        </p:spPr>
+        <p:style>
+          <a:lnRef idx="2">
+            <a:schemeClr val="accent1">
+              <a:shade val="50000"/>
+            </a:schemeClr>
+          </a:lnRef>
+          <a:fillRef idx="1">
+            <a:schemeClr val="accent1"/>
+          </a:fillRef>
+          <a:effectRef idx="0">
+            <a:schemeClr val="accent1"/>
+          </a:effectRef>
+          <a:fontRef idx="minor">
+            <a:schemeClr val="lt1"/>
+          </a:fontRef>
+        </p:style>
+        <p:txBody>
+          <a:bodyPr rtlCol="0" anchor="ctr"/>
+          <a:lstStyle/>
+          <a:p>
+            <a:pPr algn="ctr"/>
+            <a:endParaRPr lang="en-US"/>
+          </a:p>
+        </p:txBody>
+      </p:sp>
+      <p:pic>
+        <p:nvPicPr>
+          <p:cNvPr id="6" name="Picture 5">
+            <a:extLst>
+              <a:ext uri="{FF2B5EF4-FFF2-40B4-BE49-F238E27FC236}">
+                <a16:creationId xmlns:a16="http://schemas.microsoft.com/office/drawing/2014/main" id="{CFF0D84B-B1A4-4F26-BC28-A368C8EA3B2F}"/>
+              </a:ext>
+            </a:extLst>
+          </p:cNvPr>
+          <p:cNvPicPr>
+            <a:picLocks noChangeAspect="1"/>
+          </p:cNvPicPr>
+          <p:nvPr/>
+        </p:nvPicPr>
+        <p:blipFill rotWithShape="1">
+          <a:blip r:embed="rId3"/>
+          <a:srcRect r="4969"/>
+          <a:stretch/>
+        </p:blipFill>
+        <p:spPr>
+          <a:xfrm>
+            <a:off x="4796011" y="1266252"/>
+            <a:ext cx="6843080" cy="2819400"/>
+          </a:xfrm>
+          <a:prstGeom prst="rect">
+            <a:avLst/>
+          </a:prstGeom>
+        </p:spPr>
+      </p:pic>
+      <p:sp>
+        <p:nvSpPr>
+          <p:cNvPr id="7" name="TextBox 6">
+            <a:extLst>
+              <a:ext uri="{FF2B5EF4-FFF2-40B4-BE49-F238E27FC236}">
+                <a16:creationId xmlns:a16="http://schemas.microsoft.com/office/drawing/2014/main" id="{E8B793B6-A5A9-409C-96AF-F2DFCE3F0A92}"/>
+              </a:ext>
+            </a:extLst>
+          </p:cNvPr>
+          <p:cNvSpPr txBox="1"/>
+          <p:nvPr/>
+        </p:nvSpPr>
+        <p:spPr>
+          <a:xfrm>
+            <a:off x="3084725" y="4688862"/>
+            <a:ext cx="8345275" cy="954107"/>
+          </a:xfrm>
+          <a:prstGeom prst="rect">
+            <a:avLst/>
+          </a:prstGeom>
+          <a:noFill/>
+        </p:spPr>
+        <p:txBody>
+          <a:bodyPr wrap="square" rtlCol="0">
+            <a:spAutoFit/>
+          </a:bodyPr>
+          <a:lstStyle/>
+          <a:p>
+            <a:r>
+              <a:rPr lang="en-US" sz="2800" dirty="0"/>
+              <a:t>Linear regression performed best across most of our models</a:t>
+            </a:r>
+          </a:p>
+        </p:txBody>
+      </p:sp>
     </p:spTree>
     <p:extLst>
       <p:ext uri="{BB962C8B-B14F-4D97-AF65-F5344CB8AC3E}">
-        <p14:creationId xmlns:p14="http://schemas.microsoft.com/office/powerpoint/2010/main" val="1163658318"/>
+        <p14:creationId xmlns:p14="http://schemas.microsoft.com/office/powerpoint/2010/main" val="3045553113"/>
       </p:ext>
     </p:extLst>
   </p:cSld>

--- a/Data Mining_Final Project_Hospital Ranking.pptx
+++ b/Data Mining_Final Project_Hospital Ranking.pptx
@@ -5,26 +5,25 @@
     <p:sldMasterId id="2147483654" r:id="rId1"/>
   </p:sldMasterIdLst>
   <p:notesMasterIdLst>
-    <p:notesMasterId r:id="rId19"/>
+    <p:notesMasterId r:id="rId18"/>
   </p:notesMasterIdLst>
   <p:sldIdLst>
     <p:sldId id="256" r:id="rId2"/>
-    <p:sldId id="257" r:id="rId3"/>
+    <p:sldId id="291" r:id="rId3"/>
     <p:sldId id="276" r:id="rId4"/>
     <p:sldId id="275" r:id="rId5"/>
-    <p:sldId id="259" r:id="rId6"/>
-    <p:sldId id="277" r:id="rId7"/>
-    <p:sldId id="278" r:id="rId8"/>
-    <p:sldId id="287" r:id="rId9"/>
-    <p:sldId id="289" r:id="rId10"/>
-    <p:sldId id="280" r:id="rId11"/>
-    <p:sldId id="285" r:id="rId12"/>
-    <p:sldId id="286" r:id="rId13"/>
-    <p:sldId id="281" r:id="rId14"/>
-    <p:sldId id="282" r:id="rId15"/>
-    <p:sldId id="283" r:id="rId16"/>
-    <p:sldId id="284" r:id="rId17"/>
-    <p:sldId id="274" r:id="rId18"/>
+    <p:sldId id="290" r:id="rId6"/>
+    <p:sldId id="278" r:id="rId7"/>
+    <p:sldId id="287" r:id="rId8"/>
+    <p:sldId id="289" r:id="rId9"/>
+    <p:sldId id="280" r:id="rId10"/>
+    <p:sldId id="285" r:id="rId11"/>
+    <p:sldId id="286" r:id="rId12"/>
+    <p:sldId id="281" r:id="rId13"/>
+    <p:sldId id="282" r:id="rId14"/>
+    <p:sldId id="283" r:id="rId15"/>
+    <p:sldId id="284" r:id="rId16"/>
+    <p:sldId id="274" r:id="rId17"/>
   </p:sldIdLst>
   <p:sldSz cx="12192000" cy="6858000"/>
   <p:notesSz cx="6858000" cy="9144000"/>
@@ -1012,155 +1011,6 @@
 
 <file path=ppt/comments/comment1.xml><?xml version="1.0" encoding="utf-8"?>
 <p:cmLst xmlns:a="http://schemas.openxmlformats.org/drawingml/2006/main" xmlns:r="http://schemas.openxmlformats.org/officeDocument/2006/relationships" xmlns:p="http://schemas.openxmlformats.org/presentationml/2006/main">
-  <p:cm authorId="1" dt="2019-05-26T11:15:55.078" idx="1">
-    <p:pos x="10" y="10"/>
-    <p:text>Zain Jafri</p:text>
-    <p:extLst>
-      <p:ext uri="{C676402C-5697-4E1C-873F-D02D1690AC5C}">
-        <p15:threadingInfo xmlns:p15="http://schemas.microsoft.com/office/powerpoint/2012/main" timeZoneBias="300"/>
-      </p:ext>
-    </p:extLst>
-  </p:cm>
-</p:cmLst>
-</file>
-
-<file path=ppt/comments/comment10.xml><?xml version="1.0" encoding="utf-8"?>
-<p:cmLst xmlns:a="http://schemas.openxmlformats.org/drawingml/2006/main" xmlns:r="http://schemas.openxmlformats.org/officeDocument/2006/relationships" xmlns:p="http://schemas.openxmlformats.org/presentationml/2006/main">
-  <p:cm authorId="1" dt="2019-05-26T11:16:46.847" idx="8">
-    <p:pos x="10" y="10"/>
-    <p:text>Zain Jafri, Michael &amp; Zain Iqbal -- we may need to discuss more and then figure out if it makes sense for one us to take this slide (or if there are multiple).</p:text>
-    <p:extLst>
-      <p:ext uri="{C676402C-5697-4E1C-873F-D02D1690AC5C}">
-        <p15:threadingInfo xmlns:p15="http://schemas.microsoft.com/office/powerpoint/2012/main" timeZoneBias="300"/>
-      </p:ext>
-    </p:extLst>
-  </p:cm>
-</p:cmLst>
-</file>
-
-<file path=ppt/comments/comment11.xml><?xml version="1.0" encoding="utf-8"?>
-<p:cmLst xmlns:a="http://schemas.openxmlformats.org/drawingml/2006/main" xmlns:r="http://schemas.openxmlformats.org/officeDocument/2006/relationships" xmlns:p="http://schemas.openxmlformats.org/presentationml/2006/main">
-  <p:cm authorId="1" dt="2019-05-26T11:18:57.197" idx="10">
-    <p:pos x="10" y="10"/>
-    <p:text>Michael</p:text>
-    <p:extLst>
-      <p:ext uri="{C676402C-5697-4E1C-873F-D02D1690AC5C}">
-        <p15:threadingInfo xmlns:p15="http://schemas.microsoft.com/office/powerpoint/2012/main" timeZoneBias="300"/>
-      </p:ext>
-    </p:extLst>
-  </p:cm>
-</p:cmLst>
-</file>
-
-<file path=ppt/comments/comment12.xml><?xml version="1.0" encoding="utf-8"?>
-<p:cmLst xmlns:a="http://schemas.openxmlformats.org/drawingml/2006/main" xmlns:r="http://schemas.openxmlformats.org/officeDocument/2006/relationships" xmlns:p="http://schemas.openxmlformats.org/presentationml/2006/main">
-  <p:cm authorId="1" dt="2019-05-26T11:18:32.735" idx="9">
-    <p:pos x="10" y="10"/>
-    <p:text>Marin &amp; Venku</p:text>
-    <p:extLst>
-      <p:ext uri="{C676402C-5697-4E1C-873F-D02D1690AC5C}">
-        <p15:threadingInfo xmlns:p15="http://schemas.microsoft.com/office/powerpoint/2012/main" timeZoneBias="300"/>
-      </p:ext>
-    </p:extLst>
-  </p:cm>
-  <p:cm authorId="1" dt="2019-05-26T11:20:43.419" idx="11">
-    <p:pos x="106" y="106"/>
-    <p:text>We may also need some from a modeling perspective in which case, we may need input from Zain Iqbal, Michael and Zain Jafri too</p:text>
-    <p:extLst>
-      <p:ext uri="{C676402C-5697-4E1C-873F-D02D1690AC5C}">
-        <p15:threadingInfo xmlns:p15="http://schemas.microsoft.com/office/powerpoint/2012/main" timeZoneBias="300"/>
-      </p:ext>
-    </p:extLst>
-  </p:cm>
-</p:cmLst>
-</file>
-
-<file path=ppt/comments/comment2.xml><?xml version="1.0" encoding="utf-8"?>
-<p:cmLst xmlns:a="http://schemas.openxmlformats.org/drawingml/2006/main" xmlns:r="http://schemas.openxmlformats.org/officeDocument/2006/relationships" xmlns:p="http://schemas.openxmlformats.org/presentationml/2006/main">
-  <p:cm authorId="1" dt="2019-05-26T11:16:08.721" idx="2">
-    <p:pos x="10" y="10"/>
-    <p:text>Zain Jafri</p:text>
-    <p:extLst>
-      <p:ext uri="{C676402C-5697-4E1C-873F-D02D1690AC5C}">
-        <p15:threadingInfo xmlns:p15="http://schemas.microsoft.com/office/powerpoint/2012/main" timeZoneBias="300"/>
-      </p:ext>
-    </p:extLst>
-  </p:cm>
-</p:cmLst>
-</file>
-
-<file path=ppt/comments/comment3.xml><?xml version="1.0" encoding="utf-8"?>
-<p:cmLst xmlns:a="http://schemas.openxmlformats.org/drawingml/2006/main" xmlns:r="http://schemas.openxmlformats.org/officeDocument/2006/relationships" xmlns:p="http://schemas.openxmlformats.org/presentationml/2006/main">
-  <p:cm authorId="1" dt="2019-05-26T11:16:13.495" idx="3">
-    <p:pos x="10" y="10"/>
-    <p:text>Zain Jafri</p:text>
-    <p:extLst>
-      <p:ext uri="{C676402C-5697-4E1C-873F-D02D1690AC5C}">
-        <p15:threadingInfo xmlns:p15="http://schemas.microsoft.com/office/powerpoint/2012/main" timeZoneBias="300"/>
-      </p:ext>
-    </p:extLst>
-  </p:cm>
-</p:cmLst>
-</file>
-
-<file path=ppt/comments/comment4.xml><?xml version="1.0" encoding="utf-8"?>
-<p:cmLst xmlns:a="http://schemas.openxmlformats.org/drawingml/2006/main" xmlns:r="http://schemas.openxmlformats.org/officeDocument/2006/relationships" xmlns:p="http://schemas.openxmlformats.org/presentationml/2006/main">
-  <p:cm authorId="1" dt="2019-05-26T11:16:17.988" idx="4">
-    <p:pos x="10" y="10"/>
-    <p:text>Zain Jafri</p:text>
-    <p:extLst>
-      <p:ext uri="{C676402C-5697-4E1C-873F-D02D1690AC5C}">
-        <p15:threadingInfo xmlns:p15="http://schemas.microsoft.com/office/powerpoint/2012/main" timeZoneBias="300"/>
-      </p:ext>
-    </p:extLst>
-  </p:cm>
-  <p:cm authorId="1" dt="2019-05-27T17:40:37.167" idx="12">
-    <p:pos x="106" y="106"/>
-    <p:text>Articulate what we're answering now vs. future questions to answer (in our recommendations)</p:text>
-    <p:extLst>
-      <p:ext uri="{C676402C-5697-4E1C-873F-D02D1690AC5C}">
-        <p15:threadingInfo xmlns:p15="http://schemas.microsoft.com/office/powerpoint/2012/main" timeZoneBias="300"/>
-      </p:ext>
-    </p:extLst>
-  </p:cm>
-  <p:cm authorId="1" dt="2019-05-27T17:41:18.320" idx="13">
-    <p:pos x="106" y="202"/>
-    <p:text>Our model is the engine that would feed the future application</p:text>
-    <p:extLst>
-      <p:ext uri="{C676402C-5697-4E1C-873F-D02D1690AC5C}">
-        <p15:threadingInfo xmlns:p15="http://schemas.microsoft.com/office/powerpoint/2012/main" timeZoneBias="300">
-          <p15:parentCm authorId="1" idx="12"/>
-        </p15:threadingInfo>
-      </p:ext>
-    </p:extLst>
-  </p:cm>
-  <p:cm authorId="1" dt="2019-05-27T17:43:40.680" idx="14">
-    <p:pos x="106" y="298"/>
-    <p:text>We can utilize it on unseen data that will come through a future state application</p:text>
-    <p:extLst>
-      <p:ext uri="{C676402C-5697-4E1C-873F-D02D1690AC5C}">
-        <p15:threadingInfo xmlns:p15="http://schemas.microsoft.com/office/powerpoint/2012/main" timeZoneBias="300">
-          <p15:parentCm authorId="1" idx="12"/>
-        </p15:threadingInfo>
-      </p:ext>
-    </p:extLst>
-  </p:cm>
-  <p:cm authorId="1" dt="2019-05-27T17:45:29.788" idx="15">
-    <p:pos x="106" y="394"/>
-    <p:text>Push future state to end and make this slide about current model</p:text>
-    <p:extLst>
-      <p:ext uri="{C676402C-5697-4E1C-873F-D02D1690AC5C}">
-        <p15:threadingInfo xmlns:p15="http://schemas.microsoft.com/office/powerpoint/2012/main" timeZoneBias="300">
-          <p15:parentCm authorId="1" idx="12"/>
-        </p15:threadingInfo>
-      </p:ext>
-    </p:extLst>
-  </p:cm>
-</p:cmLst>
-</file>
-
-<file path=ppt/comments/comment5.xml><?xml version="1.0" encoding="utf-8"?>
-<p:cmLst xmlns:a="http://schemas.openxmlformats.org/drawingml/2006/main" xmlns:r="http://schemas.openxmlformats.org/officeDocument/2006/relationships" xmlns:p="http://schemas.openxmlformats.org/presentationml/2006/main">
   <p:cm authorId="1" dt="2019-05-26T11:16:22.605" idx="5">
     <p:pos x="10" y="10"/>
     <p:text>Marin and Venku</p:text>
@@ -1173,7 +1023,7 @@
 </p:cmLst>
 </file>
 
-<file path=ppt/comments/comment6.xml><?xml version="1.0" encoding="utf-8"?>
+<file path=ppt/comments/comment2.xml><?xml version="1.0" encoding="utf-8"?>
 <p:cmLst xmlns:a="http://schemas.openxmlformats.org/drawingml/2006/main" xmlns:r="http://schemas.openxmlformats.org/officeDocument/2006/relationships" xmlns:p="http://schemas.openxmlformats.org/presentationml/2006/main">
   <p:cm authorId="1" dt="2019-05-26T11:16:29.684" idx="6">
     <p:pos x="10" y="10"/>
@@ -1196,7 +1046,7 @@
 </p:cmLst>
 </file>
 
-<file path=ppt/comments/comment7.xml><?xml version="1.0" encoding="utf-8"?>
+<file path=ppt/comments/comment3.xml><?xml version="1.0" encoding="utf-8"?>
 <p:cmLst xmlns:a="http://schemas.openxmlformats.org/drawingml/2006/main" xmlns:r="http://schemas.openxmlformats.org/officeDocument/2006/relationships" xmlns:p="http://schemas.openxmlformats.org/presentationml/2006/main">
   <p:cm authorId="1" dt="2019-05-26T11:16:29.684" idx="6">
     <p:pos x="10" y="10"/>
@@ -1210,7 +1060,7 @@
 </p:cmLst>
 </file>
 
-<file path=ppt/comments/comment8.xml><?xml version="1.0" encoding="utf-8"?>
+<file path=ppt/comments/comment4.xml><?xml version="1.0" encoding="utf-8"?>
 <p:cmLst xmlns:a="http://schemas.openxmlformats.org/drawingml/2006/main" xmlns:r="http://schemas.openxmlformats.org/officeDocument/2006/relationships" xmlns:p="http://schemas.openxmlformats.org/presentationml/2006/main">
   <p:cm authorId="1" dt="2019-05-26T11:16:29.684" idx="6">
     <p:pos x="10" y="10"/>
@@ -1224,11 +1074,62 @@
 </p:cmLst>
 </file>
 
-<file path=ppt/comments/comment9.xml><?xml version="1.0" encoding="utf-8"?>
+<file path=ppt/comments/comment5.xml><?xml version="1.0" encoding="utf-8"?>
 <p:cmLst xmlns:a="http://schemas.openxmlformats.org/drawingml/2006/main" xmlns:r="http://schemas.openxmlformats.org/officeDocument/2006/relationships" xmlns:p="http://schemas.openxmlformats.org/presentationml/2006/main">
   <p:cm authorId="1" dt="2019-05-26T11:16:38.960" idx="7">
     <p:pos x="10" y="10"/>
     <p:text>Zain Iqbal &amp; Michael</p:text>
+    <p:extLst>
+      <p:ext uri="{C676402C-5697-4E1C-873F-D02D1690AC5C}">
+        <p15:threadingInfo xmlns:p15="http://schemas.microsoft.com/office/powerpoint/2012/main" timeZoneBias="300"/>
+      </p:ext>
+    </p:extLst>
+  </p:cm>
+</p:cmLst>
+</file>
+
+<file path=ppt/comments/comment6.xml><?xml version="1.0" encoding="utf-8"?>
+<p:cmLst xmlns:a="http://schemas.openxmlformats.org/drawingml/2006/main" xmlns:r="http://schemas.openxmlformats.org/officeDocument/2006/relationships" xmlns:p="http://schemas.openxmlformats.org/presentationml/2006/main">
+  <p:cm authorId="1" dt="2019-05-26T11:16:46.847" idx="8">
+    <p:pos x="10" y="10"/>
+    <p:text>Zain Jafri, Michael &amp; Zain Iqbal -- we may need to discuss more and then figure out if it makes sense for one us to take this slide (or if there are multiple).</p:text>
+    <p:extLst>
+      <p:ext uri="{C676402C-5697-4E1C-873F-D02D1690AC5C}">
+        <p15:threadingInfo xmlns:p15="http://schemas.microsoft.com/office/powerpoint/2012/main" timeZoneBias="300"/>
+      </p:ext>
+    </p:extLst>
+  </p:cm>
+</p:cmLst>
+</file>
+
+<file path=ppt/comments/comment7.xml><?xml version="1.0" encoding="utf-8"?>
+<p:cmLst xmlns:a="http://schemas.openxmlformats.org/drawingml/2006/main" xmlns:r="http://schemas.openxmlformats.org/officeDocument/2006/relationships" xmlns:p="http://schemas.openxmlformats.org/presentationml/2006/main">
+  <p:cm authorId="1" dt="2019-05-26T11:18:57.197" idx="10">
+    <p:pos x="10" y="10"/>
+    <p:text>Michael</p:text>
+    <p:extLst>
+      <p:ext uri="{C676402C-5697-4E1C-873F-D02D1690AC5C}">
+        <p15:threadingInfo xmlns:p15="http://schemas.microsoft.com/office/powerpoint/2012/main" timeZoneBias="300"/>
+      </p:ext>
+    </p:extLst>
+  </p:cm>
+</p:cmLst>
+</file>
+
+<file path=ppt/comments/comment8.xml><?xml version="1.0" encoding="utf-8"?>
+<p:cmLst xmlns:a="http://schemas.openxmlformats.org/drawingml/2006/main" xmlns:r="http://schemas.openxmlformats.org/officeDocument/2006/relationships" xmlns:p="http://schemas.openxmlformats.org/presentationml/2006/main">
+  <p:cm authorId="1" dt="2019-05-26T11:18:32.735" idx="9">
+    <p:pos x="10" y="10"/>
+    <p:text>Marin &amp; Venku</p:text>
+    <p:extLst>
+      <p:ext uri="{C676402C-5697-4E1C-873F-D02D1690AC5C}">
+        <p15:threadingInfo xmlns:p15="http://schemas.microsoft.com/office/powerpoint/2012/main" timeZoneBias="300"/>
+      </p:ext>
+    </p:extLst>
+  </p:cm>
+  <p:cm authorId="1" dt="2019-05-26T11:20:43.419" idx="11">
+    <p:pos x="106" y="106"/>
+    <p:text>We may also need some from a modeling perspective in which case, we may need input from Zain Iqbal, Michael and Zain Jafri too</p:text>
     <p:extLst>
       <p:ext uri="{C676402C-5697-4E1C-873F-D02D1690AC5C}">
         <p15:threadingInfo xmlns:p15="http://schemas.microsoft.com/office/powerpoint/2012/main" timeZoneBias="300"/>
@@ -2816,7 +2717,7 @@
     </p:spTree>
     <p:extLst>
       <p:ext uri="{BB962C8B-B14F-4D97-AF65-F5344CB8AC3E}">
-        <p14:creationId xmlns:p14="http://schemas.microsoft.com/office/powerpoint/2010/main" val="2543882952"/>
+        <p14:creationId xmlns:p14="http://schemas.microsoft.com/office/powerpoint/2010/main" val="670686601"/>
       </p:ext>
     </p:extLst>
   </p:cSld>
@@ -2827,115 +2728,6 @@
 </file>
 
 <file path=ppt/notesSlides/notesSlide11.xml><?xml version="1.0" encoding="utf-8"?>
-<p:notes xmlns:a="http://schemas.openxmlformats.org/drawingml/2006/main" xmlns:r="http://schemas.openxmlformats.org/officeDocument/2006/relationships" xmlns:p="http://schemas.openxmlformats.org/presentationml/2006/main" showMasterSp="0" showMasterPhAnim="0">
-  <p:cSld>
-    <p:spTree>
-      <p:nvGrpSpPr>
-        <p:cNvPr id="1" name="Shape 101"/>
-        <p:cNvGrpSpPr/>
-        <p:nvPr/>
-      </p:nvGrpSpPr>
-      <p:grpSpPr>
-        <a:xfrm>
-          <a:off x="0" y="0"/>
-          <a:ext cx="0" cy="0"/>
-          <a:chOff x="0" y="0"/>
-          <a:chExt cx="0" cy="0"/>
-        </a:xfrm>
-      </p:grpSpPr>
-      <p:sp>
-        <p:nvSpPr>
-          <p:cNvPr id="102" name="Google Shape;102;p3:notes"/>
-          <p:cNvSpPr txBox="1">
-            <a:spLocks noGrp="1"/>
-          </p:cNvSpPr>
-          <p:nvPr>
-            <p:ph type="body" idx="1"/>
-          </p:nvPr>
-        </p:nvSpPr>
-        <p:spPr>
-          <a:xfrm>
-            <a:off x="685800" y="4400550"/>
-            <a:ext cx="5486400" cy="3600450"/>
-          </a:xfrm>
-          <a:prstGeom prst="rect">
-            <a:avLst/>
-          </a:prstGeom>
-        </p:spPr>
-        <p:txBody>
-          <a:bodyPr spcFirstLastPara="1" wrap="square" lIns="91425" tIns="45700" rIns="91425" bIns="45700" anchor="t" anchorCtr="0">
-            <a:noAutofit/>
-          </a:bodyPr>
-          <a:lstStyle/>
-          <a:p>
-            <a:pPr marL="0" lvl="0" indent="0" algn="l" rtl="0">
-              <a:spcBef>
-                <a:spcPts val="0"/>
-              </a:spcBef>
-              <a:spcAft>
-                <a:spcPts val="0"/>
-              </a:spcAft>
-              <a:buNone/>
-            </a:pPr>
-            <a:endParaRPr/>
-          </a:p>
-        </p:txBody>
-      </p:sp>
-      <p:sp>
-        <p:nvSpPr>
-          <p:cNvPr id="103" name="Google Shape;103;p3:notes"/>
-          <p:cNvSpPr>
-            <a:spLocks noGrp="1" noRot="1" noChangeAspect="1"/>
-          </p:cNvSpPr>
-          <p:nvPr>
-            <p:ph type="sldImg" idx="2"/>
-          </p:nvPr>
-        </p:nvSpPr>
-        <p:spPr>
-          <a:xfrm>
-            <a:off x="685800" y="1143000"/>
-            <a:ext cx="5486400" cy="3086100"/>
-          </a:xfrm>
-          <a:custGeom>
-            <a:avLst/>
-            <a:gdLst/>
-            <a:ahLst/>
-            <a:cxnLst/>
-            <a:rect l="l" t="t" r="r" b="b"/>
-            <a:pathLst>
-              <a:path w="120000" h="120000" extrusionOk="0">
-                <a:moveTo>
-                  <a:pt x="0" y="0"/>
-                </a:moveTo>
-                <a:lnTo>
-                  <a:pt x="120000" y="0"/>
-                </a:lnTo>
-                <a:lnTo>
-                  <a:pt x="120000" y="120000"/>
-                </a:lnTo>
-                <a:lnTo>
-                  <a:pt x="0" y="120000"/>
-                </a:lnTo>
-                <a:close/>
-              </a:path>
-            </a:pathLst>
-          </a:custGeom>
-        </p:spPr>
-      </p:sp>
-    </p:spTree>
-    <p:extLst>
-      <p:ext uri="{BB962C8B-B14F-4D97-AF65-F5344CB8AC3E}">
-        <p14:creationId xmlns:p14="http://schemas.microsoft.com/office/powerpoint/2010/main" val="670686601"/>
-      </p:ext>
-    </p:extLst>
-  </p:cSld>
-  <p:clrMapOvr>
-    <a:masterClrMapping/>
-  </p:clrMapOvr>
-</p:notes>
-</file>
-
-<file path=ppt/notesSlides/notesSlide12.xml><?xml version="1.0" encoding="utf-8"?>
 <p:notes xmlns:a="http://schemas.openxmlformats.org/drawingml/2006/main" xmlns:r="http://schemas.openxmlformats.org/officeDocument/2006/relationships" xmlns:p="http://schemas.openxmlformats.org/presentationml/2006/main" showMasterSp="0" showMasterPhAnim="0">
   <p:cSld>
     <p:spTree>
@@ -3044,7 +2836,7 @@
 </p:notes>
 </file>
 
-<file path=ppt/notesSlides/notesSlide13.xml><?xml version="1.0" encoding="utf-8"?>
+<file path=ppt/notesSlides/notesSlide12.xml><?xml version="1.0" encoding="utf-8"?>
 <p:notes xmlns:a="http://schemas.openxmlformats.org/drawingml/2006/main" xmlns:r="http://schemas.openxmlformats.org/officeDocument/2006/relationships" xmlns:p="http://schemas.openxmlformats.org/presentationml/2006/main" showMasterSp="0" showMasterPhAnim="0">
   <p:cSld>
     <p:spTree>
@@ -3153,7 +2945,7 @@
 </p:notes>
 </file>
 
-<file path=ppt/notesSlides/notesSlide14.xml><?xml version="1.0" encoding="utf-8"?>
+<file path=ppt/notesSlides/notesSlide13.xml><?xml version="1.0" encoding="utf-8"?>
 <p:notes xmlns:a="http://schemas.openxmlformats.org/drawingml/2006/main" xmlns:r="http://schemas.openxmlformats.org/officeDocument/2006/relationships" xmlns:p="http://schemas.openxmlformats.org/presentationml/2006/main" showMasterSp="0" showMasterPhAnim="0">
   <p:cSld>
     <p:spTree>
@@ -3262,7 +3054,7 @@
 </p:notes>
 </file>
 
-<file path=ppt/notesSlides/notesSlide15.xml><?xml version="1.0" encoding="utf-8"?>
+<file path=ppt/notesSlides/notesSlide14.xml><?xml version="1.0" encoding="utf-8"?>
 <p:notes xmlns:a="http://schemas.openxmlformats.org/drawingml/2006/main" xmlns:r="http://schemas.openxmlformats.org/officeDocument/2006/relationships" xmlns:p="http://schemas.openxmlformats.org/presentationml/2006/main" showMasterSp="0" showMasterPhAnim="0">
   <p:cSld>
     <p:spTree>
@@ -3371,7 +3163,7 @@
 </p:notes>
 </file>
 
-<file path=ppt/notesSlides/notesSlide16.xml><?xml version="1.0" encoding="utf-8"?>
+<file path=ppt/notesSlides/notesSlide15.xml><?xml version="1.0" encoding="utf-8"?>
 <p:notes xmlns:a="http://schemas.openxmlformats.org/drawingml/2006/main" xmlns:r="http://schemas.openxmlformats.org/officeDocument/2006/relationships" xmlns:p="http://schemas.openxmlformats.org/presentationml/2006/main" showMasterSp="0" showMasterPhAnim="0">
   <p:cSld>
     <p:spTree>
@@ -3480,7 +3272,7 @@
 </p:notes>
 </file>
 
-<file path=ppt/notesSlides/notesSlide17.xml><?xml version="1.0" encoding="utf-8"?>
+<file path=ppt/notesSlides/notesSlide16.xml><?xml version="1.0" encoding="utf-8"?>
 <p:notes xmlns:a="http://schemas.openxmlformats.org/drawingml/2006/main" xmlns:r="http://schemas.openxmlformats.org/officeDocument/2006/relationships" xmlns:p="http://schemas.openxmlformats.org/presentationml/2006/main" showMasterSp="0" showMasterPhAnim="0">
   <p:cSld>
     <p:spTree>
@@ -3681,6 +3473,11 @@
         </p:spPr>
       </p:sp>
     </p:spTree>
+    <p:extLst>
+      <p:ext uri="{BB962C8B-B14F-4D97-AF65-F5344CB8AC3E}">
+        <p14:creationId xmlns:p14="http://schemas.microsoft.com/office/powerpoint/2010/main" val="119748715"/>
+      </p:ext>
+    </p:extLst>
   </p:cSld>
   <p:clrMapOvr>
     <a:masterClrMapping/>
@@ -3911,110 +3708,6 @@
   <p:cSld>
     <p:spTree>
       <p:nvGrpSpPr>
-        <p:cNvPr id="1" name="Shape 111"/>
-        <p:cNvGrpSpPr/>
-        <p:nvPr/>
-      </p:nvGrpSpPr>
-      <p:grpSpPr>
-        <a:xfrm>
-          <a:off x="0" y="0"/>
-          <a:ext cx="0" cy="0"/>
-          <a:chOff x="0" y="0"/>
-          <a:chExt cx="0" cy="0"/>
-        </a:xfrm>
-      </p:grpSpPr>
-      <p:sp>
-        <p:nvSpPr>
-          <p:cNvPr id="112" name="Google Shape;112;p4:notes"/>
-          <p:cNvSpPr txBox="1">
-            <a:spLocks noGrp="1"/>
-          </p:cNvSpPr>
-          <p:nvPr>
-            <p:ph type="body" idx="1"/>
-          </p:nvPr>
-        </p:nvSpPr>
-        <p:spPr>
-          <a:xfrm>
-            <a:off x="685800" y="4400550"/>
-            <a:ext cx="5486400" cy="3600450"/>
-          </a:xfrm>
-          <a:prstGeom prst="rect">
-            <a:avLst/>
-          </a:prstGeom>
-        </p:spPr>
-        <p:txBody>
-          <a:bodyPr spcFirstLastPara="1" wrap="square" lIns="91425" tIns="45700" rIns="91425" bIns="45700" anchor="t" anchorCtr="0">
-            <a:noAutofit/>
-          </a:bodyPr>
-          <a:lstStyle/>
-          <a:p>
-            <a:pPr marL="0" lvl="0" indent="0" algn="l" rtl="0">
-              <a:spcBef>
-                <a:spcPts val="0"/>
-              </a:spcBef>
-              <a:spcAft>
-                <a:spcPts val="0"/>
-              </a:spcAft>
-              <a:buNone/>
-            </a:pPr>
-            <a:endParaRPr/>
-          </a:p>
-        </p:txBody>
-      </p:sp>
-      <p:sp>
-        <p:nvSpPr>
-          <p:cNvPr id="113" name="Google Shape;113;p4:notes"/>
-          <p:cNvSpPr>
-            <a:spLocks noGrp="1" noRot="1" noChangeAspect="1"/>
-          </p:cNvSpPr>
-          <p:nvPr>
-            <p:ph type="sldImg" idx="2"/>
-          </p:nvPr>
-        </p:nvSpPr>
-        <p:spPr>
-          <a:xfrm>
-            <a:off x="685800" y="1143000"/>
-            <a:ext cx="5486400" cy="3086100"/>
-          </a:xfrm>
-          <a:custGeom>
-            <a:avLst/>
-            <a:gdLst/>
-            <a:ahLst/>
-            <a:cxnLst/>
-            <a:rect l="l" t="t" r="r" b="b"/>
-            <a:pathLst>
-              <a:path w="120000" h="120000" extrusionOk="0">
-                <a:moveTo>
-                  <a:pt x="0" y="0"/>
-                </a:moveTo>
-                <a:lnTo>
-                  <a:pt x="120000" y="0"/>
-                </a:lnTo>
-                <a:lnTo>
-                  <a:pt x="120000" y="120000"/>
-                </a:lnTo>
-                <a:lnTo>
-                  <a:pt x="0" y="120000"/>
-                </a:lnTo>
-                <a:close/>
-              </a:path>
-            </a:pathLst>
-          </a:custGeom>
-        </p:spPr>
-      </p:sp>
-    </p:spTree>
-  </p:cSld>
-  <p:clrMapOvr>
-    <a:masterClrMapping/>
-  </p:clrMapOvr>
-</p:notes>
-</file>
-
-<file path=ppt/notesSlides/notesSlide6.xml><?xml version="1.0" encoding="utf-8"?>
-<p:notes xmlns:a="http://schemas.openxmlformats.org/drawingml/2006/main" xmlns:r="http://schemas.openxmlformats.org/officeDocument/2006/relationships" xmlns:p="http://schemas.openxmlformats.org/presentationml/2006/main" showMasterSp="0" showMasterPhAnim="0">
-  <p:cSld>
-    <p:spTree>
-      <p:nvGrpSpPr>
         <p:cNvPr id="1" name="Shape 101"/>
         <p:cNvGrpSpPr/>
         <p:nvPr/>
@@ -4109,7 +3802,7 @@
     </p:spTree>
     <p:extLst>
       <p:ext uri="{BB962C8B-B14F-4D97-AF65-F5344CB8AC3E}">
-        <p14:creationId xmlns:p14="http://schemas.microsoft.com/office/powerpoint/2010/main" val="3795071268"/>
+        <p14:creationId xmlns:p14="http://schemas.microsoft.com/office/powerpoint/2010/main" val="2059277883"/>
       </p:ext>
     </p:extLst>
   </p:cSld>
@@ -4119,7 +3812,7 @@
 </p:notes>
 </file>
 
-<file path=ppt/notesSlides/notesSlide7.xml><?xml version="1.0" encoding="utf-8"?>
+<file path=ppt/notesSlides/notesSlide6.xml><?xml version="1.0" encoding="utf-8"?>
 <p:notes xmlns:a="http://schemas.openxmlformats.org/drawingml/2006/main" xmlns:r="http://schemas.openxmlformats.org/officeDocument/2006/relationships" xmlns:p="http://schemas.openxmlformats.org/presentationml/2006/main" showMasterSp="0" showMasterPhAnim="0">
   <p:cSld>
     <p:spTree>
@@ -4228,7 +3921,7 @@
 </p:notes>
 </file>
 
-<file path=ppt/notesSlides/notesSlide8.xml><?xml version="1.0" encoding="utf-8"?>
+<file path=ppt/notesSlides/notesSlide7.xml><?xml version="1.0" encoding="utf-8"?>
 <p:notes xmlns:a="http://schemas.openxmlformats.org/drawingml/2006/main" xmlns:r="http://schemas.openxmlformats.org/officeDocument/2006/relationships" xmlns:p="http://schemas.openxmlformats.org/presentationml/2006/main" showMasterSp="0" showMasterPhAnim="0">
   <p:cSld>
     <p:spTree>
@@ -4337,7 +4030,7 @@
 </p:notes>
 </file>
 
-<file path=ppt/notesSlides/notesSlide9.xml><?xml version="1.0" encoding="utf-8"?>
+<file path=ppt/notesSlides/notesSlide8.xml><?xml version="1.0" encoding="utf-8"?>
 <p:notes xmlns:a="http://schemas.openxmlformats.org/drawingml/2006/main" xmlns:r="http://schemas.openxmlformats.org/officeDocument/2006/relationships" xmlns:p="http://schemas.openxmlformats.org/presentationml/2006/main" showMasterSp="0" showMasterPhAnim="0">
   <p:cSld>
     <p:spTree>
@@ -4437,6 +4130,115 @@
     <p:extLst>
       <p:ext uri="{BB962C8B-B14F-4D97-AF65-F5344CB8AC3E}">
         <p14:creationId xmlns:p14="http://schemas.microsoft.com/office/powerpoint/2010/main" val="4212063831"/>
+      </p:ext>
+    </p:extLst>
+  </p:cSld>
+  <p:clrMapOvr>
+    <a:masterClrMapping/>
+  </p:clrMapOvr>
+</p:notes>
+</file>
+
+<file path=ppt/notesSlides/notesSlide9.xml><?xml version="1.0" encoding="utf-8"?>
+<p:notes xmlns:a="http://schemas.openxmlformats.org/drawingml/2006/main" xmlns:r="http://schemas.openxmlformats.org/officeDocument/2006/relationships" xmlns:p="http://schemas.openxmlformats.org/presentationml/2006/main" showMasterSp="0" showMasterPhAnim="0">
+  <p:cSld>
+    <p:spTree>
+      <p:nvGrpSpPr>
+        <p:cNvPr id="1" name="Shape 101"/>
+        <p:cNvGrpSpPr/>
+        <p:nvPr/>
+      </p:nvGrpSpPr>
+      <p:grpSpPr>
+        <a:xfrm>
+          <a:off x="0" y="0"/>
+          <a:ext cx="0" cy="0"/>
+          <a:chOff x="0" y="0"/>
+          <a:chExt cx="0" cy="0"/>
+        </a:xfrm>
+      </p:grpSpPr>
+      <p:sp>
+        <p:nvSpPr>
+          <p:cNvPr id="102" name="Google Shape;102;p3:notes"/>
+          <p:cNvSpPr txBox="1">
+            <a:spLocks noGrp="1"/>
+          </p:cNvSpPr>
+          <p:nvPr>
+            <p:ph type="body" idx="1"/>
+          </p:nvPr>
+        </p:nvSpPr>
+        <p:spPr>
+          <a:xfrm>
+            <a:off x="685800" y="4400550"/>
+            <a:ext cx="5486400" cy="3600450"/>
+          </a:xfrm>
+          <a:prstGeom prst="rect">
+            <a:avLst/>
+          </a:prstGeom>
+        </p:spPr>
+        <p:txBody>
+          <a:bodyPr spcFirstLastPara="1" wrap="square" lIns="91425" tIns="45700" rIns="91425" bIns="45700" anchor="t" anchorCtr="0">
+            <a:noAutofit/>
+          </a:bodyPr>
+          <a:lstStyle/>
+          <a:p>
+            <a:pPr marL="0" lvl="0" indent="0" algn="l" rtl="0">
+              <a:spcBef>
+                <a:spcPts val="0"/>
+              </a:spcBef>
+              <a:spcAft>
+                <a:spcPts val="0"/>
+              </a:spcAft>
+              <a:buNone/>
+            </a:pPr>
+            <a:endParaRPr/>
+          </a:p>
+        </p:txBody>
+      </p:sp>
+      <p:sp>
+        <p:nvSpPr>
+          <p:cNvPr id="103" name="Google Shape;103;p3:notes"/>
+          <p:cNvSpPr>
+            <a:spLocks noGrp="1" noRot="1" noChangeAspect="1"/>
+          </p:cNvSpPr>
+          <p:nvPr>
+            <p:ph type="sldImg" idx="2"/>
+          </p:nvPr>
+        </p:nvSpPr>
+        <p:spPr>
+          <a:xfrm>
+            <a:off x="685800" y="1143000"/>
+            <a:ext cx="5486400" cy="3086100"/>
+          </a:xfrm>
+          <a:custGeom>
+            <a:avLst/>
+            <a:gdLst/>
+            <a:ahLst/>
+            <a:cxnLst/>
+            <a:rect l="l" t="t" r="r" b="b"/>
+            <a:pathLst>
+              <a:path w="120000" h="120000" extrusionOk="0">
+                <a:moveTo>
+                  <a:pt x="0" y="0"/>
+                </a:moveTo>
+                <a:lnTo>
+                  <a:pt x="120000" y="0"/>
+                </a:lnTo>
+                <a:lnTo>
+                  <a:pt x="120000" y="120000"/>
+                </a:lnTo>
+                <a:lnTo>
+                  <a:pt x="0" y="120000"/>
+                </a:lnTo>
+                <a:close/>
+              </a:path>
+            </a:pathLst>
+          </a:custGeom>
+        </p:spPr>
+      </p:sp>
+    </p:spTree>
+    <p:extLst>
+      <p:ext uri="{BB962C8B-B14F-4D97-AF65-F5344CB8AC3E}">
+        <p14:creationId xmlns:p14="http://schemas.microsoft.com/office/powerpoint/2010/main" val="2543882952"/>
       </p:ext>
     </p:extLst>
   </p:cSld>
@@ -9741,472 +9543,6 @@
             </a:pPr>
             <a:r>
               <a:rPr lang="en-US" sz="3200" dirty="0"/>
-              <a:t>Modeling Approaches Utilized: Regression</a:t>
-            </a:r>
-            <a:endParaRPr sz="3200" dirty="0"/>
-          </a:p>
-        </p:txBody>
-      </p:sp>
-      <p:graphicFrame>
-        <p:nvGraphicFramePr>
-          <p:cNvPr id="2" name="Table 1">
-            <a:extLst>
-              <a:ext uri="{FF2B5EF4-FFF2-40B4-BE49-F238E27FC236}">
-                <a16:creationId xmlns:a16="http://schemas.microsoft.com/office/drawing/2014/main" id="{20589061-E9DC-477E-87F5-2BDC299FFCFC}"/>
-              </a:ext>
-            </a:extLst>
-          </p:cNvPr>
-          <p:cNvGraphicFramePr>
-            <a:graphicFrameLocks noGrp="1"/>
-          </p:cNvGraphicFramePr>
-          <p:nvPr>
-            <p:extLst>
-              <p:ext uri="{D42A27DB-BD31-4B8C-83A1-F6EECF244321}">
-                <p14:modId xmlns:p14="http://schemas.microsoft.com/office/powerpoint/2010/main" val="2422842497"/>
-              </p:ext>
-            </p:extLst>
-          </p:nvPr>
-        </p:nvGraphicFramePr>
-        <p:xfrm>
-          <a:off x="960283" y="1398089"/>
-          <a:ext cx="10403840" cy="2352040"/>
-        </p:xfrm>
-        <a:graphic>
-          <a:graphicData uri="http://schemas.openxmlformats.org/drawingml/2006/table">
-            <a:tbl>
-              <a:tblPr firstRow="1" bandRow="1">
-                <a:tableStyleId>{8799B23B-EC83-4686-B30A-512413B5E67A}</a:tableStyleId>
-              </a:tblPr>
-              <a:tblGrid>
-                <a:gridCol w="1625600">
-                  <a:extLst>
-                    <a:ext uri="{9D8B030D-6E8A-4147-A177-3AD203B41FA5}">
-                      <a16:colId xmlns:a16="http://schemas.microsoft.com/office/drawing/2014/main" val="3047201911"/>
-                    </a:ext>
-                  </a:extLst>
-                </a:gridCol>
-                <a:gridCol w="2194560">
-                  <a:extLst>
-                    <a:ext uri="{9D8B030D-6E8A-4147-A177-3AD203B41FA5}">
-                      <a16:colId xmlns:a16="http://schemas.microsoft.com/office/drawing/2014/main" val="3831299100"/>
-                    </a:ext>
-                  </a:extLst>
-                </a:gridCol>
-                <a:gridCol w="2194560">
-                  <a:extLst>
-                    <a:ext uri="{9D8B030D-6E8A-4147-A177-3AD203B41FA5}">
-                      <a16:colId xmlns:a16="http://schemas.microsoft.com/office/drawing/2014/main" val="3024791108"/>
-                    </a:ext>
-                  </a:extLst>
-                </a:gridCol>
-                <a:gridCol w="2194560">
-                  <a:extLst>
-                    <a:ext uri="{9D8B030D-6E8A-4147-A177-3AD203B41FA5}">
-                      <a16:colId xmlns:a16="http://schemas.microsoft.com/office/drawing/2014/main" val="2176626461"/>
-                    </a:ext>
-                  </a:extLst>
-                </a:gridCol>
-                <a:gridCol w="2194560">
-                  <a:extLst>
-                    <a:ext uri="{9D8B030D-6E8A-4147-A177-3AD203B41FA5}">
-                      <a16:colId xmlns:a16="http://schemas.microsoft.com/office/drawing/2014/main" val="2037370934"/>
-                    </a:ext>
-                  </a:extLst>
-                </a:gridCol>
-              </a:tblGrid>
-              <a:tr h="370840">
-                <a:tc>
-                  <a:txBody>
-                    <a:bodyPr/>
-                    <a:lstStyle/>
-                    <a:p>
-                      <a:endParaRPr lang="en-US" dirty="0"/>
-                    </a:p>
-                  </a:txBody>
-                  <a:tcPr/>
-                </a:tc>
-                <a:tc>
-                  <a:txBody>
-                    <a:bodyPr/>
-                    <a:lstStyle/>
-                    <a:p>
-                      <a:pPr algn="ctr"/>
-                      <a:r>
-                        <a:rPr lang="en-US" dirty="0"/>
-                        <a:t>Model 1</a:t>
-                      </a:r>
-                    </a:p>
-                  </a:txBody>
-                  <a:tcPr/>
-                </a:tc>
-                <a:tc>
-                  <a:txBody>
-                    <a:bodyPr/>
-                    <a:lstStyle/>
-                    <a:p>
-                      <a:pPr algn="ctr"/>
-                      <a:r>
-                        <a:rPr lang="en-US" dirty="0"/>
-                        <a:t>Model 2</a:t>
-                      </a:r>
-                    </a:p>
-                  </a:txBody>
-                  <a:tcPr/>
-                </a:tc>
-                <a:tc>
-                  <a:txBody>
-                    <a:bodyPr/>
-                    <a:lstStyle/>
-                    <a:p>
-                      <a:pPr algn="ctr"/>
-                      <a:r>
-                        <a:rPr lang="en-US" dirty="0"/>
-                        <a:t>Model 3</a:t>
-                      </a:r>
-                    </a:p>
-                  </a:txBody>
-                  <a:tcPr/>
-                </a:tc>
-                <a:tc>
-                  <a:txBody>
-                    <a:bodyPr/>
-                    <a:lstStyle/>
-                    <a:p>
-                      <a:pPr algn="ctr"/>
-                      <a:r>
-                        <a:rPr lang="en-US" dirty="0"/>
-                        <a:t>Model 4</a:t>
-                      </a:r>
-                    </a:p>
-                  </a:txBody>
-                  <a:tcPr/>
-                </a:tc>
-                <a:extLst>
-                  <a:ext uri="{0D108BD9-81ED-4DB2-BD59-A6C34878D82A}">
-                    <a16:rowId xmlns:a16="http://schemas.microsoft.com/office/drawing/2014/main" val="807575487"/>
-                  </a:ext>
-                </a:extLst>
-              </a:tr>
-              <a:tr h="822960">
-                <a:tc>
-                  <a:txBody>
-                    <a:bodyPr/>
-                    <a:lstStyle/>
-                    <a:p>
-                      <a:pPr algn="ctr"/>
-                      <a:r>
-                        <a:rPr lang="en-US" b="1" dirty="0"/>
-                        <a:t>Overview</a:t>
-                      </a:r>
-                    </a:p>
-                  </a:txBody>
-                  <a:tcPr anchor="ctr"/>
-                </a:tc>
-                <a:tc>
-                  <a:txBody>
-                    <a:bodyPr/>
-                    <a:lstStyle/>
-                    <a:p>
-                      <a:endParaRPr lang="en-US" dirty="0"/>
-                    </a:p>
-                  </a:txBody>
-                  <a:tcPr/>
-                </a:tc>
-                <a:tc>
-                  <a:txBody>
-                    <a:bodyPr/>
-                    <a:lstStyle/>
-                    <a:p>
-                      <a:endParaRPr lang="en-US"/>
-                    </a:p>
-                  </a:txBody>
-                  <a:tcPr/>
-                </a:tc>
-                <a:tc>
-                  <a:txBody>
-                    <a:bodyPr/>
-                    <a:lstStyle/>
-                    <a:p>
-                      <a:endParaRPr lang="en-US"/>
-                    </a:p>
-                  </a:txBody>
-                  <a:tcPr/>
-                </a:tc>
-                <a:tc>
-                  <a:txBody>
-                    <a:bodyPr/>
-                    <a:lstStyle/>
-                    <a:p>
-                      <a:endParaRPr lang="en-US" dirty="0"/>
-                    </a:p>
-                  </a:txBody>
-                  <a:tcPr/>
-                </a:tc>
-                <a:extLst>
-                  <a:ext uri="{0D108BD9-81ED-4DB2-BD59-A6C34878D82A}">
-                    <a16:rowId xmlns:a16="http://schemas.microsoft.com/office/drawing/2014/main" val="2246008554"/>
-                  </a:ext>
-                </a:extLst>
-              </a:tr>
-              <a:tr h="822960">
-                <a:tc>
-                  <a:txBody>
-                    <a:bodyPr/>
-                    <a:lstStyle/>
-                    <a:p>
-                      <a:pPr algn="ctr"/>
-                      <a:r>
-                        <a:rPr lang="en-US" b="1" dirty="0"/>
-                        <a:t>Performance</a:t>
-                      </a:r>
-                    </a:p>
-                  </a:txBody>
-                  <a:tcPr anchor="ctr"/>
-                </a:tc>
-                <a:tc>
-                  <a:txBody>
-                    <a:bodyPr/>
-                    <a:lstStyle/>
-                    <a:p>
-                      <a:r>
-                        <a:rPr lang="en-US" dirty="0"/>
-                        <a:t>Accuracy</a:t>
-                      </a:r>
-                    </a:p>
-                    <a:p>
-                      <a:r>
-                        <a:rPr lang="en-US" dirty="0"/>
-                        <a:t>Precision</a:t>
-                      </a:r>
-                    </a:p>
-                    <a:p>
-                      <a:r>
-                        <a:rPr lang="en-US" dirty="0"/>
-                        <a:t>Recall</a:t>
-                      </a:r>
-                    </a:p>
-                    <a:p>
-                      <a:r>
-                        <a:rPr lang="en-US" dirty="0"/>
-                        <a:t>F1 Score</a:t>
-                      </a:r>
-                    </a:p>
-                    <a:p>
-                      <a:r>
-                        <a:rPr lang="en-US" dirty="0"/>
-                        <a:t>RMSE</a:t>
-                      </a:r>
-                    </a:p>
-                  </a:txBody>
-                  <a:tcPr/>
-                </a:tc>
-                <a:tc>
-                  <a:txBody>
-                    <a:bodyPr/>
-                    <a:lstStyle/>
-                    <a:p>
-                      <a:endParaRPr lang="en-US" dirty="0"/>
-                    </a:p>
-                  </a:txBody>
-                  <a:tcPr/>
-                </a:tc>
-                <a:tc>
-                  <a:txBody>
-                    <a:bodyPr/>
-                    <a:lstStyle/>
-                    <a:p>
-                      <a:endParaRPr lang="en-US" dirty="0"/>
-                    </a:p>
-                  </a:txBody>
-                  <a:tcPr/>
-                </a:tc>
-                <a:tc>
-                  <a:txBody>
-                    <a:bodyPr/>
-                    <a:lstStyle/>
-                    <a:p>
-                      <a:endParaRPr lang="en-US" dirty="0"/>
-                    </a:p>
-                  </a:txBody>
-                  <a:tcPr/>
-                </a:tc>
-                <a:extLst>
-                  <a:ext uri="{0D108BD9-81ED-4DB2-BD59-A6C34878D82A}">
-                    <a16:rowId xmlns:a16="http://schemas.microsoft.com/office/drawing/2014/main" val="32276016"/>
-                  </a:ext>
-                </a:extLst>
-              </a:tr>
-            </a:tbl>
-          </a:graphicData>
-        </a:graphic>
-      </p:graphicFrame>
-      <p:sp>
-        <p:nvSpPr>
-          <p:cNvPr id="5" name="Google Shape;109;p10">
-            <a:extLst>
-              <a:ext uri="{FF2B5EF4-FFF2-40B4-BE49-F238E27FC236}">
-                <a16:creationId xmlns:a16="http://schemas.microsoft.com/office/drawing/2014/main" id="{2BFDF0D6-F40D-456F-B8E0-932363E5B50E}"/>
-              </a:ext>
-            </a:extLst>
-          </p:cNvPr>
-          <p:cNvSpPr txBox="1"/>
-          <p:nvPr/>
-        </p:nvSpPr>
-        <p:spPr>
-          <a:xfrm>
-            <a:off x="761999" y="876963"/>
-            <a:ext cx="10947647" cy="1041568"/>
-          </a:xfrm>
-          <a:prstGeom prst="rect">
-            <a:avLst/>
-          </a:prstGeom>
-          <a:noFill/>
-          <a:ln>
-            <a:noFill/>
-          </a:ln>
-        </p:spPr>
-        <p:txBody>
-          <a:bodyPr spcFirstLastPara="1" wrap="square" lIns="91425" tIns="45700" rIns="91425" bIns="45700" anchor="t" anchorCtr="0">
-            <a:noAutofit/>
-          </a:bodyPr>
-          <a:lstStyle/>
-          <a:p>
-            <a:pPr marL="0" marR="0" lvl="0" indent="0" algn="l" rtl="0">
-              <a:spcBef>
-                <a:spcPts val="0"/>
-              </a:spcBef>
-              <a:spcAft>
-                <a:spcPts val="0"/>
-              </a:spcAft>
-              <a:buNone/>
-            </a:pPr>
-            <a:r>
-              <a:rPr lang="en-US" sz="1800" dirty="0">
-                <a:solidFill>
-                  <a:schemeClr val="dk1"/>
-                </a:solidFill>
-              </a:rPr>
-              <a:t>We tested several modeling approaches, however ultimately landed on [Model X] due to….</a:t>
-            </a:r>
-          </a:p>
-        </p:txBody>
-      </p:sp>
-      <p:sp>
-        <p:nvSpPr>
-          <p:cNvPr id="3" name="Slide Number Placeholder 2">
-            <a:extLst>
-              <a:ext uri="{FF2B5EF4-FFF2-40B4-BE49-F238E27FC236}">
-                <a16:creationId xmlns:a16="http://schemas.microsoft.com/office/drawing/2014/main" id="{BD56DDDA-9184-4E12-85DF-473A0329F5D5}"/>
-              </a:ext>
-            </a:extLst>
-          </p:cNvPr>
-          <p:cNvSpPr>
-            <a:spLocks noGrp="1"/>
-          </p:cNvSpPr>
-          <p:nvPr>
-            <p:ph type="sldNum" idx="12"/>
-          </p:nvPr>
-        </p:nvSpPr>
-        <p:spPr/>
-        <p:txBody>
-          <a:bodyPr/>
-          <a:lstStyle/>
-          <a:p>
-            <a:pPr marL="0" lvl="0" indent="0" algn="r" rtl="0">
-              <a:spcBef>
-                <a:spcPts val="0"/>
-              </a:spcBef>
-              <a:spcAft>
-                <a:spcPts val="0"/>
-              </a:spcAft>
-              <a:buNone/>
-            </a:pPr>
-            <a:fld id="{00000000-1234-1234-1234-123412341234}" type="slidenum">
-              <a:rPr lang="en-US" smtClean="0"/>
-              <a:t>9</a:t>
-            </a:fld>
-            <a:endParaRPr lang="en-US"/>
-          </a:p>
-        </p:txBody>
-      </p:sp>
-    </p:spTree>
-    <p:extLst>
-      <p:ext uri="{BB962C8B-B14F-4D97-AF65-F5344CB8AC3E}">
-        <p14:creationId xmlns:p14="http://schemas.microsoft.com/office/powerpoint/2010/main" val="1163658318"/>
-      </p:ext>
-    </p:extLst>
-  </p:cSld>
-  <p:clrMapOvr>
-    <a:masterClrMapping/>
-  </p:clrMapOvr>
-</p:sld>
-</file>
-
-<file path=ppt/slides/slide11.xml><?xml version="1.0" encoding="utf-8"?>
-<p:sld xmlns:a="http://schemas.openxmlformats.org/drawingml/2006/main" xmlns:r="http://schemas.openxmlformats.org/officeDocument/2006/relationships" xmlns:p="http://schemas.openxmlformats.org/presentationml/2006/main">
-  <p:cSld>
-    <p:spTree>
-      <p:nvGrpSpPr>
-        <p:cNvPr id="1" name="Shape 104"/>
-        <p:cNvGrpSpPr/>
-        <p:nvPr/>
-      </p:nvGrpSpPr>
-      <p:grpSpPr>
-        <a:xfrm>
-          <a:off x="0" y="0"/>
-          <a:ext cx="0" cy="0"/>
-          <a:chOff x="0" y="0"/>
-          <a:chExt cx="0" cy="0"/>
-        </a:xfrm>
-      </p:grpSpPr>
-      <p:sp>
-        <p:nvSpPr>
-          <p:cNvPr id="105" name="Google Shape;105;p10"/>
-          <p:cNvSpPr txBox="1">
-            <a:spLocks noGrp="1"/>
-          </p:cNvSpPr>
-          <p:nvPr>
-            <p:ph type="title"/>
-          </p:nvPr>
-        </p:nvSpPr>
-        <p:spPr>
-          <a:xfrm>
-            <a:off x="762000" y="363538"/>
-            <a:ext cx="10668000" cy="540230"/>
-          </a:xfrm>
-          <a:prstGeom prst="rect">
-            <a:avLst/>
-          </a:prstGeom>
-          <a:noFill/>
-          <a:ln>
-            <a:noFill/>
-          </a:ln>
-        </p:spPr>
-        <p:txBody>
-          <a:bodyPr spcFirstLastPara="1" wrap="square" lIns="91425" tIns="45700" rIns="91425" bIns="45700" anchor="t" anchorCtr="0">
-            <a:noAutofit/>
-          </a:bodyPr>
-          <a:lstStyle/>
-          <a:p>
-            <a:pPr marL="0" lvl="0" indent="0" algn="l" rtl="0">
-              <a:lnSpc>
-                <a:spcPct val="90000"/>
-              </a:lnSpc>
-              <a:spcBef>
-                <a:spcPts val="0"/>
-              </a:spcBef>
-              <a:spcAft>
-                <a:spcPts val="0"/>
-              </a:spcAft>
-              <a:buClr>
-                <a:schemeClr val="dk1"/>
-              </a:buClr>
-              <a:buSzPts val="3600"/>
-              <a:buFont typeface="Arial"/>
-              <a:buNone/>
-            </a:pPr>
-            <a:r>
-              <a:rPr lang="en-US" sz="3200" dirty="0"/>
               <a:t>Modeling Approaches Utilized: Classification</a:t>
             </a:r>
             <a:endParaRPr sz="3200" dirty="0"/>
@@ -10707,6 +10043,179 @@
             </a:pPr>
             <a:fld id="{00000000-1234-1234-1234-123412341234}" type="slidenum">
               <a:rPr lang="en-US" smtClean="0"/>
+              <a:t>9</a:t>
+            </a:fld>
+            <a:endParaRPr lang="en-US"/>
+          </a:p>
+        </p:txBody>
+      </p:sp>
+    </p:spTree>
+    <p:extLst>
+      <p:ext uri="{BB962C8B-B14F-4D97-AF65-F5344CB8AC3E}">
+        <p14:creationId xmlns:p14="http://schemas.microsoft.com/office/powerpoint/2010/main" val="491648610"/>
+      </p:ext>
+    </p:extLst>
+  </p:cSld>
+  <p:clrMapOvr>
+    <a:masterClrMapping/>
+  </p:clrMapOvr>
+</p:sld>
+</file>
+
+<file path=ppt/slides/slide11.xml><?xml version="1.0" encoding="utf-8"?>
+<p:sld xmlns:a="http://schemas.openxmlformats.org/drawingml/2006/main" xmlns:r="http://schemas.openxmlformats.org/officeDocument/2006/relationships" xmlns:p="http://schemas.openxmlformats.org/presentationml/2006/main">
+  <p:cSld>
+    <p:spTree>
+      <p:nvGrpSpPr>
+        <p:cNvPr id="1" name="Shape 104"/>
+        <p:cNvGrpSpPr/>
+        <p:nvPr/>
+      </p:nvGrpSpPr>
+      <p:grpSpPr>
+        <a:xfrm>
+          <a:off x="0" y="0"/>
+          <a:ext cx="0" cy="0"/>
+          <a:chOff x="0" y="0"/>
+          <a:chExt cx="0" cy="0"/>
+        </a:xfrm>
+      </p:grpSpPr>
+      <p:sp>
+        <p:nvSpPr>
+          <p:cNvPr id="105" name="Google Shape;105;p10"/>
+          <p:cNvSpPr txBox="1">
+            <a:spLocks noGrp="1"/>
+          </p:cNvSpPr>
+          <p:nvPr>
+            <p:ph type="title"/>
+          </p:nvPr>
+        </p:nvSpPr>
+        <p:spPr>
+          <a:xfrm>
+            <a:off x="762000" y="363538"/>
+            <a:ext cx="10668000" cy="540230"/>
+          </a:xfrm>
+          <a:prstGeom prst="rect">
+            <a:avLst/>
+          </a:prstGeom>
+          <a:noFill/>
+          <a:ln>
+            <a:noFill/>
+          </a:ln>
+        </p:spPr>
+        <p:txBody>
+          <a:bodyPr spcFirstLastPara="1" wrap="square" lIns="91425" tIns="45700" rIns="91425" bIns="45700" anchor="t" anchorCtr="0">
+            <a:noAutofit/>
+          </a:bodyPr>
+          <a:lstStyle/>
+          <a:p>
+            <a:pPr marL="0" lvl="0" indent="0" algn="l" rtl="0">
+              <a:lnSpc>
+                <a:spcPct val="90000"/>
+              </a:lnSpc>
+              <a:spcBef>
+                <a:spcPts val="0"/>
+              </a:spcBef>
+              <a:spcAft>
+                <a:spcPts val="0"/>
+              </a:spcAft>
+              <a:buClr>
+                <a:schemeClr val="dk1"/>
+              </a:buClr>
+              <a:buSzPts val="3600"/>
+              <a:buFont typeface="Arial"/>
+              <a:buNone/>
+            </a:pPr>
+            <a:r>
+              <a:rPr lang="en-US" sz="3200" dirty="0"/>
+              <a:t>Selected Model</a:t>
+            </a:r>
+            <a:endParaRPr sz="3200" dirty="0"/>
+          </a:p>
+        </p:txBody>
+      </p:sp>
+      <p:sp>
+        <p:nvSpPr>
+          <p:cNvPr id="5" name="Google Shape;109;p10">
+            <a:extLst>
+              <a:ext uri="{FF2B5EF4-FFF2-40B4-BE49-F238E27FC236}">
+                <a16:creationId xmlns:a16="http://schemas.microsoft.com/office/drawing/2014/main" id="{2BFDF0D6-F40D-456F-B8E0-932363E5B50E}"/>
+              </a:ext>
+            </a:extLst>
+          </p:cNvPr>
+          <p:cNvSpPr txBox="1"/>
+          <p:nvPr/>
+        </p:nvSpPr>
+        <p:spPr>
+          <a:xfrm>
+            <a:off x="761999" y="876963"/>
+            <a:ext cx="10947647" cy="1041568"/>
+          </a:xfrm>
+          <a:prstGeom prst="rect">
+            <a:avLst/>
+          </a:prstGeom>
+          <a:noFill/>
+          <a:ln>
+            <a:noFill/>
+          </a:ln>
+        </p:spPr>
+        <p:txBody>
+          <a:bodyPr spcFirstLastPara="1" wrap="square" lIns="91425" tIns="45700" rIns="91425" bIns="45700" anchor="t" anchorCtr="0">
+            <a:noAutofit/>
+          </a:bodyPr>
+          <a:lstStyle/>
+          <a:p>
+            <a:pPr marL="0" marR="0" lvl="0" indent="0" algn="l" rtl="0">
+              <a:spcBef>
+                <a:spcPts val="0"/>
+              </a:spcBef>
+              <a:spcAft>
+                <a:spcPts val="0"/>
+              </a:spcAft>
+              <a:buNone/>
+            </a:pPr>
+            <a:r>
+              <a:rPr lang="en-US" sz="1800" dirty="0">
+                <a:solidFill>
+                  <a:schemeClr val="dk1"/>
+                </a:solidFill>
+              </a:rPr>
+              <a:t>We tested several modeling approaches, however ultimately landed on [Model X] due to….</a:t>
+            </a:r>
+          </a:p>
+        </p:txBody>
+      </p:sp>
+      <p:sp>
+        <p:nvSpPr>
+          <p:cNvPr id="3" name="Slide Number Placeholder 2">
+            <a:extLst>
+              <a:ext uri="{FF2B5EF4-FFF2-40B4-BE49-F238E27FC236}">
+                <a16:creationId xmlns:a16="http://schemas.microsoft.com/office/drawing/2014/main" id="{BD56DDDA-9184-4E12-85DF-473A0329F5D5}"/>
+              </a:ext>
+            </a:extLst>
+          </p:cNvPr>
+          <p:cNvSpPr>
+            <a:spLocks noGrp="1"/>
+          </p:cNvSpPr>
+          <p:nvPr>
+            <p:ph type="sldNum" idx="12"/>
+          </p:nvPr>
+        </p:nvSpPr>
+        <p:spPr/>
+        <p:txBody>
+          <a:bodyPr/>
+          <a:lstStyle/>
+          <a:p>
+            <a:pPr marL="0" lvl="0" indent="0" algn="r" rtl="0">
+              <a:spcBef>
+                <a:spcPts val="0"/>
+              </a:spcBef>
+              <a:spcAft>
+                <a:spcPts val="0"/>
+              </a:spcAft>
+              <a:buNone/>
+            </a:pPr>
+            <a:fld id="{00000000-1234-1234-1234-123412341234}" type="slidenum">
+              <a:rPr lang="en-US" smtClean="0"/>
               <a:t>10</a:t>
             </a:fld>
             <a:endParaRPr lang="en-US"/>
@@ -10716,7 +10225,7 @@
     </p:spTree>
     <p:extLst>
       <p:ext uri="{BB962C8B-B14F-4D97-AF65-F5344CB8AC3E}">
-        <p14:creationId xmlns:p14="http://schemas.microsoft.com/office/powerpoint/2010/main" val="491648610"/>
+        <p14:creationId xmlns:p14="http://schemas.microsoft.com/office/powerpoint/2010/main" val="450061217"/>
       </p:ext>
     </p:extLst>
   </p:cSld>
@@ -10791,7 +10300,7 @@
             </a:pPr>
             <a:r>
               <a:rPr lang="en-US" sz="3200" dirty="0"/>
-              <a:t>Selected Model</a:t>
+              <a:t>Feature Refinement &amp; Final Model</a:t>
             </a:r>
             <a:endParaRPr sz="3200" dirty="0"/>
           </a:p>
@@ -10799,10 +10308,10 @@
       </p:sp>
       <p:sp>
         <p:nvSpPr>
-          <p:cNvPr id="5" name="Google Shape;109;p10">
+          <p:cNvPr id="4" name="TextBox 3">
             <a:extLst>
               <a:ext uri="{FF2B5EF4-FFF2-40B4-BE49-F238E27FC236}">
-                <a16:creationId xmlns:a16="http://schemas.microsoft.com/office/drawing/2014/main" id="{2BFDF0D6-F40D-456F-B8E0-932363E5B50E}"/>
+                <a16:creationId xmlns:a16="http://schemas.microsoft.com/office/drawing/2014/main" id="{BBC4606E-4940-4851-BF99-9D456FA4E71E}"/>
               </a:ext>
             </a:extLst>
           </p:cNvPr>
@@ -10811,49 +10320,37 @@
         </p:nvSpPr>
         <p:spPr>
           <a:xfrm>
-            <a:off x="761999" y="876963"/>
-            <a:ext cx="10947647" cy="1041568"/>
+            <a:off x="669302" y="2394003"/>
+            <a:ext cx="7481640" cy="523220"/>
           </a:xfrm>
           <a:prstGeom prst="rect">
             <a:avLst/>
           </a:prstGeom>
           <a:noFill/>
-          <a:ln>
-            <a:noFill/>
-          </a:ln>
         </p:spPr>
         <p:txBody>
-          <a:bodyPr spcFirstLastPara="1" wrap="square" lIns="91425" tIns="45700" rIns="91425" bIns="45700" anchor="t" anchorCtr="0">
-            <a:noAutofit/>
+          <a:bodyPr wrap="square" rtlCol="0">
+            <a:spAutoFit/>
           </a:bodyPr>
           <a:lstStyle/>
           <a:p>
-            <a:pPr marL="0" marR="0" lvl="0" indent="0" algn="l" rtl="0">
-              <a:spcBef>
-                <a:spcPts val="0"/>
-              </a:spcBef>
-              <a:spcAft>
-                <a:spcPts val="0"/>
-              </a:spcAft>
-              <a:buNone/>
-            </a:pPr>
             <a:r>
-              <a:rPr lang="en-US" sz="1800" dirty="0">
-                <a:solidFill>
-                  <a:schemeClr val="dk1"/>
+              <a:rPr lang="en-US" dirty="0">
+                <a:solidFill>
+                  <a:srgbClr val="C00000"/>
                 </a:solidFill>
               </a:rPr>
-              <a:t>We tested several modeling approaches, however ultimately landed on [Model X] due to….</a:t>
+              <a:t>I am assuming similar to the homework we may run initial models and then refine the features; in which case we may want this slide. However, if not, we can delete.</a:t>
             </a:r>
           </a:p>
         </p:txBody>
       </p:sp>
       <p:sp>
         <p:nvSpPr>
-          <p:cNvPr id="3" name="Slide Number Placeholder 2">
+          <p:cNvPr id="2" name="Slide Number Placeholder 1">
             <a:extLst>
               <a:ext uri="{FF2B5EF4-FFF2-40B4-BE49-F238E27FC236}">
-                <a16:creationId xmlns:a16="http://schemas.microsoft.com/office/drawing/2014/main" id="{BD56DDDA-9184-4E12-85DF-473A0329F5D5}"/>
+                <a16:creationId xmlns:a16="http://schemas.microsoft.com/office/drawing/2014/main" id="{383CC481-9A85-40E2-BDB3-01C13762481C}"/>
               </a:ext>
             </a:extLst>
           </p:cNvPr>
@@ -10889,7 +10386,7 @@
     </p:spTree>
     <p:extLst>
       <p:ext uri="{BB962C8B-B14F-4D97-AF65-F5344CB8AC3E}">
-        <p14:creationId xmlns:p14="http://schemas.microsoft.com/office/powerpoint/2010/main" val="450061217"/>
+        <p14:creationId xmlns:p14="http://schemas.microsoft.com/office/powerpoint/2010/main" val="3291061125"/>
       </p:ext>
     </p:extLst>
   </p:cSld>
@@ -10964,7 +10461,7 @@
             </a:pPr>
             <a:r>
               <a:rPr lang="en-US" sz="3200" dirty="0"/>
-              <a:t>Feature Refinement &amp; Final Model</a:t>
+              <a:t>Model Outcomes</a:t>
             </a:r>
             <a:endParaRPr sz="3200" dirty="0"/>
           </a:p>
@@ -10985,7 +10482,7 @@
         <p:spPr>
           <a:xfrm>
             <a:off x="669302" y="2394003"/>
-            <a:ext cx="7481640" cy="523220"/>
+            <a:ext cx="7481640" cy="1384995"/>
           </a:xfrm>
           <a:prstGeom prst="rect">
             <a:avLst/>
@@ -11004,7 +10501,24 @@
                   <a:srgbClr val="C00000"/>
                 </a:solidFill>
               </a:rPr>
-              <a:t>I am assuming similar to the homework we may run initial models and then refine the features; in which case we may want this slide. However, if not, we can delete.</a:t>
+              <a:t>For this slide, I think we should take the outputs of the model and pick a region/geography to do a deep dive on the results and what the application would be. E.g., rank hospitals in Chicago to show how they perform relative to one another.</a:t>
+            </a:r>
+          </a:p>
+          <a:p>
+            <a:endParaRPr lang="en-US" dirty="0">
+              <a:solidFill>
+                <a:srgbClr val="C00000"/>
+              </a:solidFill>
+            </a:endParaRPr>
+          </a:p>
+          <a:p>
+            <a:r>
+              <a:rPr lang="en-US" dirty="0">
+                <a:solidFill>
+                  <a:srgbClr val="C00000"/>
+                </a:solidFill>
+              </a:rPr>
+              <a:t>I could also foresee this being multiple slides of graphical outputs, similar to the example we looked at. We probably need to further discuss/think more about what these would be.</a:t>
             </a:r>
           </a:p>
         </p:txBody>
@@ -11014,7 +10528,7 @@
           <p:cNvPr id="2" name="Slide Number Placeholder 1">
             <a:extLst>
               <a:ext uri="{FF2B5EF4-FFF2-40B4-BE49-F238E27FC236}">
-                <a16:creationId xmlns:a16="http://schemas.microsoft.com/office/drawing/2014/main" id="{383CC481-9A85-40E2-BDB3-01C13762481C}"/>
+                <a16:creationId xmlns:a16="http://schemas.microsoft.com/office/drawing/2014/main" id="{8794F2E9-EA18-491F-84B2-75FD8A5197F9}"/>
               </a:ext>
             </a:extLst>
           </p:cNvPr>
@@ -11047,10 +10561,109 @@
           </a:p>
         </p:txBody>
       </p:sp>
+      <p:sp>
+        <p:nvSpPr>
+          <p:cNvPr id="5" name="Text Placeholder 2">
+            <a:extLst>
+              <a:ext uri="{FF2B5EF4-FFF2-40B4-BE49-F238E27FC236}">
+                <a16:creationId xmlns:a16="http://schemas.microsoft.com/office/drawing/2014/main" id="{86CEA2F1-75FD-4223-B672-21BC3A9CB736}"/>
+              </a:ext>
+            </a:extLst>
+          </p:cNvPr>
+          <p:cNvSpPr>
+            <a:spLocks noGrp="1"/>
+          </p:cNvSpPr>
+          <p:nvPr>
+            <p:ph type="body" idx="1"/>
+          </p:nvPr>
+        </p:nvSpPr>
+        <p:spPr>
+          <a:xfrm>
+            <a:off x="6429080" y="1565559"/>
+            <a:ext cx="5000920" cy="3996965"/>
+          </a:xfrm>
+        </p:spPr>
+        <p:txBody>
+          <a:bodyPr/>
+          <a:lstStyle/>
+          <a:p>
+            <a:pPr>
+              <a:spcBef>
+                <a:spcPts val="1200"/>
+              </a:spcBef>
+              <a:spcAft>
+                <a:spcPts val="1200"/>
+              </a:spcAft>
+            </a:pPr>
+            <a:r>
+              <a:rPr lang="en-US" sz="2000" dirty="0">
+                <a:solidFill>
+                  <a:schemeClr val="tx1"/>
+                </a:solidFill>
+              </a:rPr>
+              <a:t>A timely hospital quality and performance reporting application for consumers</a:t>
+            </a:r>
+          </a:p>
+          <a:p>
+            <a:pPr>
+              <a:spcBef>
+                <a:spcPts val="1200"/>
+              </a:spcBef>
+              <a:spcAft>
+                <a:spcPts val="1200"/>
+              </a:spcAft>
+            </a:pPr>
+            <a:r>
+              <a:rPr lang="en-US" sz="2000" dirty="0">
+                <a:solidFill>
+                  <a:schemeClr val="tx1"/>
+                </a:solidFill>
+              </a:rPr>
+              <a:t>Based on consumer surveys and voluntary reporting from hospitals</a:t>
+            </a:r>
+          </a:p>
+          <a:p>
+            <a:pPr>
+              <a:spcBef>
+                <a:spcPts val="1200"/>
+              </a:spcBef>
+              <a:spcAft>
+                <a:spcPts val="1200"/>
+              </a:spcAft>
+            </a:pPr>
+            <a:r>
+              <a:rPr lang="en-US" sz="2000" dirty="0">
+                <a:solidFill>
+                  <a:schemeClr val="tx1"/>
+                </a:solidFill>
+              </a:rPr>
+              <a:t>Reports an overall score and ranking for each hospitals in a region</a:t>
+            </a:r>
+          </a:p>
+          <a:p>
+            <a:pPr>
+              <a:spcBef>
+                <a:spcPts val="1200"/>
+              </a:spcBef>
+              <a:spcAft>
+                <a:spcPts val="1200"/>
+              </a:spcAft>
+            </a:pPr>
+            <a:r>
+              <a:rPr lang="en-US" sz="2000" dirty="0">
+                <a:solidFill>
+                  <a:schemeClr val="tx1"/>
+                </a:solidFill>
+              </a:rPr>
+              <a:t>Used by consumers to determine where they may seek non-emergency care</a:t>
+            </a:r>
+          </a:p>
+        </p:txBody>
+      </p:sp>
     </p:spTree>
     <p:extLst>
       <p:ext uri="{BB962C8B-B14F-4D97-AF65-F5344CB8AC3E}">
-        <p14:creationId xmlns:p14="http://schemas.microsoft.com/office/powerpoint/2010/main" val="3291061125"/>
+        <p14:creationId xmlns:p14="http://schemas.microsoft.com/office/powerpoint/2010/main" val="2303775462"/>
       </p:ext>
     </p:extLst>
   </p:cSld>
@@ -11125,283 +10738,6 @@
             </a:pPr>
             <a:r>
               <a:rPr lang="en-US" sz="3200" dirty="0"/>
-              <a:t>Model Outcomes</a:t>
-            </a:r>
-            <a:endParaRPr sz="3200" dirty="0"/>
-          </a:p>
-        </p:txBody>
-      </p:sp>
-      <p:sp>
-        <p:nvSpPr>
-          <p:cNvPr id="4" name="TextBox 3">
-            <a:extLst>
-              <a:ext uri="{FF2B5EF4-FFF2-40B4-BE49-F238E27FC236}">
-                <a16:creationId xmlns:a16="http://schemas.microsoft.com/office/drawing/2014/main" id="{BBC4606E-4940-4851-BF99-9D456FA4E71E}"/>
-              </a:ext>
-            </a:extLst>
-          </p:cNvPr>
-          <p:cNvSpPr txBox="1"/>
-          <p:nvPr/>
-        </p:nvSpPr>
-        <p:spPr>
-          <a:xfrm>
-            <a:off x="669302" y="2394003"/>
-            <a:ext cx="7481640" cy="1384995"/>
-          </a:xfrm>
-          <a:prstGeom prst="rect">
-            <a:avLst/>
-          </a:prstGeom>
-          <a:noFill/>
-        </p:spPr>
-        <p:txBody>
-          <a:bodyPr wrap="square" rtlCol="0">
-            <a:spAutoFit/>
-          </a:bodyPr>
-          <a:lstStyle/>
-          <a:p>
-            <a:r>
-              <a:rPr lang="en-US" dirty="0">
-                <a:solidFill>
-                  <a:srgbClr val="C00000"/>
-                </a:solidFill>
-              </a:rPr>
-              <a:t>For this slide, I think we should take the outputs of the model and pick a region/geography to do a deep dive on the results and what the application would be. E.g., rank hospitals in Chicago to show how they perform relative to one another.</a:t>
-            </a:r>
-          </a:p>
-          <a:p>
-            <a:endParaRPr lang="en-US" dirty="0">
-              <a:solidFill>
-                <a:srgbClr val="C00000"/>
-              </a:solidFill>
-            </a:endParaRPr>
-          </a:p>
-          <a:p>
-            <a:r>
-              <a:rPr lang="en-US" dirty="0">
-                <a:solidFill>
-                  <a:srgbClr val="C00000"/>
-                </a:solidFill>
-              </a:rPr>
-              <a:t>I could also foresee this being multiple slides of graphical outputs, similar to the example we looked at. We probably need to further discuss/think more about what these would be.</a:t>
-            </a:r>
-          </a:p>
-        </p:txBody>
-      </p:sp>
-      <p:sp>
-        <p:nvSpPr>
-          <p:cNvPr id="2" name="Slide Number Placeholder 1">
-            <a:extLst>
-              <a:ext uri="{FF2B5EF4-FFF2-40B4-BE49-F238E27FC236}">
-                <a16:creationId xmlns:a16="http://schemas.microsoft.com/office/drawing/2014/main" id="{8794F2E9-EA18-491F-84B2-75FD8A5197F9}"/>
-              </a:ext>
-            </a:extLst>
-          </p:cNvPr>
-          <p:cNvSpPr>
-            <a:spLocks noGrp="1"/>
-          </p:cNvSpPr>
-          <p:nvPr>
-            <p:ph type="sldNum" idx="12"/>
-          </p:nvPr>
-        </p:nvSpPr>
-        <p:spPr/>
-        <p:txBody>
-          <a:bodyPr/>
-          <a:lstStyle/>
-          <a:p>
-            <a:pPr marL="0" lvl="0" indent="0" algn="r" rtl="0">
-              <a:spcBef>
-                <a:spcPts val="0"/>
-              </a:spcBef>
-              <a:spcAft>
-                <a:spcPts val="0"/>
-              </a:spcAft>
-              <a:buNone/>
-            </a:pPr>
-            <a:fld id="{00000000-1234-1234-1234-123412341234}" type="slidenum">
-              <a:rPr lang="en-US" smtClean="0"/>
-              <a:t>13</a:t>
-            </a:fld>
-            <a:endParaRPr lang="en-US"/>
-          </a:p>
-        </p:txBody>
-      </p:sp>
-      <p:sp>
-        <p:nvSpPr>
-          <p:cNvPr id="5" name="Text Placeholder 2">
-            <a:extLst>
-              <a:ext uri="{FF2B5EF4-FFF2-40B4-BE49-F238E27FC236}">
-                <a16:creationId xmlns:a16="http://schemas.microsoft.com/office/drawing/2014/main" id="{86CEA2F1-75FD-4223-B672-21BC3A9CB736}"/>
-              </a:ext>
-            </a:extLst>
-          </p:cNvPr>
-          <p:cNvSpPr>
-            <a:spLocks noGrp="1"/>
-          </p:cNvSpPr>
-          <p:nvPr>
-            <p:ph type="body" idx="1"/>
-          </p:nvPr>
-        </p:nvSpPr>
-        <p:spPr>
-          <a:xfrm>
-            <a:off x="6429080" y="1565559"/>
-            <a:ext cx="5000920" cy="3996965"/>
-          </a:xfrm>
-        </p:spPr>
-        <p:txBody>
-          <a:bodyPr/>
-          <a:lstStyle/>
-          <a:p>
-            <a:pPr>
-              <a:spcBef>
-                <a:spcPts val="1200"/>
-              </a:spcBef>
-              <a:spcAft>
-                <a:spcPts val="1200"/>
-              </a:spcAft>
-            </a:pPr>
-            <a:r>
-              <a:rPr lang="en-US" sz="2000" dirty="0">
-                <a:solidFill>
-                  <a:schemeClr val="tx1"/>
-                </a:solidFill>
-              </a:rPr>
-              <a:t>A timely hospital quality and performance reporting application for consumers</a:t>
-            </a:r>
-          </a:p>
-          <a:p>
-            <a:pPr>
-              <a:spcBef>
-                <a:spcPts val="1200"/>
-              </a:spcBef>
-              <a:spcAft>
-                <a:spcPts val="1200"/>
-              </a:spcAft>
-            </a:pPr>
-            <a:r>
-              <a:rPr lang="en-US" sz="2000" dirty="0">
-                <a:solidFill>
-                  <a:schemeClr val="tx1"/>
-                </a:solidFill>
-              </a:rPr>
-              <a:t>Based on consumer surveys and voluntary reporting from hospitals</a:t>
-            </a:r>
-          </a:p>
-          <a:p>
-            <a:pPr>
-              <a:spcBef>
-                <a:spcPts val="1200"/>
-              </a:spcBef>
-              <a:spcAft>
-                <a:spcPts val="1200"/>
-              </a:spcAft>
-            </a:pPr>
-            <a:r>
-              <a:rPr lang="en-US" sz="2000" dirty="0">
-                <a:solidFill>
-                  <a:schemeClr val="tx1"/>
-                </a:solidFill>
-              </a:rPr>
-              <a:t>Reports an overall score and ranking for each hospitals in a region</a:t>
-            </a:r>
-          </a:p>
-          <a:p>
-            <a:pPr>
-              <a:spcBef>
-                <a:spcPts val="1200"/>
-              </a:spcBef>
-              <a:spcAft>
-                <a:spcPts val="1200"/>
-              </a:spcAft>
-            </a:pPr>
-            <a:r>
-              <a:rPr lang="en-US" sz="2000" dirty="0">
-                <a:solidFill>
-                  <a:schemeClr val="tx1"/>
-                </a:solidFill>
-              </a:rPr>
-              <a:t>Used by consumers to determine where they may seek non-emergency care</a:t>
-            </a:r>
-          </a:p>
-        </p:txBody>
-      </p:sp>
-    </p:spTree>
-    <p:extLst>
-      <p:ext uri="{BB962C8B-B14F-4D97-AF65-F5344CB8AC3E}">
-        <p14:creationId xmlns:p14="http://schemas.microsoft.com/office/powerpoint/2010/main" val="2303775462"/>
-      </p:ext>
-    </p:extLst>
-  </p:cSld>
-  <p:clrMapOvr>
-    <a:masterClrMapping/>
-  </p:clrMapOvr>
-</p:sld>
-</file>
-
-<file path=ppt/slides/slide15.xml><?xml version="1.0" encoding="utf-8"?>
-<p:sld xmlns:a="http://schemas.openxmlformats.org/drawingml/2006/main" xmlns:r="http://schemas.openxmlformats.org/officeDocument/2006/relationships" xmlns:p="http://schemas.openxmlformats.org/presentationml/2006/main">
-  <p:cSld>
-    <p:spTree>
-      <p:nvGrpSpPr>
-        <p:cNvPr id="1" name="Shape 104"/>
-        <p:cNvGrpSpPr/>
-        <p:nvPr/>
-      </p:nvGrpSpPr>
-      <p:grpSpPr>
-        <a:xfrm>
-          <a:off x="0" y="0"/>
-          <a:ext cx="0" cy="0"/>
-          <a:chOff x="0" y="0"/>
-          <a:chExt cx="0" cy="0"/>
-        </a:xfrm>
-      </p:grpSpPr>
-      <p:sp>
-        <p:nvSpPr>
-          <p:cNvPr id="105" name="Google Shape;105;p10"/>
-          <p:cNvSpPr txBox="1">
-            <a:spLocks noGrp="1"/>
-          </p:cNvSpPr>
-          <p:nvPr>
-            <p:ph type="title"/>
-          </p:nvPr>
-        </p:nvSpPr>
-        <p:spPr>
-          <a:xfrm>
-            <a:off x="762000" y="363538"/>
-            <a:ext cx="10668000" cy="540230"/>
-          </a:xfrm>
-          <a:prstGeom prst="rect">
-            <a:avLst/>
-          </a:prstGeom>
-          <a:noFill/>
-          <a:ln>
-            <a:noFill/>
-          </a:ln>
-        </p:spPr>
-        <p:txBody>
-          <a:bodyPr spcFirstLastPara="1" wrap="square" lIns="91425" tIns="45700" rIns="91425" bIns="45700" anchor="t" anchorCtr="0">
-            <a:noAutofit/>
-          </a:bodyPr>
-          <a:lstStyle/>
-          <a:p>
-            <a:pPr marL="0" lvl="0" indent="0" algn="l" rtl="0">
-              <a:lnSpc>
-                <a:spcPct val="90000"/>
-              </a:lnSpc>
-              <a:spcBef>
-                <a:spcPts val="0"/>
-              </a:spcBef>
-              <a:spcAft>
-                <a:spcPts val="0"/>
-              </a:spcAft>
-              <a:buClr>
-                <a:schemeClr val="dk1"/>
-              </a:buClr>
-              <a:buSzPts val="3600"/>
-              <a:buFont typeface="Arial"/>
-              <a:buNone/>
-            </a:pPr>
-            <a:r>
-              <a:rPr lang="en-US" sz="3200" dirty="0"/>
               <a:t>Recommendations</a:t>
             </a:r>
             <a:endParaRPr sz="3200" dirty="0"/>
@@ -11479,7 +10815,7 @@
             </a:pPr>
             <a:fld id="{00000000-1234-1234-1234-123412341234}" type="slidenum">
               <a:rPr lang="en-US" smtClean="0"/>
-              <a:t>14</a:t>
+              <a:t>13</a:t>
             </a:fld>
             <a:endParaRPr lang="en-US"/>
           </a:p>
@@ -11498,7 +10834,7 @@
 </p:sld>
 </file>
 
-<file path=ppt/slides/slide16.xml><?xml version="1.0" encoding="utf-8"?>
+<file path=ppt/slides/slide15.xml><?xml version="1.0" encoding="utf-8"?>
 <p:sld xmlns:a="http://schemas.openxmlformats.org/drawingml/2006/main" xmlns:r="http://schemas.openxmlformats.org/officeDocument/2006/relationships" xmlns:p="http://schemas.openxmlformats.org/presentationml/2006/main">
   <p:cSld>
     <p:spTree>
@@ -11644,7 +10980,7 @@
             </a:pPr>
             <a:fld id="{00000000-1234-1234-1234-123412341234}" type="slidenum">
               <a:rPr lang="en-US" smtClean="0"/>
-              <a:t>15</a:t>
+              <a:t>14</a:t>
             </a:fld>
             <a:endParaRPr lang="en-US"/>
           </a:p>
@@ -11663,7 +10999,7 @@
 </p:sld>
 </file>
 
-<file path=ppt/slides/slide17.xml><?xml version="1.0" encoding="utf-8"?>
+<file path=ppt/slides/slide16.xml><?xml version="1.0" encoding="utf-8"?>
 <p:sld xmlns:a="http://schemas.openxmlformats.org/drawingml/2006/main" xmlns:r="http://schemas.openxmlformats.org/officeDocument/2006/relationships" xmlns:p="http://schemas.openxmlformats.org/presentationml/2006/main">
   <p:cSld>
     <p:spTree>
@@ -11893,7 +11229,7 @@
             </a:pPr>
             <a:fld id="{00000000-1234-1234-1234-123412341234}" type="slidenum">
               <a:rPr lang="en-US" smtClean="0"/>
-              <a:t>16</a:t>
+              <a:t>15</a:t>
             </a:fld>
             <a:endParaRPr lang="en-US"/>
           </a:p>
@@ -11926,4060 +11262,6 @@
       </p:grpSpPr>
       <p:sp>
         <p:nvSpPr>
-          <p:cNvPr id="65" name="Google Shape;65;p9"/>
-          <p:cNvSpPr/>
-          <p:nvPr/>
-        </p:nvSpPr>
-        <p:spPr>
-          <a:xfrm>
-            <a:off x="3244595" y="4522998"/>
-            <a:ext cx="6619240" cy="843280"/>
-          </a:xfrm>
-          <a:custGeom>
-            <a:avLst/>
-            <a:gdLst/>
-            <a:ahLst/>
-            <a:cxnLst/>
-            <a:rect l="l" t="t" r="r" b="b"/>
-            <a:pathLst>
-              <a:path w="6619240" h="843279" extrusionOk="0">
-                <a:moveTo>
-                  <a:pt x="0" y="842772"/>
-                </a:moveTo>
-                <a:lnTo>
-                  <a:pt x="6618732" y="842772"/>
-                </a:lnTo>
-                <a:lnTo>
-                  <a:pt x="6618732" y="0"/>
-                </a:lnTo>
-                <a:lnTo>
-                  <a:pt x="0" y="0"/>
-                </a:lnTo>
-                <a:lnTo>
-                  <a:pt x="0" y="842772"/>
-                </a:lnTo>
-                <a:close/>
-              </a:path>
-            </a:pathLst>
-          </a:custGeom>
-          <a:solidFill>
-            <a:srgbClr val="3477AA"/>
-          </a:solidFill>
-          <a:ln>
-            <a:noFill/>
-          </a:ln>
-        </p:spPr>
-        <p:txBody>
-          <a:bodyPr spcFirstLastPara="1" wrap="square" lIns="0" tIns="0" rIns="0" bIns="0" anchor="t" anchorCtr="0">
-            <a:noAutofit/>
-          </a:bodyPr>
-          <a:lstStyle/>
-          <a:p>
-            <a:pPr marL="0" marR="0" lvl="0" indent="0" algn="l" rtl="0">
-              <a:spcBef>
-                <a:spcPts val="0"/>
-              </a:spcBef>
-              <a:spcAft>
-                <a:spcPts val="0"/>
-              </a:spcAft>
-              <a:buNone/>
-            </a:pPr>
-            <a:endParaRPr sz="1800">
-              <a:solidFill>
-                <a:schemeClr val="dk1"/>
-              </a:solidFill>
-              <a:latin typeface="Calibri"/>
-              <a:ea typeface="Calibri"/>
-              <a:cs typeface="Calibri"/>
-              <a:sym typeface="Calibri"/>
-            </a:endParaRPr>
-          </a:p>
-        </p:txBody>
-      </p:sp>
-      <p:sp>
-        <p:nvSpPr>
-          <p:cNvPr id="66" name="Google Shape;66;p9"/>
-          <p:cNvSpPr/>
-          <p:nvPr/>
-        </p:nvSpPr>
-        <p:spPr>
-          <a:xfrm>
-            <a:off x="3244595" y="4522998"/>
-            <a:ext cx="675640" cy="1104900"/>
-          </a:xfrm>
-          <a:custGeom>
-            <a:avLst/>
-            <a:gdLst/>
-            <a:ahLst/>
-            <a:cxnLst/>
-            <a:rect l="l" t="t" r="r" b="b"/>
-            <a:pathLst>
-              <a:path w="675639" h="1104900" extrusionOk="0">
-                <a:moveTo>
-                  <a:pt x="0" y="0"/>
-                </a:moveTo>
-                <a:lnTo>
-                  <a:pt x="0" y="843356"/>
-                </a:lnTo>
-                <a:lnTo>
-                  <a:pt x="675132" y="1104900"/>
-                </a:lnTo>
-                <a:lnTo>
-                  <a:pt x="675132" y="262509"/>
-                </a:lnTo>
-                <a:lnTo>
-                  <a:pt x="0" y="0"/>
-                </a:lnTo>
-                <a:close/>
-              </a:path>
-            </a:pathLst>
-          </a:custGeom>
-          <a:solidFill>
-            <a:srgbClr val="7AAED6"/>
-          </a:solidFill>
-          <a:ln>
-            <a:noFill/>
-          </a:ln>
-        </p:spPr>
-        <p:txBody>
-          <a:bodyPr spcFirstLastPara="1" wrap="square" lIns="0" tIns="0" rIns="0" bIns="0" anchor="t" anchorCtr="0">
-            <a:noAutofit/>
-          </a:bodyPr>
-          <a:lstStyle/>
-          <a:p>
-            <a:pPr marL="0" marR="0" lvl="0" indent="0" algn="l" rtl="0">
-              <a:spcBef>
-                <a:spcPts val="0"/>
-              </a:spcBef>
-              <a:spcAft>
-                <a:spcPts val="0"/>
-              </a:spcAft>
-              <a:buNone/>
-            </a:pPr>
-            <a:endParaRPr sz="1800">
-              <a:solidFill>
-                <a:schemeClr val="dk1"/>
-              </a:solidFill>
-              <a:latin typeface="Calibri"/>
-              <a:ea typeface="Calibri"/>
-              <a:cs typeface="Calibri"/>
-              <a:sym typeface="Calibri"/>
-            </a:endParaRPr>
-          </a:p>
-        </p:txBody>
-      </p:sp>
-      <p:sp>
-        <p:nvSpPr>
-          <p:cNvPr id="67" name="Google Shape;67;p9"/>
-          <p:cNvSpPr/>
-          <p:nvPr/>
-        </p:nvSpPr>
-        <p:spPr>
-          <a:xfrm>
-            <a:off x="2325623" y="4785126"/>
-            <a:ext cx="1594485" cy="843280"/>
-          </a:xfrm>
-          <a:custGeom>
-            <a:avLst/>
-            <a:gdLst/>
-            <a:ahLst/>
-            <a:cxnLst/>
-            <a:rect l="l" t="t" r="r" b="b"/>
-            <a:pathLst>
-              <a:path w="1594485" h="843279" extrusionOk="0">
-                <a:moveTo>
-                  <a:pt x="0" y="842772"/>
-                </a:moveTo>
-                <a:lnTo>
-                  <a:pt x="1594103" y="842772"/>
-                </a:lnTo>
-                <a:lnTo>
-                  <a:pt x="1594103" y="0"/>
-                </a:lnTo>
-                <a:lnTo>
-                  <a:pt x="0" y="0"/>
-                </a:lnTo>
-                <a:lnTo>
-                  <a:pt x="0" y="842772"/>
-                </a:lnTo>
-                <a:close/>
-              </a:path>
-            </a:pathLst>
-          </a:custGeom>
-          <a:solidFill>
-            <a:srgbClr val="27587E"/>
-          </a:solidFill>
-          <a:ln>
-            <a:noFill/>
-          </a:ln>
-        </p:spPr>
-        <p:txBody>
-          <a:bodyPr spcFirstLastPara="1" wrap="square" lIns="0" tIns="0" rIns="0" bIns="0" anchor="t" anchorCtr="0">
-            <a:noAutofit/>
-          </a:bodyPr>
-          <a:lstStyle/>
-          <a:p>
-            <a:pPr marL="0" marR="0" lvl="0" indent="0" algn="l" rtl="0">
-              <a:spcBef>
-                <a:spcPts val="0"/>
-              </a:spcBef>
-              <a:spcAft>
-                <a:spcPts val="0"/>
-              </a:spcAft>
-              <a:buNone/>
-            </a:pPr>
-            <a:endParaRPr sz="1800">
-              <a:solidFill>
-                <a:schemeClr val="dk1"/>
-              </a:solidFill>
-              <a:latin typeface="Calibri"/>
-              <a:ea typeface="Calibri"/>
-              <a:cs typeface="Calibri"/>
-              <a:sym typeface="Calibri"/>
-            </a:endParaRPr>
-          </a:p>
-        </p:txBody>
-      </p:sp>
-      <p:sp>
-        <p:nvSpPr>
-          <p:cNvPr id="68" name="Google Shape;68;p9"/>
-          <p:cNvSpPr/>
-          <p:nvPr/>
-        </p:nvSpPr>
-        <p:spPr>
-          <a:xfrm>
-            <a:off x="3244595" y="3561353"/>
-            <a:ext cx="6619240" cy="843280"/>
-          </a:xfrm>
-          <a:custGeom>
-            <a:avLst/>
-            <a:gdLst/>
-            <a:ahLst/>
-            <a:cxnLst/>
-            <a:rect l="l" t="t" r="r" b="b"/>
-            <a:pathLst>
-              <a:path w="6619240" h="843279" extrusionOk="0">
-                <a:moveTo>
-                  <a:pt x="0" y="842772"/>
-                </a:moveTo>
-                <a:lnTo>
-                  <a:pt x="6618732" y="842772"/>
-                </a:lnTo>
-                <a:lnTo>
-                  <a:pt x="6618732" y="0"/>
-                </a:lnTo>
-                <a:lnTo>
-                  <a:pt x="0" y="0"/>
-                </a:lnTo>
-                <a:lnTo>
-                  <a:pt x="0" y="842772"/>
-                </a:lnTo>
-                <a:close/>
-              </a:path>
-            </a:pathLst>
-          </a:custGeom>
-          <a:solidFill>
-            <a:srgbClr val="8063A1"/>
-          </a:solidFill>
-          <a:ln>
-            <a:noFill/>
-          </a:ln>
-        </p:spPr>
-        <p:txBody>
-          <a:bodyPr spcFirstLastPara="1" wrap="square" lIns="0" tIns="0" rIns="0" bIns="0" anchor="t" anchorCtr="0">
-            <a:noAutofit/>
-          </a:bodyPr>
-          <a:lstStyle/>
-          <a:p>
-            <a:pPr marL="0" marR="0" lvl="0" indent="0" algn="l" rtl="0">
-              <a:spcBef>
-                <a:spcPts val="0"/>
-              </a:spcBef>
-              <a:spcAft>
-                <a:spcPts val="0"/>
-              </a:spcAft>
-              <a:buNone/>
-            </a:pPr>
-            <a:endParaRPr sz="1800">
-              <a:solidFill>
-                <a:schemeClr val="dk1"/>
-              </a:solidFill>
-              <a:latin typeface="Calibri"/>
-              <a:ea typeface="Calibri"/>
-              <a:cs typeface="Calibri"/>
-              <a:sym typeface="Calibri"/>
-            </a:endParaRPr>
-          </a:p>
-        </p:txBody>
-      </p:sp>
-      <p:sp>
-        <p:nvSpPr>
-          <p:cNvPr id="69" name="Google Shape;69;p9"/>
-          <p:cNvSpPr/>
-          <p:nvPr/>
-        </p:nvSpPr>
-        <p:spPr>
-          <a:xfrm>
-            <a:off x="3244595" y="3561353"/>
-            <a:ext cx="675640" cy="1104900"/>
-          </a:xfrm>
-          <a:custGeom>
-            <a:avLst/>
-            <a:gdLst/>
-            <a:ahLst/>
-            <a:cxnLst/>
-            <a:rect l="l" t="t" r="r" b="b"/>
-            <a:pathLst>
-              <a:path w="675639" h="1104900" extrusionOk="0">
-                <a:moveTo>
-                  <a:pt x="0" y="0"/>
-                </a:moveTo>
-                <a:lnTo>
-                  <a:pt x="0" y="843407"/>
-                </a:lnTo>
-                <a:lnTo>
-                  <a:pt x="675132" y="1104900"/>
-                </a:lnTo>
-                <a:lnTo>
-                  <a:pt x="675132" y="262509"/>
-                </a:lnTo>
-                <a:lnTo>
-                  <a:pt x="0" y="0"/>
-                </a:lnTo>
-                <a:close/>
-              </a:path>
-            </a:pathLst>
-          </a:custGeom>
-          <a:solidFill>
-            <a:srgbClr val="B3A1C6"/>
-          </a:solidFill>
-          <a:ln>
-            <a:noFill/>
-          </a:ln>
-        </p:spPr>
-        <p:txBody>
-          <a:bodyPr spcFirstLastPara="1" wrap="square" lIns="0" tIns="0" rIns="0" bIns="0" anchor="t" anchorCtr="0">
-            <a:noAutofit/>
-          </a:bodyPr>
-          <a:lstStyle/>
-          <a:p>
-            <a:pPr marL="0" marR="0" lvl="0" indent="0" algn="l" rtl="0">
-              <a:spcBef>
-                <a:spcPts val="0"/>
-              </a:spcBef>
-              <a:spcAft>
-                <a:spcPts val="0"/>
-              </a:spcAft>
-              <a:buNone/>
-            </a:pPr>
-            <a:endParaRPr sz="1800">
-              <a:solidFill>
-                <a:schemeClr val="dk1"/>
-              </a:solidFill>
-              <a:latin typeface="Calibri"/>
-              <a:ea typeface="Calibri"/>
-              <a:cs typeface="Calibri"/>
-              <a:sym typeface="Calibri"/>
-            </a:endParaRPr>
-          </a:p>
-        </p:txBody>
-      </p:sp>
-      <p:sp>
-        <p:nvSpPr>
-          <p:cNvPr id="70" name="Google Shape;70;p9"/>
-          <p:cNvSpPr/>
-          <p:nvPr/>
-        </p:nvSpPr>
-        <p:spPr>
-          <a:xfrm>
-            <a:off x="2325623" y="3823482"/>
-            <a:ext cx="1594485" cy="843280"/>
-          </a:xfrm>
-          <a:custGeom>
-            <a:avLst/>
-            <a:gdLst/>
-            <a:ahLst/>
-            <a:cxnLst/>
-            <a:rect l="l" t="t" r="r" b="b"/>
-            <a:pathLst>
-              <a:path w="1594485" h="843279" extrusionOk="0">
-                <a:moveTo>
-                  <a:pt x="0" y="842771"/>
-                </a:moveTo>
-                <a:lnTo>
-                  <a:pt x="1594103" y="842771"/>
-                </a:lnTo>
-                <a:lnTo>
-                  <a:pt x="1594103" y="0"/>
-                </a:lnTo>
-                <a:lnTo>
-                  <a:pt x="0" y="0"/>
-                </a:lnTo>
-                <a:lnTo>
-                  <a:pt x="0" y="842771"/>
-                </a:lnTo>
-                <a:close/>
-              </a:path>
-            </a:pathLst>
-          </a:custGeom>
-          <a:solidFill>
-            <a:srgbClr val="5F497A"/>
-          </a:solidFill>
-          <a:ln>
-            <a:noFill/>
-          </a:ln>
-        </p:spPr>
-        <p:txBody>
-          <a:bodyPr spcFirstLastPara="1" wrap="square" lIns="0" tIns="0" rIns="0" bIns="0" anchor="t" anchorCtr="0">
-            <a:noAutofit/>
-          </a:bodyPr>
-          <a:lstStyle/>
-          <a:p>
-            <a:pPr marL="0" marR="0" lvl="0" indent="0" algn="l" rtl="0">
-              <a:spcBef>
-                <a:spcPts val="0"/>
-              </a:spcBef>
-              <a:spcAft>
-                <a:spcPts val="0"/>
-              </a:spcAft>
-              <a:buNone/>
-            </a:pPr>
-            <a:endParaRPr sz="1800">
-              <a:solidFill>
-                <a:schemeClr val="dk1"/>
-              </a:solidFill>
-              <a:latin typeface="Calibri"/>
-              <a:ea typeface="Calibri"/>
-              <a:cs typeface="Calibri"/>
-              <a:sym typeface="Calibri"/>
-            </a:endParaRPr>
-          </a:p>
-        </p:txBody>
-      </p:sp>
-      <p:sp>
-        <p:nvSpPr>
-          <p:cNvPr id="71" name="Google Shape;71;p9"/>
-          <p:cNvSpPr/>
-          <p:nvPr/>
-        </p:nvSpPr>
-        <p:spPr>
-          <a:xfrm>
-            <a:off x="3244595" y="2599709"/>
-            <a:ext cx="6619240" cy="843280"/>
-          </a:xfrm>
-          <a:custGeom>
-            <a:avLst/>
-            <a:gdLst/>
-            <a:ahLst/>
-            <a:cxnLst/>
-            <a:rect l="l" t="t" r="r" b="b"/>
-            <a:pathLst>
-              <a:path w="6619240" h="843279" extrusionOk="0">
-                <a:moveTo>
-                  <a:pt x="0" y="842771"/>
-                </a:moveTo>
-                <a:lnTo>
-                  <a:pt x="6618732" y="842771"/>
-                </a:lnTo>
-                <a:lnTo>
-                  <a:pt x="6618732" y="0"/>
-                </a:lnTo>
-                <a:lnTo>
-                  <a:pt x="0" y="0"/>
-                </a:lnTo>
-                <a:lnTo>
-                  <a:pt x="0" y="842771"/>
-                </a:lnTo>
-                <a:close/>
-              </a:path>
-            </a:pathLst>
-          </a:custGeom>
-          <a:solidFill>
-            <a:srgbClr val="9BBA58"/>
-          </a:solidFill>
-          <a:ln>
-            <a:noFill/>
-          </a:ln>
-        </p:spPr>
-        <p:txBody>
-          <a:bodyPr spcFirstLastPara="1" wrap="square" lIns="0" tIns="0" rIns="0" bIns="0" anchor="t" anchorCtr="0">
-            <a:noAutofit/>
-          </a:bodyPr>
-          <a:lstStyle/>
-          <a:p>
-            <a:pPr marL="0" marR="0" lvl="0" indent="0" algn="l" rtl="0">
-              <a:spcBef>
-                <a:spcPts val="0"/>
-              </a:spcBef>
-              <a:spcAft>
-                <a:spcPts val="0"/>
-              </a:spcAft>
-              <a:buNone/>
-            </a:pPr>
-            <a:endParaRPr sz="1800">
-              <a:solidFill>
-                <a:schemeClr val="dk1"/>
-              </a:solidFill>
-              <a:latin typeface="Calibri"/>
-              <a:ea typeface="Calibri"/>
-              <a:cs typeface="Calibri"/>
-              <a:sym typeface="Calibri"/>
-            </a:endParaRPr>
-          </a:p>
-        </p:txBody>
-      </p:sp>
-      <p:sp>
-        <p:nvSpPr>
-          <p:cNvPr id="72" name="Google Shape;72;p9"/>
-          <p:cNvSpPr/>
-          <p:nvPr/>
-        </p:nvSpPr>
-        <p:spPr>
-          <a:xfrm>
-            <a:off x="3244595" y="2599709"/>
-            <a:ext cx="675640" cy="1103630"/>
-          </a:xfrm>
-          <a:custGeom>
-            <a:avLst/>
-            <a:gdLst/>
-            <a:ahLst/>
-            <a:cxnLst/>
-            <a:rect l="l" t="t" r="r" b="b"/>
-            <a:pathLst>
-              <a:path w="675639" h="1103629" extrusionOk="0">
-                <a:moveTo>
-                  <a:pt x="0" y="0"/>
-                </a:moveTo>
-                <a:lnTo>
-                  <a:pt x="0" y="842137"/>
-                </a:lnTo>
-                <a:lnTo>
-                  <a:pt x="675132" y="1103376"/>
-                </a:lnTo>
-                <a:lnTo>
-                  <a:pt x="675132" y="262127"/>
-                </a:lnTo>
-                <a:lnTo>
-                  <a:pt x="0" y="0"/>
-                </a:lnTo>
-                <a:close/>
-              </a:path>
-            </a:pathLst>
-          </a:custGeom>
-          <a:solidFill>
-            <a:srgbClr val="C3D59B"/>
-          </a:solidFill>
-          <a:ln>
-            <a:noFill/>
-          </a:ln>
-        </p:spPr>
-        <p:txBody>
-          <a:bodyPr spcFirstLastPara="1" wrap="square" lIns="0" tIns="0" rIns="0" bIns="0" anchor="t" anchorCtr="0">
-            <a:noAutofit/>
-          </a:bodyPr>
-          <a:lstStyle/>
-          <a:p>
-            <a:pPr marL="0" marR="0" lvl="0" indent="0" algn="l" rtl="0">
-              <a:spcBef>
-                <a:spcPts val="0"/>
-              </a:spcBef>
-              <a:spcAft>
-                <a:spcPts val="0"/>
-              </a:spcAft>
-              <a:buNone/>
-            </a:pPr>
-            <a:endParaRPr sz="1800">
-              <a:solidFill>
-                <a:schemeClr val="dk1"/>
-              </a:solidFill>
-              <a:latin typeface="Calibri"/>
-              <a:ea typeface="Calibri"/>
-              <a:cs typeface="Calibri"/>
-              <a:sym typeface="Calibri"/>
-            </a:endParaRPr>
-          </a:p>
-        </p:txBody>
-      </p:sp>
-      <p:sp>
-        <p:nvSpPr>
-          <p:cNvPr id="73" name="Google Shape;73;p9"/>
-          <p:cNvSpPr/>
-          <p:nvPr/>
-        </p:nvSpPr>
-        <p:spPr>
-          <a:xfrm>
-            <a:off x="2325623" y="2861838"/>
-            <a:ext cx="1594485" cy="841375"/>
-          </a:xfrm>
-          <a:custGeom>
-            <a:avLst/>
-            <a:gdLst/>
-            <a:ahLst/>
-            <a:cxnLst/>
-            <a:rect l="l" t="t" r="r" b="b"/>
-            <a:pathLst>
-              <a:path w="1594485" h="841375" extrusionOk="0">
-                <a:moveTo>
-                  <a:pt x="0" y="841248"/>
-                </a:moveTo>
-                <a:lnTo>
-                  <a:pt x="1594103" y="841248"/>
-                </a:lnTo>
-                <a:lnTo>
-                  <a:pt x="1594103" y="0"/>
-                </a:lnTo>
-                <a:lnTo>
-                  <a:pt x="0" y="0"/>
-                </a:lnTo>
-                <a:lnTo>
-                  <a:pt x="0" y="841248"/>
-                </a:lnTo>
-                <a:close/>
-              </a:path>
-            </a:pathLst>
-          </a:custGeom>
-          <a:solidFill>
-            <a:srgbClr val="77923B"/>
-          </a:solidFill>
-          <a:ln>
-            <a:noFill/>
-          </a:ln>
-        </p:spPr>
-        <p:txBody>
-          <a:bodyPr spcFirstLastPara="1" wrap="square" lIns="0" tIns="0" rIns="0" bIns="0" anchor="t" anchorCtr="0">
-            <a:noAutofit/>
-          </a:bodyPr>
-          <a:lstStyle/>
-          <a:p>
-            <a:pPr marL="0" marR="0" lvl="0" indent="0" algn="l" rtl="0">
-              <a:spcBef>
-                <a:spcPts val="0"/>
-              </a:spcBef>
-              <a:spcAft>
-                <a:spcPts val="0"/>
-              </a:spcAft>
-              <a:buNone/>
-            </a:pPr>
-            <a:endParaRPr sz="1800">
-              <a:solidFill>
-                <a:schemeClr val="dk1"/>
-              </a:solidFill>
-              <a:latin typeface="Calibri"/>
-              <a:ea typeface="Calibri"/>
-              <a:cs typeface="Calibri"/>
-              <a:sym typeface="Calibri"/>
-            </a:endParaRPr>
-          </a:p>
-        </p:txBody>
-      </p:sp>
-      <p:sp>
-        <p:nvSpPr>
-          <p:cNvPr id="74" name="Google Shape;74;p9"/>
-          <p:cNvSpPr/>
-          <p:nvPr/>
-        </p:nvSpPr>
-        <p:spPr>
-          <a:xfrm>
-            <a:off x="3244595" y="1636542"/>
-            <a:ext cx="6619240" cy="844550"/>
-          </a:xfrm>
-          <a:custGeom>
-            <a:avLst/>
-            <a:gdLst/>
-            <a:ahLst/>
-            <a:cxnLst/>
-            <a:rect l="l" t="t" r="r" b="b"/>
-            <a:pathLst>
-              <a:path w="6619240" h="844550" extrusionOk="0">
-                <a:moveTo>
-                  <a:pt x="0" y="844296"/>
-                </a:moveTo>
-                <a:lnTo>
-                  <a:pt x="6618732" y="844296"/>
-                </a:lnTo>
-                <a:lnTo>
-                  <a:pt x="6618732" y="0"/>
-                </a:lnTo>
-                <a:lnTo>
-                  <a:pt x="0" y="0"/>
-                </a:lnTo>
-                <a:lnTo>
-                  <a:pt x="0" y="844296"/>
-                </a:lnTo>
-                <a:close/>
-              </a:path>
-            </a:pathLst>
-          </a:custGeom>
-          <a:solidFill>
-            <a:srgbClr val="C0504D"/>
-          </a:solidFill>
-          <a:ln>
-            <a:noFill/>
-          </a:ln>
-        </p:spPr>
-        <p:txBody>
-          <a:bodyPr spcFirstLastPara="1" wrap="square" lIns="0" tIns="0" rIns="0" bIns="0" anchor="t" anchorCtr="0">
-            <a:noAutofit/>
-          </a:bodyPr>
-          <a:lstStyle/>
-          <a:p>
-            <a:pPr marL="0" marR="0" lvl="0" indent="0" algn="l" rtl="0">
-              <a:spcBef>
-                <a:spcPts val="0"/>
-              </a:spcBef>
-              <a:spcAft>
-                <a:spcPts val="0"/>
-              </a:spcAft>
-              <a:buNone/>
-            </a:pPr>
-            <a:endParaRPr sz="1800">
-              <a:solidFill>
-                <a:schemeClr val="dk1"/>
-              </a:solidFill>
-              <a:latin typeface="Calibri"/>
-              <a:ea typeface="Calibri"/>
-              <a:cs typeface="Calibri"/>
-              <a:sym typeface="Calibri"/>
-            </a:endParaRPr>
-          </a:p>
-        </p:txBody>
-      </p:sp>
-      <p:sp>
-        <p:nvSpPr>
-          <p:cNvPr id="75" name="Google Shape;75;p9"/>
-          <p:cNvSpPr/>
-          <p:nvPr/>
-        </p:nvSpPr>
-        <p:spPr>
-          <a:xfrm>
-            <a:off x="3244595" y="1636542"/>
-            <a:ext cx="675640" cy="1104900"/>
-          </a:xfrm>
-          <a:custGeom>
-            <a:avLst/>
-            <a:gdLst/>
-            <a:ahLst/>
-            <a:cxnLst/>
-            <a:rect l="l" t="t" r="r" b="b"/>
-            <a:pathLst>
-              <a:path w="675639" h="1104900" extrusionOk="0">
-                <a:moveTo>
-                  <a:pt x="0" y="0"/>
-                </a:moveTo>
-                <a:lnTo>
-                  <a:pt x="0" y="843406"/>
-                </a:lnTo>
-                <a:lnTo>
-                  <a:pt x="675132" y="1104900"/>
-                </a:lnTo>
-                <a:lnTo>
-                  <a:pt x="675132" y="262508"/>
-                </a:lnTo>
-                <a:lnTo>
-                  <a:pt x="0" y="0"/>
-                </a:lnTo>
-                <a:close/>
-              </a:path>
-            </a:pathLst>
-          </a:custGeom>
-          <a:solidFill>
-            <a:srgbClr val="D99593"/>
-          </a:solidFill>
-          <a:ln>
-            <a:noFill/>
-          </a:ln>
-        </p:spPr>
-        <p:txBody>
-          <a:bodyPr spcFirstLastPara="1" wrap="square" lIns="0" tIns="0" rIns="0" bIns="0" anchor="t" anchorCtr="0">
-            <a:noAutofit/>
-          </a:bodyPr>
-          <a:lstStyle/>
-          <a:p>
-            <a:pPr marL="0" marR="0" lvl="0" indent="0" algn="l" rtl="0">
-              <a:spcBef>
-                <a:spcPts val="0"/>
-              </a:spcBef>
-              <a:spcAft>
-                <a:spcPts val="0"/>
-              </a:spcAft>
-              <a:buNone/>
-            </a:pPr>
-            <a:endParaRPr sz="1800">
-              <a:solidFill>
-                <a:schemeClr val="dk1"/>
-              </a:solidFill>
-              <a:latin typeface="Calibri"/>
-              <a:ea typeface="Calibri"/>
-              <a:cs typeface="Calibri"/>
-              <a:sym typeface="Calibri"/>
-            </a:endParaRPr>
-          </a:p>
-        </p:txBody>
-      </p:sp>
-      <p:sp>
-        <p:nvSpPr>
-          <p:cNvPr id="76" name="Google Shape;76;p9"/>
-          <p:cNvSpPr/>
-          <p:nvPr/>
-        </p:nvSpPr>
-        <p:spPr>
-          <a:xfrm>
-            <a:off x="2325623" y="1898670"/>
-            <a:ext cx="1594485" cy="843280"/>
-          </a:xfrm>
-          <a:custGeom>
-            <a:avLst/>
-            <a:gdLst/>
-            <a:ahLst/>
-            <a:cxnLst/>
-            <a:rect l="l" t="t" r="r" b="b"/>
-            <a:pathLst>
-              <a:path w="1594485" h="843279" extrusionOk="0">
-                <a:moveTo>
-                  <a:pt x="0" y="842772"/>
-                </a:moveTo>
-                <a:lnTo>
-                  <a:pt x="1594103" y="842772"/>
-                </a:lnTo>
-                <a:lnTo>
-                  <a:pt x="1594103" y="0"/>
-                </a:lnTo>
-                <a:lnTo>
-                  <a:pt x="0" y="0"/>
-                </a:lnTo>
-                <a:lnTo>
-                  <a:pt x="0" y="842772"/>
-                </a:lnTo>
-                <a:close/>
-              </a:path>
-            </a:pathLst>
-          </a:custGeom>
-          <a:solidFill>
-            <a:srgbClr val="943735"/>
-          </a:solidFill>
-          <a:ln>
-            <a:noFill/>
-          </a:ln>
-        </p:spPr>
-        <p:txBody>
-          <a:bodyPr spcFirstLastPara="1" wrap="square" lIns="0" tIns="0" rIns="0" bIns="0" anchor="t" anchorCtr="0">
-            <a:noAutofit/>
-          </a:bodyPr>
-          <a:lstStyle/>
-          <a:p>
-            <a:pPr marL="0" marR="0" lvl="0" indent="0" algn="l" rtl="0">
-              <a:spcBef>
-                <a:spcPts val="0"/>
-              </a:spcBef>
-              <a:spcAft>
-                <a:spcPts val="0"/>
-              </a:spcAft>
-              <a:buNone/>
-            </a:pPr>
-            <a:endParaRPr sz="1800">
-              <a:solidFill>
-                <a:schemeClr val="dk1"/>
-              </a:solidFill>
-              <a:latin typeface="Calibri"/>
-              <a:ea typeface="Calibri"/>
-              <a:cs typeface="Calibri"/>
-              <a:sym typeface="Calibri"/>
-            </a:endParaRPr>
-          </a:p>
-        </p:txBody>
-      </p:sp>
-      <p:sp>
-        <p:nvSpPr>
-          <p:cNvPr id="77" name="Google Shape;77;p9"/>
-          <p:cNvSpPr/>
-          <p:nvPr/>
-        </p:nvSpPr>
-        <p:spPr>
-          <a:xfrm>
-            <a:off x="3244595" y="632734"/>
-            <a:ext cx="6619240" cy="927608"/>
-          </a:xfrm>
-          <a:custGeom>
-            <a:avLst/>
-            <a:gdLst/>
-            <a:ahLst/>
-            <a:cxnLst/>
-            <a:rect l="l" t="t" r="r" b="b"/>
-            <a:pathLst>
-              <a:path w="6619240" h="843280" extrusionOk="0">
-                <a:moveTo>
-                  <a:pt x="0" y="842772"/>
-                </a:moveTo>
-                <a:lnTo>
-                  <a:pt x="6618732" y="842772"/>
-                </a:lnTo>
-                <a:lnTo>
-                  <a:pt x="6618732" y="0"/>
-                </a:lnTo>
-                <a:lnTo>
-                  <a:pt x="0" y="0"/>
-                </a:lnTo>
-                <a:lnTo>
-                  <a:pt x="0" y="842772"/>
-                </a:lnTo>
-                <a:close/>
-              </a:path>
-            </a:pathLst>
-          </a:custGeom>
-          <a:solidFill>
-            <a:srgbClr val="EBAF00"/>
-          </a:solidFill>
-          <a:ln>
-            <a:noFill/>
-          </a:ln>
-        </p:spPr>
-        <p:txBody>
-          <a:bodyPr spcFirstLastPara="1" wrap="square" lIns="0" tIns="0" rIns="0" bIns="0" anchor="t" anchorCtr="0">
-            <a:noAutofit/>
-          </a:bodyPr>
-          <a:lstStyle/>
-          <a:p>
-            <a:pPr marL="0" marR="0" lvl="0" indent="0" algn="l" rtl="0">
-              <a:spcBef>
-                <a:spcPts val="0"/>
-              </a:spcBef>
-              <a:spcAft>
-                <a:spcPts val="0"/>
-              </a:spcAft>
-              <a:buNone/>
-            </a:pPr>
-            <a:endParaRPr sz="1800">
-              <a:solidFill>
-                <a:schemeClr val="dk1"/>
-              </a:solidFill>
-              <a:latin typeface="Calibri"/>
-              <a:ea typeface="Calibri"/>
-              <a:cs typeface="Calibri"/>
-              <a:sym typeface="Calibri"/>
-            </a:endParaRPr>
-          </a:p>
-        </p:txBody>
-      </p:sp>
-      <p:sp>
-        <p:nvSpPr>
-          <p:cNvPr id="78" name="Google Shape;78;p9"/>
-          <p:cNvSpPr/>
-          <p:nvPr/>
-        </p:nvSpPr>
-        <p:spPr>
-          <a:xfrm>
-            <a:off x="3244595" y="674898"/>
-            <a:ext cx="675640" cy="1104900"/>
-          </a:xfrm>
-          <a:custGeom>
-            <a:avLst/>
-            <a:gdLst/>
-            <a:ahLst/>
-            <a:cxnLst/>
-            <a:rect l="l" t="t" r="r" b="b"/>
-            <a:pathLst>
-              <a:path w="675639" h="1104900" extrusionOk="0">
-                <a:moveTo>
-                  <a:pt x="0" y="0"/>
-                </a:moveTo>
-                <a:lnTo>
-                  <a:pt x="0" y="843407"/>
-                </a:lnTo>
-                <a:lnTo>
-                  <a:pt x="675132" y="1104900"/>
-                </a:lnTo>
-                <a:lnTo>
-                  <a:pt x="675132" y="262509"/>
-                </a:lnTo>
-                <a:lnTo>
-                  <a:pt x="0" y="0"/>
-                </a:lnTo>
-                <a:close/>
-              </a:path>
-            </a:pathLst>
-          </a:custGeom>
-          <a:solidFill>
-            <a:srgbClr val="FFD55A"/>
-          </a:solidFill>
-          <a:ln>
-            <a:noFill/>
-          </a:ln>
-        </p:spPr>
-        <p:txBody>
-          <a:bodyPr spcFirstLastPara="1" wrap="square" lIns="0" tIns="0" rIns="0" bIns="0" anchor="t" anchorCtr="0">
-            <a:noAutofit/>
-          </a:bodyPr>
-          <a:lstStyle/>
-          <a:p>
-            <a:pPr marL="0" marR="0" lvl="0" indent="0" algn="l" rtl="0">
-              <a:spcBef>
-                <a:spcPts val="0"/>
-              </a:spcBef>
-              <a:spcAft>
-                <a:spcPts val="0"/>
-              </a:spcAft>
-              <a:buNone/>
-            </a:pPr>
-            <a:endParaRPr sz="1800">
-              <a:solidFill>
-                <a:schemeClr val="dk1"/>
-              </a:solidFill>
-              <a:latin typeface="Calibri"/>
-              <a:ea typeface="Calibri"/>
-              <a:cs typeface="Calibri"/>
-              <a:sym typeface="Calibri"/>
-            </a:endParaRPr>
-          </a:p>
-        </p:txBody>
-      </p:sp>
-      <p:sp>
-        <p:nvSpPr>
-          <p:cNvPr id="79" name="Google Shape;79;p9"/>
-          <p:cNvSpPr/>
-          <p:nvPr/>
-        </p:nvSpPr>
-        <p:spPr>
-          <a:xfrm>
-            <a:off x="2325623" y="894861"/>
-            <a:ext cx="1594485" cy="927608"/>
-          </a:xfrm>
-          <a:custGeom>
-            <a:avLst/>
-            <a:gdLst/>
-            <a:ahLst/>
-            <a:cxnLst/>
-            <a:rect l="l" t="t" r="r" b="b"/>
-            <a:pathLst>
-              <a:path w="1594485" h="843280" extrusionOk="0">
-                <a:moveTo>
-                  <a:pt x="0" y="842772"/>
-                </a:moveTo>
-                <a:lnTo>
-                  <a:pt x="1594103" y="842772"/>
-                </a:lnTo>
-                <a:lnTo>
-                  <a:pt x="1594103" y="0"/>
-                </a:lnTo>
-                <a:lnTo>
-                  <a:pt x="0" y="0"/>
-                </a:lnTo>
-                <a:lnTo>
-                  <a:pt x="0" y="842772"/>
-                </a:lnTo>
-                <a:close/>
-              </a:path>
-            </a:pathLst>
-          </a:custGeom>
-          <a:solidFill>
-            <a:srgbClr val="AF8400"/>
-          </a:solidFill>
-          <a:ln>
-            <a:noFill/>
-          </a:ln>
-        </p:spPr>
-        <p:txBody>
-          <a:bodyPr spcFirstLastPara="1" wrap="square" lIns="0" tIns="0" rIns="0" bIns="0" anchor="t" anchorCtr="0">
-            <a:noAutofit/>
-          </a:bodyPr>
-          <a:lstStyle/>
-          <a:p>
-            <a:pPr marL="0" marR="0" lvl="0" indent="0" algn="l" rtl="0">
-              <a:spcBef>
-                <a:spcPts val="0"/>
-              </a:spcBef>
-              <a:spcAft>
-                <a:spcPts val="0"/>
-              </a:spcAft>
-              <a:buNone/>
-            </a:pPr>
-            <a:endParaRPr sz="1800">
-              <a:solidFill>
-                <a:schemeClr val="dk1"/>
-              </a:solidFill>
-              <a:latin typeface="Calibri"/>
-              <a:ea typeface="Calibri"/>
-              <a:cs typeface="Calibri"/>
-              <a:sym typeface="Calibri"/>
-            </a:endParaRPr>
-          </a:p>
-        </p:txBody>
-      </p:sp>
-      <p:sp>
-        <p:nvSpPr>
-          <p:cNvPr id="80" name="Google Shape;80;p9"/>
-          <p:cNvSpPr txBox="1"/>
-          <p:nvPr/>
-        </p:nvSpPr>
-        <p:spPr>
-          <a:xfrm>
-            <a:off x="2855214" y="1046881"/>
-            <a:ext cx="1064895" cy="574040"/>
-          </a:xfrm>
-          <a:prstGeom prst="rect">
-            <a:avLst/>
-          </a:prstGeom>
-          <a:noFill/>
-          <a:ln>
-            <a:noFill/>
-          </a:ln>
-        </p:spPr>
-        <p:txBody>
-          <a:bodyPr spcFirstLastPara="1" wrap="square" lIns="0" tIns="12700" rIns="0" bIns="0" anchor="t" anchorCtr="0">
-            <a:noAutofit/>
-          </a:bodyPr>
-          <a:lstStyle/>
-          <a:p>
-            <a:pPr marL="12700" marR="0" lvl="0" indent="0" algn="l" rtl="0">
-              <a:lnSpc>
-                <a:spcPct val="100000"/>
-              </a:lnSpc>
-              <a:spcBef>
-                <a:spcPts val="0"/>
-              </a:spcBef>
-              <a:spcAft>
-                <a:spcPts val="0"/>
-              </a:spcAft>
-              <a:buNone/>
-            </a:pPr>
-            <a:r>
-              <a:rPr lang="en-US" sz="3600" b="1">
-                <a:solidFill>
-                  <a:srgbClr val="FFFFFF"/>
-                </a:solidFill>
-                <a:latin typeface="Arial"/>
-                <a:ea typeface="Arial"/>
-                <a:cs typeface="Arial"/>
-                <a:sym typeface="Arial"/>
-              </a:rPr>
-              <a:t>01</a:t>
-            </a:r>
-            <a:endParaRPr sz="3600">
-              <a:solidFill>
-                <a:schemeClr val="dk1"/>
-              </a:solidFill>
-              <a:latin typeface="Arial"/>
-              <a:ea typeface="Arial"/>
-              <a:cs typeface="Arial"/>
-              <a:sym typeface="Arial"/>
-            </a:endParaRPr>
-          </a:p>
-        </p:txBody>
-      </p:sp>
-      <p:sp>
-        <p:nvSpPr>
-          <p:cNvPr id="81" name="Google Shape;81;p9"/>
-          <p:cNvSpPr txBox="1"/>
-          <p:nvPr/>
-        </p:nvSpPr>
-        <p:spPr>
-          <a:xfrm>
-            <a:off x="2855214" y="2022240"/>
-            <a:ext cx="1064895" cy="574040"/>
-          </a:xfrm>
-          <a:prstGeom prst="rect">
-            <a:avLst/>
-          </a:prstGeom>
-          <a:noFill/>
-          <a:ln>
-            <a:noFill/>
-          </a:ln>
-        </p:spPr>
-        <p:txBody>
-          <a:bodyPr spcFirstLastPara="1" wrap="square" lIns="0" tIns="12700" rIns="0" bIns="0" anchor="t" anchorCtr="0">
-            <a:noAutofit/>
-          </a:bodyPr>
-          <a:lstStyle/>
-          <a:p>
-            <a:pPr marL="12700" marR="0" lvl="0" indent="0" algn="l" rtl="0">
-              <a:lnSpc>
-                <a:spcPct val="100000"/>
-              </a:lnSpc>
-              <a:spcBef>
-                <a:spcPts val="0"/>
-              </a:spcBef>
-              <a:spcAft>
-                <a:spcPts val="0"/>
-              </a:spcAft>
-              <a:buNone/>
-            </a:pPr>
-            <a:r>
-              <a:rPr lang="en-US" sz="3600" b="1">
-                <a:solidFill>
-                  <a:srgbClr val="FFFFFF"/>
-                </a:solidFill>
-                <a:latin typeface="Arial"/>
-                <a:ea typeface="Arial"/>
-                <a:cs typeface="Arial"/>
-                <a:sym typeface="Arial"/>
-              </a:rPr>
-              <a:t>02</a:t>
-            </a:r>
-            <a:endParaRPr sz="3600">
-              <a:solidFill>
-                <a:schemeClr val="dk1"/>
-              </a:solidFill>
-              <a:latin typeface="Arial"/>
-              <a:ea typeface="Arial"/>
-              <a:cs typeface="Arial"/>
-              <a:sym typeface="Arial"/>
-            </a:endParaRPr>
-          </a:p>
-        </p:txBody>
-      </p:sp>
-      <p:sp>
-        <p:nvSpPr>
-          <p:cNvPr id="82" name="Google Shape;82;p9"/>
-          <p:cNvSpPr txBox="1"/>
-          <p:nvPr/>
-        </p:nvSpPr>
-        <p:spPr>
-          <a:xfrm>
-            <a:off x="2855214" y="2982615"/>
-            <a:ext cx="1064895" cy="574040"/>
-          </a:xfrm>
-          <a:prstGeom prst="rect">
-            <a:avLst/>
-          </a:prstGeom>
-          <a:noFill/>
-          <a:ln>
-            <a:noFill/>
-          </a:ln>
-        </p:spPr>
-        <p:txBody>
-          <a:bodyPr spcFirstLastPara="1" wrap="square" lIns="0" tIns="12700" rIns="0" bIns="0" anchor="t" anchorCtr="0">
-            <a:noAutofit/>
-          </a:bodyPr>
-          <a:lstStyle/>
-          <a:p>
-            <a:pPr marL="12700" marR="0" lvl="0" indent="0" algn="l" rtl="0">
-              <a:lnSpc>
-                <a:spcPct val="100000"/>
-              </a:lnSpc>
-              <a:spcBef>
-                <a:spcPts val="0"/>
-              </a:spcBef>
-              <a:spcAft>
-                <a:spcPts val="0"/>
-              </a:spcAft>
-              <a:buNone/>
-            </a:pPr>
-            <a:r>
-              <a:rPr lang="en-US" sz="3600" b="1">
-                <a:solidFill>
-                  <a:srgbClr val="FFFFFF"/>
-                </a:solidFill>
-                <a:latin typeface="Arial"/>
-                <a:ea typeface="Arial"/>
-                <a:cs typeface="Arial"/>
-                <a:sym typeface="Arial"/>
-              </a:rPr>
-              <a:t>03</a:t>
-            </a:r>
-            <a:endParaRPr sz="3600">
-              <a:solidFill>
-                <a:schemeClr val="dk1"/>
-              </a:solidFill>
-              <a:latin typeface="Arial"/>
-              <a:ea typeface="Arial"/>
-              <a:cs typeface="Arial"/>
-              <a:sym typeface="Arial"/>
-            </a:endParaRPr>
-          </a:p>
-        </p:txBody>
-      </p:sp>
-      <p:sp>
-        <p:nvSpPr>
-          <p:cNvPr id="83" name="Google Shape;83;p9"/>
-          <p:cNvSpPr txBox="1"/>
-          <p:nvPr/>
-        </p:nvSpPr>
-        <p:spPr>
-          <a:xfrm>
-            <a:off x="2855214" y="3942430"/>
-            <a:ext cx="1064895" cy="574675"/>
-          </a:xfrm>
-          <a:prstGeom prst="rect">
-            <a:avLst/>
-          </a:prstGeom>
-          <a:noFill/>
-          <a:ln>
-            <a:noFill/>
-          </a:ln>
-        </p:spPr>
-        <p:txBody>
-          <a:bodyPr spcFirstLastPara="1" wrap="square" lIns="0" tIns="12700" rIns="0" bIns="0" anchor="t" anchorCtr="0">
-            <a:noAutofit/>
-          </a:bodyPr>
-          <a:lstStyle/>
-          <a:p>
-            <a:pPr marL="12700" marR="0" lvl="0" indent="0" algn="l" rtl="0">
-              <a:lnSpc>
-                <a:spcPct val="100000"/>
-              </a:lnSpc>
-              <a:spcBef>
-                <a:spcPts val="0"/>
-              </a:spcBef>
-              <a:spcAft>
-                <a:spcPts val="0"/>
-              </a:spcAft>
-              <a:buNone/>
-            </a:pPr>
-            <a:r>
-              <a:rPr lang="en-US" sz="3600" b="1">
-                <a:solidFill>
-                  <a:srgbClr val="FFFFFF"/>
-                </a:solidFill>
-                <a:latin typeface="Arial"/>
-                <a:ea typeface="Arial"/>
-                <a:cs typeface="Arial"/>
-                <a:sym typeface="Arial"/>
-              </a:rPr>
-              <a:t>04</a:t>
-            </a:r>
-            <a:endParaRPr sz="3600">
-              <a:solidFill>
-                <a:schemeClr val="dk1"/>
-              </a:solidFill>
-              <a:latin typeface="Arial"/>
-              <a:ea typeface="Arial"/>
-              <a:cs typeface="Arial"/>
-              <a:sym typeface="Arial"/>
-            </a:endParaRPr>
-          </a:p>
-        </p:txBody>
-      </p:sp>
-      <p:sp>
-        <p:nvSpPr>
-          <p:cNvPr id="84" name="Google Shape;84;p9"/>
-          <p:cNvSpPr txBox="1"/>
-          <p:nvPr/>
-        </p:nvSpPr>
-        <p:spPr>
-          <a:xfrm>
-            <a:off x="2855214" y="4887945"/>
-            <a:ext cx="1064895" cy="574040"/>
-          </a:xfrm>
-          <a:prstGeom prst="rect">
-            <a:avLst/>
-          </a:prstGeom>
-          <a:noFill/>
-          <a:ln>
-            <a:noFill/>
-          </a:ln>
-        </p:spPr>
-        <p:txBody>
-          <a:bodyPr spcFirstLastPara="1" wrap="square" lIns="0" tIns="12700" rIns="0" bIns="0" anchor="t" anchorCtr="0">
-            <a:noAutofit/>
-          </a:bodyPr>
-          <a:lstStyle/>
-          <a:p>
-            <a:pPr marL="12700" marR="0" lvl="0" indent="0" algn="l" rtl="0">
-              <a:lnSpc>
-                <a:spcPct val="100000"/>
-              </a:lnSpc>
-              <a:spcBef>
-                <a:spcPts val="0"/>
-              </a:spcBef>
-              <a:spcAft>
-                <a:spcPts val="0"/>
-              </a:spcAft>
-              <a:buNone/>
-            </a:pPr>
-            <a:r>
-              <a:rPr lang="en-US" sz="3600" b="1">
-                <a:solidFill>
-                  <a:srgbClr val="FFFFFF"/>
-                </a:solidFill>
-                <a:latin typeface="Arial"/>
-                <a:ea typeface="Arial"/>
-                <a:cs typeface="Arial"/>
-                <a:sym typeface="Arial"/>
-              </a:rPr>
-              <a:t>05</a:t>
-            </a:r>
-            <a:endParaRPr sz="3600">
-              <a:solidFill>
-                <a:schemeClr val="dk1"/>
-              </a:solidFill>
-              <a:latin typeface="Arial"/>
-              <a:ea typeface="Arial"/>
-              <a:cs typeface="Arial"/>
-              <a:sym typeface="Arial"/>
-            </a:endParaRPr>
-          </a:p>
-        </p:txBody>
-      </p:sp>
-      <p:sp>
-        <p:nvSpPr>
-          <p:cNvPr id="85" name="Google Shape;85;p9"/>
-          <p:cNvSpPr txBox="1"/>
-          <p:nvPr/>
-        </p:nvSpPr>
-        <p:spPr>
-          <a:xfrm>
-            <a:off x="5217666" y="793514"/>
-            <a:ext cx="2933065" cy="382156"/>
-          </a:xfrm>
-          <a:prstGeom prst="rect">
-            <a:avLst/>
-          </a:prstGeom>
-          <a:noFill/>
-          <a:ln>
-            <a:noFill/>
-          </a:ln>
-        </p:spPr>
-        <p:txBody>
-          <a:bodyPr spcFirstLastPara="1" wrap="square" lIns="0" tIns="12700" rIns="0" bIns="0" anchor="t" anchorCtr="0">
-            <a:noAutofit/>
-          </a:bodyPr>
-          <a:lstStyle/>
-          <a:p>
-            <a:pPr marL="12700" marR="0" lvl="0" indent="0" algn="ctr" rtl="0">
-              <a:spcBef>
-                <a:spcPts val="0"/>
-              </a:spcBef>
-              <a:spcAft>
-                <a:spcPts val="0"/>
-              </a:spcAft>
-              <a:buNone/>
-            </a:pPr>
-            <a:r>
-              <a:rPr lang="en-US" sz="2400" dirty="0">
-                <a:solidFill>
-                  <a:srgbClr val="FFFFFF"/>
-                </a:solidFill>
-                <a:latin typeface="Arial"/>
-                <a:ea typeface="Arial"/>
-                <a:cs typeface="Arial"/>
-                <a:sym typeface="Arial"/>
-              </a:rPr>
-              <a:t>Introduction &amp; Problem (Zain J.)</a:t>
-            </a:r>
-            <a:endParaRPr sz="2400" dirty="0">
-              <a:solidFill>
-                <a:schemeClr val="dk1"/>
-              </a:solidFill>
-              <a:latin typeface="Arial"/>
-              <a:ea typeface="Arial"/>
-              <a:cs typeface="Arial"/>
-              <a:sym typeface="Arial"/>
-            </a:endParaRPr>
-          </a:p>
-        </p:txBody>
-      </p:sp>
-      <p:sp>
-        <p:nvSpPr>
-          <p:cNvPr id="86" name="Google Shape;86;p9"/>
-          <p:cNvSpPr txBox="1"/>
-          <p:nvPr/>
-        </p:nvSpPr>
-        <p:spPr>
-          <a:xfrm>
-            <a:off x="5217667" y="1881376"/>
-            <a:ext cx="2933065" cy="382156"/>
-          </a:xfrm>
-          <a:prstGeom prst="rect">
-            <a:avLst/>
-          </a:prstGeom>
-          <a:noFill/>
-          <a:ln>
-            <a:noFill/>
-          </a:ln>
-        </p:spPr>
-        <p:txBody>
-          <a:bodyPr spcFirstLastPara="1" wrap="square" lIns="0" tIns="12700" rIns="0" bIns="0" anchor="t" anchorCtr="0">
-            <a:noAutofit/>
-          </a:bodyPr>
-          <a:lstStyle/>
-          <a:p>
-            <a:pPr marL="12700" marR="0" lvl="0" indent="0" algn="ctr" rtl="0">
-              <a:lnSpc>
-                <a:spcPct val="100000"/>
-              </a:lnSpc>
-              <a:spcBef>
-                <a:spcPts val="0"/>
-              </a:spcBef>
-              <a:spcAft>
-                <a:spcPts val="0"/>
-              </a:spcAft>
-              <a:buNone/>
-            </a:pPr>
-            <a:r>
-              <a:rPr lang="en-US" sz="2400" dirty="0">
-                <a:solidFill>
-                  <a:srgbClr val="FFFFFF"/>
-                </a:solidFill>
-                <a:latin typeface="Arial"/>
-                <a:ea typeface="Arial"/>
-                <a:cs typeface="Arial"/>
-                <a:sym typeface="Arial"/>
-              </a:rPr>
-              <a:t>Data Overview &amp; Exploration (Venku)</a:t>
-            </a:r>
-            <a:endParaRPr sz="2400" dirty="0">
-              <a:solidFill>
-                <a:schemeClr val="dk1"/>
-              </a:solidFill>
-              <a:latin typeface="Arial"/>
-              <a:ea typeface="Arial"/>
-              <a:cs typeface="Arial"/>
-              <a:sym typeface="Arial"/>
-            </a:endParaRPr>
-          </a:p>
-        </p:txBody>
-      </p:sp>
-      <p:sp>
-        <p:nvSpPr>
-          <p:cNvPr id="87" name="Google Shape;87;p9"/>
-          <p:cNvSpPr txBox="1"/>
-          <p:nvPr/>
-        </p:nvSpPr>
-        <p:spPr>
-          <a:xfrm>
-            <a:off x="4945266" y="2809092"/>
-            <a:ext cx="4294301" cy="382156"/>
-          </a:xfrm>
-          <a:prstGeom prst="rect">
-            <a:avLst/>
-          </a:prstGeom>
-          <a:noFill/>
-          <a:ln>
-            <a:noFill/>
-          </a:ln>
-        </p:spPr>
-        <p:txBody>
-          <a:bodyPr spcFirstLastPara="1" wrap="square" lIns="0" tIns="12700" rIns="0" bIns="0" anchor="t" anchorCtr="0">
-            <a:noAutofit/>
-          </a:bodyPr>
-          <a:lstStyle/>
-          <a:p>
-            <a:pPr marL="12700" marR="0" lvl="0" indent="0" algn="ctr" rtl="0">
-              <a:lnSpc>
-                <a:spcPct val="100000"/>
-              </a:lnSpc>
-              <a:spcBef>
-                <a:spcPts val="0"/>
-              </a:spcBef>
-              <a:spcAft>
-                <a:spcPts val="0"/>
-              </a:spcAft>
-              <a:buNone/>
-            </a:pPr>
-            <a:r>
-              <a:rPr lang="en-US" sz="2400" dirty="0">
-                <a:solidFill>
-                  <a:srgbClr val="FFFFFF"/>
-                </a:solidFill>
-                <a:latin typeface="Arial"/>
-                <a:ea typeface="Arial"/>
-                <a:cs typeface="Arial"/>
-                <a:sym typeface="Arial"/>
-              </a:rPr>
-              <a:t>Data Preparation and Feature extraction (Marin)</a:t>
-            </a:r>
-            <a:endParaRPr sz="2400" dirty="0">
-              <a:solidFill>
-                <a:schemeClr val="dk1"/>
-              </a:solidFill>
-              <a:latin typeface="Arial"/>
-              <a:ea typeface="Arial"/>
-              <a:cs typeface="Arial"/>
-              <a:sym typeface="Arial"/>
-            </a:endParaRPr>
-          </a:p>
-        </p:txBody>
-      </p:sp>
-      <p:sp>
-        <p:nvSpPr>
-          <p:cNvPr id="88" name="Google Shape;88;p9"/>
-          <p:cNvSpPr txBox="1"/>
-          <p:nvPr/>
-        </p:nvSpPr>
-        <p:spPr>
-          <a:xfrm>
-            <a:off x="4909695" y="3752578"/>
-            <a:ext cx="3549009" cy="382156"/>
-          </a:xfrm>
-          <a:prstGeom prst="rect">
-            <a:avLst/>
-          </a:prstGeom>
-          <a:noFill/>
-          <a:ln>
-            <a:noFill/>
-          </a:ln>
-        </p:spPr>
-        <p:txBody>
-          <a:bodyPr spcFirstLastPara="1" wrap="square" lIns="0" tIns="12700" rIns="0" bIns="0" anchor="t" anchorCtr="0">
-            <a:noAutofit/>
-          </a:bodyPr>
-          <a:lstStyle/>
-          <a:p>
-            <a:pPr marL="12700" marR="0" lvl="0" indent="0" algn="r" rtl="0">
-              <a:lnSpc>
-                <a:spcPct val="100000"/>
-              </a:lnSpc>
-              <a:spcBef>
-                <a:spcPts val="0"/>
-              </a:spcBef>
-              <a:spcAft>
-                <a:spcPts val="0"/>
-              </a:spcAft>
-              <a:buNone/>
-            </a:pPr>
-            <a:r>
-              <a:rPr lang="en-US" sz="2400" dirty="0">
-                <a:solidFill>
-                  <a:srgbClr val="FFFFFF"/>
-                </a:solidFill>
-                <a:latin typeface="Arial"/>
-                <a:ea typeface="Arial"/>
-                <a:cs typeface="Arial"/>
-                <a:sym typeface="Arial"/>
-              </a:rPr>
-              <a:t>Evaluation of each model (Michael)</a:t>
-            </a:r>
-            <a:endParaRPr sz="2400" dirty="0">
-              <a:solidFill>
-                <a:schemeClr val="dk1"/>
-              </a:solidFill>
-              <a:latin typeface="Arial"/>
-              <a:ea typeface="Arial"/>
-              <a:cs typeface="Arial"/>
-              <a:sym typeface="Arial"/>
-            </a:endParaRPr>
-          </a:p>
-        </p:txBody>
-      </p:sp>
-      <p:sp>
-        <p:nvSpPr>
-          <p:cNvPr id="89" name="Google Shape;89;p9"/>
-          <p:cNvSpPr txBox="1"/>
-          <p:nvPr/>
-        </p:nvSpPr>
-        <p:spPr>
-          <a:xfrm>
-            <a:off x="5098818" y="4493785"/>
-            <a:ext cx="4608708" cy="751488"/>
-          </a:xfrm>
-          <a:prstGeom prst="rect">
-            <a:avLst/>
-          </a:prstGeom>
-          <a:noFill/>
-          <a:ln>
-            <a:noFill/>
-          </a:ln>
-        </p:spPr>
-        <p:txBody>
-          <a:bodyPr spcFirstLastPara="1" wrap="square" lIns="0" tIns="12700" rIns="0" bIns="0" anchor="t" anchorCtr="0">
-            <a:noAutofit/>
-          </a:bodyPr>
-          <a:lstStyle/>
-          <a:p>
-            <a:pPr marL="12700" marR="0" lvl="0" indent="0" algn="ctr" rtl="0">
-              <a:lnSpc>
-                <a:spcPct val="100000"/>
-              </a:lnSpc>
-              <a:spcBef>
-                <a:spcPts val="0"/>
-              </a:spcBef>
-              <a:spcAft>
-                <a:spcPts val="0"/>
-              </a:spcAft>
-              <a:buNone/>
-            </a:pPr>
-            <a:r>
-              <a:rPr lang="en-US" sz="2400" dirty="0">
-                <a:solidFill>
-                  <a:srgbClr val="FFFFFF"/>
-                </a:solidFill>
-                <a:latin typeface="Arial"/>
-                <a:ea typeface="Arial"/>
-                <a:cs typeface="Arial"/>
-                <a:sym typeface="Arial"/>
-              </a:rPr>
-              <a:t>Challenges ,Recommendations &amp; Future improvement (Zain I.)</a:t>
-            </a:r>
-            <a:endParaRPr sz="2400" dirty="0">
-              <a:solidFill>
-                <a:schemeClr val="dk1"/>
-              </a:solidFill>
-              <a:latin typeface="Arial"/>
-              <a:ea typeface="Arial"/>
-              <a:cs typeface="Arial"/>
-              <a:sym typeface="Arial"/>
-            </a:endParaRPr>
-          </a:p>
-        </p:txBody>
-      </p:sp>
-      <p:sp>
-        <p:nvSpPr>
-          <p:cNvPr id="90" name="Google Shape;90;p9"/>
-          <p:cNvSpPr/>
-          <p:nvPr/>
-        </p:nvSpPr>
-        <p:spPr>
-          <a:xfrm>
-            <a:off x="4296155" y="1787418"/>
-            <a:ext cx="521334" cy="523240"/>
-          </a:xfrm>
-          <a:custGeom>
-            <a:avLst/>
-            <a:gdLst/>
-            <a:ahLst/>
-            <a:cxnLst/>
-            <a:rect l="l" t="t" r="r" b="b"/>
-            <a:pathLst>
-              <a:path w="521335" h="523239" extrusionOk="0">
-                <a:moveTo>
-                  <a:pt x="260604" y="0"/>
-                </a:moveTo>
-                <a:lnTo>
-                  <a:pt x="204724" y="5841"/>
-                </a:lnTo>
-                <a:lnTo>
-                  <a:pt x="153035" y="23367"/>
-                </a:lnTo>
-                <a:lnTo>
-                  <a:pt x="107061" y="50164"/>
-                </a:lnTo>
-                <a:lnTo>
-                  <a:pt x="67437" y="85725"/>
-                </a:lnTo>
-                <a:lnTo>
-                  <a:pt x="35433" y="129412"/>
-                </a:lnTo>
-                <a:lnTo>
-                  <a:pt x="13335" y="178307"/>
-                </a:lnTo>
-                <a:lnTo>
-                  <a:pt x="1778" y="233044"/>
-                </a:lnTo>
-                <a:lnTo>
-                  <a:pt x="0" y="261112"/>
-                </a:lnTo>
-                <a:lnTo>
-                  <a:pt x="1778" y="289687"/>
-                </a:lnTo>
-                <a:lnTo>
-                  <a:pt x="13335" y="343788"/>
-                </a:lnTo>
-                <a:lnTo>
-                  <a:pt x="35433" y="393318"/>
-                </a:lnTo>
-                <a:lnTo>
-                  <a:pt x="67437" y="436499"/>
-                </a:lnTo>
-                <a:lnTo>
-                  <a:pt x="107061" y="472058"/>
-                </a:lnTo>
-                <a:lnTo>
-                  <a:pt x="153035" y="499363"/>
-                </a:lnTo>
-                <a:lnTo>
-                  <a:pt x="204724" y="516381"/>
-                </a:lnTo>
-                <a:lnTo>
-                  <a:pt x="260604" y="522731"/>
-                </a:lnTo>
-                <a:lnTo>
-                  <a:pt x="289052" y="520953"/>
-                </a:lnTo>
-                <a:lnTo>
-                  <a:pt x="343154" y="509269"/>
-                </a:lnTo>
-                <a:lnTo>
-                  <a:pt x="392684" y="487171"/>
-                </a:lnTo>
-                <a:lnTo>
-                  <a:pt x="435737" y="455167"/>
-                </a:lnTo>
-                <a:lnTo>
-                  <a:pt x="470662" y="415543"/>
-                </a:lnTo>
-                <a:lnTo>
-                  <a:pt x="485343" y="393953"/>
-                </a:lnTo>
-                <a:lnTo>
-                  <a:pt x="262382" y="393953"/>
-                </a:lnTo>
-                <a:lnTo>
-                  <a:pt x="250190" y="393318"/>
-                </a:lnTo>
-                <a:lnTo>
-                  <a:pt x="211201" y="366521"/>
-                </a:lnTo>
-                <a:lnTo>
-                  <a:pt x="200660" y="332231"/>
-                </a:lnTo>
-                <a:lnTo>
-                  <a:pt x="83185" y="332231"/>
-                </a:lnTo>
-                <a:lnTo>
-                  <a:pt x="77343" y="315213"/>
-                </a:lnTo>
-                <a:lnTo>
-                  <a:pt x="73279" y="297814"/>
-                </a:lnTo>
-                <a:lnTo>
-                  <a:pt x="70993" y="279780"/>
-                </a:lnTo>
-                <a:lnTo>
-                  <a:pt x="69850" y="261112"/>
-                </a:lnTo>
-                <a:lnTo>
-                  <a:pt x="71501" y="237235"/>
-                </a:lnTo>
-                <a:lnTo>
-                  <a:pt x="82550" y="191769"/>
-                </a:lnTo>
-                <a:lnTo>
-                  <a:pt x="104140" y="151510"/>
-                </a:lnTo>
-                <a:lnTo>
-                  <a:pt x="133731" y="117728"/>
-                </a:lnTo>
-                <a:lnTo>
-                  <a:pt x="171069" y="92075"/>
-                </a:lnTo>
-                <a:lnTo>
-                  <a:pt x="214122" y="75183"/>
-                </a:lnTo>
-                <a:lnTo>
-                  <a:pt x="260604" y="69341"/>
-                </a:lnTo>
-                <a:lnTo>
-                  <a:pt x="437502" y="69341"/>
-                </a:lnTo>
-                <a:lnTo>
-                  <a:pt x="435737" y="67563"/>
-                </a:lnTo>
-                <a:lnTo>
-                  <a:pt x="392684" y="35559"/>
-                </a:lnTo>
-                <a:lnTo>
-                  <a:pt x="343154" y="13462"/>
-                </a:lnTo>
-                <a:lnTo>
-                  <a:pt x="289052" y="1777"/>
-                </a:lnTo>
-                <a:lnTo>
-                  <a:pt x="260604" y="0"/>
-                </a:lnTo>
-                <a:close/>
-              </a:path>
-              <a:path w="521335" h="523239" extrusionOk="0">
-                <a:moveTo>
-                  <a:pt x="437502" y="69341"/>
-                </a:moveTo>
-                <a:lnTo>
-                  <a:pt x="260604" y="69341"/>
-                </a:lnTo>
-                <a:lnTo>
-                  <a:pt x="284480" y="71119"/>
-                </a:lnTo>
-                <a:lnTo>
-                  <a:pt x="307721" y="75183"/>
-                </a:lnTo>
-                <a:lnTo>
-                  <a:pt x="350139" y="92075"/>
-                </a:lnTo>
-                <a:lnTo>
-                  <a:pt x="387985" y="117728"/>
-                </a:lnTo>
-                <a:lnTo>
-                  <a:pt x="417703" y="151510"/>
-                </a:lnTo>
-                <a:lnTo>
-                  <a:pt x="439166" y="191769"/>
-                </a:lnTo>
-                <a:lnTo>
-                  <a:pt x="450215" y="237235"/>
-                </a:lnTo>
-                <a:lnTo>
-                  <a:pt x="451993" y="261112"/>
-                </a:lnTo>
-                <a:lnTo>
-                  <a:pt x="450215" y="286130"/>
-                </a:lnTo>
-                <a:lnTo>
-                  <a:pt x="445643" y="309499"/>
-                </a:lnTo>
-                <a:lnTo>
-                  <a:pt x="438023" y="332231"/>
-                </a:lnTo>
-                <a:lnTo>
-                  <a:pt x="323469" y="332231"/>
-                </a:lnTo>
-                <a:lnTo>
-                  <a:pt x="322834" y="344424"/>
-                </a:lnTo>
-                <a:lnTo>
-                  <a:pt x="296672" y="383413"/>
-                </a:lnTo>
-                <a:lnTo>
-                  <a:pt x="262382" y="393953"/>
-                </a:lnTo>
-                <a:lnTo>
-                  <a:pt x="485343" y="393953"/>
-                </a:lnTo>
-                <a:lnTo>
-                  <a:pt x="507873" y="343788"/>
-                </a:lnTo>
-                <a:lnTo>
-                  <a:pt x="519430" y="289687"/>
-                </a:lnTo>
-                <a:lnTo>
-                  <a:pt x="521208" y="261112"/>
-                </a:lnTo>
-                <a:lnTo>
-                  <a:pt x="519430" y="233044"/>
-                </a:lnTo>
-                <a:lnTo>
-                  <a:pt x="507873" y="178307"/>
-                </a:lnTo>
-                <a:lnTo>
-                  <a:pt x="485775" y="129412"/>
-                </a:lnTo>
-                <a:lnTo>
-                  <a:pt x="453771" y="85725"/>
-                </a:lnTo>
-                <a:lnTo>
-                  <a:pt x="437502" y="69341"/>
-                </a:lnTo>
-                <a:close/>
-              </a:path>
-            </a:pathLst>
-          </a:custGeom>
-          <a:solidFill>
-            <a:srgbClr val="FFFFFF"/>
-          </a:solidFill>
-          <a:ln>
-            <a:noFill/>
-          </a:ln>
-        </p:spPr>
-        <p:txBody>
-          <a:bodyPr spcFirstLastPara="1" wrap="square" lIns="0" tIns="0" rIns="0" bIns="0" anchor="t" anchorCtr="0">
-            <a:noAutofit/>
-          </a:bodyPr>
-          <a:lstStyle/>
-          <a:p>
-            <a:pPr marL="0" marR="0" lvl="0" indent="0" algn="l" rtl="0">
-              <a:spcBef>
-                <a:spcPts val="0"/>
-              </a:spcBef>
-              <a:spcAft>
-                <a:spcPts val="0"/>
-              </a:spcAft>
-              <a:buNone/>
-            </a:pPr>
-            <a:endParaRPr sz="1800">
-              <a:solidFill>
-                <a:schemeClr val="dk1"/>
-              </a:solidFill>
-              <a:latin typeface="Calibri"/>
-              <a:ea typeface="Calibri"/>
-              <a:cs typeface="Calibri"/>
-              <a:sym typeface="Calibri"/>
-            </a:endParaRPr>
-          </a:p>
-        </p:txBody>
-      </p:sp>
-      <p:sp>
-        <p:nvSpPr>
-          <p:cNvPr id="91" name="Google Shape;91;p9"/>
-          <p:cNvSpPr/>
-          <p:nvPr/>
-        </p:nvSpPr>
-        <p:spPr>
-          <a:xfrm>
-            <a:off x="4529328" y="1953533"/>
-            <a:ext cx="160020" cy="195072"/>
-          </a:xfrm>
-          <a:prstGeom prst="rect">
-            <a:avLst/>
-          </a:prstGeom>
-          <a:blipFill rotWithShape="1">
-            <a:blip r:embed="rId3">
-              <a:alphaModFix/>
-            </a:blip>
-            <a:stretch>
-              <a:fillRect/>
-            </a:stretch>
-          </a:blipFill>
-          <a:ln>
-            <a:noFill/>
-          </a:ln>
-        </p:spPr>
-        <p:txBody>
-          <a:bodyPr spcFirstLastPara="1" wrap="square" lIns="0" tIns="0" rIns="0" bIns="0" anchor="t" anchorCtr="0">
-            <a:noAutofit/>
-          </a:bodyPr>
-          <a:lstStyle/>
-          <a:p>
-            <a:pPr marL="0" marR="0" lvl="0" indent="0" algn="l" rtl="0">
-              <a:spcBef>
-                <a:spcPts val="0"/>
-              </a:spcBef>
-              <a:spcAft>
-                <a:spcPts val="0"/>
-              </a:spcAft>
-              <a:buNone/>
-            </a:pPr>
-            <a:endParaRPr sz="1800">
-              <a:solidFill>
-                <a:schemeClr val="dk1"/>
-              </a:solidFill>
-              <a:latin typeface="Calibri"/>
-              <a:ea typeface="Calibri"/>
-              <a:cs typeface="Calibri"/>
-              <a:sym typeface="Calibri"/>
-            </a:endParaRPr>
-          </a:p>
-        </p:txBody>
-      </p:sp>
-      <p:sp>
-        <p:nvSpPr>
-          <p:cNvPr id="92" name="Google Shape;92;p9"/>
-          <p:cNvSpPr/>
-          <p:nvPr/>
-        </p:nvSpPr>
-        <p:spPr>
-          <a:xfrm>
-            <a:off x="4279391" y="827298"/>
-            <a:ext cx="554990" cy="554990"/>
-          </a:xfrm>
-          <a:custGeom>
-            <a:avLst/>
-            <a:gdLst/>
-            <a:ahLst/>
-            <a:cxnLst/>
-            <a:rect l="l" t="t" r="r" b="b"/>
-            <a:pathLst>
-              <a:path w="554989" h="554989" extrusionOk="0">
-                <a:moveTo>
-                  <a:pt x="110236" y="298830"/>
-                </a:moveTo>
-                <a:lnTo>
-                  <a:pt x="47371" y="298830"/>
-                </a:lnTo>
-                <a:lnTo>
-                  <a:pt x="51688" y="325500"/>
-                </a:lnTo>
-                <a:lnTo>
-                  <a:pt x="68453" y="377063"/>
-                </a:lnTo>
-                <a:lnTo>
-                  <a:pt x="96520" y="421132"/>
-                </a:lnTo>
-                <a:lnTo>
-                  <a:pt x="133223" y="457835"/>
-                </a:lnTo>
-                <a:lnTo>
-                  <a:pt x="178054" y="485775"/>
-                </a:lnTo>
-                <a:lnTo>
-                  <a:pt x="228473" y="503174"/>
-                </a:lnTo>
-                <a:lnTo>
-                  <a:pt x="255905" y="508126"/>
-                </a:lnTo>
-                <a:lnTo>
-                  <a:pt x="255905" y="533019"/>
-                </a:lnTo>
-                <a:lnTo>
-                  <a:pt x="257175" y="541020"/>
-                </a:lnTo>
-                <a:lnTo>
-                  <a:pt x="262128" y="547877"/>
-                </a:lnTo>
-                <a:lnTo>
-                  <a:pt x="268986" y="552830"/>
-                </a:lnTo>
-                <a:lnTo>
-                  <a:pt x="277113" y="554736"/>
-                </a:lnTo>
-                <a:lnTo>
-                  <a:pt x="283845" y="553465"/>
-                </a:lnTo>
-                <a:lnTo>
-                  <a:pt x="290068" y="550417"/>
-                </a:lnTo>
-                <a:lnTo>
-                  <a:pt x="294513" y="545464"/>
-                </a:lnTo>
-                <a:lnTo>
-                  <a:pt x="298196" y="539876"/>
-                </a:lnTo>
-                <a:lnTo>
-                  <a:pt x="298831" y="533019"/>
-                </a:lnTo>
-                <a:lnTo>
-                  <a:pt x="298831" y="508126"/>
-                </a:lnTo>
-                <a:lnTo>
-                  <a:pt x="326263" y="503809"/>
-                </a:lnTo>
-                <a:lnTo>
-                  <a:pt x="377317" y="486410"/>
-                </a:lnTo>
-                <a:lnTo>
-                  <a:pt x="422783" y="458470"/>
-                </a:lnTo>
-                <a:lnTo>
-                  <a:pt x="438577" y="444753"/>
-                </a:lnTo>
-                <a:lnTo>
-                  <a:pt x="298831" y="444753"/>
-                </a:lnTo>
-                <a:lnTo>
-                  <a:pt x="298831" y="444119"/>
-                </a:lnTo>
-                <a:lnTo>
-                  <a:pt x="255905" y="444119"/>
-                </a:lnTo>
-                <a:lnTo>
-                  <a:pt x="233425" y="439800"/>
-                </a:lnTo>
-                <a:lnTo>
-                  <a:pt x="192405" y="423037"/>
-                </a:lnTo>
-                <a:lnTo>
-                  <a:pt x="158750" y="396366"/>
-                </a:lnTo>
-                <a:lnTo>
-                  <a:pt x="131953" y="362203"/>
-                </a:lnTo>
-                <a:lnTo>
-                  <a:pt x="114554" y="320548"/>
-                </a:lnTo>
-                <a:lnTo>
-                  <a:pt x="110236" y="298830"/>
-                </a:lnTo>
-                <a:close/>
-              </a:path>
-              <a:path w="554989" h="554989" extrusionOk="0">
-                <a:moveTo>
-                  <a:pt x="509905" y="298830"/>
-                </a:moveTo>
-                <a:lnTo>
-                  <a:pt x="445770" y="298830"/>
-                </a:lnTo>
-                <a:lnTo>
-                  <a:pt x="441452" y="321183"/>
-                </a:lnTo>
-                <a:lnTo>
-                  <a:pt x="434594" y="342264"/>
-                </a:lnTo>
-                <a:lnTo>
-                  <a:pt x="412115" y="380746"/>
-                </a:lnTo>
-                <a:lnTo>
-                  <a:pt x="381000" y="411225"/>
-                </a:lnTo>
-                <a:lnTo>
-                  <a:pt x="343027" y="432942"/>
-                </a:lnTo>
-                <a:lnTo>
-                  <a:pt x="298831" y="444753"/>
-                </a:lnTo>
-                <a:lnTo>
-                  <a:pt x="438577" y="444753"/>
-                </a:lnTo>
-                <a:lnTo>
-                  <a:pt x="474980" y="400050"/>
-                </a:lnTo>
-                <a:lnTo>
-                  <a:pt x="498094" y="352171"/>
-                </a:lnTo>
-                <a:lnTo>
-                  <a:pt x="505587" y="326136"/>
-                </a:lnTo>
-                <a:lnTo>
-                  <a:pt x="509905" y="298830"/>
-                </a:lnTo>
-                <a:close/>
-              </a:path>
-              <a:path w="554989" h="554989" extrusionOk="0">
-                <a:moveTo>
-                  <a:pt x="277113" y="404367"/>
-                </a:moveTo>
-                <a:lnTo>
-                  <a:pt x="268986" y="405638"/>
-                </a:lnTo>
-                <a:lnTo>
-                  <a:pt x="262128" y="410590"/>
-                </a:lnTo>
-                <a:lnTo>
-                  <a:pt x="257175" y="417449"/>
-                </a:lnTo>
-                <a:lnTo>
-                  <a:pt x="255905" y="425576"/>
-                </a:lnTo>
-                <a:lnTo>
-                  <a:pt x="255905" y="444119"/>
-                </a:lnTo>
-                <a:lnTo>
-                  <a:pt x="298831" y="444119"/>
-                </a:lnTo>
-                <a:lnTo>
-                  <a:pt x="298831" y="425576"/>
-                </a:lnTo>
-                <a:lnTo>
-                  <a:pt x="277113" y="404367"/>
-                </a:lnTo>
-                <a:close/>
-              </a:path>
-              <a:path w="554989" h="554989" extrusionOk="0">
-                <a:moveTo>
-                  <a:pt x="128270" y="255270"/>
-                </a:moveTo>
-                <a:lnTo>
-                  <a:pt x="21209" y="255270"/>
-                </a:lnTo>
-                <a:lnTo>
-                  <a:pt x="14350" y="256539"/>
-                </a:lnTo>
-                <a:lnTo>
-                  <a:pt x="8762" y="259714"/>
-                </a:lnTo>
-                <a:lnTo>
-                  <a:pt x="3683" y="264033"/>
-                </a:lnTo>
-                <a:lnTo>
-                  <a:pt x="1270" y="270255"/>
-                </a:lnTo>
-                <a:lnTo>
-                  <a:pt x="0" y="277113"/>
-                </a:lnTo>
-                <a:lnTo>
-                  <a:pt x="1270" y="283845"/>
-                </a:lnTo>
-                <a:lnTo>
-                  <a:pt x="3683" y="290067"/>
-                </a:lnTo>
-                <a:lnTo>
-                  <a:pt x="8762" y="294513"/>
-                </a:lnTo>
-                <a:lnTo>
-                  <a:pt x="14350" y="297561"/>
-                </a:lnTo>
-                <a:lnTo>
-                  <a:pt x="21209" y="298830"/>
-                </a:lnTo>
-                <a:lnTo>
-                  <a:pt x="128270" y="298830"/>
-                </a:lnTo>
-                <a:lnTo>
-                  <a:pt x="149987" y="277113"/>
-                </a:lnTo>
-                <a:lnTo>
-                  <a:pt x="149479" y="270255"/>
-                </a:lnTo>
-                <a:lnTo>
-                  <a:pt x="145669" y="264033"/>
-                </a:lnTo>
-                <a:lnTo>
-                  <a:pt x="141350" y="259714"/>
-                </a:lnTo>
-                <a:lnTo>
-                  <a:pt x="135762" y="256539"/>
-                </a:lnTo>
-                <a:lnTo>
-                  <a:pt x="128270" y="255270"/>
-                </a:lnTo>
-                <a:close/>
-              </a:path>
-              <a:path w="554989" h="554989" extrusionOk="0">
-                <a:moveTo>
-                  <a:pt x="532892" y="255270"/>
-                </a:moveTo>
-                <a:lnTo>
-                  <a:pt x="425831" y="255270"/>
-                </a:lnTo>
-                <a:lnTo>
-                  <a:pt x="418338" y="256539"/>
-                </a:lnTo>
-                <a:lnTo>
-                  <a:pt x="413385" y="259714"/>
-                </a:lnTo>
-                <a:lnTo>
-                  <a:pt x="408432" y="264033"/>
-                </a:lnTo>
-                <a:lnTo>
-                  <a:pt x="405257" y="270255"/>
-                </a:lnTo>
-                <a:lnTo>
-                  <a:pt x="404113" y="277113"/>
-                </a:lnTo>
-                <a:lnTo>
-                  <a:pt x="405257" y="283845"/>
-                </a:lnTo>
-                <a:lnTo>
-                  <a:pt x="408432" y="290067"/>
-                </a:lnTo>
-                <a:lnTo>
-                  <a:pt x="413385" y="294513"/>
-                </a:lnTo>
-                <a:lnTo>
-                  <a:pt x="418338" y="297561"/>
-                </a:lnTo>
-                <a:lnTo>
-                  <a:pt x="425831" y="298830"/>
-                </a:lnTo>
-                <a:lnTo>
-                  <a:pt x="532892" y="298830"/>
-                </a:lnTo>
-                <a:lnTo>
-                  <a:pt x="554736" y="277113"/>
-                </a:lnTo>
-                <a:lnTo>
-                  <a:pt x="553466" y="270255"/>
-                </a:lnTo>
-                <a:lnTo>
-                  <a:pt x="550418" y="264033"/>
-                </a:lnTo>
-                <a:lnTo>
-                  <a:pt x="545973" y="259714"/>
-                </a:lnTo>
-                <a:lnTo>
-                  <a:pt x="539750" y="256539"/>
-                </a:lnTo>
-                <a:lnTo>
-                  <a:pt x="532892" y="255270"/>
-                </a:lnTo>
-                <a:close/>
-              </a:path>
-              <a:path w="554989" h="554989" extrusionOk="0">
-                <a:moveTo>
-                  <a:pt x="277113" y="0"/>
-                </a:moveTo>
-                <a:lnTo>
-                  <a:pt x="255905" y="21082"/>
-                </a:lnTo>
-                <a:lnTo>
-                  <a:pt x="255905" y="45338"/>
-                </a:lnTo>
-                <a:lnTo>
-                  <a:pt x="228473" y="49657"/>
-                </a:lnTo>
-                <a:lnTo>
-                  <a:pt x="178054" y="67055"/>
-                </a:lnTo>
-                <a:lnTo>
-                  <a:pt x="132587" y="95630"/>
-                </a:lnTo>
-                <a:lnTo>
-                  <a:pt x="95885" y="132969"/>
-                </a:lnTo>
-                <a:lnTo>
-                  <a:pt x="67818" y="177673"/>
-                </a:lnTo>
-                <a:lnTo>
-                  <a:pt x="50419" y="227964"/>
-                </a:lnTo>
-                <a:lnTo>
-                  <a:pt x="46736" y="255270"/>
-                </a:lnTo>
-                <a:lnTo>
-                  <a:pt x="110236" y="255270"/>
-                </a:lnTo>
-                <a:lnTo>
-                  <a:pt x="114554" y="232917"/>
-                </a:lnTo>
-                <a:lnTo>
-                  <a:pt x="122047" y="212471"/>
-                </a:lnTo>
-                <a:lnTo>
-                  <a:pt x="143763" y="173989"/>
-                </a:lnTo>
-                <a:lnTo>
-                  <a:pt x="174371" y="142875"/>
-                </a:lnTo>
-                <a:lnTo>
-                  <a:pt x="212344" y="120523"/>
-                </a:lnTo>
-                <a:lnTo>
-                  <a:pt x="255905" y="108712"/>
-                </a:lnTo>
-                <a:lnTo>
-                  <a:pt x="438705" y="108712"/>
-                </a:lnTo>
-                <a:lnTo>
-                  <a:pt x="422783" y="94361"/>
-                </a:lnTo>
-                <a:lnTo>
-                  <a:pt x="377317" y="66421"/>
-                </a:lnTo>
-                <a:lnTo>
-                  <a:pt x="326263" y="48513"/>
-                </a:lnTo>
-                <a:lnTo>
-                  <a:pt x="298831" y="44703"/>
-                </a:lnTo>
-                <a:lnTo>
-                  <a:pt x="298831" y="21082"/>
-                </a:lnTo>
-                <a:lnTo>
-                  <a:pt x="298196" y="14224"/>
-                </a:lnTo>
-                <a:lnTo>
-                  <a:pt x="294513" y="8636"/>
-                </a:lnTo>
-                <a:lnTo>
-                  <a:pt x="290068" y="3683"/>
-                </a:lnTo>
-                <a:lnTo>
-                  <a:pt x="283845" y="1270"/>
-                </a:lnTo>
-                <a:lnTo>
-                  <a:pt x="277113" y="0"/>
-                </a:lnTo>
-                <a:close/>
-              </a:path>
-              <a:path w="554989" h="554989" extrusionOk="0">
-                <a:moveTo>
-                  <a:pt x="438705" y="108712"/>
-                </a:moveTo>
-                <a:lnTo>
-                  <a:pt x="298831" y="108712"/>
-                </a:lnTo>
-                <a:lnTo>
-                  <a:pt x="321310" y="113029"/>
-                </a:lnTo>
-                <a:lnTo>
-                  <a:pt x="343027" y="119887"/>
-                </a:lnTo>
-                <a:lnTo>
-                  <a:pt x="381000" y="142239"/>
-                </a:lnTo>
-                <a:lnTo>
-                  <a:pt x="412750" y="173354"/>
-                </a:lnTo>
-                <a:lnTo>
-                  <a:pt x="435229" y="211836"/>
-                </a:lnTo>
-                <a:lnTo>
-                  <a:pt x="446405" y="255270"/>
-                </a:lnTo>
-                <a:lnTo>
-                  <a:pt x="509905" y="255270"/>
-                </a:lnTo>
-                <a:lnTo>
-                  <a:pt x="498094" y="201929"/>
-                </a:lnTo>
-                <a:lnTo>
-                  <a:pt x="475615" y="153415"/>
-                </a:lnTo>
-                <a:lnTo>
-                  <a:pt x="442087" y="111760"/>
-                </a:lnTo>
-                <a:lnTo>
-                  <a:pt x="438705" y="108712"/>
-                </a:lnTo>
-                <a:close/>
-              </a:path>
-              <a:path w="554989" h="554989" extrusionOk="0">
-                <a:moveTo>
-                  <a:pt x="298831" y="108712"/>
-                </a:moveTo>
-                <a:lnTo>
-                  <a:pt x="255905" y="108712"/>
-                </a:lnTo>
-                <a:lnTo>
-                  <a:pt x="255905" y="128650"/>
-                </a:lnTo>
-                <a:lnTo>
-                  <a:pt x="257175" y="137287"/>
-                </a:lnTo>
-                <a:lnTo>
-                  <a:pt x="262128" y="143510"/>
-                </a:lnTo>
-                <a:lnTo>
-                  <a:pt x="268986" y="148462"/>
-                </a:lnTo>
-                <a:lnTo>
-                  <a:pt x="277113" y="150367"/>
-                </a:lnTo>
-                <a:lnTo>
-                  <a:pt x="283845" y="149098"/>
-                </a:lnTo>
-                <a:lnTo>
-                  <a:pt x="298831" y="108712"/>
-                </a:lnTo>
-                <a:close/>
-              </a:path>
-            </a:pathLst>
-          </a:custGeom>
-          <a:solidFill>
-            <a:srgbClr val="FFFFFF"/>
-          </a:solidFill>
-          <a:ln>
-            <a:noFill/>
-          </a:ln>
-        </p:spPr>
-        <p:txBody>
-          <a:bodyPr spcFirstLastPara="1" wrap="square" lIns="0" tIns="0" rIns="0" bIns="0" anchor="t" anchorCtr="0">
-            <a:noAutofit/>
-          </a:bodyPr>
-          <a:lstStyle/>
-          <a:p>
-            <a:pPr marL="0" marR="0" lvl="0" indent="0" algn="l" rtl="0">
-              <a:spcBef>
-                <a:spcPts val="0"/>
-              </a:spcBef>
-              <a:spcAft>
-                <a:spcPts val="0"/>
-              </a:spcAft>
-              <a:buNone/>
-            </a:pPr>
-            <a:endParaRPr sz="1800">
-              <a:solidFill>
-                <a:schemeClr val="dk1"/>
-              </a:solidFill>
-              <a:latin typeface="Calibri"/>
-              <a:ea typeface="Calibri"/>
-              <a:cs typeface="Calibri"/>
-              <a:sym typeface="Calibri"/>
-            </a:endParaRPr>
-          </a:p>
-        </p:txBody>
-      </p:sp>
-      <p:sp>
-        <p:nvSpPr>
-          <p:cNvPr id="93" name="Google Shape;93;p9"/>
-          <p:cNvSpPr/>
-          <p:nvPr/>
-        </p:nvSpPr>
-        <p:spPr>
-          <a:xfrm>
-            <a:off x="4296155" y="2762777"/>
-            <a:ext cx="523240" cy="524510"/>
-          </a:xfrm>
-          <a:custGeom>
-            <a:avLst/>
-            <a:gdLst/>
-            <a:ahLst/>
-            <a:cxnLst/>
-            <a:rect l="l" t="t" r="r" b="b"/>
-            <a:pathLst>
-              <a:path w="523239" h="524510" extrusionOk="0">
-                <a:moveTo>
-                  <a:pt x="449750" y="371729"/>
-                </a:moveTo>
-                <a:lnTo>
-                  <a:pt x="292481" y="371729"/>
-                </a:lnTo>
-                <a:lnTo>
-                  <a:pt x="443738" y="524256"/>
-                </a:lnTo>
-                <a:lnTo>
-                  <a:pt x="522732" y="445262"/>
-                </a:lnTo>
-                <a:lnTo>
-                  <a:pt x="449750" y="371729"/>
-                </a:lnTo>
-                <a:close/>
-              </a:path>
-              <a:path w="523239" h="524510" extrusionOk="0">
-                <a:moveTo>
-                  <a:pt x="208661" y="0"/>
-                </a:moveTo>
-                <a:lnTo>
-                  <a:pt x="185674" y="0"/>
-                </a:lnTo>
-                <a:lnTo>
-                  <a:pt x="162052" y="3429"/>
-                </a:lnTo>
-                <a:lnTo>
-                  <a:pt x="116840" y="16891"/>
-                </a:lnTo>
-                <a:lnTo>
-                  <a:pt x="75692" y="41148"/>
-                </a:lnTo>
-                <a:lnTo>
-                  <a:pt x="41148" y="76200"/>
-                </a:lnTo>
-                <a:lnTo>
-                  <a:pt x="16256" y="118110"/>
-                </a:lnTo>
-                <a:lnTo>
-                  <a:pt x="2032" y="163322"/>
-                </a:lnTo>
-                <a:lnTo>
-                  <a:pt x="0" y="186944"/>
-                </a:lnTo>
-                <a:lnTo>
-                  <a:pt x="0" y="209804"/>
-                </a:lnTo>
-                <a:lnTo>
-                  <a:pt x="8128" y="255778"/>
-                </a:lnTo>
-                <a:lnTo>
-                  <a:pt x="27051" y="298958"/>
-                </a:lnTo>
-                <a:lnTo>
-                  <a:pt x="56769" y="338074"/>
-                </a:lnTo>
-                <a:lnTo>
-                  <a:pt x="94488" y="367665"/>
-                </a:lnTo>
-                <a:lnTo>
-                  <a:pt x="137160" y="386588"/>
-                </a:lnTo>
-                <a:lnTo>
-                  <a:pt x="181610" y="396113"/>
-                </a:lnTo>
-                <a:lnTo>
-                  <a:pt x="204597" y="396113"/>
-                </a:lnTo>
-                <a:lnTo>
-                  <a:pt x="226949" y="394081"/>
-                </a:lnTo>
-                <a:lnTo>
-                  <a:pt x="249174" y="389255"/>
-                </a:lnTo>
-                <a:lnTo>
-                  <a:pt x="271526" y="381889"/>
-                </a:lnTo>
-                <a:lnTo>
-                  <a:pt x="292481" y="371729"/>
-                </a:lnTo>
-                <a:lnTo>
-                  <a:pt x="449750" y="371729"/>
-                </a:lnTo>
-                <a:lnTo>
-                  <a:pt x="396936" y="318516"/>
-                </a:lnTo>
-                <a:lnTo>
-                  <a:pt x="197231" y="318516"/>
-                </a:lnTo>
-                <a:lnTo>
-                  <a:pt x="178308" y="317119"/>
-                </a:lnTo>
-                <a:lnTo>
-                  <a:pt x="127000" y="295529"/>
-                </a:lnTo>
-                <a:lnTo>
-                  <a:pt x="99314" y="268478"/>
-                </a:lnTo>
-                <a:lnTo>
-                  <a:pt x="81661" y="234188"/>
-                </a:lnTo>
-                <a:lnTo>
-                  <a:pt x="76962" y="197739"/>
-                </a:lnTo>
-                <a:lnTo>
-                  <a:pt x="77724" y="179450"/>
-                </a:lnTo>
-                <a:lnTo>
-                  <a:pt x="99314" y="127508"/>
-                </a:lnTo>
-                <a:lnTo>
-                  <a:pt x="127000" y="100584"/>
-                </a:lnTo>
-                <a:lnTo>
-                  <a:pt x="160782" y="82931"/>
-                </a:lnTo>
-                <a:lnTo>
-                  <a:pt x="197231" y="77597"/>
-                </a:lnTo>
-                <a:lnTo>
-                  <a:pt x="354664" y="77597"/>
-                </a:lnTo>
-                <a:lnTo>
-                  <a:pt x="353187" y="75565"/>
-                </a:lnTo>
-                <a:lnTo>
-                  <a:pt x="318770" y="41148"/>
-                </a:lnTo>
-                <a:lnTo>
-                  <a:pt x="276860" y="16891"/>
-                </a:lnTo>
-                <a:lnTo>
-                  <a:pt x="232283" y="3429"/>
-                </a:lnTo>
-                <a:lnTo>
-                  <a:pt x="208661" y="0"/>
-                </a:lnTo>
-                <a:close/>
-              </a:path>
-              <a:path w="523239" h="524510" extrusionOk="0">
-                <a:moveTo>
-                  <a:pt x="354664" y="77597"/>
-                </a:moveTo>
-                <a:lnTo>
-                  <a:pt x="197231" y="77597"/>
-                </a:lnTo>
-                <a:lnTo>
-                  <a:pt x="216154" y="78994"/>
-                </a:lnTo>
-                <a:lnTo>
-                  <a:pt x="233680" y="82931"/>
-                </a:lnTo>
-                <a:lnTo>
-                  <a:pt x="267462" y="100584"/>
-                </a:lnTo>
-                <a:lnTo>
-                  <a:pt x="295148" y="127508"/>
-                </a:lnTo>
-                <a:lnTo>
-                  <a:pt x="316738" y="179450"/>
-                </a:lnTo>
-                <a:lnTo>
-                  <a:pt x="317373" y="197739"/>
-                </a:lnTo>
-                <a:lnTo>
-                  <a:pt x="316738" y="216535"/>
-                </a:lnTo>
-                <a:lnTo>
-                  <a:pt x="295148" y="268478"/>
-                </a:lnTo>
-                <a:lnTo>
-                  <a:pt x="267462" y="295529"/>
-                </a:lnTo>
-                <a:lnTo>
-                  <a:pt x="216154" y="317119"/>
-                </a:lnTo>
-                <a:lnTo>
-                  <a:pt x="197231" y="318516"/>
-                </a:lnTo>
-                <a:lnTo>
-                  <a:pt x="396936" y="318516"/>
-                </a:lnTo>
-                <a:lnTo>
-                  <a:pt x="371475" y="292862"/>
-                </a:lnTo>
-                <a:lnTo>
-                  <a:pt x="381635" y="271907"/>
-                </a:lnTo>
-                <a:lnTo>
-                  <a:pt x="388366" y="249682"/>
-                </a:lnTo>
-                <a:lnTo>
-                  <a:pt x="393065" y="227330"/>
-                </a:lnTo>
-                <a:lnTo>
-                  <a:pt x="395097" y="205105"/>
-                </a:lnTo>
-                <a:lnTo>
-                  <a:pt x="395097" y="182118"/>
-                </a:lnTo>
-                <a:lnTo>
-                  <a:pt x="391668" y="159893"/>
-                </a:lnTo>
-                <a:lnTo>
-                  <a:pt x="386334" y="136906"/>
-                </a:lnTo>
-                <a:lnTo>
-                  <a:pt x="377571" y="115316"/>
-                </a:lnTo>
-                <a:lnTo>
-                  <a:pt x="367411" y="95123"/>
-                </a:lnTo>
-                <a:lnTo>
-                  <a:pt x="354664" y="77597"/>
-                </a:lnTo>
-                <a:close/>
-              </a:path>
-            </a:pathLst>
-          </a:custGeom>
-          <a:solidFill>
-            <a:srgbClr val="FFFFFF"/>
-          </a:solidFill>
-          <a:ln>
-            <a:noFill/>
-          </a:ln>
-        </p:spPr>
-        <p:txBody>
-          <a:bodyPr spcFirstLastPara="1" wrap="square" lIns="0" tIns="0" rIns="0" bIns="0" anchor="t" anchorCtr="0">
-            <a:noAutofit/>
-          </a:bodyPr>
-          <a:lstStyle/>
-          <a:p>
-            <a:pPr marL="0" marR="0" lvl="0" indent="0" algn="l" rtl="0">
-              <a:spcBef>
-                <a:spcPts val="0"/>
-              </a:spcBef>
-              <a:spcAft>
-                <a:spcPts val="0"/>
-              </a:spcAft>
-              <a:buNone/>
-            </a:pPr>
-            <a:endParaRPr sz="1800">
-              <a:solidFill>
-                <a:schemeClr val="dk1"/>
-              </a:solidFill>
-              <a:latin typeface="Calibri"/>
-              <a:ea typeface="Calibri"/>
-              <a:cs typeface="Calibri"/>
-              <a:sym typeface="Calibri"/>
-            </a:endParaRPr>
-          </a:p>
-        </p:txBody>
-      </p:sp>
-      <p:sp>
-        <p:nvSpPr>
-          <p:cNvPr id="94" name="Google Shape;94;p9"/>
-          <p:cNvSpPr/>
-          <p:nvPr/>
-        </p:nvSpPr>
-        <p:spPr>
-          <a:xfrm>
-            <a:off x="4283964" y="4667777"/>
-            <a:ext cx="546100" cy="551815"/>
-          </a:xfrm>
-          <a:custGeom>
-            <a:avLst/>
-            <a:gdLst/>
-            <a:ahLst/>
-            <a:cxnLst/>
-            <a:rect l="l" t="t" r="r" b="b"/>
-            <a:pathLst>
-              <a:path w="546100" h="551814" extrusionOk="0">
-                <a:moveTo>
-                  <a:pt x="157072" y="402513"/>
-                </a:moveTo>
-                <a:lnTo>
-                  <a:pt x="90424" y="402513"/>
-                </a:lnTo>
-                <a:lnTo>
-                  <a:pt x="96774" y="403161"/>
-                </a:lnTo>
-                <a:lnTo>
-                  <a:pt x="99313" y="405079"/>
-                </a:lnTo>
-                <a:lnTo>
-                  <a:pt x="105156" y="410870"/>
-                </a:lnTo>
-                <a:lnTo>
-                  <a:pt x="110236" y="416661"/>
-                </a:lnTo>
-                <a:lnTo>
-                  <a:pt x="123062" y="429514"/>
-                </a:lnTo>
-                <a:lnTo>
-                  <a:pt x="135255" y="440448"/>
-                </a:lnTo>
-                <a:lnTo>
-                  <a:pt x="140462" y="446239"/>
-                </a:lnTo>
-                <a:lnTo>
-                  <a:pt x="143637" y="455244"/>
-                </a:lnTo>
-                <a:lnTo>
-                  <a:pt x="143637" y="464235"/>
-                </a:lnTo>
-                <a:lnTo>
-                  <a:pt x="142366" y="473887"/>
-                </a:lnTo>
-                <a:lnTo>
-                  <a:pt x="140462" y="495744"/>
-                </a:lnTo>
-                <a:lnTo>
-                  <a:pt x="153924" y="522757"/>
-                </a:lnTo>
-                <a:lnTo>
-                  <a:pt x="155194" y="524040"/>
-                </a:lnTo>
-                <a:lnTo>
-                  <a:pt x="258318" y="551688"/>
-                </a:lnTo>
-                <a:lnTo>
-                  <a:pt x="267335" y="547192"/>
-                </a:lnTo>
-                <a:lnTo>
-                  <a:pt x="274447" y="538822"/>
-                </a:lnTo>
-                <a:lnTo>
-                  <a:pt x="280797" y="528535"/>
-                </a:lnTo>
-                <a:lnTo>
-                  <a:pt x="286638" y="516966"/>
-                </a:lnTo>
-                <a:lnTo>
-                  <a:pt x="290449" y="507326"/>
-                </a:lnTo>
-                <a:lnTo>
-                  <a:pt x="293624" y="499605"/>
-                </a:lnTo>
-                <a:lnTo>
-                  <a:pt x="295528" y="495744"/>
-                </a:lnTo>
-                <a:lnTo>
-                  <a:pt x="300736" y="490601"/>
-                </a:lnTo>
-                <a:lnTo>
-                  <a:pt x="302640" y="489318"/>
-                </a:lnTo>
-                <a:lnTo>
-                  <a:pt x="305181" y="489318"/>
-                </a:lnTo>
-                <a:lnTo>
-                  <a:pt x="308356" y="488670"/>
-                </a:lnTo>
-                <a:lnTo>
-                  <a:pt x="316102" y="487387"/>
-                </a:lnTo>
-                <a:lnTo>
-                  <a:pt x="345566" y="481596"/>
-                </a:lnTo>
-                <a:lnTo>
-                  <a:pt x="350012" y="479666"/>
-                </a:lnTo>
-                <a:lnTo>
-                  <a:pt x="355219" y="479031"/>
-                </a:lnTo>
-                <a:lnTo>
-                  <a:pt x="452618" y="479031"/>
-                </a:lnTo>
-                <a:lnTo>
-                  <a:pt x="484808" y="446239"/>
-                </a:lnTo>
-                <a:lnTo>
-                  <a:pt x="269875" y="446239"/>
-                </a:lnTo>
-                <a:lnTo>
-                  <a:pt x="239775" y="443661"/>
-                </a:lnTo>
-                <a:lnTo>
-                  <a:pt x="210947" y="435305"/>
-                </a:lnTo>
-                <a:lnTo>
-                  <a:pt x="184658" y="423087"/>
-                </a:lnTo>
-                <a:lnTo>
-                  <a:pt x="160909" y="406374"/>
-                </a:lnTo>
-                <a:lnTo>
-                  <a:pt x="157072" y="402513"/>
-                </a:lnTo>
-                <a:close/>
-              </a:path>
-              <a:path w="546100" h="551814" extrusionOk="0">
-                <a:moveTo>
-                  <a:pt x="452618" y="479031"/>
-                </a:moveTo>
-                <a:lnTo>
-                  <a:pt x="359663" y="479031"/>
-                </a:lnTo>
-                <a:lnTo>
-                  <a:pt x="364109" y="479666"/>
-                </a:lnTo>
-                <a:lnTo>
-                  <a:pt x="366140" y="479666"/>
-                </a:lnTo>
-                <a:lnTo>
-                  <a:pt x="368046" y="480961"/>
-                </a:lnTo>
-                <a:lnTo>
-                  <a:pt x="370586" y="482892"/>
-                </a:lnTo>
-                <a:lnTo>
-                  <a:pt x="375665" y="485457"/>
-                </a:lnTo>
-                <a:lnTo>
-                  <a:pt x="383413" y="491248"/>
-                </a:lnTo>
-                <a:lnTo>
-                  <a:pt x="394335" y="499605"/>
-                </a:lnTo>
-                <a:lnTo>
-                  <a:pt x="403860" y="505396"/>
-                </a:lnTo>
-                <a:lnTo>
-                  <a:pt x="412876" y="507326"/>
-                </a:lnTo>
-                <a:lnTo>
-                  <a:pt x="419353" y="507326"/>
-                </a:lnTo>
-                <a:lnTo>
-                  <a:pt x="424434" y="505396"/>
-                </a:lnTo>
-                <a:lnTo>
-                  <a:pt x="428244" y="502170"/>
-                </a:lnTo>
-                <a:lnTo>
-                  <a:pt x="431419" y="499605"/>
-                </a:lnTo>
-                <a:lnTo>
-                  <a:pt x="433450" y="498322"/>
-                </a:lnTo>
-                <a:lnTo>
-                  <a:pt x="437261" y="493814"/>
-                </a:lnTo>
-                <a:lnTo>
-                  <a:pt x="442975" y="487387"/>
-                </a:lnTo>
-                <a:lnTo>
-                  <a:pt x="450723" y="480961"/>
-                </a:lnTo>
-                <a:lnTo>
-                  <a:pt x="452618" y="479031"/>
-                </a:lnTo>
-                <a:close/>
-              </a:path>
-              <a:path w="546100" h="551814" extrusionOk="0">
-                <a:moveTo>
-                  <a:pt x="405934" y="103505"/>
-                </a:moveTo>
-                <a:lnTo>
-                  <a:pt x="269875" y="103505"/>
-                </a:lnTo>
-                <a:lnTo>
-                  <a:pt x="301371" y="106680"/>
-                </a:lnTo>
-                <a:lnTo>
-                  <a:pt x="329564" y="114427"/>
-                </a:lnTo>
-                <a:lnTo>
-                  <a:pt x="380238" y="144018"/>
-                </a:lnTo>
-                <a:lnTo>
-                  <a:pt x="417322" y="189103"/>
-                </a:lnTo>
-                <a:lnTo>
-                  <a:pt x="437896" y="244348"/>
-                </a:lnTo>
-                <a:lnTo>
-                  <a:pt x="441071" y="275844"/>
-                </a:lnTo>
-                <a:lnTo>
-                  <a:pt x="437896" y="306070"/>
-                </a:lnTo>
-                <a:lnTo>
-                  <a:pt x="417322" y="362000"/>
-                </a:lnTo>
-                <a:lnTo>
-                  <a:pt x="380238" y="406374"/>
-                </a:lnTo>
-                <a:lnTo>
-                  <a:pt x="329564" y="435305"/>
-                </a:lnTo>
-                <a:lnTo>
-                  <a:pt x="269875" y="446239"/>
-                </a:lnTo>
-                <a:lnTo>
-                  <a:pt x="484808" y="446239"/>
-                </a:lnTo>
-                <a:lnTo>
-                  <a:pt x="494284" y="436587"/>
-                </a:lnTo>
-                <a:lnTo>
-                  <a:pt x="501396" y="425665"/>
-                </a:lnTo>
-                <a:lnTo>
-                  <a:pt x="503300" y="414731"/>
-                </a:lnTo>
-                <a:lnTo>
-                  <a:pt x="500761" y="405079"/>
-                </a:lnTo>
-                <a:lnTo>
-                  <a:pt x="495553" y="395439"/>
-                </a:lnTo>
-                <a:lnTo>
-                  <a:pt x="489838" y="387718"/>
-                </a:lnTo>
-                <a:lnTo>
-                  <a:pt x="482726" y="379361"/>
-                </a:lnTo>
-                <a:lnTo>
-                  <a:pt x="478282" y="371652"/>
-                </a:lnTo>
-                <a:lnTo>
-                  <a:pt x="475107" y="365861"/>
-                </a:lnTo>
-                <a:lnTo>
-                  <a:pt x="473201" y="362648"/>
-                </a:lnTo>
-                <a:lnTo>
-                  <a:pt x="473201" y="360070"/>
-                </a:lnTo>
-                <a:lnTo>
-                  <a:pt x="493649" y="298323"/>
-                </a:lnTo>
-                <a:lnTo>
-                  <a:pt x="495553" y="297053"/>
-                </a:lnTo>
-                <a:lnTo>
-                  <a:pt x="509015" y="292608"/>
-                </a:lnTo>
-                <a:lnTo>
-                  <a:pt x="518033" y="288036"/>
-                </a:lnTo>
-                <a:lnTo>
-                  <a:pt x="535305" y="278384"/>
-                </a:lnTo>
-                <a:lnTo>
-                  <a:pt x="542416" y="270637"/>
-                </a:lnTo>
-                <a:lnTo>
-                  <a:pt x="545591" y="261747"/>
-                </a:lnTo>
-                <a:lnTo>
-                  <a:pt x="545591" y="246888"/>
-                </a:lnTo>
-                <a:lnTo>
-                  <a:pt x="543687" y="243078"/>
-                </a:lnTo>
-                <a:lnTo>
-                  <a:pt x="542416" y="236601"/>
-                </a:lnTo>
-                <a:lnTo>
-                  <a:pt x="539241" y="226314"/>
-                </a:lnTo>
-                <a:lnTo>
-                  <a:pt x="536575" y="214757"/>
-                </a:lnTo>
-                <a:lnTo>
-                  <a:pt x="532764" y="201930"/>
-                </a:lnTo>
-                <a:lnTo>
-                  <a:pt x="529589" y="189103"/>
-                </a:lnTo>
-                <a:lnTo>
-                  <a:pt x="525780" y="176149"/>
-                </a:lnTo>
-                <a:lnTo>
-                  <a:pt x="523113" y="165862"/>
-                </a:lnTo>
-                <a:lnTo>
-                  <a:pt x="521208" y="157480"/>
-                </a:lnTo>
-                <a:lnTo>
-                  <a:pt x="516127" y="149225"/>
-                </a:lnTo>
-                <a:lnTo>
-                  <a:pt x="510921" y="144018"/>
-                </a:lnTo>
-                <a:lnTo>
-                  <a:pt x="446913" y="144018"/>
-                </a:lnTo>
-                <a:lnTo>
-                  <a:pt x="444881" y="142113"/>
-                </a:lnTo>
-                <a:lnTo>
-                  <a:pt x="441071" y="136906"/>
-                </a:lnTo>
-                <a:lnTo>
-                  <a:pt x="435356" y="130556"/>
-                </a:lnTo>
-                <a:lnTo>
-                  <a:pt x="426974" y="123444"/>
-                </a:lnTo>
-                <a:lnTo>
-                  <a:pt x="420624" y="116332"/>
-                </a:lnTo>
-                <a:lnTo>
-                  <a:pt x="406526" y="104775"/>
-                </a:lnTo>
-                <a:lnTo>
-                  <a:pt x="405934" y="103505"/>
-                </a:lnTo>
-                <a:close/>
-              </a:path>
-              <a:path w="546100" h="551814" extrusionOk="0">
-                <a:moveTo>
-                  <a:pt x="130810" y="41148"/>
-                </a:moveTo>
-                <a:lnTo>
-                  <a:pt x="124968" y="41783"/>
-                </a:lnTo>
-                <a:lnTo>
-                  <a:pt x="121158" y="44958"/>
-                </a:lnTo>
-                <a:lnTo>
-                  <a:pt x="117983" y="46990"/>
-                </a:lnTo>
-                <a:lnTo>
-                  <a:pt x="117348" y="47625"/>
-                </a:lnTo>
-                <a:lnTo>
-                  <a:pt x="44831" y="122809"/>
-                </a:lnTo>
-                <a:lnTo>
-                  <a:pt x="41021" y="129286"/>
-                </a:lnTo>
-                <a:lnTo>
-                  <a:pt x="39750" y="136271"/>
-                </a:lnTo>
-                <a:lnTo>
-                  <a:pt x="41021" y="141478"/>
-                </a:lnTo>
-                <a:lnTo>
-                  <a:pt x="42925" y="144018"/>
-                </a:lnTo>
-                <a:lnTo>
-                  <a:pt x="43561" y="145288"/>
-                </a:lnTo>
-                <a:lnTo>
-                  <a:pt x="65405" y="173609"/>
-                </a:lnTo>
-                <a:lnTo>
-                  <a:pt x="66039" y="175514"/>
-                </a:lnTo>
-                <a:lnTo>
-                  <a:pt x="69214" y="179451"/>
-                </a:lnTo>
-                <a:lnTo>
-                  <a:pt x="73025" y="189103"/>
-                </a:lnTo>
-                <a:lnTo>
-                  <a:pt x="72389" y="194818"/>
-                </a:lnTo>
-                <a:lnTo>
-                  <a:pt x="69214" y="203835"/>
-                </a:lnTo>
-                <a:lnTo>
-                  <a:pt x="66039" y="214757"/>
-                </a:lnTo>
-                <a:lnTo>
-                  <a:pt x="63500" y="226314"/>
-                </a:lnTo>
-                <a:lnTo>
-                  <a:pt x="61595" y="237236"/>
-                </a:lnTo>
-                <a:lnTo>
-                  <a:pt x="59562" y="244983"/>
-                </a:lnTo>
-                <a:lnTo>
-                  <a:pt x="54483" y="250825"/>
-                </a:lnTo>
-                <a:lnTo>
-                  <a:pt x="46862" y="257175"/>
-                </a:lnTo>
-                <a:lnTo>
-                  <a:pt x="37846" y="261747"/>
-                </a:lnTo>
-                <a:lnTo>
-                  <a:pt x="20574" y="269367"/>
-                </a:lnTo>
-                <a:lnTo>
-                  <a:pt x="10922" y="275844"/>
-                </a:lnTo>
-                <a:lnTo>
-                  <a:pt x="635" y="285496"/>
-                </a:lnTo>
-                <a:lnTo>
-                  <a:pt x="0" y="288036"/>
-                </a:lnTo>
-                <a:lnTo>
-                  <a:pt x="635" y="293243"/>
-                </a:lnTo>
-                <a:lnTo>
-                  <a:pt x="3175" y="302209"/>
-                </a:lnTo>
-                <a:lnTo>
-                  <a:pt x="5080" y="313131"/>
-                </a:lnTo>
-                <a:lnTo>
-                  <a:pt x="7747" y="323430"/>
-                </a:lnTo>
-                <a:lnTo>
-                  <a:pt x="10922" y="333717"/>
-                </a:lnTo>
-                <a:lnTo>
-                  <a:pt x="12826" y="340144"/>
-                </a:lnTo>
-                <a:lnTo>
-                  <a:pt x="13462" y="346570"/>
-                </a:lnTo>
-                <a:lnTo>
-                  <a:pt x="16637" y="354926"/>
-                </a:lnTo>
-                <a:lnTo>
-                  <a:pt x="19176" y="365861"/>
-                </a:lnTo>
-                <a:lnTo>
-                  <a:pt x="30099" y="398018"/>
-                </a:lnTo>
-                <a:lnTo>
-                  <a:pt x="33400" y="403161"/>
-                </a:lnTo>
-                <a:lnTo>
-                  <a:pt x="37846" y="406374"/>
-                </a:lnTo>
-                <a:lnTo>
-                  <a:pt x="45465" y="407009"/>
-                </a:lnTo>
-                <a:lnTo>
-                  <a:pt x="56387" y="407009"/>
-                </a:lnTo>
-                <a:lnTo>
-                  <a:pt x="76326" y="405079"/>
-                </a:lnTo>
-                <a:lnTo>
-                  <a:pt x="82676" y="403161"/>
-                </a:lnTo>
-                <a:lnTo>
-                  <a:pt x="90424" y="402513"/>
-                </a:lnTo>
-                <a:lnTo>
-                  <a:pt x="157072" y="402513"/>
-                </a:lnTo>
-                <a:lnTo>
-                  <a:pt x="140462" y="385800"/>
-                </a:lnTo>
-                <a:lnTo>
-                  <a:pt x="123698" y="362000"/>
-                </a:lnTo>
-                <a:lnTo>
-                  <a:pt x="110871" y="335635"/>
-                </a:lnTo>
-                <a:lnTo>
-                  <a:pt x="103250" y="306070"/>
-                </a:lnTo>
-                <a:lnTo>
-                  <a:pt x="100711" y="275844"/>
-                </a:lnTo>
-                <a:lnTo>
-                  <a:pt x="103250" y="244348"/>
-                </a:lnTo>
-                <a:lnTo>
-                  <a:pt x="123698" y="189103"/>
-                </a:lnTo>
-                <a:lnTo>
-                  <a:pt x="160909" y="144018"/>
-                </a:lnTo>
-                <a:lnTo>
-                  <a:pt x="210947" y="114427"/>
-                </a:lnTo>
-                <a:lnTo>
-                  <a:pt x="269875" y="103505"/>
-                </a:lnTo>
-                <a:lnTo>
-                  <a:pt x="405934" y="103505"/>
-                </a:lnTo>
-                <a:lnTo>
-                  <a:pt x="403860" y="99060"/>
-                </a:lnTo>
-                <a:lnTo>
-                  <a:pt x="402589" y="93853"/>
-                </a:lnTo>
-                <a:lnTo>
-                  <a:pt x="402589" y="89408"/>
-                </a:lnTo>
-                <a:lnTo>
-                  <a:pt x="403860" y="82296"/>
-                </a:lnTo>
-                <a:lnTo>
-                  <a:pt x="404310" y="74549"/>
-                </a:lnTo>
-                <a:lnTo>
-                  <a:pt x="190373" y="74549"/>
-                </a:lnTo>
-                <a:lnTo>
-                  <a:pt x="184658" y="73279"/>
-                </a:lnTo>
-                <a:lnTo>
-                  <a:pt x="180212" y="72644"/>
-                </a:lnTo>
-                <a:lnTo>
-                  <a:pt x="179450" y="71374"/>
-                </a:lnTo>
-                <a:lnTo>
-                  <a:pt x="145541" y="46990"/>
-                </a:lnTo>
-                <a:lnTo>
-                  <a:pt x="137795" y="41783"/>
-                </a:lnTo>
-                <a:lnTo>
-                  <a:pt x="130810" y="41148"/>
-                </a:lnTo>
-                <a:close/>
-              </a:path>
-              <a:path w="546100" h="551814" extrusionOk="0">
-                <a:moveTo>
-                  <a:pt x="498728" y="140208"/>
-                </a:moveTo>
-                <a:lnTo>
-                  <a:pt x="496188" y="140208"/>
-                </a:lnTo>
-                <a:lnTo>
-                  <a:pt x="446913" y="144018"/>
-                </a:lnTo>
-                <a:lnTo>
-                  <a:pt x="510921" y="144018"/>
-                </a:lnTo>
-                <a:lnTo>
-                  <a:pt x="510286" y="143383"/>
-                </a:lnTo>
-                <a:lnTo>
-                  <a:pt x="498728" y="140208"/>
-                </a:lnTo>
-                <a:close/>
-              </a:path>
-              <a:path w="546100" h="551814" extrusionOk="0">
-                <a:moveTo>
-                  <a:pt x="289813" y="0"/>
-                </a:moveTo>
-                <a:lnTo>
-                  <a:pt x="267335" y="19304"/>
-                </a:lnTo>
-                <a:lnTo>
-                  <a:pt x="264160" y="26416"/>
-                </a:lnTo>
-                <a:lnTo>
-                  <a:pt x="261620" y="34036"/>
-                </a:lnTo>
-                <a:lnTo>
-                  <a:pt x="258318" y="39878"/>
-                </a:lnTo>
-                <a:lnTo>
-                  <a:pt x="256412" y="44958"/>
-                </a:lnTo>
-                <a:lnTo>
-                  <a:pt x="255777" y="46990"/>
-                </a:lnTo>
-                <a:lnTo>
-                  <a:pt x="250062" y="56642"/>
-                </a:lnTo>
-                <a:lnTo>
-                  <a:pt x="244856" y="60452"/>
-                </a:lnTo>
-                <a:lnTo>
-                  <a:pt x="241046" y="61722"/>
-                </a:lnTo>
-                <a:lnTo>
-                  <a:pt x="239140" y="61722"/>
-                </a:lnTo>
-                <a:lnTo>
-                  <a:pt x="229488" y="63627"/>
-                </a:lnTo>
-                <a:lnTo>
-                  <a:pt x="200025" y="72644"/>
-                </a:lnTo>
-                <a:lnTo>
-                  <a:pt x="190373" y="74549"/>
-                </a:lnTo>
-                <a:lnTo>
-                  <a:pt x="404310" y="74549"/>
-                </a:lnTo>
-                <a:lnTo>
-                  <a:pt x="404495" y="71374"/>
-                </a:lnTo>
-                <a:lnTo>
-                  <a:pt x="405764" y="58547"/>
-                </a:lnTo>
-                <a:lnTo>
-                  <a:pt x="405764" y="45593"/>
-                </a:lnTo>
-                <a:lnTo>
-                  <a:pt x="384048" y="23114"/>
-                </a:lnTo>
-                <a:lnTo>
-                  <a:pt x="382143" y="23114"/>
-                </a:lnTo>
-                <a:lnTo>
-                  <a:pt x="299338" y="635"/>
-                </a:lnTo>
-                <a:lnTo>
-                  <a:pt x="289813" y="0"/>
-                </a:lnTo>
-                <a:close/>
-              </a:path>
-            </a:pathLst>
-          </a:custGeom>
-          <a:solidFill>
-            <a:srgbClr val="FFFFFF"/>
-          </a:solidFill>
-          <a:ln>
-            <a:noFill/>
-          </a:ln>
-        </p:spPr>
-        <p:txBody>
-          <a:bodyPr spcFirstLastPara="1" wrap="square" lIns="0" tIns="0" rIns="0" bIns="0" anchor="t" anchorCtr="0">
-            <a:noAutofit/>
-          </a:bodyPr>
-          <a:lstStyle/>
-          <a:p>
-            <a:pPr marL="0" marR="0" lvl="0" indent="0" algn="l" rtl="0">
-              <a:spcBef>
-                <a:spcPts val="0"/>
-              </a:spcBef>
-              <a:spcAft>
-                <a:spcPts val="0"/>
-              </a:spcAft>
-              <a:buNone/>
-            </a:pPr>
-            <a:endParaRPr sz="1800">
-              <a:solidFill>
-                <a:schemeClr val="dk1"/>
-              </a:solidFill>
-              <a:latin typeface="Calibri"/>
-              <a:ea typeface="Calibri"/>
-              <a:cs typeface="Calibri"/>
-              <a:sym typeface="Calibri"/>
-            </a:endParaRPr>
-          </a:p>
-        </p:txBody>
-      </p:sp>
-      <p:sp>
-        <p:nvSpPr>
-          <p:cNvPr id="95" name="Google Shape;95;p9"/>
-          <p:cNvSpPr/>
-          <p:nvPr/>
-        </p:nvSpPr>
-        <p:spPr>
-          <a:xfrm>
-            <a:off x="4369308" y="4756169"/>
-            <a:ext cx="375285" cy="375285"/>
-          </a:xfrm>
-          <a:custGeom>
-            <a:avLst/>
-            <a:gdLst/>
-            <a:ahLst/>
-            <a:cxnLst/>
-            <a:rect l="l" t="t" r="r" b="b"/>
-            <a:pathLst>
-              <a:path w="375285" h="375285" extrusionOk="0">
-                <a:moveTo>
-                  <a:pt x="187451" y="0"/>
-                </a:moveTo>
-                <a:lnTo>
-                  <a:pt x="137627" y="6697"/>
-                </a:lnTo>
-                <a:lnTo>
-                  <a:pt x="92851" y="25597"/>
-                </a:lnTo>
-                <a:lnTo>
-                  <a:pt x="54911" y="54911"/>
-                </a:lnTo>
-                <a:lnTo>
-                  <a:pt x="25597" y="92851"/>
-                </a:lnTo>
-                <a:lnTo>
-                  <a:pt x="6697" y="137627"/>
-                </a:lnTo>
-                <a:lnTo>
-                  <a:pt x="0" y="187451"/>
-                </a:lnTo>
-                <a:lnTo>
-                  <a:pt x="6697" y="237285"/>
-                </a:lnTo>
-                <a:lnTo>
-                  <a:pt x="25597" y="282064"/>
-                </a:lnTo>
-                <a:lnTo>
-                  <a:pt x="54911" y="320001"/>
-                </a:lnTo>
-                <a:lnTo>
-                  <a:pt x="92851" y="349312"/>
-                </a:lnTo>
-                <a:lnTo>
-                  <a:pt x="137627" y="368208"/>
-                </a:lnTo>
-                <a:lnTo>
-                  <a:pt x="187451" y="374903"/>
-                </a:lnTo>
-                <a:lnTo>
-                  <a:pt x="237276" y="368208"/>
-                </a:lnTo>
-                <a:lnTo>
-                  <a:pt x="282052" y="349312"/>
-                </a:lnTo>
-                <a:lnTo>
-                  <a:pt x="319992" y="320001"/>
-                </a:lnTo>
-                <a:lnTo>
-                  <a:pt x="349306" y="282064"/>
-                </a:lnTo>
-                <a:lnTo>
-                  <a:pt x="349680" y="281177"/>
-                </a:lnTo>
-                <a:lnTo>
-                  <a:pt x="187451" y="281177"/>
-                </a:lnTo>
-                <a:lnTo>
-                  <a:pt x="150947" y="273812"/>
-                </a:lnTo>
-                <a:lnTo>
-                  <a:pt x="121158" y="253726"/>
-                </a:lnTo>
-                <a:lnTo>
-                  <a:pt x="101084" y="223935"/>
-                </a:lnTo>
-                <a:lnTo>
-                  <a:pt x="93725" y="187451"/>
-                </a:lnTo>
-                <a:lnTo>
-                  <a:pt x="101084" y="150947"/>
-                </a:lnTo>
-                <a:lnTo>
-                  <a:pt x="121158" y="121157"/>
-                </a:lnTo>
-                <a:lnTo>
-                  <a:pt x="150947" y="101084"/>
-                </a:lnTo>
-                <a:lnTo>
-                  <a:pt x="187451" y="93725"/>
-                </a:lnTo>
-                <a:lnTo>
-                  <a:pt x="349675" y="93725"/>
-                </a:lnTo>
-                <a:lnTo>
-                  <a:pt x="349306" y="92851"/>
-                </a:lnTo>
-                <a:lnTo>
-                  <a:pt x="319992" y="54911"/>
-                </a:lnTo>
-                <a:lnTo>
-                  <a:pt x="282052" y="25597"/>
-                </a:lnTo>
-                <a:lnTo>
-                  <a:pt x="237276" y="6697"/>
-                </a:lnTo>
-                <a:lnTo>
-                  <a:pt x="187451" y="0"/>
-                </a:lnTo>
-                <a:close/>
-              </a:path>
-              <a:path w="375285" h="375285" extrusionOk="0">
-                <a:moveTo>
-                  <a:pt x="349675" y="93725"/>
-                </a:moveTo>
-                <a:lnTo>
-                  <a:pt x="187451" y="93725"/>
-                </a:lnTo>
-                <a:lnTo>
-                  <a:pt x="223956" y="101084"/>
-                </a:lnTo>
-                <a:lnTo>
-                  <a:pt x="253745" y="121157"/>
-                </a:lnTo>
-                <a:lnTo>
-                  <a:pt x="273819" y="150947"/>
-                </a:lnTo>
-                <a:lnTo>
-                  <a:pt x="281177" y="187451"/>
-                </a:lnTo>
-                <a:lnTo>
-                  <a:pt x="273819" y="223935"/>
-                </a:lnTo>
-                <a:lnTo>
-                  <a:pt x="253745" y="253726"/>
-                </a:lnTo>
-                <a:lnTo>
-                  <a:pt x="223956" y="273812"/>
-                </a:lnTo>
-                <a:lnTo>
-                  <a:pt x="187451" y="281177"/>
-                </a:lnTo>
-                <a:lnTo>
-                  <a:pt x="349680" y="281177"/>
-                </a:lnTo>
-                <a:lnTo>
-                  <a:pt x="368206" y="237285"/>
-                </a:lnTo>
-                <a:lnTo>
-                  <a:pt x="374903" y="187451"/>
-                </a:lnTo>
-                <a:lnTo>
-                  <a:pt x="368206" y="137627"/>
-                </a:lnTo>
-                <a:lnTo>
-                  <a:pt x="349675" y="93725"/>
-                </a:lnTo>
-                <a:close/>
-              </a:path>
-            </a:pathLst>
-          </a:custGeom>
-          <a:solidFill>
-            <a:srgbClr val="FFFFFF"/>
-          </a:solidFill>
-          <a:ln>
-            <a:noFill/>
-          </a:ln>
-        </p:spPr>
-        <p:txBody>
-          <a:bodyPr spcFirstLastPara="1" wrap="square" lIns="0" tIns="0" rIns="0" bIns="0" anchor="t" anchorCtr="0">
-            <a:noAutofit/>
-          </a:bodyPr>
-          <a:lstStyle/>
-          <a:p>
-            <a:pPr marL="0" marR="0" lvl="0" indent="0" algn="l" rtl="0">
-              <a:spcBef>
-                <a:spcPts val="0"/>
-              </a:spcBef>
-              <a:spcAft>
-                <a:spcPts val="0"/>
-              </a:spcAft>
-              <a:buNone/>
-            </a:pPr>
-            <a:endParaRPr sz="1800">
-              <a:solidFill>
-                <a:schemeClr val="dk1"/>
-              </a:solidFill>
-              <a:latin typeface="Calibri"/>
-              <a:ea typeface="Calibri"/>
-              <a:cs typeface="Calibri"/>
-              <a:sym typeface="Calibri"/>
-            </a:endParaRPr>
-          </a:p>
-        </p:txBody>
-      </p:sp>
-      <p:sp>
-        <p:nvSpPr>
-          <p:cNvPr id="96" name="Google Shape;96;p9"/>
-          <p:cNvSpPr/>
-          <p:nvPr/>
-        </p:nvSpPr>
-        <p:spPr>
-          <a:xfrm>
-            <a:off x="4309871" y="4061226"/>
-            <a:ext cx="111251" cy="149352"/>
-          </a:xfrm>
-          <a:prstGeom prst="rect">
-            <a:avLst/>
-          </a:prstGeom>
-          <a:blipFill rotWithShape="1">
-            <a:blip r:embed="rId4">
-              <a:alphaModFix/>
-            </a:blip>
-            <a:stretch>
-              <a:fillRect/>
-            </a:stretch>
-          </a:blipFill>
-          <a:ln>
-            <a:noFill/>
-          </a:ln>
-        </p:spPr>
-        <p:txBody>
-          <a:bodyPr spcFirstLastPara="1" wrap="square" lIns="0" tIns="0" rIns="0" bIns="0" anchor="t" anchorCtr="0">
-            <a:noAutofit/>
-          </a:bodyPr>
-          <a:lstStyle/>
-          <a:p>
-            <a:pPr marL="0" marR="0" lvl="0" indent="0" algn="l" rtl="0">
-              <a:spcBef>
-                <a:spcPts val="0"/>
-              </a:spcBef>
-              <a:spcAft>
-                <a:spcPts val="0"/>
-              </a:spcAft>
-              <a:buNone/>
-            </a:pPr>
-            <a:endParaRPr sz="1800">
-              <a:solidFill>
-                <a:schemeClr val="dk1"/>
-              </a:solidFill>
-              <a:latin typeface="Calibri"/>
-              <a:ea typeface="Calibri"/>
-              <a:cs typeface="Calibri"/>
-              <a:sym typeface="Calibri"/>
-            </a:endParaRPr>
-          </a:p>
-        </p:txBody>
-      </p:sp>
-      <p:sp>
-        <p:nvSpPr>
-          <p:cNvPr id="97" name="Google Shape;97;p9"/>
-          <p:cNvSpPr/>
-          <p:nvPr/>
-        </p:nvSpPr>
-        <p:spPr>
-          <a:xfrm>
-            <a:off x="4451603" y="3986550"/>
-            <a:ext cx="111251" cy="224028"/>
-          </a:xfrm>
-          <a:prstGeom prst="rect">
-            <a:avLst/>
-          </a:prstGeom>
-          <a:blipFill rotWithShape="1">
-            <a:blip r:embed="rId5">
-              <a:alphaModFix/>
-            </a:blip>
-            <a:stretch>
-              <a:fillRect/>
-            </a:stretch>
-          </a:blipFill>
-          <a:ln>
-            <a:noFill/>
-          </a:ln>
-        </p:spPr>
-        <p:txBody>
-          <a:bodyPr spcFirstLastPara="1" wrap="square" lIns="0" tIns="0" rIns="0" bIns="0" anchor="t" anchorCtr="0">
-            <a:noAutofit/>
-          </a:bodyPr>
-          <a:lstStyle/>
-          <a:p>
-            <a:pPr marL="0" marR="0" lvl="0" indent="0" algn="l" rtl="0">
-              <a:spcBef>
-                <a:spcPts val="0"/>
-              </a:spcBef>
-              <a:spcAft>
-                <a:spcPts val="0"/>
-              </a:spcAft>
-              <a:buNone/>
-            </a:pPr>
-            <a:endParaRPr sz="1800">
-              <a:solidFill>
-                <a:schemeClr val="dk1"/>
-              </a:solidFill>
-              <a:latin typeface="Calibri"/>
-              <a:ea typeface="Calibri"/>
-              <a:cs typeface="Calibri"/>
-              <a:sym typeface="Calibri"/>
-            </a:endParaRPr>
-          </a:p>
-        </p:txBody>
-      </p:sp>
-      <p:sp>
-        <p:nvSpPr>
-          <p:cNvPr id="98" name="Google Shape;98;p9"/>
-          <p:cNvSpPr/>
-          <p:nvPr/>
-        </p:nvSpPr>
-        <p:spPr>
-          <a:xfrm>
-            <a:off x="4597908" y="3890538"/>
-            <a:ext cx="113030" cy="320040"/>
-          </a:xfrm>
-          <a:custGeom>
-            <a:avLst/>
-            <a:gdLst/>
-            <a:ahLst/>
-            <a:cxnLst/>
-            <a:rect l="l" t="t" r="r" b="b"/>
-            <a:pathLst>
-              <a:path w="113029" h="320039" extrusionOk="0">
-                <a:moveTo>
-                  <a:pt x="93979" y="0"/>
-                </a:moveTo>
-                <a:lnTo>
-                  <a:pt x="18795" y="0"/>
-                </a:lnTo>
-                <a:lnTo>
-                  <a:pt x="11465" y="1472"/>
-                </a:lnTo>
-                <a:lnTo>
-                  <a:pt x="5492" y="5492"/>
-                </a:lnTo>
-                <a:lnTo>
-                  <a:pt x="1472" y="11465"/>
-                </a:lnTo>
-                <a:lnTo>
-                  <a:pt x="0" y="18796"/>
-                </a:lnTo>
-                <a:lnTo>
-                  <a:pt x="0" y="301244"/>
-                </a:lnTo>
-                <a:lnTo>
-                  <a:pt x="1472" y="308574"/>
-                </a:lnTo>
-                <a:lnTo>
-                  <a:pt x="5492" y="314547"/>
-                </a:lnTo>
-                <a:lnTo>
-                  <a:pt x="11465" y="318567"/>
-                </a:lnTo>
-                <a:lnTo>
-                  <a:pt x="18795" y="320040"/>
-                </a:lnTo>
-                <a:lnTo>
-                  <a:pt x="93979" y="320040"/>
-                </a:lnTo>
-                <a:lnTo>
-                  <a:pt x="101310" y="318567"/>
-                </a:lnTo>
-                <a:lnTo>
-                  <a:pt x="107283" y="314547"/>
-                </a:lnTo>
-                <a:lnTo>
-                  <a:pt x="111303" y="308574"/>
-                </a:lnTo>
-                <a:lnTo>
-                  <a:pt x="112775" y="301244"/>
-                </a:lnTo>
-                <a:lnTo>
-                  <a:pt x="112775" y="18796"/>
-                </a:lnTo>
-                <a:lnTo>
-                  <a:pt x="111303" y="11465"/>
-                </a:lnTo>
-                <a:lnTo>
-                  <a:pt x="107283" y="5492"/>
-                </a:lnTo>
-                <a:lnTo>
-                  <a:pt x="101310" y="1472"/>
-                </a:lnTo>
-                <a:lnTo>
-                  <a:pt x="93979" y="0"/>
-                </a:lnTo>
-                <a:close/>
-              </a:path>
-            </a:pathLst>
-          </a:custGeom>
-          <a:solidFill>
-            <a:srgbClr val="FFFFFF"/>
-          </a:solidFill>
-          <a:ln>
-            <a:noFill/>
-          </a:ln>
-        </p:spPr>
-        <p:txBody>
-          <a:bodyPr spcFirstLastPara="1" wrap="square" lIns="0" tIns="0" rIns="0" bIns="0" anchor="t" anchorCtr="0">
-            <a:noAutofit/>
-          </a:bodyPr>
-          <a:lstStyle/>
-          <a:p>
-            <a:pPr marL="0" marR="0" lvl="0" indent="0" algn="l" rtl="0">
-              <a:spcBef>
-                <a:spcPts val="0"/>
-              </a:spcBef>
-              <a:spcAft>
-                <a:spcPts val="0"/>
-              </a:spcAft>
-              <a:buNone/>
-            </a:pPr>
-            <a:endParaRPr sz="1800">
-              <a:solidFill>
-                <a:schemeClr val="dk1"/>
-              </a:solidFill>
-              <a:latin typeface="Calibri"/>
-              <a:ea typeface="Calibri"/>
-              <a:cs typeface="Calibri"/>
-              <a:sym typeface="Calibri"/>
-            </a:endParaRPr>
-          </a:p>
-        </p:txBody>
-      </p:sp>
-      <p:sp>
-        <p:nvSpPr>
-          <p:cNvPr id="99" name="Google Shape;99;p9"/>
-          <p:cNvSpPr/>
-          <p:nvPr/>
-        </p:nvSpPr>
-        <p:spPr>
-          <a:xfrm>
-            <a:off x="4507991" y="3725945"/>
-            <a:ext cx="295910" cy="184785"/>
-          </a:xfrm>
-          <a:custGeom>
-            <a:avLst/>
-            <a:gdLst/>
-            <a:ahLst/>
-            <a:cxnLst/>
-            <a:rect l="l" t="t" r="r" b="b"/>
-            <a:pathLst>
-              <a:path w="295910" h="184785" extrusionOk="0">
-                <a:moveTo>
-                  <a:pt x="147828" y="0"/>
-                </a:moveTo>
-                <a:lnTo>
-                  <a:pt x="0" y="184403"/>
-                </a:lnTo>
-                <a:lnTo>
-                  <a:pt x="295656" y="184403"/>
-                </a:lnTo>
-                <a:lnTo>
-                  <a:pt x="147828" y="0"/>
-                </a:lnTo>
-                <a:close/>
-              </a:path>
-            </a:pathLst>
-          </a:custGeom>
-          <a:solidFill>
-            <a:srgbClr val="FFFFFF"/>
-          </a:solidFill>
-          <a:ln>
-            <a:noFill/>
-          </a:ln>
-        </p:spPr>
-        <p:txBody>
-          <a:bodyPr spcFirstLastPara="1" wrap="square" lIns="0" tIns="0" rIns="0" bIns="0" anchor="t" anchorCtr="0">
-            <a:noAutofit/>
-          </a:bodyPr>
-          <a:lstStyle/>
-          <a:p>
-            <a:pPr marL="0" marR="0" lvl="0" indent="0" algn="l" rtl="0">
-              <a:spcBef>
-                <a:spcPts val="0"/>
-              </a:spcBef>
-              <a:spcAft>
-                <a:spcPts val="0"/>
-              </a:spcAft>
-              <a:buNone/>
-            </a:pPr>
-            <a:endParaRPr sz="1800">
-              <a:solidFill>
-                <a:schemeClr val="dk1"/>
-              </a:solidFill>
-              <a:latin typeface="Calibri"/>
-              <a:ea typeface="Calibri"/>
-              <a:cs typeface="Calibri"/>
-              <a:sym typeface="Calibri"/>
-            </a:endParaRPr>
-          </a:p>
-        </p:txBody>
-      </p:sp>
-      <p:sp>
-        <p:nvSpPr>
-          <p:cNvPr id="100" name="Google Shape;100;p9"/>
-          <p:cNvSpPr txBox="1">
-            <a:spLocks noGrp="1"/>
-          </p:cNvSpPr>
-          <p:nvPr>
-            <p:ph type="title"/>
-          </p:nvPr>
-        </p:nvSpPr>
-        <p:spPr>
-          <a:xfrm>
-            <a:off x="272140" y="36958"/>
-            <a:ext cx="10561674" cy="411976"/>
-          </a:xfrm>
-          <a:prstGeom prst="rect">
-            <a:avLst/>
-          </a:prstGeom>
-          <a:noFill/>
-          <a:ln>
-            <a:noFill/>
-          </a:ln>
-        </p:spPr>
-        <p:txBody>
-          <a:bodyPr spcFirstLastPara="1" wrap="square" lIns="91425" tIns="45700" rIns="91425" bIns="45700" anchor="t" anchorCtr="0">
-            <a:noAutofit/>
-          </a:bodyPr>
-          <a:lstStyle/>
-          <a:p>
-            <a:pPr marL="0" lvl="0" indent="0" algn="l" rtl="0">
-              <a:lnSpc>
-                <a:spcPct val="90000"/>
-              </a:lnSpc>
-              <a:spcBef>
-                <a:spcPts val="0"/>
-              </a:spcBef>
-              <a:spcAft>
-                <a:spcPts val="0"/>
-              </a:spcAft>
-              <a:buClr>
-                <a:schemeClr val="dk1"/>
-              </a:buClr>
-              <a:buSzPts val="3600"/>
-              <a:buFont typeface="Arial"/>
-              <a:buNone/>
-            </a:pPr>
-            <a:r>
-              <a:rPr lang="en-US" sz="3600" dirty="0"/>
-              <a:t>Agenda </a:t>
-            </a:r>
-            <a:r>
-              <a:rPr lang="en-US" sz="3600" dirty="0">
-                <a:solidFill>
-                  <a:srgbClr val="C00000"/>
-                </a:solidFill>
-              </a:rPr>
-              <a:t>(Update to be a different format and align with our final deck)</a:t>
-            </a:r>
-            <a:endParaRPr dirty="0">
-              <a:solidFill>
-                <a:srgbClr val="C00000"/>
-              </a:solidFill>
-            </a:endParaRPr>
-          </a:p>
-        </p:txBody>
-      </p:sp>
-      <p:sp>
-        <p:nvSpPr>
           <p:cNvPr id="2" name="Slide Number Placeholder 1">
             <a:extLst>
               <a:ext uri="{FF2B5EF4-FFF2-40B4-BE49-F238E27FC236}">
@@ -16016,7 +11298,859 @@
           </a:p>
         </p:txBody>
       </p:sp>
+      <p:sp>
+        <p:nvSpPr>
+          <p:cNvPr id="4" name="Title 3">
+            <a:extLst>
+              <a:ext uri="{FF2B5EF4-FFF2-40B4-BE49-F238E27FC236}">
+                <a16:creationId xmlns:a16="http://schemas.microsoft.com/office/drawing/2014/main" id="{2C058FD8-B0A4-4302-AA8B-7ADD5B5F3CD3}"/>
+              </a:ext>
+            </a:extLst>
+          </p:cNvPr>
+          <p:cNvSpPr>
+            <a:spLocks noGrp="1"/>
+          </p:cNvSpPr>
+          <p:nvPr>
+            <p:ph type="title"/>
+          </p:nvPr>
+        </p:nvSpPr>
+        <p:spPr/>
+        <p:txBody>
+          <a:bodyPr/>
+          <a:lstStyle/>
+          <a:p>
+            <a:r>
+              <a:rPr lang="en-US" dirty="0"/>
+              <a:t>Agenda &amp; Presentation Outline</a:t>
+            </a:r>
+          </a:p>
+        </p:txBody>
+      </p:sp>
+      <p:sp>
+        <p:nvSpPr>
+          <p:cNvPr id="17" name="Freeform: Shape 16">
+            <a:extLst>
+              <a:ext uri="{FF2B5EF4-FFF2-40B4-BE49-F238E27FC236}">
+                <a16:creationId xmlns:a16="http://schemas.microsoft.com/office/drawing/2014/main" id="{FF1D8600-8D77-44E4-994A-1F6BDEF0F400}"/>
+              </a:ext>
+            </a:extLst>
+          </p:cNvPr>
+          <p:cNvSpPr/>
+          <p:nvPr/>
+        </p:nvSpPr>
+        <p:spPr>
+          <a:xfrm>
+            <a:off x="3077497" y="1219903"/>
+            <a:ext cx="7747820" cy="775118"/>
+          </a:xfrm>
+          <a:custGeom>
+            <a:avLst/>
+            <a:gdLst>
+              <a:gd name="connsiteX0" fmla="*/ 0 w 5405120"/>
+              <a:gd name="connsiteY0" fmla="*/ 0 h 775116"/>
+              <a:gd name="connsiteX1" fmla="*/ 5017562 w 5405120"/>
+              <a:gd name="connsiteY1" fmla="*/ 0 h 775116"/>
+              <a:gd name="connsiteX2" fmla="*/ 5405120 w 5405120"/>
+              <a:gd name="connsiteY2" fmla="*/ 387558 h 775116"/>
+              <a:gd name="connsiteX3" fmla="*/ 5017562 w 5405120"/>
+              <a:gd name="connsiteY3" fmla="*/ 775116 h 775116"/>
+              <a:gd name="connsiteX4" fmla="*/ 0 w 5405120"/>
+              <a:gd name="connsiteY4" fmla="*/ 775116 h 775116"/>
+              <a:gd name="connsiteX5" fmla="*/ 0 w 5405120"/>
+              <a:gd name="connsiteY5" fmla="*/ 0 h 775116"/>
+            </a:gdLst>
+            <a:ahLst/>
+            <a:cxnLst>
+              <a:cxn ang="0">
+                <a:pos x="connsiteX0" y="connsiteY0"/>
+              </a:cxn>
+              <a:cxn ang="0">
+                <a:pos x="connsiteX1" y="connsiteY1"/>
+              </a:cxn>
+              <a:cxn ang="0">
+                <a:pos x="connsiteX2" y="connsiteY2"/>
+              </a:cxn>
+              <a:cxn ang="0">
+                <a:pos x="connsiteX3" y="connsiteY3"/>
+              </a:cxn>
+              <a:cxn ang="0">
+                <a:pos x="connsiteX4" y="connsiteY4"/>
+              </a:cxn>
+              <a:cxn ang="0">
+                <a:pos x="connsiteX5" y="connsiteY5"/>
+              </a:cxn>
+            </a:cxnLst>
+            <a:rect l="l" t="t" r="r" b="b"/>
+            <a:pathLst>
+              <a:path w="5405120" h="775116">
+                <a:moveTo>
+                  <a:pt x="5405120" y="775115"/>
+                </a:moveTo>
+                <a:lnTo>
+                  <a:pt x="387558" y="775115"/>
+                </a:lnTo>
+                <a:lnTo>
+                  <a:pt x="0" y="387558"/>
+                </a:lnTo>
+                <a:lnTo>
+                  <a:pt x="387558" y="1"/>
+                </a:lnTo>
+                <a:lnTo>
+                  <a:pt x="5405120" y="1"/>
+                </a:lnTo>
+                <a:lnTo>
+                  <a:pt x="5405120" y="775115"/>
+                </a:lnTo>
+                <a:close/>
+              </a:path>
+            </a:pathLst>
+          </a:custGeom>
+          <a:solidFill>
+            <a:schemeClr val="tx2"/>
+          </a:solidFill>
+        </p:spPr>
+        <p:style>
+          <a:lnRef idx="2">
+            <a:schemeClr val="accent1"/>
+          </a:lnRef>
+          <a:fillRef idx="1">
+            <a:schemeClr val="lt1"/>
+          </a:fillRef>
+          <a:effectRef idx="0">
+            <a:schemeClr val="accent1"/>
+          </a:effectRef>
+          <a:fontRef idx="minor">
+            <a:schemeClr val="dk1"/>
+          </a:fontRef>
+        </p:style>
+        <p:txBody>
+          <a:bodyPr spcFirstLastPara="0" vert="horz" wrap="square" lIns="535584" tIns="83821" rIns="156464" bIns="83821" numCol="1" spcCol="1270" anchor="ctr" anchorCtr="0">
+            <a:noAutofit/>
+          </a:bodyPr>
+          <a:lstStyle/>
+          <a:p>
+            <a:pPr marL="0" lvl="0" indent="0" algn="ctr" defTabSz="977900">
+              <a:lnSpc>
+                <a:spcPct val="90000"/>
+              </a:lnSpc>
+              <a:spcBef>
+                <a:spcPct val="0"/>
+              </a:spcBef>
+              <a:spcAft>
+                <a:spcPct val="35000"/>
+              </a:spcAft>
+              <a:buNone/>
+            </a:pPr>
+            <a:r>
+              <a:rPr lang="en-US" sz="2400" b="1" kern="1200" dirty="0"/>
+              <a:t>Background &amp; Problem Statement</a:t>
+            </a:r>
+          </a:p>
+        </p:txBody>
+      </p:sp>
+      <p:sp>
+        <p:nvSpPr>
+          <p:cNvPr id="19" name="Freeform: Shape 18">
+            <a:extLst>
+              <a:ext uri="{FF2B5EF4-FFF2-40B4-BE49-F238E27FC236}">
+                <a16:creationId xmlns:a16="http://schemas.microsoft.com/office/drawing/2014/main" id="{2884904E-8D6E-40FC-9A59-4C641EE35180}"/>
+              </a:ext>
+            </a:extLst>
+          </p:cNvPr>
+          <p:cNvSpPr/>
+          <p:nvPr/>
+        </p:nvSpPr>
+        <p:spPr>
+          <a:xfrm>
+            <a:off x="3077497" y="2197484"/>
+            <a:ext cx="7747820" cy="775118"/>
+          </a:xfrm>
+          <a:custGeom>
+            <a:avLst/>
+            <a:gdLst>
+              <a:gd name="connsiteX0" fmla="*/ 0 w 5405120"/>
+              <a:gd name="connsiteY0" fmla="*/ 0 h 775116"/>
+              <a:gd name="connsiteX1" fmla="*/ 5017562 w 5405120"/>
+              <a:gd name="connsiteY1" fmla="*/ 0 h 775116"/>
+              <a:gd name="connsiteX2" fmla="*/ 5405120 w 5405120"/>
+              <a:gd name="connsiteY2" fmla="*/ 387558 h 775116"/>
+              <a:gd name="connsiteX3" fmla="*/ 5017562 w 5405120"/>
+              <a:gd name="connsiteY3" fmla="*/ 775116 h 775116"/>
+              <a:gd name="connsiteX4" fmla="*/ 0 w 5405120"/>
+              <a:gd name="connsiteY4" fmla="*/ 775116 h 775116"/>
+              <a:gd name="connsiteX5" fmla="*/ 0 w 5405120"/>
+              <a:gd name="connsiteY5" fmla="*/ 0 h 775116"/>
+            </a:gdLst>
+            <a:ahLst/>
+            <a:cxnLst>
+              <a:cxn ang="0">
+                <a:pos x="connsiteX0" y="connsiteY0"/>
+              </a:cxn>
+              <a:cxn ang="0">
+                <a:pos x="connsiteX1" y="connsiteY1"/>
+              </a:cxn>
+              <a:cxn ang="0">
+                <a:pos x="connsiteX2" y="connsiteY2"/>
+              </a:cxn>
+              <a:cxn ang="0">
+                <a:pos x="connsiteX3" y="connsiteY3"/>
+              </a:cxn>
+              <a:cxn ang="0">
+                <a:pos x="connsiteX4" y="connsiteY4"/>
+              </a:cxn>
+              <a:cxn ang="0">
+                <a:pos x="connsiteX5" y="connsiteY5"/>
+              </a:cxn>
+            </a:cxnLst>
+            <a:rect l="l" t="t" r="r" b="b"/>
+            <a:pathLst>
+              <a:path w="5405120" h="775116">
+                <a:moveTo>
+                  <a:pt x="5405120" y="775115"/>
+                </a:moveTo>
+                <a:lnTo>
+                  <a:pt x="387558" y="775115"/>
+                </a:lnTo>
+                <a:lnTo>
+                  <a:pt x="0" y="387558"/>
+                </a:lnTo>
+                <a:lnTo>
+                  <a:pt x="387558" y="1"/>
+                </a:lnTo>
+                <a:lnTo>
+                  <a:pt x="5405120" y="1"/>
+                </a:lnTo>
+                <a:lnTo>
+                  <a:pt x="5405120" y="775115"/>
+                </a:lnTo>
+                <a:close/>
+              </a:path>
+            </a:pathLst>
+          </a:custGeom>
+          <a:solidFill>
+            <a:schemeClr val="tx2"/>
+          </a:solidFill>
+        </p:spPr>
+        <p:style>
+          <a:lnRef idx="2">
+            <a:schemeClr val="accent6"/>
+          </a:lnRef>
+          <a:fillRef idx="1">
+            <a:schemeClr val="lt1"/>
+          </a:fillRef>
+          <a:effectRef idx="0">
+            <a:schemeClr val="accent6"/>
+          </a:effectRef>
+          <a:fontRef idx="minor">
+            <a:schemeClr val="dk1"/>
+          </a:fontRef>
+        </p:style>
+        <p:txBody>
+          <a:bodyPr spcFirstLastPara="0" vert="horz" wrap="square" lIns="535584" tIns="83821" rIns="156464" bIns="83820" numCol="1" spcCol="1270" anchor="ctr" anchorCtr="0">
+            <a:noAutofit/>
+          </a:bodyPr>
+          <a:lstStyle/>
+          <a:p>
+            <a:pPr marL="0" lvl="0" indent="0" algn="ctr" defTabSz="977900">
+              <a:lnSpc>
+                <a:spcPct val="90000"/>
+              </a:lnSpc>
+              <a:spcBef>
+                <a:spcPct val="0"/>
+              </a:spcBef>
+              <a:spcAft>
+                <a:spcPct val="35000"/>
+              </a:spcAft>
+              <a:buNone/>
+            </a:pPr>
+            <a:r>
+              <a:rPr lang="en-US" sz="2400" b="1" kern="1200" dirty="0"/>
+              <a:t>Data Overview &amp; Exploration</a:t>
+            </a:r>
+          </a:p>
+        </p:txBody>
+      </p:sp>
+      <p:sp>
+        <p:nvSpPr>
+          <p:cNvPr id="21" name="Freeform: Shape 20">
+            <a:extLst>
+              <a:ext uri="{FF2B5EF4-FFF2-40B4-BE49-F238E27FC236}">
+                <a16:creationId xmlns:a16="http://schemas.microsoft.com/office/drawing/2014/main" id="{065130B3-B0E1-4B51-B805-9EE3B45362BD}"/>
+              </a:ext>
+            </a:extLst>
+          </p:cNvPr>
+          <p:cNvSpPr/>
+          <p:nvPr/>
+        </p:nvSpPr>
+        <p:spPr>
+          <a:xfrm>
+            <a:off x="3077497" y="3149800"/>
+            <a:ext cx="7747820" cy="775117"/>
+          </a:xfrm>
+          <a:custGeom>
+            <a:avLst/>
+            <a:gdLst>
+              <a:gd name="connsiteX0" fmla="*/ 0 w 5405120"/>
+              <a:gd name="connsiteY0" fmla="*/ 0 h 775116"/>
+              <a:gd name="connsiteX1" fmla="*/ 5017562 w 5405120"/>
+              <a:gd name="connsiteY1" fmla="*/ 0 h 775116"/>
+              <a:gd name="connsiteX2" fmla="*/ 5405120 w 5405120"/>
+              <a:gd name="connsiteY2" fmla="*/ 387558 h 775116"/>
+              <a:gd name="connsiteX3" fmla="*/ 5017562 w 5405120"/>
+              <a:gd name="connsiteY3" fmla="*/ 775116 h 775116"/>
+              <a:gd name="connsiteX4" fmla="*/ 0 w 5405120"/>
+              <a:gd name="connsiteY4" fmla="*/ 775116 h 775116"/>
+              <a:gd name="connsiteX5" fmla="*/ 0 w 5405120"/>
+              <a:gd name="connsiteY5" fmla="*/ 0 h 775116"/>
+            </a:gdLst>
+            <a:ahLst/>
+            <a:cxnLst>
+              <a:cxn ang="0">
+                <a:pos x="connsiteX0" y="connsiteY0"/>
+              </a:cxn>
+              <a:cxn ang="0">
+                <a:pos x="connsiteX1" y="connsiteY1"/>
+              </a:cxn>
+              <a:cxn ang="0">
+                <a:pos x="connsiteX2" y="connsiteY2"/>
+              </a:cxn>
+              <a:cxn ang="0">
+                <a:pos x="connsiteX3" y="connsiteY3"/>
+              </a:cxn>
+              <a:cxn ang="0">
+                <a:pos x="connsiteX4" y="connsiteY4"/>
+              </a:cxn>
+              <a:cxn ang="0">
+                <a:pos x="connsiteX5" y="connsiteY5"/>
+              </a:cxn>
+            </a:cxnLst>
+            <a:rect l="l" t="t" r="r" b="b"/>
+            <a:pathLst>
+              <a:path w="5405120" h="775116">
+                <a:moveTo>
+                  <a:pt x="5405120" y="775115"/>
+                </a:moveTo>
+                <a:lnTo>
+                  <a:pt x="387558" y="775115"/>
+                </a:lnTo>
+                <a:lnTo>
+                  <a:pt x="0" y="387558"/>
+                </a:lnTo>
+                <a:lnTo>
+                  <a:pt x="387558" y="1"/>
+                </a:lnTo>
+                <a:lnTo>
+                  <a:pt x="5405120" y="1"/>
+                </a:lnTo>
+                <a:lnTo>
+                  <a:pt x="5405120" y="775115"/>
+                </a:lnTo>
+                <a:close/>
+              </a:path>
+            </a:pathLst>
+          </a:custGeom>
+          <a:solidFill>
+            <a:schemeClr val="tx2"/>
+          </a:solidFill>
+          <a:ln>
+            <a:solidFill>
+              <a:srgbClr val="C00000"/>
+            </a:solidFill>
+          </a:ln>
+        </p:spPr>
+        <p:style>
+          <a:lnRef idx="2">
+            <a:schemeClr val="lt1">
+              <a:hueOff val="0"/>
+              <a:satOff val="0"/>
+              <a:lumOff val="0"/>
+              <a:alphaOff val="0"/>
+            </a:schemeClr>
+          </a:lnRef>
+          <a:fillRef idx="1">
+            <a:schemeClr val="accent1">
+              <a:hueOff val="0"/>
+              <a:satOff val="0"/>
+              <a:lumOff val="0"/>
+              <a:alphaOff val="0"/>
+            </a:schemeClr>
+          </a:fillRef>
+          <a:effectRef idx="0">
+            <a:schemeClr val="accent1">
+              <a:hueOff val="0"/>
+              <a:satOff val="0"/>
+              <a:lumOff val="0"/>
+              <a:alphaOff val="0"/>
+            </a:schemeClr>
+          </a:effectRef>
+          <a:fontRef idx="minor">
+            <a:schemeClr val="lt1"/>
+          </a:fontRef>
+        </p:style>
+        <p:txBody>
+          <a:bodyPr spcFirstLastPara="0" vert="horz" wrap="square" lIns="535584" tIns="83821" rIns="156464" bIns="83820" numCol="1" spcCol="1270" anchor="ctr" anchorCtr="0">
+            <a:noAutofit/>
+          </a:bodyPr>
+          <a:lstStyle/>
+          <a:p>
+            <a:pPr marL="0" lvl="0" indent="0" algn="ctr" defTabSz="977900">
+              <a:lnSpc>
+                <a:spcPct val="90000"/>
+              </a:lnSpc>
+              <a:spcBef>
+                <a:spcPct val="0"/>
+              </a:spcBef>
+              <a:spcAft>
+                <a:spcPct val="35000"/>
+              </a:spcAft>
+              <a:buNone/>
+            </a:pPr>
+            <a:r>
+              <a:rPr lang="en-US" sz="2400" b="1" kern="1200" dirty="0">
+                <a:solidFill>
+                  <a:schemeClr val="tx1"/>
+                </a:solidFill>
+              </a:rPr>
+              <a:t>Data Preparation &amp; Feature Extraction</a:t>
+            </a:r>
+          </a:p>
+        </p:txBody>
+      </p:sp>
+      <p:sp>
+        <p:nvSpPr>
+          <p:cNvPr id="23" name="Freeform: Shape 22">
+            <a:extLst>
+              <a:ext uri="{FF2B5EF4-FFF2-40B4-BE49-F238E27FC236}">
+                <a16:creationId xmlns:a16="http://schemas.microsoft.com/office/drawing/2014/main" id="{8A8A7DCB-CA66-4B41-A021-96A5E3EE3144}"/>
+              </a:ext>
+            </a:extLst>
+          </p:cNvPr>
+          <p:cNvSpPr/>
+          <p:nvPr/>
+        </p:nvSpPr>
+        <p:spPr>
+          <a:xfrm>
+            <a:off x="3077497" y="4102115"/>
+            <a:ext cx="7747820" cy="775117"/>
+          </a:xfrm>
+          <a:custGeom>
+            <a:avLst/>
+            <a:gdLst>
+              <a:gd name="connsiteX0" fmla="*/ 0 w 5405120"/>
+              <a:gd name="connsiteY0" fmla="*/ 0 h 775116"/>
+              <a:gd name="connsiteX1" fmla="*/ 5017562 w 5405120"/>
+              <a:gd name="connsiteY1" fmla="*/ 0 h 775116"/>
+              <a:gd name="connsiteX2" fmla="*/ 5405120 w 5405120"/>
+              <a:gd name="connsiteY2" fmla="*/ 387558 h 775116"/>
+              <a:gd name="connsiteX3" fmla="*/ 5017562 w 5405120"/>
+              <a:gd name="connsiteY3" fmla="*/ 775116 h 775116"/>
+              <a:gd name="connsiteX4" fmla="*/ 0 w 5405120"/>
+              <a:gd name="connsiteY4" fmla="*/ 775116 h 775116"/>
+              <a:gd name="connsiteX5" fmla="*/ 0 w 5405120"/>
+              <a:gd name="connsiteY5" fmla="*/ 0 h 775116"/>
+            </a:gdLst>
+            <a:ahLst/>
+            <a:cxnLst>
+              <a:cxn ang="0">
+                <a:pos x="connsiteX0" y="connsiteY0"/>
+              </a:cxn>
+              <a:cxn ang="0">
+                <a:pos x="connsiteX1" y="connsiteY1"/>
+              </a:cxn>
+              <a:cxn ang="0">
+                <a:pos x="connsiteX2" y="connsiteY2"/>
+              </a:cxn>
+              <a:cxn ang="0">
+                <a:pos x="connsiteX3" y="connsiteY3"/>
+              </a:cxn>
+              <a:cxn ang="0">
+                <a:pos x="connsiteX4" y="connsiteY4"/>
+              </a:cxn>
+              <a:cxn ang="0">
+                <a:pos x="connsiteX5" y="connsiteY5"/>
+              </a:cxn>
+            </a:cxnLst>
+            <a:rect l="l" t="t" r="r" b="b"/>
+            <a:pathLst>
+              <a:path w="5405120" h="775116">
+                <a:moveTo>
+                  <a:pt x="5405120" y="775115"/>
+                </a:moveTo>
+                <a:lnTo>
+                  <a:pt x="387558" y="775115"/>
+                </a:lnTo>
+                <a:lnTo>
+                  <a:pt x="0" y="387558"/>
+                </a:lnTo>
+                <a:lnTo>
+                  <a:pt x="387558" y="1"/>
+                </a:lnTo>
+                <a:lnTo>
+                  <a:pt x="5405120" y="1"/>
+                </a:lnTo>
+                <a:lnTo>
+                  <a:pt x="5405120" y="775115"/>
+                </a:lnTo>
+                <a:close/>
+              </a:path>
+            </a:pathLst>
+          </a:custGeom>
+          <a:solidFill>
+            <a:schemeClr val="tx2"/>
+          </a:solidFill>
+        </p:spPr>
+        <p:style>
+          <a:lnRef idx="2">
+            <a:schemeClr val="accent2"/>
+          </a:lnRef>
+          <a:fillRef idx="1">
+            <a:schemeClr val="lt1"/>
+          </a:fillRef>
+          <a:effectRef idx="0">
+            <a:schemeClr val="accent2"/>
+          </a:effectRef>
+          <a:fontRef idx="minor">
+            <a:schemeClr val="dk1"/>
+          </a:fontRef>
+        </p:style>
+        <p:txBody>
+          <a:bodyPr spcFirstLastPara="0" vert="horz" wrap="square" lIns="535584" tIns="83821" rIns="156464" bIns="83820" numCol="1" spcCol="1270" anchor="ctr" anchorCtr="0">
+            <a:noAutofit/>
+          </a:bodyPr>
+          <a:lstStyle/>
+          <a:p>
+            <a:pPr marL="0" lvl="0" indent="0" algn="ctr" defTabSz="977900">
+              <a:lnSpc>
+                <a:spcPct val="90000"/>
+              </a:lnSpc>
+              <a:spcBef>
+                <a:spcPct val="0"/>
+              </a:spcBef>
+              <a:spcAft>
+                <a:spcPct val="35000"/>
+              </a:spcAft>
+              <a:buNone/>
+            </a:pPr>
+            <a:r>
+              <a:rPr lang="en-US" sz="2400" b="1" kern="1200" dirty="0"/>
+              <a:t>Modeling Approach &amp; Evaluation</a:t>
+            </a:r>
+          </a:p>
+        </p:txBody>
+      </p:sp>
+      <p:sp>
+        <p:nvSpPr>
+          <p:cNvPr id="25" name="Freeform: Shape 24">
+            <a:extLst>
+              <a:ext uri="{FF2B5EF4-FFF2-40B4-BE49-F238E27FC236}">
+                <a16:creationId xmlns:a16="http://schemas.microsoft.com/office/drawing/2014/main" id="{0A8E6CED-95CD-43BC-B0C5-D9F05ED7F418}"/>
+              </a:ext>
+            </a:extLst>
+          </p:cNvPr>
+          <p:cNvSpPr/>
+          <p:nvPr/>
+        </p:nvSpPr>
+        <p:spPr>
+          <a:xfrm>
+            <a:off x="3077497" y="5054430"/>
+            <a:ext cx="7747821" cy="775117"/>
+          </a:xfrm>
+          <a:custGeom>
+            <a:avLst/>
+            <a:gdLst>
+              <a:gd name="connsiteX0" fmla="*/ 0 w 5405120"/>
+              <a:gd name="connsiteY0" fmla="*/ 0 h 775116"/>
+              <a:gd name="connsiteX1" fmla="*/ 5017562 w 5405120"/>
+              <a:gd name="connsiteY1" fmla="*/ 0 h 775116"/>
+              <a:gd name="connsiteX2" fmla="*/ 5405120 w 5405120"/>
+              <a:gd name="connsiteY2" fmla="*/ 387558 h 775116"/>
+              <a:gd name="connsiteX3" fmla="*/ 5017562 w 5405120"/>
+              <a:gd name="connsiteY3" fmla="*/ 775116 h 775116"/>
+              <a:gd name="connsiteX4" fmla="*/ 0 w 5405120"/>
+              <a:gd name="connsiteY4" fmla="*/ 775116 h 775116"/>
+              <a:gd name="connsiteX5" fmla="*/ 0 w 5405120"/>
+              <a:gd name="connsiteY5" fmla="*/ 0 h 775116"/>
+            </a:gdLst>
+            <a:ahLst/>
+            <a:cxnLst>
+              <a:cxn ang="0">
+                <a:pos x="connsiteX0" y="connsiteY0"/>
+              </a:cxn>
+              <a:cxn ang="0">
+                <a:pos x="connsiteX1" y="connsiteY1"/>
+              </a:cxn>
+              <a:cxn ang="0">
+                <a:pos x="connsiteX2" y="connsiteY2"/>
+              </a:cxn>
+              <a:cxn ang="0">
+                <a:pos x="connsiteX3" y="connsiteY3"/>
+              </a:cxn>
+              <a:cxn ang="0">
+                <a:pos x="connsiteX4" y="connsiteY4"/>
+              </a:cxn>
+              <a:cxn ang="0">
+                <a:pos x="connsiteX5" y="connsiteY5"/>
+              </a:cxn>
+            </a:cxnLst>
+            <a:rect l="l" t="t" r="r" b="b"/>
+            <a:pathLst>
+              <a:path w="5405120" h="775116">
+                <a:moveTo>
+                  <a:pt x="5405120" y="775115"/>
+                </a:moveTo>
+                <a:lnTo>
+                  <a:pt x="387558" y="775115"/>
+                </a:lnTo>
+                <a:lnTo>
+                  <a:pt x="0" y="387558"/>
+                </a:lnTo>
+                <a:lnTo>
+                  <a:pt x="387558" y="1"/>
+                </a:lnTo>
+                <a:lnTo>
+                  <a:pt x="5405120" y="1"/>
+                </a:lnTo>
+                <a:lnTo>
+                  <a:pt x="5405120" y="775115"/>
+                </a:lnTo>
+                <a:close/>
+              </a:path>
+            </a:pathLst>
+          </a:custGeom>
+          <a:solidFill>
+            <a:schemeClr val="tx2"/>
+          </a:solidFill>
+          <a:ln>
+            <a:solidFill>
+              <a:srgbClr val="7030A0"/>
+            </a:solidFill>
+          </a:ln>
+        </p:spPr>
+        <p:style>
+          <a:lnRef idx="2">
+            <a:schemeClr val="accent2"/>
+          </a:lnRef>
+          <a:fillRef idx="1">
+            <a:schemeClr val="lt1"/>
+          </a:fillRef>
+          <a:effectRef idx="0">
+            <a:schemeClr val="accent2"/>
+          </a:effectRef>
+          <a:fontRef idx="minor">
+            <a:schemeClr val="dk1"/>
+          </a:fontRef>
+        </p:style>
+        <p:txBody>
+          <a:bodyPr spcFirstLastPara="0" vert="horz" wrap="square" lIns="535584" tIns="83821" rIns="156465" bIns="83820" numCol="1" spcCol="1270" anchor="ctr" anchorCtr="0">
+            <a:noAutofit/>
+          </a:bodyPr>
+          <a:lstStyle/>
+          <a:p>
+            <a:pPr marL="0" lvl="0" indent="0" algn="ctr" defTabSz="977900">
+              <a:lnSpc>
+                <a:spcPct val="90000"/>
+              </a:lnSpc>
+              <a:spcBef>
+                <a:spcPct val="0"/>
+              </a:spcBef>
+              <a:spcAft>
+                <a:spcPct val="35000"/>
+              </a:spcAft>
+              <a:buNone/>
+            </a:pPr>
+            <a:r>
+              <a:rPr lang="en-US" sz="2400" b="1" kern="1200" dirty="0"/>
+              <a:t>Challenges, Recommendations &amp; Future Opportunities</a:t>
+            </a:r>
+          </a:p>
+        </p:txBody>
+      </p:sp>
+      <p:pic>
+        <p:nvPicPr>
+          <p:cNvPr id="29" name="Graphic 28" descr="Information">
+            <a:extLst>
+              <a:ext uri="{FF2B5EF4-FFF2-40B4-BE49-F238E27FC236}">
+                <a16:creationId xmlns:a16="http://schemas.microsoft.com/office/drawing/2014/main" id="{237F6462-4B9A-489A-8F65-A0409CCBA790}"/>
+              </a:ext>
+            </a:extLst>
+          </p:cNvPr>
+          <p:cNvPicPr>
+            <a:picLocks noChangeAspect="1"/>
+          </p:cNvPicPr>
+          <p:nvPr/>
+        </p:nvPicPr>
+        <p:blipFill>
+          <a:blip r:embed="rId3">
+            <a:extLst>
+              <a:ext uri="{96DAC541-7B7A-43D3-8B79-37D633B846F1}">
+                <asvg:svgBlip xmlns:asvg="http://schemas.microsoft.com/office/drawing/2016/SVG/main" r:embed="rId4"/>
+              </a:ext>
+            </a:extLst>
+          </a:blip>
+          <a:stretch>
+            <a:fillRect/>
+          </a:stretch>
+        </p:blipFill>
+        <p:spPr>
+          <a:xfrm>
+            <a:off x="2033310" y="1175527"/>
+            <a:ext cx="914400" cy="914400"/>
+          </a:xfrm>
+          <a:prstGeom prst="rect">
+            <a:avLst/>
+          </a:prstGeom>
+        </p:spPr>
+      </p:pic>
+      <p:pic>
+        <p:nvPicPr>
+          <p:cNvPr id="31" name="Graphic 30" descr="Research">
+            <a:extLst>
+              <a:ext uri="{FF2B5EF4-FFF2-40B4-BE49-F238E27FC236}">
+                <a16:creationId xmlns:a16="http://schemas.microsoft.com/office/drawing/2014/main" id="{909ED979-8B4D-44A3-9590-8CCECAE32965}"/>
+              </a:ext>
+            </a:extLst>
+          </p:cNvPr>
+          <p:cNvPicPr>
+            <a:picLocks noChangeAspect="1"/>
+          </p:cNvPicPr>
+          <p:nvPr/>
+        </p:nvPicPr>
+        <p:blipFill>
+          <a:blip r:embed="rId5">
+            <a:extLst>
+              <a:ext uri="{96DAC541-7B7A-43D3-8B79-37D633B846F1}">
+                <asvg:svgBlip xmlns:asvg="http://schemas.microsoft.com/office/drawing/2016/SVG/main" r:embed="rId6"/>
+              </a:ext>
+            </a:extLst>
+          </a:blip>
+          <a:stretch>
+            <a:fillRect/>
+          </a:stretch>
+        </p:blipFill>
+        <p:spPr>
+          <a:xfrm>
+            <a:off x="2033310" y="2127842"/>
+            <a:ext cx="914400" cy="914400"/>
+          </a:xfrm>
+          <a:prstGeom prst="rect">
+            <a:avLst/>
+          </a:prstGeom>
+        </p:spPr>
+      </p:pic>
+      <p:pic>
+        <p:nvPicPr>
+          <p:cNvPr id="101" name="Graphic 100" descr="Mining tools">
+            <a:extLst>
+              <a:ext uri="{FF2B5EF4-FFF2-40B4-BE49-F238E27FC236}">
+                <a16:creationId xmlns:a16="http://schemas.microsoft.com/office/drawing/2014/main" id="{6FD8A457-8E93-41CF-B176-660C2307E88F}"/>
+              </a:ext>
+            </a:extLst>
+          </p:cNvPr>
+          <p:cNvPicPr>
+            <a:picLocks noChangeAspect="1"/>
+          </p:cNvPicPr>
+          <p:nvPr/>
+        </p:nvPicPr>
+        <p:blipFill>
+          <a:blip r:embed="rId7">
+            <a:extLst>
+              <a:ext uri="{96DAC541-7B7A-43D3-8B79-37D633B846F1}">
+                <asvg:svgBlip xmlns:asvg="http://schemas.microsoft.com/office/drawing/2016/SVG/main" r:embed="rId8"/>
+              </a:ext>
+            </a:extLst>
+          </a:blip>
+          <a:stretch>
+            <a:fillRect/>
+          </a:stretch>
+        </p:blipFill>
+        <p:spPr>
+          <a:xfrm>
+            <a:off x="2033310" y="3080157"/>
+            <a:ext cx="914400" cy="914400"/>
+          </a:xfrm>
+          <a:prstGeom prst="rect">
+            <a:avLst/>
+          </a:prstGeom>
+        </p:spPr>
+      </p:pic>
+      <p:pic>
+        <p:nvPicPr>
+          <p:cNvPr id="103" name="Graphic 102" descr="Head with gears">
+            <a:extLst>
+              <a:ext uri="{FF2B5EF4-FFF2-40B4-BE49-F238E27FC236}">
+                <a16:creationId xmlns:a16="http://schemas.microsoft.com/office/drawing/2014/main" id="{6D4EF4F5-4C2A-4D0B-9B62-F512D2E5B1A4}"/>
+              </a:ext>
+            </a:extLst>
+          </p:cNvPr>
+          <p:cNvPicPr>
+            <a:picLocks noChangeAspect="1"/>
+          </p:cNvPicPr>
+          <p:nvPr/>
+        </p:nvPicPr>
+        <p:blipFill>
+          <a:blip r:embed="rId9">
+            <a:extLst>
+              <a:ext uri="{96DAC541-7B7A-43D3-8B79-37D633B846F1}">
+                <asvg:svgBlip xmlns:asvg="http://schemas.microsoft.com/office/drawing/2016/SVG/main" r:embed="rId10"/>
+              </a:ext>
+            </a:extLst>
+          </a:blip>
+          <a:stretch>
+            <a:fillRect/>
+          </a:stretch>
+        </p:blipFill>
+        <p:spPr>
+          <a:xfrm>
+            <a:off x="2033310" y="4032472"/>
+            <a:ext cx="914400" cy="914400"/>
+          </a:xfrm>
+          <a:prstGeom prst="rect">
+            <a:avLst/>
+          </a:prstGeom>
+        </p:spPr>
+      </p:pic>
+      <p:pic>
+        <p:nvPicPr>
+          <p:cNvPr id="105" name="Graphic 104" descr="Playbook">
+            <a:extLst>
+              <a:ext uri="{FF2B5EF4-FFF2-40B4-BE49-F238E27FC236}">
+                <a16:creationId xmlns:a16="http://schemas.microsoft.com/office/drawing/2014/main" id="{EE161553-1CFA-4D5D-8A6D-C350DC35A2CA}"/>
+              </a:ext>
+            </a:extLst>
+          </p:cNvPr>
+          <p:cNvPicPr>
+            <a:picLocks noChangeAspect="1"/>
+          </p:cNvPicPr>
+          <p:nvPr/>
+        </p:nvPicPr>
+        <p:blipFill>
+          <a:blip r:embed="rId11">
+            <a:extLst>
+              <a:ext uri="{96DAC541-7B7A-43D3-8B79-37D633B846F1}">
+                <asvg:svgBlip xmlns:asvg="http://schemas.microsoft.com/office/drawing/2016/SVG/main" r:embed="rId12"/>
+              </a:ext>
+            </a:extLst>
+          </a:blip>
+          <a:stretch>
+            <a:fillRect/>
+          </a:stretch>
+        </p:blipFill>
+        <p:spPr>
+          <a:xfrm>
+            <a:off x="2033310" y="4984788"/>
+            <a:ext cx="914400" cy="914400"/>
+          </a:xfrm>
+          <a:prstGeom prst="rect">
+            <a:avLst/>
+          </a:prstGeom>
+        </p:spPr>
+      </p:pic>
     </p:spTree>
+    <p:extLst>
+      <p:ext uri="{BB962C8B-B14F-4D97-AF65-F5344CB8AC3E}">
+        <p14:creationId xmlns:p14="http://schemas.microsoft.com/office/powerpoint/2010/main" val="891128858"/>
+      </p:ext>
+    </p:extLst>
   </p:cSld>
   <p:clrMapOvr>
     <a:masterClrMapping/>
@@ -16612,8 +12746,64 @@
               </a:spcAft>
             </a:pPr>
             <a:r>
-              <a:rPr lang="en-US" sz="2200" dirty="0"/>
-              <a:t>The Centers for Medicare &amp; Medicare Services (CMS) operates several programs measuring the quality and performance of healthcare providers; however:</a:t>
+              <a:rPr lang="en-US" sz="1800" b="1" dirty="0"/>
+              <a:t>The Centers for Medicare &amp; Medicare Services (CMS) operates several programs measuring the quality and performance of healthcare providers including the following:</a:t>
+            </a:r>
+          </a:p>
+          <a:p>
+            <a:pPr lvl="1">
+              <a:spcBef>
+                <a:spcPts val="900"/>
+              </a:spcBef>
+              <a:spcAft>
+                <a:spcPts val="900"/>
+              </a:spcAft>
+              <a:buFont typeface="Courier New" panose="02070309020205020404" pitchFamily="49" charset="0"/>
+              <a:buChar char="o"/>
+            </a:pPr>
+            <a:r>
+              <a:rPr lang="en-US" sz="1400" dirty="0"/>
+              <a:t>Hospital Consumer Assessment of Healthcare Providers &amp; Systems (HCAHPS) – </a:t>
+            </a:r>
+            <a:r>
+              <a:rPr lang="en-US" sz="1400" b="1" dirty="0"/>
+              <a:t>Patient Quality Surveys</a:t>
+            </a:r>
+          </a:p>
+          <a:p>
+            <a:pPr lvl="1">
+              <a:spcBef>
+                <a:spcPts val="900"/>
+              </a:spcBef>
+              <a:spcAft>
+                <a:spcPts val="900"/>
+              </a:spcAft>
+              <a:buFont typeface="Courier New" panose="02070309020205020404" pitchFamily="49" charset="0"/>
+              <a:buChar char="o"/>
+            </a:pPr>
+            <a:r>
+              <a:rPr lang="en-US" sz="1400" dirty="0"/>
+              <a:t>Hospital Complications &amp; Deaths Data Set – </a:t>
+            </a:r>
+            <a:r>
+              <a:rPr lang="en-US" sz="1400" b="1" dirty="0"/>
+              <a:t>Prevalence of Complications &amp; Deaths</a:t>
+            </a:r>
+          </a:p>
+          <a:p>
+            <a:pPr lvl="1">
+              <a:spcBef>
+                <a:spcPts val="900"/>
+              </a:spcBef>
+              <a:spcAft>
+                <a:spcPts val="900"/>
+              </a:spcAft>
+              <a:buFont typeface="Courier New" panose="02070309020205020404" pitchFamily="49" charset="0"/>
+              <a:buChar char="o"/>
+            </a:pPr>
+            <a:r>
+              <a:rPr lang="en-US" sz="1400" b="1" i="1" dirty="0"/>
+              <a:t>These measure are used to calculate a Hospital Star Rating (1-5) to indicate overall quality and performance</a:t>
             </a:r>
           </a:p>
           <a:p>
@@ -16626,52 +12816,49 @@
               </a:spcAft>
             </a:pPr>
             <a:r>
-              <a:rPr lang="en-US" sz="2200" dirty="0"/>
-              <a:t>Data collection and reporting is not timely – often lagging 1-2 years </a:t>
-            </a:r>
-            <a:r>
-              <a:rPr lang="en-US" sz="2200" dirty="0">
-                <a:solidFill>
-                  <a:srgbClr val="C00000"/>
-                </a:solidFill>
-              </a:rPr>
-              <a:t>(confirm)</a:t>
+              <a:rPr lang="en-US" sz="2200" b="1" dirty="0"/>
+              <a:t>However, there are significant limitations:</a:t>
             </a:r>
           </a:p>
           <a:p>
-            <a:pPr>
-              <a:spcBef>
-                <a:spcPts val="1200"/>
-              </a:spcBef>
-              <a:spcAft>
-                <a:spcPts val="1200"/>
-              </a:spcAft>
+            <a:pPr lvl="1">
+              <a:spcBef>
+                <a:spcPts val="900"/>
+              </a:spcBef>
+              <a:spcAft>
+                <a:spcPts val="900"/>
+              </a:spcAft>
+              <a:buFont typeface="Courier New" panose="02070309020205020404" pitchFamily="49" charset="0"/>
+              <a:buChar char="o"/>
             </a:pPr>
             <a:r>
-              <a:rPr lang="en-US" sz="2200" dirty="0">
+              <a:rPr lang="en-US" sz="1400" dirty="0"/>
+              <a:t>Data collection and reporting is not timely – often lagging 1-3 years (depending on the data set)</a:t>
+            </a:r>
+            <a:endParaRPr lang="en-US" sz="1400" dirty="0">
+              <a:solidFill>
+                <a:srgbClr val="C00000"/>
+              </a:solidFill>
+            </a:endParaRPr>
+          </a:p>
+          <a:p>
+            <a:pPr lvl="1">
+              <a:spcBef>
+                <a:spcPts val="900"/>
+              </a:spcBef>
+              <a:spcAft>
+                <a:spcPts val="900"/>
+              </a:spcAft>
+              <a:buFont typeface="Courier New" panose="02070309020205020404" pitchFamily="49" charset="0"/>
+              <a:buChar char="o"/>
+            </a:pPr>
+            <a:r>
+              <a:rPr lang="en-US" sz="1400" dirty="0">
                 <a:solidFill>
                   <a:schemeClr val="tx1"/>
                 </a:solidFill>
               </a:rPr>
               <a:t>Reporting is not easy for consumers to access and interpret</a:t>
-            </a:r>
-          </a:p>
-          <a:p>
-            <a:pPr>
-              <a:spcBef>
-                <a:spcPts val="1200"/>
-              </a:spcBef>
-              <a:spcAft>
-                <a:spcPts val="1200"/>
-              </a:spcAft>
-            </a:pPr>
-            <a:r>
-              <a:rPr lang="en-US" sz="2200" dirty="0">
-                <a:solidFill>
-                  <a:schemeClr val="tx1"/>
-                </a:solidFill>
-              </a:rPr>
-              <a:t>Traditional healthcare providers and insurers often do not have an incentive to provide greater transparency to consumers</a:t>
             </a:r>
           </a:p>
         </p:txBody>
@@ -16732,7 +12919,7 @@
   <p:cSld>
     <p:spTree>
       <p:nvGrpSpPr>
-        <p:cNvPr id="1" name="Shape 114"/>
+        <p:cNvPr id="1" name="Shape 104"/>
         <p:cNvGrpSpPr/>
         <p:nvPr/>
       </p:nvGrpSpPr>
@@ -16746,7 +12933,7 @@
       </p:grpSpPr>
       <p:sp>
         <p:nvSpPr>
-          <p:cNvPr id="115" name="Google Shape;115;p11"/>
+          <p:cNvPr id="105" name="Google Shape;105;p10"/>
           <p:cNvSpPr txBox="1">
             <a:spLocks noGrp="1"/>
           </p:cNvSpPr>
@@ -16756,8 +12943,8 @@
         </p:nvSpPr>
         <p:spPr>
           <a:xfrm>
-            <a:off x="762000" y="363537"/>
-            <a:ext cx="10668000" cy="657189"/>
+            <a:off x="762000" y="363538"/>
+            <a:ext cx="10668000" cy="540230"/>
           </a:xfrm>
           <a:prstGeom prst="rect">
             <a:avLst/>
@@ -16791,27 +12978,23 @@
               <a:buNone/>
             </a:pPr>
             <a:r>
-              <a:rPr lang="en-US" sz="3600"/>
+              <a:rPr lang="en-US" sz="3200" dirty="0"/>
               <a:t>Problem Statement</a:t>
             </a:r>
-            <a:endParaRPr/>
+            <a:endParaRPr sz="3200" dirty="0"/>
           </a:p>
         </p:txBody>
       </p:sp>
       <p:sp>
         <p:nvSpPr>
-          <p:cNvPr id="116" name="Google Shape;116;p11"/>
-          <p:cNvSpPr txBox="1">
-            <a:spLocks noGrp="1"/>
-          </p:cNvSpPr>
-          <p:nvPr>
-            <p:ph type="body" idx="1"/>
-          </p:nvPr>
+          <p:cNvPr id="109" name="Google Shape;109;p10"/>
+          <p:cNvSpPr txBox="1"/>
+          <p:nvPr/>
         </p:nvSpPr>
         <p:spPr>
           <a:xfrm>
-            <a:off x="762000" y="1825625"/>
-            <a:ext cx="10668000" cy="3445622"/>
+            <a:off x="761999" y="1840526"/>
+            <a:ext cx="10947647" cy="1041568"/>
           </a:xfrm>
           <a:prstGeom prst="rect">
             <a:avLst/>
@@ -16827,30 +13010,74 @@
           </a:bodyPr>
           <a:lstStyle/>
           <a:p>
-            <a:pPr marL="457200" lvl="0" indent="-406400" algn="l" rtl="0">
-              <a:lnSpc>
-                <a:spcPct val="90000"/>
-              </a:lnSpc>
-              <a:spcBef>
-                <a:spcPts val="0"/>
-              </a:spcBef>
-              <a:spcAft>
-                <a:spcPts val="0"/>
-              </a:spcAft>
-              <a:buSzPts val="2800"/>
-              <a:buChar char="•"/>
+            <a:pPr marL="0" marR="0" lvl="0" indent="0" algn="l" rtl="0">
+              <a:spcBef>
+                <a:spcPts val="0"/>
+              </a:spcBef>
+              <a:spcAft>
+                <a:spcPts val="0"/>
+              </a:spcAft>
+              <a:buNone/>
             </a:pPr>
             <a:r>
-              <a:rPr lang="en-US"/>
-              <a:t>Based on one year of data (2017), what insights can be derived to benefit:</a:t>
+              <a:rPr lang="en-US" sz="2400" b="1" dirty="0">
+                <a:solidFill>
+                  <a:srgbClr val="002060"/>
+                </a:solidFill>
+              </a:rPr>
+              <a:t>Our goal is to develop a predictive classification model, which can effectively predict the </a:t>
             </a:r>
-            <a:endParaRPr/>
+            <a:r>
+              <a:rPr lang="en-US" sz="2400" b="1" i="1" dirty="0">
+                <a:solidFill>
+                  <a:srgbClr val="002060"/>
+                </a:solidFill>
+              </a:rPr>
+              <a:t>Star Rating</a:t>
+            </a:r>
+            <a:r>
+              <a:rPr lang="en-US" sz="2400" b="1" dirty="0">
+                <a:solidFill>
+                  <a:srgbClr val="002060"/>
+                </a:solidFill>
+              </a:rPr>
+              <a:t> of a hospital, using the </a:t>
+            </a:r>
+            <a:r>
+              <a:rPr lang="en-US" sz="2400" b="1" i="1" dirty="0">
+                <a:solidFill>
+                  <a:srgbClr val="002060"/>
+                </a:solidFill>
+              </a:rPr>
+              <a:t>HCAHPS Patient Survey</a:t>
+            </a:r>
+            <a:r>
+              <a:rPr lang="en-US" sz="2400" b="1" dirty="0">
+                <a:solidFill>
+                  <a:srgbClr val="002060"/>
+                </a:solidFill>
+              </a:rPr>
+              <a:t> and </a:t>
+            </a:r>
+            <a:r>
+              <a:rPr lang="en-US" sz="2400" b="1" i="1" dirty="0">
+                <a:solidFill>
+                  <a:srgbClr val="002060"/>
+                </a:solidFill>
+              </a:rPr>
+              <a:t>Complications &amp; Deaths</a:t>
+            </a:r>
+            <a:r>
+              <a:rPr lang="en-US" sz="2400" b="1" dirty="0">
+                <a:solidFill>
+                  <a:srgbClr val="002060"/>
+                </a:solidFill>
+              </a:rPr>
+              <a:t> data sets. </a:t>
+            </a:r>
           </a:p>
           <a:p>
-            <a:pPr marL="457200" lvl="0" indent="0" algn="l" rtl="0">
-              <a:lnSpc>
-                <a:spcPct val="90000"/>
-              </a:lnSpc>
+            <a:pPr marL="0" marR="0" lvl="0" indent="0" algn="l" rtl="0">
               <a:spcBef>
                 <a:spcPts val="0"/>
               </a:spcBef>
@@ -16859,13 +13086,14 @@
               </a:spcAft>
               <a:buNone/>
             </a:pPr>
-            <a:endParaRPr/>
+            <a:endParaRPr lang="en-US" sz="2400" b="1" dirty="0">
+              <a:solidFill>
+                <a:schemeClr val="dk1"/>
+              </a:solidFill>
+            </a:endParaRPr>
           </a:p>
           <a:p>
-            <a:pPr marL="1485900" lvl="0" indent="-114300" algn="l" rtl="0">
-              <a:lnSpc>
-                <a:spcPct val="90000"/>
-              </a:lnSpc>
+            <a:pPr marL="0" marR="0" lvl="0" indent="0" algn="l" rtl="0">
               <a:spcBef>
                 <a:spcPts val="0"/>
               </a:spcBef>
@@ -16875,175 +13103,107 @@
               <a:buNone/>
             </a:pPr>
             <a:r>
-              <a:rPr lang="en-US"/>
-              <a:t>1. Consumers / riders?</a:t>
+              <a:rPr lang="en-US" sz="2200" i="1" dirty="0">
+                <a:solidFill>
+                  <a:schemeClr val="dk1"/>
+                </a:solidFill>
+              </a:rPr>
+              <a:t>Ultimately, we believe this can be used to create a more real-time application patients can use to determine which hospitals they utilize for non-emergency care.</a:t>
             </a:r>
-            <a:endParaRPr/>
-          </a:p>
-          <a:p>
-            <a:pPr marL="1485900" lvl="0" indent="-114300" algn="l" rtl="0">
-              <a:lnSpc>
-                <a:spcPct val="90000"/>
-              </a:lnSpc>
-              <a:spcBef>
-                <a:spcPts val="0"/>
-              </a:spcBef>
-              <a:spcAft>
-                <a:spcPts val="0"/>
-              </a:spcAft>
-              <a:buNone/>
-            </a:pPr>
             <a:r>
-              <a:rPr lang="en-US"/>
-              <a:t>2. The city of Chicago?</a:t>
+              <a:rPr lang="en-US" sz="2200" i="1" baseline="30000" dirty="0">
+                <a:solidFill>
+                  <a:schemeClr val="dk1"/>
+                </a:solidFill>
+              </a:rPr>
+              <a:t>1</a:t>
             </a:r>
-            <a:endParaRPr/>
-          </a:p>
-          <a:p>
-            <a:pPr marL="1485900" lvl="0" indent="-114300" algn="l" rtl="0">
-              <a:lnSpc>
-                <a:spcPct val="90000"/>
-              </a:lnSpc>
-              <a:spcBef>
-                <a:spcPts val="0"/>
-              </a:spcBef>
-              <a:spcAft>
-                <a:spcPts val="0"/>
-              </a:spcAft>
-              <a:buNone/>
-            </a:pPr>
-            <a:r>
-              <a:rPr lang="en-US"/>
-              <a:t>3. The provider (CDOT)?</a:t>
-            </a:r>
-            <a:endParaRPr/>
-          </a:p>
-          <a:p>
-            <a:pPr marL="0" lvl="0" indent="0" algn="l" rtl="0">
-              <a:lnSpc>
-                <a:spcPct val="90000"/>
-              </a:lnSpc>
-              <a:spcBef>
-                <a:spcPts val="1000"/>
-              </a:spcBef>
-              <a:spcAft>
-                <a:spcPts val="0"/>
-              </a:spcAft>
-              <a:buClr>
-                <a:schemeClr val="dk1"/>
-              </a:buClr>
-              <a:buSzPts val="2800"/>
-              <a:buNone/>
-            </a:pPr>
-            <a:endParaRPr/>
           </a:p>
         </p:txBody>
       </p:sp>
       <p:sp>
         <p:nvSpPr>
-          <p:cNvPr id="117" name="Google Shape;117;p11"/>
-          <p:cNvSpPr txBox="1">
-            <a:spLocks noGrp="1"/>
-          </p:cNvSpPr>
-          <p:nvPr>
-            <p:ph type="dt" idx="10"/>
-          </p:nvPr>
-        </p:nvSpPr>
-        <p:spPr>
-          <a:xfrm>
-            <a:off x="2091018" y="6356350"/>
-            <a:ext cx="1490382" cy="365125"/>
-          </a:xfrm>
-          <a:prstGeom prst="rect">
-            <a:avLst/>
-          </a:prstGeom>
-          <a:noFill/>
-          <a:ln>
-            <a:noFill/>
-          </a:ln>
-        </p:spPr>
-        <p:txBody>
-          <a:bodyPr spcFirstLastPara="1" wrap="square" lIns="91425" tIns="45700" rIns="91425" bIns="45700" anchor="t" anchorCtr="0">
-            <a:noAutofit/>
-          </a:bodyPr>
-          <a:lstStyle/>
-          <a:p>
-            <a:pPr marL="0" lvl="0" indent="0" algn="l" rtl="0">
-              <a:spcBef>
-                <a:spcPts val="0"/>
-              </a:spcBef>
-              <a:spcAft>
-                <a:spcPts val="0"/>
-              </a:spcAft>
-              <a:buNone/>
-            </a:pPr>
-            <a:r>
-              <a:rPr lang="en-US"/>
-              <a:t>03/14/2019</a:t>
-            </a:r>
-            <a:endParaRPr/>
-          </a:p>
-        </p:txBody>
-      </p:sp>
-      <p:sp>
-        <p:nvSpPr>
-          <p:cNvPr id="118" name="Google Shape;118;p11"/>
-          <p:cNvSpPr txBox="1">
+          <p:cNvPr id="2" name="Slide Number Placeholder 1">
+            <a:extLst>
+              <a:ext uri="{FF2B5EF4-FFF2-40B4-BE49-F238E27FC236}">
+                <a16:creationId xmlns:a16="http://schemas.microsoft.com/office/drawing/2014/main" id="{0413A8C9-8A25-4AEA-8402-51FA9B92BA6A}"/>
+              </a:ext>
+            </a:extLst>
+          </p:cNvPr>
+          <p:cNvSpPr>
             <a:spLocks noGrp="1"/>
           </p:cNvSpPr>
           <p:nvPr>
             <p:ph type="sldNum" idx="12"/>
           </p:nvPr>
         </p:nvSpPr>
+        <p:spPr/>
+        <p:txBody>
+          <a:bodyPr/>
+          <a:lstStyle/>
+          <a:p>
+            <a:pPr marL="0" lvl="0" indent="0" algn="r" rtl="0">
+              <a:spcBef>
+                <a:spcPts val="0"/>
+              </a:spcBef>
+              <a:spcAft>
+                <a:spcPts val="0"/>
+              </a:spcAft>
+              <a:buNone/>
+            </a:pPr>
+            <a:fld id="{00000000-1234-1234-1234-123412341234}" type="slidenum">
+              <a:rPr lang="en-US" smtClean="0"/>
+              <a:t>4</a:t>
+            </a:fld>
+            <a:endParaRPr lang="en-US"/>
+          </a:p>
+        </p:txBody>
+      </p:sp>
+      <p:sp>
+        <p:nvSpPr>
+          <p:cNvPr id="6" name="TextBox 5">
+            <a:extLst>
+              <a:ext uri="{FF2B5EF4-FFF2-40B4-BE49-F238E27FC236}">
+                <a16:creationId xmlns:a16="http://schemas.microsoft.com/office/drawing/2014/main" id="{A6894CFE-D8DF-4E8D-B41D-F4CA21518726}"/>
+              </a:ext>
+            </a:extLst>
+          </p:cNvPr>
+          <p:cNvSpPr txBox="1"/>
+          <p:nvPr/>
+        </p:nvSpPr>
         <p:spPr>
           <a:xfrm>
-            <a:off x="8610600" y="6356350"/>
-            <a:ext cx="2819400" cy="365125"/>
+            <a:off x="2000865" y="5756584"/>
+            <a:ext cx="9866670" cy="276999"/>
           </a:xfrm>
           <a:prstGeom prst="rect">
             <a:avLst/>
           </a:prstGeom>
           <a:noFill/>
-          <a:ln>
-            <a:noFill/>
-          </a:ln>
         </p:spPr>
         <p:txBody>
-          <a:bodyPr spcFirstLastPara="1" wrap="square" lIns="91425" tIns="45700" rIns="91425" bIns="45700" anchor="t" anchorCtr="0">
-            <a:noAutofit/>
+          <a:bodyPr wrap="square" rtlCol="0">
+            <a:spAutoFit/>
           </a:bodyPr>
           <a:lstStyle/>
           <a:p>
-            <a:pPr marL="0" lvl="0" indent="0" algn="r" rtl="0">
-              <a:spcBef>
-                <a:spcPts val="0"/>
-              </a:spcBef>
-              <a:spcAft>
-                <a:spcPts val="0"/>
-              </a:spcAft>
-              <a:buNone/>
-            </a:pPr>
             <a:r>
-              <a:rPr lang="en-US"/>
-              <a:t>4</a:t>
+              <a:rPr lang="en-US" sz="1200" b="1" dirty="0"/>
+              <a:t>Notes:</a:t>
             </a:r>
-            <a:endParaRPr/>
-          </a:p>
-          <a:p>
-            <a:pPr marL="0" lvl="0" indent="0" algn="r" rtl="0">
-              <a:spcBef>
-                <a:spcPts val="0"/>
-              </a:spcBef>
-              <a:spcAft>
-                <a:spcPts val="0"/>
-              </a:spcAft>
-              <a:buNone/>
-            </a:pPr>
-            <a:endParaRPr/>
+            <a:r>
+              <a:rPr lang="en-US" sz="1200" dirty="0"/>
+              <a:t> 1) Further discussed in the Recommendations section of our presentation.</a:t>
+            </a:r>
           </a:p>
         </p:txBody>
       </p:sp>
     </p:spTree>
+    <p:extLst>
+      <p:ext uri="{BB962C8B-B14F-4D97-AF65-F5344CB8AC3E}">
+        <p14:creationId xmlns:p14="http://schemas.microsoft.com/office/powerpoint/2010/main" val="2867177583"/>
+      </p:ext>
+    </p:extLst>
   </p:cSld>
   <p:clrMapOvr>
     <a:masterClrMapping/>
@@ -17116,100 +13276,18 @@
             </a:pPr>
             <a:r>
               <a:rPr lang="en-US" sz="3200" dirty="0"/>
-              <a:t>Model Problem Statement</a:t>
+              <a:t>Data Overview &amp; Exploration</a:t>
             </a:r>
             <a:endParaRPr sz="3200" dirty="0"/>
           </a:p>
         </p:txBody>
       </p:sp>
-      <p:cxnSp>
-        <p:nvCxnSpPr>
-          <p:cNvPr id="2" name="Straight Arrow Connector 1">
+      <p:sp>
+        <p:nvSpPr>
+          <p:cNvPr id="2" name="Slide Number Placeholder 1">
             <a:extLst>
               <a:ext uri="{FF2B5EF4-FFF2-40B4-BE49-F238E27FC236}">
-                <a16:creationId xmlns:a16="http://schemas.microsoft.com/office/drawing/2014/main" id="{43561D8F-FD9A-4F41-8DE1-230BDC7F8A04}"/>
-              </a:ext>
-            </a:extLst>
-          </p:cNvPr>
-          <p:cNvCxnSpPr>
-            <a:cxnSpLocks/>
-          </p:cNvCxnSpPr>
-          <p:nvPr/>
-        </p:nvCxnSpPr>
-        <p:spPr>
-          <a:xfrm>
-            <a:off x="6096000" y="1536064"/>
-            <a:ext cx="0" cy="3996965"/>
-          </a:xfrm>
-          <a:prstGeom prst="straightConnector1">
-            <a:avLst/>
-          </a:prstGeom>
-          <a:ln w="28575">
-            <a:solidFill>
-              <a:schemeClr val="tx1"/>
-            </a:solidFill>
-          </a:ln>
-        </p:spPr>
-        <p:style>
-          <a:lnRef idx="1">
-            <a:schemeClr val="accent1"/>
-          </a:lnRef>
-          <a:fillRef idx="0">
-            <a:schemeClr val="accent1"/>
-          </a:fillRef>
-          <a:effectRef idx="0">
-            <a:schemeClr val="accent1"/>
-          </a:effectRef>
-          <a:fontRef idx="minor">
-            <a:schemeClr val="tx1"/>
-          </a:fontRef>
-        </p:style>
-      </p:cxnSp>
-      <p:sp>
-        <p:nvSpPr>
-          <p:cNvPr id="8" name="TextBox 7">
-            <a:extLst>
-              <a:ext uri="{FF2B5EF4-FFF2-40B4-BE49-F238E27FC236}">
-                <a16:creationId xmlns:a16="http://schemas.microsoft.com/office/drawing/2014/main" id="{E5DD1CD4-C9A5-4D87-8CE4-55761BFCA879}"/>
-              </a:ext>
-            </a:extLst>
-          </p:cNvPr>
-          <p:cNvSpPr txBox="1"/>
-          <p:nvPr/>
-        </p:nvSpPr>
-        <p:spPr>
-          <a:xfrm>
-            <a:off x="669302" y="2394002"/>
-            <a:ext cx="2196433" cy="738664"/>
-          </a:xfrm>
-          <a:prstGeom prst="rect">
-            <a:avLst/>
-          </a:prstGeom>
-          <a:noFill/>
-        </p:spPr>
-        <p:txBody>
-          <a:bodyPr wrap="square" rtlCol="0">
-            <a:spAutoFit/>
-          </a:bodyPr>
-          <a:lstStyle/>
-          <a:p>
-            <a:r>
-              <a:rPr lang="en-US" dirty="0">
-                <a:solidFill>
-                  <a:srgbClr val="C00000"/>
-                </a:solidFill>
-              </a:rPr>
-              <a:t>Add some sort of graphical representation or output</a:t>
-            </a:r>
-          </a:p>
-        </p:txBody>
-      </p:sp>
-      <p:sp>
-        <p:nvSpPr>
-          <p:cNvPr id="9" name="Slide Number Placeholder 8">
-            <a:extLst>
-              <a:ext uri="{FF2B5EF4-FFF2-40B4-BE49-F238E27FC236}">
-                <a16:creationId xmlns:a16="http://schemas.microsoft.com/office/drawing/2014/main" id="{8AE90E4E-5E22-4895-97CC-15C9A6688821}"/>
+                <a16:creationId xmlns:a16="http://schemas.microsoft.com/office/drawing/2014/main" id="{FDCEC58A-EC01-4B69-A8A7-39E289CBB2BE}"/>
               </a:ext>
             </a:extLst>
           </p:cNvPr>
@@ -17244,33 +13322,47 @@
       </p:sp>
       <p:sp>
         <p:nvSpPr>
-          <p:cNvPr id="3" name="Text Placeholder 2">
+          <p:cNvPr id="5" name="TextBox 4">
             <a:extLst>
               <a:ext uri="{FF2B5EF4-FFF2-40B4-BE49-F238E27FC236}">
-                <a16:creationId xmlns:a16="http://schemas.microsoft.com/office/drawing/2014/main" id="{9443DE81-7DF1-41A8-A444-DD641DB450FC}"/>
+                <a16:creationId xmlns:a16="http://schemas.microsoft.com/office/drawing/2014/main" id="{D46576A1-D4E8-4062-A8A0-086E299D421B}"/>
               </a:ext>
             </a:extLst>
           </p:cNvPr>
-          <p:cNvSpPr>
-            <a:spLocks noGrp="1"/>
-          </p:cNvSpPr>
-          <p:nvPr>
-            <p:ph type="body" idx="1"/>
-          </p:nvPr>
+          <p:cNvSpPr txBox="1"/>
+          <p:nvPr/>
         </p:nvSpPr>
-        <p:spPr/>
+        <p:spPr>
+          <a:xfrm>
+            <a:off x="669302" y="2394002"/>
+            <a:ext cx="2196433" cy="1169551"/>
+          </a:xfrm>
+          <a:prstGeom prst="rect">
+            <a:avLst/>
+          </a:prstGeom>
+          <a:noFill/>
+        </p:spPr>
         <p:txBody>
-          <a:bodyPr/>
+          <a:bodyPr wrap="square" rtlCol="0">
+            <a:spAutoFit/>
+          </a:bodyPr>
           <a:lstStyle/>
           <a:p>
-            <a:endParaRPr lang="en-US"/>
+            <a:r>
+              <a:rPr lang="en-US" dirty="0">
+                <a:solidFill>
+                  <a:srgbClr val="C00000"/>
+                </a:solidFill>
+              </a:rPr>
+              <a:t>Will we need a second slide for the imputation? Could be a good way for us to call out our methodology.</a:t>
+            </a:r>
           </a:p>
         </p:txBody>
       </p:sp>
     </p:spTree>
     <p:extLst>
       <p:ext uri="{BB962C8B-B14F-4D97-AF65-F5344CB8AC3E}">
-        <p14:creationId xmlns:p14="http://schemas.microsoft.com/office/powerpoint/2010/main" val="623224484"/>
+        <p14:creationId xmlns:p14="http://schemas.microsoft.com/office/powerpoint/2010/main" val="1300517471"/>
       </p:ext>
     </p:extLst>
   </p:cSld>
@@ -17345,167 +13437,6 @@
             </a:pPr>
             <a:r>
               <a:rPr lang="en-US" sz="3200" dirty="0"/>
-              <a:t>Data Overview &amp; Exploration</a:t>
-            </a:r>
-            <a:endParaRPr sz="3200" dirty="0"/>
-          </a:p>
-        </p:txBody>
-      </p:sp>
-      <p:sp>
-        <p:nvSpPr>
-          <p:cNvPr id="2" name="Slide Number Placeholder 1">
-            <a:extLst>
-              <a:ext uri="{FF2B5EF4-FFF2-40B4-BE49-F238E27FC236}">
-                <a16:creationId xmlns:a16="http://schemas.microsoft.com/office/drawing/2014/main" id="{FDCEC58A-EC01-4B69-A8A7-39E289CBB2BE}"/>
-              </a:ext>
-            </a:extLst>
-          </p:cNvPr>
-          <p:cNvSpPr>
-            <a:spLocks noGrp="1"/>
-          </p:cNvSpPr>
-          <p:nvPr>
-            <p:ph type="sldNum" idx="12"/>
-          </p:nvPr>
-        </p:nvSpPr>
-        <p:spPr/>
-        <p:txBody>
-          <a:bodyPr/>
-          <a:lstStyle/>
-          <a:p>
-            <a:pPr marL="0" lvl="0" indent="0" algn="r" rtl="0">
-              <a:spcBef>
-                <a:spcPts val="0"/>
-              </a:spcBef>
-              <a:spcAft>
-                <a:spcPts val="0"/>
-              </a:spcAft>
-              <a:buNone/>
-            </a:pPr>
-            <a:fld id="{00000000-1234-1234-1234-123412341234}" type="slidenum">
-              <a:rPr lang="en-US" smtClean="0"/>
-              <a:t>6</a:t>
-            </a:fld>
-            <a:endParaRPr lang="en-US"/>
-          </a:p>
-        </p:txBody>
-      </p:sp>
-      <p:sp>
-        <p:nvSpPr>
-          <p:cNvPr id="5" name="TextBox 4">
-            <a:extLst>
-              <a:ext uri="{FF2B5EF4-FFF2-40B4-BE49-F238E27FC236}">
-                <a16:creationId xmlns:a16="http://schemas.microsoft.com/office/drawing/2014/main" id="{D46576A1-D4E8-4062-A8A0-086E299D421B}"/>
-              </a:ext>
-            </a:extLst>
-          </p:cNvPr>
-          <p:cNvSpPr txBox="1"/>
-          <p:nvPr/>
-        </p:nvSpPr>
-        <p:spPr>
-          <a:xfrm>
-            <a:off x="669302" y="2394002"/>
-            <a:ext cx="2196433" cy="1169551"/>
-          </a:xfrm>
-          <a:prstGeom prst="rect">
-            <a:avLst/>
-          </a:prstGeom>
-          <a:noFill/>
-        </p:spPr>
-        <p:txBody>
-          <a:bodyPr wrap="square" rtlCol="0">
-            <a:spAutoFit/>
-          </a:bodyPr>
-          <a:lstStyle/>
-          <a:p>
-            <a:r>
-              <a:rPr lang="en-US" dirty="0">
-                <a:solidFill>
-                  <a:srgbClr val="C00000"/>
-                </a:solidFill>
-              </a:rPr>
-              <a:t>Will we need a second slide for the imputation? Could be a good way for us to call out our methodology.</a:t>
-            </a:r>
-          </a:p>
-        </p:txBody>
-      </p:sp>
-    </p:spTree>
-    <p:extLst>
-      <p:ext uri="{BB962C8B-B14F-4D97-AF65-F5344CB8AC3E}">
-        <p14:creationId xmlns:p14="http://schemas.microsoft.com/office/powerpoint/2010/main" val="1300517471"/>
-      </p:ext>
-    </p:extLst>
-  </p:cSld>
-  <p:clrMapOvr>
-    <a:masterClrMapping/>
-  </p:clrMapOvr>
-</p:sld>
-</file>
-
-<file path=ppt/slides/slide8.xml><?xml version="1.0" encoding="utf-8"?>
-<p:sld xmlns:a="http://schemas.openxmlformats.org/drawingml/2006/main" xmlns:r="http://schemas.openxmlformats.org/officeDocument/2006/relationships" xmlns:p="http://schemas.openxmlformats.org/presentationml/2006/main">
-  <p:cSld>
-    <p:spTree>
-      <p:nvGrpSpPr>
-        <p:cNvPr id="1" name="Shape 104"/>
-        <p:cNvGrpSpPr/>
-        <p:nvPr/>
-      </p:nvGrpSpPr>
-      <p:grpSpPr>
-        <a:xfrm>
-          <a:off x="0" y="0"/>
-          <a:ext cx="0" cy="0"/>
-          <a:chOff x="0" y="0"/>
-          <a:chExt cx="0" cy="0"/>
-        </a:xfrm>
-      </p:grpSpPr>
-      <p:sp>
-        <p:nvSpPr>
-          <p:cNvPr id="105" name="Google Shape;105;p10"/>
-          <p:cNvSpPr txBox="1">
-            <a:spLocks noGrp="1"/>
-          </p:cNvSpPr>
-          <p:nvPr>
-            <p:ph type="title"/>
-          </p:nvPr>
-        </p:nvSpPr>
-        <p:spPr>
-          <a:xfrm>
-            <a:off x="762000" y="363538"/>
-            <a:ext cx="10668000" cy="540230"/>
-          </a:xfrm>
-          <a:prstGeom prst="rect">
-            <a:avLst/>
-          </a:prstGeom>
-          <a:noFill/>
-          <a:ln>
-            <a:noFill/>
-          </a:ln>
-        </p:spPr>
-        <p:txBody>
-          <a:bodyPr spcFirstLastPara="1" wrap="square" lIns="91425" tIns="45700" rIns="91425" bIns="45700" anchor="t" anchorCtr="0">
-            <a:noAutofit/>
-          </a:bodyPr>
-          <a:lstStyle/>
-          <a:p>
-            <a:pPr marL="0" lvl="0" indent="0" algn="l" rtl="0">
-              <a:lnSpc>
-                <a:spcPct val="90000"/>
-              </a:lnSpc>
-              <a:spcBef>
-                <a:spcPts val="0"/>
-              </a:spcBef>
-              <a:spcAft>
-                <a:spcPts val="0"/>
-              </a:spcAft>
-              <a:buClr>
-                <a:schemeClr val="dk1"/>
-              </a:buClr>
-              <a:buSzPts val="3600"/>
-              <a:buFont typeface="Arial"/>
-              <a:buNone/>
-            </a:pPr>
-            <a:r>
-              <a:rPr lang="en-US" sz="3200" dirty="0"/>
               <a:t>Data Preparation</a:t>
             </a:r>
             <a:endParaRPr sz="3200" dirty="0"/>
@@ -17544,7 +13475,7 @@
             </a:pPr>
             <a:fld id="{00000000-1234-1234-1234-123412341234}" type="slidenum">
               <a:rPr lang="en-US" smtClean="0"/>
-              <a:t>7</a:t>
+              <a:t>6</a:t>
             </a:fld>
             <a:endParaRPr lang="en-US"/>
           </a:p>
@@ -17657,7 +13588,7 @@
 </p:sld>
 </file>
 
-<file path=ppt/slides/slide9.xml><?xml version="1.0" encoding="utf-8"?>
+<file path=ppt/slides/slide8.xml><?xml version="1.0" encoding="utf-8"?>
 <p:sld xmlns:a="http://schemas.openxmlformats.org/drawingml/2006/main" xmlns:r="http://schemas.openxmlformats.org/officeDocument/2006/relationships" xmlns:p="http://schemas.openxmlformats.org/presentationml/2006/main">
   <p:cSld>
     <p:spTree>
@@ -17760,7 +13691,7 @@
             </a:pPr>
             <a:fld id="{00000000-1234-1234-1234-123412341234}" type="slidenum">
               <a:rPr lang="en-US" smtClean="0"/>
-              <a:t>8</a:t>
+              <a:t>7</a:t>
             </a:fld>
             <a:endParaRPr lang="en-US"/>
           </a:p>
@@ -17956,6 +13887,472 @@
     <p:extLst>
       <p:ext uri="{BB962C8B-B14F-4D97-AF65-F5344CB8AC3E}">
         <p14:creationId xmlns:p14="http://schemas.microsoft.com/office/powerpoint/2010/main" val="3045553113"/>
+      </p:ext>
+    </p:extLst>
+  </p:cSld>
+  <p:clrMapOvr>
+    <a:masterClrMapping/>
+  </p:clrMapOvr>
+</p:sld>
+</file>
+
+<file path=ppt/slides/slide9.xml><?xml version="1.0" encoding="utf-8"?>
+<p:sld xmlns:a="http://schemas.openxmlformats.org/drawingml/2006/main" xmlns:r="http://schemas.openxmlformats.org/officeDocument/2006/relationships" xmlns:p="http://schemas.openxmlformats.org/presentationml/2006/main">
+  <p:cSld>
+    <p:spTree>
+      <p:nvGrpSpPr>
+        <p:cNvPr id="1" name="Shape 104"/>
+        <p:cNvGrpSpPr/>
+        <p:nvPr/>
+      </p:nvGrpSpPr>
+      <p:grpSpPr>
+        <a:xfrm>
+          <a:off x="0" y="0"/>
+          <a:ext cx="0" cy="0"/>
+          <a:chOff x="0" y="0"/>
+          <a:chExt cx="0" cy="0"/>
+        </a:xfrm>
+      </p:grpSpPr>
+      <p:sp>
+        <p:nvSpPr>
+          <p:cNvPr id="105" name="Google Shape;105;p10"/>
+          <p:cNvSpPr txBox="1">
+            <a:spLocks noGrp="1"/>
+          </p:cNvSpPr>
+          <p:nvPr>
+            <p:ph type="title"/>
+          </p:nvPr>
+        </p:nvSpPr>
+        <p:spPr>
+          <a:xfrm>
+            <a:off x="762000" y="363538"/>
+            <a:ext cx="10668000" cy="540230"/>
+          </a:xfrm>
+          <a:prstGeom prst="rect">
+            <a:avLst/>
+          </a:prstGeom>
+          <a:noFill/>
+          <a:ln>
+            <a:noFill/>
+          </a:ln>
+        </p:spPr>
+        <p:txBody>
+          <a:bodyPr spcFirstLastPara="1" wrap="square" lIns="91425" tIns="45700" rIns="91425" bIns="45700" anchor="t" anchorCtr="0">
+            <a:noAutofit/>
+          </a:bodyPr>
+          <a:lstStyle/>
+          <a:p>
+            <a:pPr marL="0" lvl="0" indent="0" algn="l" rtl="0">
+              <a:lnSpc>
+                <a:spcPct val="90000"/>
+              </a:lnSpc>
+              <a:spcBef>
+                <a:spcPts val="0"/>
+              </a:spcBef>
+              <a:spcAft>
+                <a:spcPts val="0"/>
+              </a:spcAft>
+              <a:buClr>
+                <a:schemeClr val="dk1"/>
+              </a:buClr>
+              <a:buSzPts val="3600"/>
+              <a:buFont typeface="Arial"/>
+              <a:buNone/>
+            </a:pPr>
+            <a:r>
+              <a:rPr lang="en-US" sz="3200" dirty="0"/>
+              <a:t>Modeling Approaches Utilized: Regression</a:t>
+            </a:r>
+            <a:endParaRPr sz="3200" dirty="0"/>
+          </a:p>
+        </p:txBody>
+      </p:sp>
+      <p:graphicFrame>
+        <p:nvGraphicFramePr>
+          <p:cNvPr id="2" name="Table 1">
+            <a:extLst>
+              <a:ext uri="{FF2B5EF4-FFF2-40B4-BE49-F238E27FC236}">
+                <a16:creationId xmlns:a16="http://schemas.microsoft.com/office/drawing/2014/main" id="{20589061-E9DC-477E-87F5-2BDC299FFCFC}"/>
+              </a:ext>
+            </a:extLst>
+          </p:cNvPr>
+          <p:cNvGraphicFramePr>
+            <a:graphicFrameLocks noGrp="1"/>
+          </p:cNvGraphicFramePr>
+          <p:nvPr>
+            <p:extLst>
+              <p:ext uri="{D42A27DB-BD31-4B8C-83A1-F6EECF244321}">
+                <p14:modId xmlns:p14="http://schemas.microsoft.com/office/powerpoint/2010/main" val="2422842497"/>
+              </p:ext>
+            </p:extLst>
+          </p:nvPr>
+        </p:nvGraphicFramePr>
+        <p:xfrm>
+          <a:off x="960283" y="1398089"/>
+          <a:ext cx="10403840" cy="2352040"/>
+        </p:xfrm>
+        <a:graphic>
+          <a:graphicData uri="http://schemas.openxmlformats.org/drawingml/2006/table">
+            <a:tbl>
+              <a:tblPr firstRow="1" bandRow="1">
+                <a:tableStyleId>{8799B23B-EC83-4686-B30A-512413B5E67A}</a:tableStyleId>
+              </a:tblPr>
+              <a:tblGrid>
+                <a:gridCol w="1625600">
+                  <a:extLst>
+                    <a:ext uri="{9D8B030D-6E8A-4147-A177-3AD203B41FA5}">
+                      <a16:colId xmlns:a16="http://schemas.microsoft.com/office/drawing/2014/main" val="3047201911"/>
+                    </a:ext>
+                  </a:extLst>
+                </a:gridCol>
+                <a:gridCol w="2194560">
+                  <a:extLst>
+                    <a:ext uri="{9D8B030D-6E8A-4147-A177-3AD203B41FA5}">
+                      <a16:colId xmlns:a16="http://schemas.microsoft.com/office/drawing/2014/main" val="3831299100"/>
+                    </a:ext>
+                  </a:extLst>
+                </a:gridCol>
+                <a:gridCol w="2194560">
+                  <a:extLst>
+                    <a:ext uri="{9D8B030D-6E8A-4147-A177-3AD203B41FA5}">
+                      <a16:colId xmlns:a16="http://schemas.microsoft.com/office/drawing/2014/main" val="3024791108"/>
+                    </a:ext>
+                  </a:extLst>
+                </a:gridCol>
+                <a:gridCol w="2194560">
+                  <a:extLst>
+                    <a:ext uri="{9D8B030D-6E8A-4147-A177-3AD203B41FA5}">
+                      <a16:colId xmlns:a16="http://schemas.microsoft.com/office/drawing/2014/main" val="2176626461"/>
+                    </a:ext>
+                  </a:extLst>
+                </a:gridCol>
+                <a:gridCol w="2194560">
+                  <a:extLst>
+                    <a:ext uri="{9D8B030D-6E8A-4147-A177-3AD203B41FA5}">
+                      <a16:colId xmlns:a16="http://schemas.microsoft.com/office/drawing/2014/main" val="2037370934"/>
+                    </a:ext>
+                  </a:extLst>
+                </a:gridCol>
+              </a:tblGrid>
+              <a:tr h="370840">
+                <a:tc>
+                  <a:txBody>
+                    <a:bodyPr/>
+                    <a:lstStyle/>
+                    <a:p>
+                      <a:endParaRPr lang="en-US" dirty="0"/>
+                    </a:p>
+                  </a:txBody>
+                  <a:tcPr/>
+                </a:tc>
+                <a:tc>
+                  <a:txBody>
+                    <a:bodyPr/>
+                    <a:lstStyle/>
+                    <a:p>
+                      <a:pPr algn="ctr"/>
+                      <a:r>
+                        <a:rPr lang="en-US" dirty="0"/>
+                        <a:t>Model 1</a:t>
+                      </a:r>
+                    </a:p>
+                  </a:txBody>
+                  <a:tcPr/>
+                </a:tc>
+                <a:tc>
+                  <a:txBody>
+                    <a:bodyPr/>
+                    <a:lstStyle/>
+                    <a:p>
+                      <a:pPr algn="ctr"/>
+                      <a:r>
+                        <a:rPr lang="en-US" dirty="0"/>
+                        <a:t>Model 2</a:t>
+                      </a:r>
+                    </a:p>
+                  </a:txBody>
+                  <a:tcPr/>
+                </a:tc>
+                <a:tc>
+                  <a:txBody>
+                    <a:bodyPr/>
+                    <a:lstStyle/>
+                    <a:p>
+                      <a:pPr algn="ctr"/>
+                      <a:r>
+                        <a:rPr lang="en-US" dirty="0"/>
+                        <a:t>Model 3</a:t>
+                      </a:r>
+                    </a:p>
+                  </a:txBody>
+                  <a:tcPr/>
+                </a:tc>
+                <a:tc>
+                  <a:txBody>
+                    <a:bodyPr/>
+                    <a:lstStyle/>
+                    <a:p>
+                      <a:pPr algn="ctr"/>
+                      <a:r>
+                        <a:rPr lang="en-US" dirty="0"/>
+                        <a:t>Model 4</a:t>
+                      </a:r>
+                    </a:p>
+                  </a:txBody>
+                  <a:tcPr/>
+                </a:tc>
+                <a:extLst>
+                  <a:ext uri="{0D108BD9-81ED-4DB2-BD59-A6C34878D82A}">
+                    <a16:rowId xmlns:a16="http://schemas.microsoft.com/office/drawing/2014/main" val="807575487"/>
+                  </a:ext>
+                </a:extLst>
+              </a:tr>
+              <a:tr h="822960">
+                <a:tc>
+                  <a:txBody>
+                    <a:bodyPr/>
+                    <a:lstStyle/>
+                    <a:p>
+                      <a:pPr algn="ctr"/>
+                      <a:r>
+                        <a:rPr lang="en-US" b="1" dirty="0"/>
+                        <a:t>Overview</a:t>
+                      </a:r>
+                    </a:p>
+                  </a:txBody>
+                  <a:tcPr anchor="ctr"/>
+                </a:tc>
+                <a:tc>
+                  <a:txBody>
+                    <a:bodyPr/>
+                    <a:lstStyle/>
+                    <a:p>
+                      <a:endParaRPr lang="en-US" dirty="0"/>
+                    </a:p>
+                  </a:txBody>
+                  <a:tcPr/>
+                </a:tc>
+                <a:tc>
+                  <a:txBody>
+                    <a:bodyPr/>
+                    <a:lstStyle/>
+                    <a:p>
+                      <a:endParaRPr lang="en-US"/>
+                    </a:p>
+                  </a:txBody>
+                  <a:tcPr/>
+                </a:tc>
+                <a:tc>
+                  <a:txBody>
+                    <a:bodyPr/>
+                    <a:lstStyle/>
+                    <a:p>
+                      <a:endParaRPr lang="en-US"/>
+                    </a:p>
+                  </a:txBody>
+                  <a:tcPr/>
+                </a:tc>
+                <a:tc>
+                  <a:txBody>
+                    <a:bodyPr/>
+                    <a:lstStyle/>
+                    <a:p>
+                      <a:endParaRPr lang="en-US" dirty="0"/>
+                    </a:p>
+                  </a:txBody>
+                  <a:tcPr/>
+                </a:tc>
+                <a:extLst>
+                  <a:ext uri="{0D108BD9-81ED-4DB2-BD59-A6C34878D82A}">
+                    <a16:rowId xmlns:a16="http://schemas.microsoft.com/office/drawing/2014/main" val="2246008554"/>
+                  </a:ext>
+                </a:extLst>
+              </a:tr>
+              <a:tr h="822960">
+                <a:tc>
+                  <a:txBody>
+                    <a:bodyPr/>
+                    <a:lstStyle/>
+                    <a:p>
+                      <a:pPr algn="ctr"/>
+                      <a:r>
+                        <a:rPr lang="en-US" b="1" dirty="0"/>
+                        <a:t>Performance</a:t>
+                      </a:r>
+                    </a:p>
+                  </a:txBody>
+                  <a:tcPr anchor="ctr"/>
+                </a:tc>
+                <a:tc>
+                  <a:txBody>
+                    <a:bodyPr/>
+                    <a:lstStyle/>
+                    <a:p>
+                      <a:r>
+                        <a:rPr lang="en-US" dirty="0"/>
+                        <a:t>Accuracy</a:t>
+                      </a:r>
+                    </a:p>
+                    <a:p>
+                      <a:r>
+                        <a:rPr lang="en-US" dirty="0"/>
+                        <a:t>Precision</a:t>
+                      </a:r>
+                    </a:p>
+                    <a:p>
+                      <a:r>
+                        <a:rPr lang="en-US" dirty="0"/>
+                        <a:t>Recall</a:t>
+                      </a:r>
+                    </a:p>
+                    <a:p>
+                      <a:r>
+                        <a:rPr lang="en-US" dirty="0"/>
+                        <a:t>F1 Score</a:t>
+                      </a:r>
+                    </a:p>
+                    <a:p>
+                      <a:r>
+                        <a:rPr lang="en-US" dirty="0"/>
+                        <a:t>RMSE</a:t>
+                      </a:r>
+                    </a:p>
+                  </a:txBody>
+                  <a:tcPr/>
+                </a:tc>
+                <a:tc>
+                  <a:txBody>
+                    <a:bodyPr/>
+                    <a:lstStyle/>
+                    <a:p>
+                      <a:endParaRPr lang="en-US" dirty="0"/>
+                    </a:p>
+                  </a:txBody>
+                  <a:tcPr/>
+                </a:tc>
+                <a:tc>
+                  <a:txBody>
+                    <a:bodyPr/>
+                    <a:lstStyle/>
+                    <a:p>
+                      <a:endParaRPr lang="en-US" dirty="0"/>
+                    </a:p>
+                  </a:txBody>
+                  <a:tcPr/>
+                </a:tc>
+                <a:tc>
+                  <a:txBody>
+                    <a:bodyPr/>
+                    <a:lstStyle/>
+                    <a:p>
+                      <a:endParaRPr lang="en-US" dirty="0"/>
+                    </a:p>
+                  </a:txBody>
+                  <a:tcPr/>
+                </a:tc>
+                <a:extLst>
+                  <a:ext uri="{0D108BD9-81ED-4DB2-BD59-A6C34878D82A}">
+                    <a16:rowId xmlns:a16="http://schemas.microsoft.com/office/drawing/2014/main" val="32276016"/>
+                  </a:ext>
+                </a:extLst>
+              </a:tr>
+            </a:tbl>
+          </a:graphicData>
+        </a:graphic>
+      </p:graphicFrame>
+      <p:sp>
+        <p:nvSpPr>
+          <p:cNvPr id="5" name="Google Shape;109;p10">
+            <a:extLst>
+              <a:ext uri="{FF2B5EF4-FFF2-40B4-BE49-F238E27FC236}">
+                <a16:creationId xmlns:a16="http://schemas.microsoft.com/office/drawing/2014/main" id="{2BFDF0D6-F40D-456F-B8E0-932363E5B50E}"/>
+              </a:ext>
+            </a:extLst>
+          </p:cNvPr>
+          <p:cNvSpPr txBox="1"/>
+          <p:nvPr/>
+        </p:nvSpPr>
+        <p:spPr>
+          <a:xfrm>
+            <a:off x="761999" y="876963"/>
+            <a:ext cx="10947647" cy="1041568"/>
+          </a:xfrm>
+          <a:prstGeom prst="rect">
+            <a:avLst/>
+          </a:prstGeom>
+          <a:noFill/>
+          <a:ln>
+            <a:noFill/>
+          </a:ln>
+        </p:spPr>
+        <p:txBody>
+          <a:bodyPr spcFirstLastPara="1" wrap="square" lIns="91425" tIns="45700" rIns="91425" bIns="45700" anchor="t" anchorCtr="0">
+            <a:noAutofit/>
+          </a:bodyPr>
+          <a:lstStyle/>
+          <a:p>
+            <a:pPr marL="0" marR="0" lvl="0" indent="0" algn="l" rtl="0">
+              <a:spcBef>
+                <a:spcPts val="0"/>
+              </a:spcBef>
+              <a:spcAft>
+                <a:spcPts val="0"/>
+              </a:spcAft>
+              <a:buNone/>
+            </a:pPr>
+            <a:r>
+              <a:rPr lang="en-US" sz="1800" dirty="0">
+                <a:solidFill>
+                  <a:schemeClr val="dk1"/>
+                </a:solidFill>
+              </a:rPr>
+              <a:t>We tested several modeling approaches, however ultimately landed on [Model X] due to….</a:t>
+            </a:r>
+          </a:p>
+        </p:txBody>
+      </p:sp>
+      <p:sp>
+        <p:nvSpPr>
+          <p:cNvPr id="3" name="Slide Number Placeholder 2">
+            <a:extLst>
+              <a:ext uri="{FF2B5EF4-FFF2-40B4-BE49-F238E27FC236}">
+                <a16:creationId xmlns:a16="http://schemas.microsoft.com/office/drawing/2014/main" id="{BD56DDDA-9184-4E12-85DF-473A0329F5D5}"/>
+              </a:ext>
+            </a:extLst>
+          </p:cNvPr>
+          <p:cNvSpPr>
+            <a:spLocks noGrp="1"/>
+          </p:cNvSpPr>
+          <p:nvPr>
+            <p:ph type="sldNum" idx="12"/>
+          </p:nvPr>
+        </p:nvSpPr>
+        <p:spPr/>
+        <p:txBody>
+          <a:bodyPr/>
+          <a:lstStyle/>
+          <a:p>
+            <a:pPr marL="0" lvl="0" indent="0" algn="r" rtl="0">
+              <a:spcBef>
+                <a:spcPts val="0"/>
+              </a:spcBef>
+              <a:spcAft>
+                <a:spcPts val="0"/>
+              </a:spcAft>
+              <a:buNone/>
+            </a:pPr>
+            <a:fld id="{00000000-1234-1234-1234-123412341234}" type="slidenum">
+              <a:rPr lang="en-US" smtClean="0"/>
+              <a:t>8</a:t>
+            </a:fld>
+            <a:endParaRPr lang="en-US"/>
+          </a:p>
+        </p:txBody>
+      </p:sp>
+    </p:spTree>
+    <p:extLst>
+      <p:ext uri="{BB962C8B-B14F-4D97-AF65-F5344CB8AC3E}">
+        <p14:creationId xmlns:p14="http://schemas.microsoft.com/office/powerpoint/2010/main" val="1163658318"/>
       </p:ext>
     </p:extLst>
   </p:cSld>

--- a/Data Mining_Final Project_Hospital Ranking.pptx
+++ b/Data Mining_Final Project_Hospital Ranking.pptx
@@ -21,7 +21,7 @@
     <p:sldId id="286" r:id="rId12"/>
     <p:sldId id="281" r:id="rId13"/>
     <p:sldId id="282" r:id="rId14"/>
-    <p:sldId id="283" r:id="rId15"/>
+    <p:sldId id="288" r:id="rId15"/>
     <p:sldId id="284" r:id="rId16"/>
     <p:sldId id="274" r:id="rId17"/>
   </p:sldIdLst>
@@ -1104,20 +1104,6 @@
 
 <file path=ppt/comments/comment7.xml><?xml version="1.0" encoding="utf-8"?>
 <p:cmLst xmlns:a="http://schemas.openxmlformats.org/drawingml/2006/main" xmlns:r="http://schemas.openxmlformats.org/officeDocument/2006/relationships" xmlns:p="http://schemas.openxmlformats.org/presentationml/2006/main">
-  <p:cm authorId="1" dt="2019-05-26T11:18:57.197" idx="10">
-    <p:pos x="10" y="10"/>
-    <p:text>Michael</p:text>
-    <p:extLst>
-      <p:ext uri="{C676402C-5697-4E1C-873F-D02D1690AC5C}">
-        <p15:threadingInfo xmlns:p15="http://schemas.microsoft.com/office/powerpoint/2012/main" timeZoneBias="300"/>
-      </p:ext>
-    </p:extLst>
-  </p:cm>
-</p:cmLst>
-</file>
-
-<file path=ppt/comments/comment8.xml><?xml version="1.0" encoding="utf-8"?>
-<p:cmLst xmlns:a="http://schemas.openxmlformats.org/drawingml/2006/main" xmlns:r="http://schemas.openxmlformats.org/officeDocument/2006/relationships" xmlns:p="http://schemas.openxmlformats.org/presentationml/2006/main">
   <p:cm authorId="1" dt="2019-05-26T11:18:32.735" idx="9">
     <p:pos x="10" y="10"/>
     <p:text>Marin &amp; Venku</p:text>
@@ -1137,6 +1123,2643 @@
     </p:extLst>
   </p:cm>
 </p:cmLst>
+</file>
+
+<file path=ppt/diagrams/colors1.xml><?xml version="1.0" encoding="utf-8"?>
+<dgm:colorsDef xmlns:dgm="http://schemas.openxmlformats.org/drawingml/2006/diagram" xmlns:a="http://schemas.openxmlformats.org/drawingml/2006/main" uniqueId="urn:microsoft.com/office/officeart/2005/8/colors/accent1_2">
+  <dgm:title val=""/>
+  <dgm:desc val=""/>
+  <dgm:catLst>
+    <dgm:cat type="accent1" pri="11200"/>
+  </dgm:catLst>
+  <dgm:styleLbl name="node0">
+    <dgm:fillClrLst meth="repeat">
+      <a:schemeClr val="accent1"/>
+    </dgm:fillClrLst>
+    <dgm:linClrLst meth="repeat">
+      <a:schemeClr val="lt1"/>
+    </dgm:linClrLst>
+    <dgm:effectClrLst/>
+    <dgm:txLinClrLst/>
+    <dgm:txFillClrLst/>
+    <dgm:txEffectClrLst/>
+  </dgm:styleLbl>
+  <dgm:styleLbl name="alignNode1">
+    <dgm:fillClrLst meth="repeat">
+      <a:schemeClr val="accent1"/>
+    </dgm:fillClrLst>
+    <dgm:linClrLst meth="repeat">
+      <a:schemeClr val="accent1"/>
+    </dgm:linClrLst>
+    <dgm:effectClrLst/>
+    <dgm:txLinClrLst/>
+    <dgm:txFillClrLst/>
+    <dgm:txEffectClrLst/>
+  </dgm:styleLbl>
+  <dgm:styleLbl name="node1">
+    <dgm:fillClrLst meth="repeat">
+      <a:schemeClr val="accent1"/>
+    </dgm:fillClrLst>
+    <dgm:linClrLst meth="repeat">
+      <a:schemeClr val="lt1"/>
+    </dgm:linClrLst>
+    <dgm:effectClrLst/>
+    <dgm:txLinClrLst/>
+    <dgm:txFillClrLst/>
+    <dgm:txEffectClrLst/>
+  </dgm:styleLbl>
+  <dgm:styleLbl name="lnNode1">
+    <dgm:fillClrLst meth="repeat">
+      <a:schemeClr val="accent1"/>
+    </dgm:fillClrLst>
+    <dgm:linClrLst meth="repeat">
+      <a:schemeClr val="lt1"/>
+    </dgm:linClrLst>
+    <dgm:effectClrLst/>
+    <dgm:txLinClrLst/>
+    <dgm:txFillClrLst/>
+    <dgm:txEffectClrLst/>
+  </dgm:styleLbl>
+  <dgm:styleLbl name="vennNode1">
+    <dgm:fillClrLst meth="repeat">
+      <a:schemeClr val="accent1">
+        <a:alpha val="50000"/>
+      </a:schemeClr>
+    </dgm:fillClrLst>
+    <dgm:linClrLst meth="repeat">
+      <a:schemeClr val="lt1"/>
+    </dgm:linClrLst>
+    <dgm:effectClrLst/>
+    <dgm:txLinClrLst/>
+    <dgm:txFillClrLst/>
+    <dgm:txEffectClrLst/>
+  </dgm:styleLbl>
+  <dgm:styleLbl name="node2">
+    <dgm:fillClrLst meth="repeat">
+      <a:schemeClr val="accent1"/>
+    </dgm:fillClrLst>
+    <dgm:linClrLst meth="repeat">
+      <a:schemeClr val="lt1"/>
+    </dgm:linClrLst>
+    <dgm:effectClrLst/>
+    <dgm:txLinClrLst/>
+    <dgm:txFillClrLst/>
+    <dgm:txEffectClrLst/>
+  </dgm:styleLbl>
+  <dgm:styleLbl name="node3">
+    <dgm:fillClrLst meth="repeat">
+      <a:schemeClr val="accent1"/>
+    </dgm:fillClrLst>
+    <dgm:linClrLst meth="repeat">
+      <a:schemeClr val="lt1"/>
+    </dgm:linClrLst>
+    <dgm:effectClrLst/>
+    <dgm:txLinClrLst/>
+    <dgm:txFillClrLst/>
+    <dgm:txEffectClrLst/>
+  </dgm:styleLbl>
+  <dgm:styleLbl name="node4">
+    <dgm:fillClrLst meth="repeat">
+      <a:schemeClr val="accent1"/>
+    </dgm:fillClrLst>
+    <dgm:linClrLst meth="repeat">
+      <a:schemeClr val="lt1"/>
+    </dgm:linClrLst>
+    <dgm:effectClrLst/>
+    <dgm:txLinClrLst/>
+    <dgm:txFillClrLst/>
+    <dgm:txEffectClrLst/>
+  </dgm:styleLbl>
+  <dgm:styleLbl name="fgImgPlace1">
+    <dgm:fillClrLst meth="repeat">
+      <a:schemeClr val="accent1">
+        <a:tint val="50000"/>
+      </a:schemeClr>
+    </dgm:fillClrLst>
+    <dgm:linClrLst meth="repeat">
+      <a:schemeClr val="lt1"/>
+    </dgm:linClrLst>
+    <dgm:effectClrLst/>
+    <dgm:txLinClrLst/>
+    <dgm:txFillClrLst meth="repeat">
+      <a:schemeClr val="lt1"/>
+    </dgm:txFillClrLst>
+    <dgm:txEffectClrLst/>
+  </dgm:styleLbl>
+  <dgm:styleLbl name="alignImgPlace1">
+    <dgm:fillClrLst meth="repeat">
+      <a:schemeClr val="accent1">
+        <a:tint val="50000"/>
+      </a:schemeClr>
+    </dgm:fillClrLst>
+    <dgm:linClrLst meth="repeat">
+      <a:schemeClr val="lt1"/>
+    </dgm:linClrLst>
+    <dgm:effectClrLst/>
+    <dgm:txLinClrLst/>
+    <dgm:txFillClrLst meth="repeat">
+      <a:schemeClr val="lt1"/>
+    </dgm:txFillClrLst>
+    <dgm:txEffectClrLst/>
+  </dgm:styleLbl>
+  <dgm:styleLbl name="bgImgPlace1">
+    <dgm:fillClrLst meth="repeat">
+      <a:schemeClr val="accent1">
+        <a:tint val="50000"/>
+      </a:schemeClr>
+    </dgm:fillClrLst>
+    <dgm:linClrLst meth="repeat">
+      <a:schemeClr val="lt1"/>
+    </dgm:linClrLst>
+    <dgm:effectClrLst/>
+    <dgm:txLinClrLst/>
+    <dgm:txFillClrLst meth="repeat">
+      <a:schemeClr val="lt1"/>
+    </dgm:txFillClrLst>
+    <dgm:txEffectClrLst/>
+  </dgm:styleLbl>
+  <dgm:styleLbl name="sibTrans2D1">
+    <dgm:fillClrLst meth="repeat">
+      <a:schemeClr val="accent1">
+        <a:tint val="60000"/>
+      </a:schemeClr>
+    </dgm:fillClrLst>
+    <dgm:linClrLst meth="repeat">
+      <a:schemeClr val="accent1">
+        <a:tint val="60000"/>
+      </a:schemeClr>
+    </dgm:linClrLst>
+    <dgm:effectClrLst/>
+    <dgm:txLinClrLst/>
+    <dgm:txFillClrLst/>
+    <dgm:txEffectClrLst/>
+  </dgm:styleLbl>
+  <dgm:styleLbl name="fgSibTrans2D1">
+    <dgm:fillClrLst meth="repeat">
+      <a:schemeClr val="accent1">
+        <a:tint val="60000"/>
+      </a:schemeClr>
+    </dgm:fillClrLst>
+    <dgm:linClrLst meth="repeat">
+      <a:schemeClr val="accent1">
+        <a:tint val="60000"/>
+      </a:schemeClr>
+    </dgm:linClrLst>
+    <dgm:effectClrLst/>
+    <dgm:txLinClrLst/>
+    <dgm:txFillClrLst/>
+    <dgm:txEffectClrLst/>
+  </dgm:styleLbl>
+  <dgm:styleLbl name="bgSibTrans2D1">
+    <dgm:fillClrLst meth="repeat">
+      <a:schemeClr val="accent1">
+        <a:tint val="60000"/>
+      </a:schemeClr>
+    </dgm:fillClrLst>
+    <dgm:linClrLst meth="repeat">
+      <a:schemeClr val="accent1">
+        <a:tint val="60000"/>
+      </a:schemeClr>
+    </dgm:linClrLst>
+    <dgm:effectClrLst/>
+    <dgm:txLinClrLst/>
+    <dgm:txFillClrLst/>
+    <dgm:txEffectClrLst/>
+  </dgm:styleLbl>
+  <dgm:styleLbl name="sibTrans1D1">
+    <dgm:fillClrLst meth="repeat">
+      <a:schemeClr val="accent1"/>
+    </dgm:fillClrLst>
+    <dgm:linClrLst meth="repeat">
+      <a:schemeClr val="accent1"/>
+    </dgm:linClrLst>
+    <dgm:effectClrLst/>
+    <dgm:txLinClrLst/>
+    <dgm:txFillClrLst meth="repeat">
+      <a:schemeClr val="tx1"/>
+    </dgm:txFillClrLst>
+    <dgm:txEffectClrLst/>
+  </dgm:styleLbl>
+  <dgm:styleLbl name="callout">
+    <dgm:fillClrLst meth="repeat">
+      <a:schemeClr val="accent1"/>
+    </dgm:fillClrLst>
+    <dgm:linClrLst meth="repeat">
+      <a:schemeClr val="accent1">
+        <a:tint val="50000"/>
+      </a:schemeClr>
+    </dgm:linClrLst>
+    <dgm:effectClrLst/>
+    <dgm:txLinClrLst/>
+    <dgm:txFillClrLst meth="repeat">
+      <a:schemeClr val="tx1"/>
+    </dgm:txFillClrLst>
+    <dgm:txEffectClrLst/>
+  </dgm:styleLbl>
+  <dgm:styleLbl name="asst0">
+    <dgm:fillClrLst meth="repeat">
+      <a:schemeClr val="accent1"/>
+    </dgm:fillClrLst>
+    <dgm:linClrLst meth="repeat">
+      <a:schemeClr val="lt1"/>
+    </dgm:linClrLst>
+    <dgm:effectClrLst/>
+    <dgm:txLinClrLst/>
+    <dgm:txFillClrLst/>
+    <dgm:txEffectClrLst/>
+  </dgm:styleLbl>
+  <dgm:styleLbl name="asst1">
+    <dgm:fillClrLst meth="repeat">
+      <a:schemeClr val="accent1"/>
+    </dgm:fillClrLst>
+    <dgm:linClrLst meth="repeat">
+      <a:schemeClr val="lt1"/>
+    </dgm:linClrLst>
+    <dgm:effectClrLst/>
+    <dgm:txLinClrLst/>
+    <dgm:txFillClrLst/>
+    <dgm:txEffectClrLst/>
+  </dgm:styleLbl>
+  <dgm:styleLbl name="asst2">
+    <dgm:fillClrLst meth="repeat">
+      <a:schemeClr val="accent1"/>
+    </dgm:fillClrLst>
+    <dgm:linClrLst meth="repeat">
+      <a:schemeClr val="lt1"/>
+    </dgm:linClrLst>
+    <dgm:effectClrLst/>
+    <dgm:txLinClrLst/>
+    <dgm:txFillClrLst/>
+    <dgm:txEffectClrLst/>
+  </dgm:styleLbl>
+  <dgm:styleLbl name="asst3">
+    <dgm:fillClrLst meth="repeat">
+      <a:schemeClr val="accent1"/>
+    </dgm:fillClrLst>
+    <dgm:linClrLst meth="repeat">
+      <a:schemeClr val="lt1"/>
+    </dgm:linClrLst>
+    <dgm:effectClrLst/>
+    <dgm:txLinClrLst/>
+    <dgm:txFillClrLst/>
+    <dgm:txEffectClrLst/>
+  </dgm:styleLbl>
+  <dgm:styleLbl name="asst4">
+    <dgm:fillClrLst meth="repeat">
+      <a:schemeClr val="accent1"/>
+    </dgm:fillClrLst>
+    <dgm:linClrLst meth="repeat">
+      <a:schemeClr val="lt1"/>
+    </dgm:linClrLst>
+    <dgm:effectClrLst/>
+    <dgm:txLinClrLst/>
+    <dgm:txFillClrLst/>
+    <dgm:txEffectClrLst/>
+  </dgm:styleLbl>
+  <dgm:styleLbl name="parChTrans2D1">
+    <dgm:fillClrLst meth="repeat">
+      <a:schemeClr val="accent1">
+        <a:tint val="60000"/>
+      </a:schemeClr>
+    </dgm:fillClrLst>
+    <dgm:linClrLst meth="repeat">
+      <a:schemeClr val="accent1">
+        <a:tint val="60000"/>
+      </a:schemeClr>
+    </dgm:linClrLst>
+    <dgm:effectClrLst/>
+    <dgm:txLinClrLst/>
+    <dgm:txFillClrLst meth="repeat">
+      <a:schemeClr val="lt1"/>
+    </dgm:txFillClrLst>
+    <dgm:txEffectClrLst/>
+  </dgm:styleLbl>
+  <dgm:styleLbl name="parChTrans2D2">
+    <dgm:fillClrLst meth="repeat">
+      <a:schemeClr val="accent1"/>
+    </dgm:fillClrLst>
+    <dgm:linClrLst meth="repeat">
+      <a:schemeClr val="accent1"/>
+    </dgm:linClrLst>
+    <dgm:effectClrLst/>
+    <dgm:txLinClrLst/>
+    <dgm:txFillClrLst meth="repeat">
+      <a:schemeClr val="lt1"/>
+    </dgm:txFillClrLst>
+    <dgm:txEffectClrLst/>
+  </dgm:styleLbl>
+  <dgm:styleLbl name="parChTrans2D3">
+    <dgm:fillClrLst meth="repeat">
+      <a:schemeClr val="accent1"/>
+    </dgm:fillClrLst>
+    <dgm:linClrLst meth="repeat">
+      <a:schemeClr val="accent1"/>
+    </dgm:linClrLst>
+    <dgm:effectClrLst/>
+    <dgm:txLinClrLst/>
+    <dgm:txFillClrLst meth="repeat">
+      <a:schemeClr val="lt1"/>
+    </dgm:txFillClrLst>
+    <dgm:txEffectClrLst/>
+  </dgm:styleLbl>
+  <dgm:styleLbl name="parChTrans2D4">
+    <dgm:fillClrLst meth="repeat">
+      <a:schemeClr val="accent1"/>
+    </dgm:fillClrLst>
+    <dgm:linClrLst meth="repeat">
+      <a:schemeClr val="accent1"/>
+    </dgm:linClrLst>
+    <dgm:effectClrLst/>
+    <dgm:txLinClrLst/>
+    <dgm:txFillClrLst meth="repeat">
+      <a:schemeClr val="lt1"/>
+    </dgm:txFillClrLst>
+    <dgm:txEffectClrLst/>
+  </dgm:styleLbl>
+  <dgm:styleLbl name="parChTrans1D1">
+    <dgm:fillClrLst meth="repeat">
+      <a:schemeClr val="accent1"/>
+    </dgm:fillClrLst>
+    <dgm:linClrLst meth="repeat">
+      <a:schemeClr val="accent1">
+        <a:shade val="60000"/>
+      </a:schemeClr>
+    </dgm:linClrLst>
+    <dgm:effectClrLst/>
+    <dgm:txLinClrLst/>
+    <dgm:txFillClrLst meth="repeat">
+      <a:schemeClr val="tx1"/>
+    </dgm:txFillClrLst>
+    <dgm:txEffectClrLst/>
+  </dgm:styleLbl>
+  <dgm:styleLbl name="parChTrans1D2">
+    <dgm:fillClrLst meth="repeat">
+      <a:schemeClr val="accent1"/>
+    </dgm:fillClrLst>
+    <dgm:linClrLst meth="repeat">
+      <a:schemeClr val="accent1">
+        <a:shade val="60000"/>
+      </a:schemeClr>
+    </dgm:linClrLst>
+    <dgm:effectClrLst/>
+    <dgm:txLinClrLst/>
+    <dgm:txFillClrLst meth="repeat">
+      <a:schemeClr val="tx1"/>
+    </dgm:txFillClrLst>
+    <dgm:txEffectClrLst/>
+  </dgm:styleLbl>
+  <dgm:styleLbl name="parChTrans1D3">
+    <dgm:fillClrLst meth="repeat">
+      <a:schemeClr val="accent1"/>
+    </dgm:fillClrLst>
+    <dgm:linClrLst meth="repeat">
+      <a:schemeClr val="accent1">
+        <a:shade val="80000"/>
+      </a:schemeClr>
+    </dgm:linClrLst>
+    <dgm:effectClrLst/>
+    <dgm:txLinClrLst/>
+    <dgm:txFillClrLst meth="repeat">
+      <a:schemeClr val="tx1"/>
+    </dgm:txFillClrLst>
+    <dgm:txEffectClrLst/>
+  </dgm:styleLbl>
+  <dgm:styleLbl name="parChTrans1D4">
+    <dgm:fillClrLst meth="repeat">
+      <a:schemeClr val="accent1"/>
+    </dgm:fillClrLst>
+    <dgm:linClrLst meth="repeat">
+      <a:schemeClr val="accent1">
+        <a:shade val="80000"/>
+      </a:schemeClr>
+    </dgm:linClrLst>
+    <dgm:effectClrLst/>
+    <dgm:txLinClrLst/>
+    <dgm:txFillClrLst meth="repeat">
+      <a:schemeClr val="tx1"/>
+    </dgm:txFillClrLst>
+    <dgm:txEffectClrLst/>
+  </dgm:styleLbl>
+  <dgm:styleLbl name="fgAcc1">
+    <dgm:fillClrLst meth="repeat">
+      <a:schemeClr val="lt1">
+        <a:alpha val="90000"/>
+      </a:schemeClr>
+    </dgm:fillClrLst>
+    <dgm:linClrLst meth="repeat">
+      <a:schemeClr val="accent1"/>
+    </dgm:linClrLst>
+    <dgm:effectClrLst/>
+    <dgm:txLinClrLst/>
+    <dgm:txFillClrLst meth="repeat">
+      <a:schemeClr val="dk1"/>
+    </dgm:txFillClrLst>
+    <dgm:txEffectClrLst/>
+  </dgm:styleLbl>
+  <dgm:styleLbl name="conFgAcc1">
+    <dgm:fillClrLst meth="repeat">
+      <a:schemeClr val="lt1">
+        <a:alpha val="90000"/>
+      </a:schemeClr>
+    </dgm:fillClrLst>
+    <dgm:linClrLst meth="repeat">
+      <a:schemeClr val="accent1"/>
+    </dgm:linClrLst>
+    <dgm:effectClrLst/>
+    <dgm:txLinClrLst/>
+    <dgm:txFillClrLst meth="repeat">
+      <a:schemeClr val="dk1"/>
+    </dgm:txFillClrLst>
+    <dgm:txEffectClrLst/>
+  </dgm:styleLbl>
+  <dgm:styleLbl name="alignAcc1">
+    <dgm:fillClrLst meth="repeat">
+      <a:schemeClr val="lt1">
+        <a:alpha val="90000"/>
+      </a:schemeClr>
+    </dgm:fillClrLst>
+    <dgm:linClrLst meth="repeat">
+      <a:schemeClr val="accent1"/>
+    </dgm:linClrLst>
+    <dgm:effectClrLst/>
+    <dgm:txLinClrLst/>
+    <dgm:txFillClrLst meth="repeat">
+      <a:schemeClr val="dk1"/>
+    </dgm:txFillClrLst>
+    <dgm:txEffectClrLst/>
+  </dgm:styleLbl>
+  <dgm:styleLbl name="trAlignAcc1">
+    <dgm:fillClrLst meth="repeat">
+      <a:schemeClr val="lt1">
+        <a:alpha val="40000"/>
+      </a:schemeClr>
+    </dgm:fillClrLst>
+    <dgm:linClrLst meth="repeat">
+      <a:schemeClr val="accent1"/>
+    </dgm:linClrLst>
+    <dgm:effectClrLst/>
+    <dgm:txLinClrLst/>
+    <dgm:txFillClrLst meth="repeat">
+      <a:schemeClr val="dk1"/>
+    </dgm:txFillClrLst>
+    <dgm:txEffectClrLst/>
+  </dgm:styleLbl>
+  <dgm:styleLbl name="bgAcc1">
+    <dgm:fillClrLst meth="repeat">
+      <a:schemeClr val="lt1">
+        <a:alpha val="90000"/>
+      </a:schemeClr>
+    </dgm:fillClrLst>
+    <dgm:linClrLst meth="repeat">
+      <a:schemeClr val="accent1"/>
+    </dgm:linClrLst>
+    <dgm:effectClrLst/>
+    <dgm:txLinClrLst/>
+    <dgm:txFillClrLst meth="repeat">
+      <a:schemeClr val="dk1"/>
+    </dgm:txFillClrLst>
+    <dgm:txEffectClrLst/>
+  </dgm:styleLbl>
+  <dgm:styleLbl name="solidFgAcc1">
+    <dgm:fillClrLst meth="repeat">
+      <a:schemeClr val="lt1"/>
+    </dgm:fillClrLst>
+    <dgm:linClrLst meth="repeat">
+      <a:schemeClr val="accent1"/>
+    </dgm:linClrLst>
+    <dgm:effectClrLst/>
+    <dgm:txLinClrLst/>
+    <dgm:txFillClrLst meth="repeat">
+      <a:schemeClr val="dk1"/>
+    </dgm:txFillClrLst>
+    <dgm:txEffectClrLst/>
+  </dgm:styleLbl>
+  <dgm:styleLbl name="solidAlignAcc1">
+    <dgm:fillClrLst meth="repeat">
+      <a:schemeClr val="lt1"/>
+    </dgm:fillClrLst>
+    <dgm:linClrLst meth="repeat">
+      <a:schemeClr val="accent1"/>
+    </dgm:linClrLst>
+    <dgm:effectClrLst/>
+    <dgm:txLinClrLst/>
+    <dgm:txFillClrLst meth="repeat">
+      <a:schemeClr val="dk1"/>
+    </dgm:txFillClrLst>
+    <dgm:txEffectClrLst/>
+  </dgm:styleLbl>
+  <dgm:styleLbl name="solidBgAcc1">
+    <dgm:fillClrLst meth="repeat">
+      <a:schemeClr val="lt1"/>
+    </dgm:fillClrLst>
+    <dgm:linClrLst meth="repeat">
+      <a:schemeClr val="accent1"/>
+    </dgm:linClrLst>
+    <dgm:effectClrLst/>
+    <dgm:txLinClrLst/>
+    <dgm:txFillClrLst meth="repeat">
+      <a:schemeClr val="dk1"/>
+    </dgm:txFillClrLst>
+    <dgm:txEffectClrLst/>
+  </dgm:styleLbl>
+  <dgm:styleLbl name="fgAccFollowNode1">
+    <dgm:fillClrLst meth="repeat">
+      <a:schemeClr val="accent1">
+        <a:alpha val="90000"/>
+        <a:tint val="40000"/>
+      </a:schemeClr>
+    </dgm:fillClrLst>
+    <dgm:linClrLst meth="repeat">
+      <a:schemeClr val="accent1">
+        <a:alpha val="90000"/>
+        <a:tint val="40000"/>
+      </a:schemeClr>
+    </dgm:linClrLst>
+    <dgm:effectClrLst/>
+    <dgm:txLinClrLst/>
+    <dgm:txFillClrLst meth="repeat">
+      <a:schemeClr val="dk1"/>
+    </dgm:txFillClrLst>
+    <dgm:txEffectClrLst/>
+  </dgm:styleLbl>
+  <dgm:styleLbl name="alignAccFollowNode1">
+    <dgm:fillClrLst meth="repeat">
+      <a:schemeClr val="accent1">
+        <a:alpha val="90000"/>
+        <a:tint val="40000"/>
+      </a:schemeClr>
+    </dgm:fillClrLst>
+    <dgm:linClrLst meth="repeat">
+      <a:schemeClr val="accent1">
+        <a:alpha val="90000"/>
+        <a:tint val="40000"/>
+      </a:schemeClr>
+    </dgm:linClrLst>
+    <dgm:effectClrLst/>
+    <dgm:txLinClrLst/>
+    <dgm:txFillClrLst meth="repeat">
+      <a:schemeClr val="dk1"/>
+    </dgm:txFillClrLst>
+    <dgm:txEffectClrLst/>
+  </dgm:styleLbl>
+  <dgm:styleLbl name="bgAccFollowNode1">
+    <dgm:fillClrLst meth="repeat">
+      <a:schemeClr val="accent1">
+        <a:alpha val="90000"/>
+        <a:tint val="40000"/>
+      </a:schemeClr>
+    </dgm:fillClrLst>
+    <dgm:linClrLst meth="repeat">
+      <a:schemeClr val="accent1">
+        <a:alpha val="90000"/>
+        <a:tint val="40000"/>
+      </a:schemeClr>
+    </dgm:linClrLst>
+    <dgm:effectClrLst/>
+    <dgm:txLinClrLst/>
+    <dgm:txFillClrLst meth="repeat">
+      <a:schemeClr val="dk1"/>
+    </dgm:txFillClrLst>
+    <dgm:txEffectClrLst/>
+  </dgm:styleLbl>
+  <dgm:styleLbl name="fgAcc0">
+    <dgm:fillClrLst meth="repeat">
+      <a:schemeClr val="lt1">
+        <a:alpha val="90000"/>
+      </a:schemeClr>
+    </dgm:fillClrLst>
+    <dgm:linClrLst meth="repeat">
+      <a:schemeClr val="accent1"/>
+    </dgm:linClrLst>
+    <dgm:effectClrLst/>
+    <dgm:txLinClrLst/>
+    <dgm:txFillClrLst meth="repeat">
+      <a:schemeClr val="dk1"/>
+    </dgm:txFillClrLst>
+    <dgm:txEffectClrLst/>
+  </dgm:styleLbl>
+  <dgm:styleLbl name="fgAcc2">
+    <dgm:fillClrLst meth="repeat">
+      <a:schemeClr val="lt1">
+        <a:alpha val="90000"/>
+      </a:schemeClr>
+    </dgm:fillClrLst>
+    <dgm:linClrLst meth="repeat">
+      <a:schemeClr val="accent1"/>
+    </dgm:linClrLst>
+    <dgm:effectClrLst/>
+    <dgm:txLinClrLst/>
+    <dgm:txFillClrLst meth="repeat">
+      <a:schemeClr val="dk1"/>
+    </dgm:txFillClrLst>
+    <dgm:txEffectClrLst/>
+  </dgm:styleLbl>
+  <dgm:styleLbl name="fgAcc3">
+    <dgm:fillClrLst meth="repeat">
+      <a:schemeClr val="lt1">
+        <a:alpha val="90000"/>
+      </a:schemeClr>
+    </dgm:fillClrLst>
+    <dgm:linClrLst meth="repeat">
+      <a:schemeClr val="accent1"/>
+    </dgm:linClrLst>
+    <dgm:effectClrLst/>
+    <dgm:txLinClrLst/>
+    <dgm:txFillClrLst meth="repeat">
+      <a:schemeClr val="dk1"/>
+    </dgm:txFillClrLst>
+    <dgm:txEffectClrLst/>
+  </dgm:styleLbl>
+  <dgm:styleLbl name="fgAcc4">
+    <dgm:fillClrLst meth="repeat">
+      <a:schemeClr val="lt1">
+        <a:alpha val="90000"/>
+      </a:schemeClr>
+    </dgm:fillClrLst>
+    <dgm:linClrLst meth="repeat">
+      <a:schemeClr val="accent1"/>
+    </dgm:linClrLst>
+    <dgm:effectClrLst/>
+    <dgm:txLinClrLst/>
+    <dgm:txFillClrLst meth="repeat">
+      <a:schemeClr val="dk1"/>
+    </dgm:txFillClrLst>
+    <dgm:txEffectClrLst/>
+  </dgm:styleLbl>
+  <dgm:styleLbl name="bgShp">
+    <dgm:fillClrLst meth="repeat">
+      <a:schemeClr val="accent1">
+        <a:tint val="40000"/>
+      </a:schemeClr>
+    </dgm:fillClrLst>
+    <dgm:linClrLst meth="repeat">
+      <a:schemeClr val="accent1"/>
+    </dgm:linClrLst>
+    <dgm:effectClrLst/>
+    <dgm:txLinClrLst/>
+    <dgm:txFillClrLst meth="repeat">
+      <a:schemeClr val="dk1"/>
+    </dgm:txFillClrLst>
+    <dgm:txEffectClrLst/>
+  </dgm:styleLbl>
+  <dgm:styleLbl name="dkBgShp">
+    <dgm:fillClrLst meth="repeat">
+      <a:schemeClr val="accent1">
+        <a:shade val="80000"/>
+      </a:schemeClr>
+    </dgm:fillClrLst>
+    <dgm:linClrLst meth="repeat">
+      <a:schemeClr val="accent1"/>
+    </dgm:linClrLst>
+    <dgm:effectClrLst/>
+    <dgm:txLinClrLst/>
+    <dgm:txFillClrLst meth="repeat">
+      <a:schemeClr val="lt1"/>
+    </dgm:txFillClrLst>
+    <dgm:txEffectClrLst/>
+  </dgm:styleLbl>
+  <dgm:styleLbl name="trBgShp">
+    <dgm:fillClrLst meth="repeat">
+      <a:schemeClr val="accent1">
+        <a:tint val="50000"/>
+        <a:alpha val="40000"/>
+      </a:schemeClr>
+    </dgm:fillClrLst>
+    <dgm:linClrLst meth="repeat">
+      <a:schemeClr val="accent1"/>
+    </dgm:linClrLst>
+    <dgm:effectClrLst/>
+    <dgm:txLinClrLst/>
+    <dgm:txFillClrLst meth="repeat">
+      <a:schemeClr val="lt1"/>
+    </dgm:txFillClrLst>
+    <dgm:txEffectClrLst/>
+  </dgm:styleLbl>
+  <dgm:styleLbl name="fgShp">
+    <dgm:fillClrLst meth="repeat">
+      <a:schemeClr val="accent1">
+        <a:tint val="60000"/>
+      </a:schemeClr>
+    </dgm:fillClrLst>
+    <dgm:linClrLst meth="repeat">
+      <a:schemeClr val="lt1"/>
+    </dgm:linClrLst>
+    <dgm:effectClrLst/>
+    <dgm:txLinClrLst/>
+    <dgm:txFillClrLst meth="repeat">
+      <a:schemeClr val="dk1"/>
+    </dgm:txFillClrLst>
+    <dgm:txEffectClrLst/>
+  </dgm:styleLbl>
+  <dgm:styleLbl name="revTx">
+    <dgm:fillClrLst meth="repeat">
+      <a:schemeClr val="lt1">
+        <a:alpha val="0"/>
+      </a:schemeClr>
+    </dgm:fillClrLst>
+    <dgm:linClrLst meth="repeat">
+      <a:schemeClr val="dk1">
+        <a:alpha val="0"/>
+      </a:schemeClr>
+    </dgm:linClrLst>
+    <dgm:effectClrLst/>
+    <dgm:txLinClrLst/>
+    <dgm:txFillClrLst meth="repeat">
+      <a:schemeClr val="tx1"/>
+    </dgm:txFillClrLst>
+    <dgm:txEffectClrLst/>
+  </dgm:styleLbl>
+</dgm:colorsDef>
+</file>
+
+<file path=ppt/diagrams/data1.xml><?xml version="1.0" encoding="utf-8"?>
+<dgm:dataModel xmlns:dgm="http://schemas.openxmlformats.org/drawingml/2006/diagram" xmlns:a="http://schemas.openxmlformats.org/drawingml/2006/main">
+  <dgm:ptLst>
+    <dgm:pt modelId="{584449AD-944B-0B42-9AE9-614ADC89470A}" type="doc">
+      <dgm:prSet loTypeId="urn:microsoft.com/office/officeart/2005/8/layout/equation2" loCatId="" qsTypeId="urn:microsoft.com/office/officeart/2005/8/quickstyle/simple1" qsCatId="simple" csTypeId="urn:microsoft.com/office/officeart/2005/8/colors/accent1_2" csCatId="accent1" phldr="1"/>
+      <dgm:spPr/>
+      <dgm:t>
+        <a:bodyPr/>
+        <a:lstStyle/>
+        <a:p>
+          <a:endParaRPr lang="en-US"/>
+        </a:p>
+      </dgm:t>
+    </dgm:pt>
+    <dgm:pt modelId="{FAB3EE10-B295-EC4C-A36A-D89BBECBB9AD}">
+      <dgm:prSet phldrT="[Text]"/>
+      <dgm:spPr/>
+      <dgm:t>
+        <a:bodyPr/>
+        <a:lstStyle/>
+        <a:p>
+          <a:r>
+            <a:rPr lang="en-US" dirty="0"/>
+            <a:t>Hospital Complication Scores</a:t>
+          </a:r>
+        </a:p>
+      </dgm:t>
+    </dgm:pt>
+    <dgm:pt modelId="{6BDA2979-B177-8B4D-AD9D-42E6B080702A}" type="parTrans" cxnId="{646889AD-FAFB-AF4B-945B-6C3DCE4260A2}">
+      <dgm:prSet/>
+      <dgm:spPr/>
+      <dgm:t>
+        <a:bodyPr/>
+        <a:lstStyle/>
+        <a:p>
+          <a:endParaRPr lang="en-US"/>
+        </a:p>
+      </dgm:t>
+    </dgm:pt>
+    <dgm:pt modelId="{F45D689A-85D9-C242-A995-BD9817B0AAD7}" type="sibTrans" cxnId="{646889AD-FAFB-AF4B-945B-6C3DCE4260A2}">
+      <dgm:prSet/>
+      <dgm:spPr/>
+      <dgm:t>
+        <a:bodyPr/>
+        <a:lstStyle/>
+        <a:p>
+          <a:endParaRPr lang="en-US"/>
+        </a:p>
+      </dgm:t>
+    </dgm:pt>
+    <dgm:pt modelId="{25EC4D7C-1217-C14D-82EC-FED2E06A9F0D}">
+      <dgm:prSet phldrT="[Text]"/>
+      <dgm:spPr/>
+      <dgm:t>
+        <a:bodyPr/>
+        <a:lstStyle/>
+        <a:p>
+          <a:r>
+            <a:rPr lang="en-US" dirty="0"/>
+            <a:t>Patient Ratings</a:t>
+          </a:r>
+        </a:p>
+      </dgm:t>
+    </dgm:pt>
+    <dgm:pt modelId="{C3B922E9-3FA0-6444-A6C6-7D598013836B}" type="parTrans" cxnId="{657C5856-9DD3-6442-8776-07902CB04F45}">
+      <dgm:prSet/>
+      <dgm:spPr/>
+      <dgm:t>
+        <a:bodyPr/>
+        <a:lstStyle/>
+        <a:p>
+          <a:endParaRPr lang="en-US"/>
+        </a:p>
+      </dgm:t>
+    </dgm:pt>
+    <dgm:pt modelId="{2BDA60F1-9640-6B49-84CE-E330757291A9}" type="sibTrans" cxnId="{657C5856-9DD3-6442-8776-07902CB04F45}">
+      <dgm:prSet/>
+      <dgm:spPr/>
+      <dgm:t>
+        <a:bodyPr/>
+        <a:lstStyle/>
+        <a:p>
+          <a:endParaRPr lang="en-US"/>
+        </a:p>
+      </dgm:t>
+    </dgm:pt>
+    <dgm:pt modelId="{08BC29BF-9F34-B24E-86E1-E27412C3A20A}">
+      <dgm:prSet phldrT="[Text]" custT="1"/>
+      <dgm:spPr/>
+      <dgm:t>
+        <a:bodyPr/>
+        <a:lstStyle/>
+        <a:p>
+          <a:r>
+            <a:rPr lang="en-US" sz="1800" dirty="0"/>
+            <a:t>Predict Score Rating</a:t>
+          </a:r>
+        </a:p>
+      </dgm:t>
+    </dgm:pt>
+    <dgm:pt modelId="{CA91D3E5-BB13-5144-B54D-41C39A45E1CE}" type="parTrans" cxnId="{E0001EC6-E7B8-B54D-A62C-6447AEE9A773}">
+      <dgm:prSet/>
+      <dgm:spPr/>
+      <dgm:t>
+        <a:bodyPr/>
+        <a:lstStyle/>
+        <a:p>
+          <a:endParaRPr lang="en-US"/>
+        </a:p>
+      </dgm:t>
+    </dgm:pt>
+    <dgm:pt modelId="{94AE9376-A112-3C40-9584-6E3021AE26C1}" type="sibTrans" cxnId="{E0001EC6-E7B8-B54D-A62C-6447AEE9A773}">
+      <dgm:prSet/>
+      <dgm:spPr/>
+      <dgm:t>
+        <a:bodyPr/>
+        <a:lstStyle/>
+        <a:p>
+          <a:endParaRPr lang="en-US"/>
+        </a:p>
+      </dgm:t>
+    </dgm:pt>
+    <dgm:pt modelId="{853FA7DF-47A3-404D-99F0-B5BFD59A6F51}" type="pres">
+      <dgm:prSet presAssocID="{584449AD-944B-0B42-9AE9-614ADC89470A}" presName="Name0" presStyleCnt="0">
+        <dgm:presLayoutVars>
+          <dgm:dir/>
+          <dgm:resizeHandles val="exact"/>
+        </dgm:presLayoutVars>
+      </dgm:prSet>
+      <dgm:spPr/>
+    </dgm:pt>
+    <dgm:pt modelId="{0956F866-4AC0-164D-B5C5-3759B6B6499E}" type="pres">
+      <dgm:prSet presAssocID="{584449AD-944B-0B42-9AE9-614ADC89470A}" presName="vNodes" presStyleCnt="0"/>
+      <dgm:spPr/>
+    </dgm:pt>
+    <dgm:pt modelId="{02BBD494-8C8B-784C-AA51-9CCCB664488F}" type="pres">
+      <dgm:prSet presAssocID="{FAB3EE10-B295-EC4C-A36A-D89BBECBB9AD}" presName="node" presStyleLbl="node1" presStyleIdx="0" presStyleCnt="3">
+        <dgm:presLayoutVars>
+          <dgm:bulletEnabled val="1"/>
+        </dgm:presLayoutVars>
+      </dgm:prSet>
+      <dgm:spPr/>
+    </dgm:pt>
+    <dgm:pt modelId="{6749F7EE-AAA3-6F49-9114-DCFDDA2429EE}" type="pres">
+      <dgm:prSet presAssocID="{F45D689A-85D9-C242-A995-BD9817B0AAD7}" presName="spacerT" presStyleCnt="0"/>
+      <dgm:spPr/>
+    </dgm:pt>
+    <dgm:pt modelId="{E04F6DE1-6925-B345-B915-5D015B3AA3A3}" type="pres">
+      <dgm:prSet presAssocID="{F45D689A-85D9-C242-A995-BD9817B0AAD7}" presName="sibTrans" presStyleLbl="sibTrans2D1" presStyleIdx="0" presStyleCnt="2"/>
+      <dgm:spPr/>
+    </dgm:pt>
+    <dgm:pt modelId="{2065FF27-DFF5-F64D-AC60-4E86083A90C4}" type="pres">
+      <dgm:prSet presAssocID="{F45D689A-85D9-C242-A995-BD9817B0AAD7}" presName="spacerB" presStyleCnt="0"/>
+      <dgm:spPr/>
+    </dgm:pt>
+    <dgm:pt modelId="{A98AE1A8-69B3-0146-B8B0-DFEE7F87F671}" type="pres">
+      <dgm:prSet presAssocID="{25EC4D7C-1217-C14D-82EC-FED2E06A9F0D}" presName="node" presStyleLbl="node1" presStyleIdx="1" presStyleCnt="3">
+        <dgm:presLayoutVars>
+          <dgm:bulletEnabled val="1"/>
+        </dgm:presLayoutVars>
+      </dgm:prSet>
+      <dgm:spPr/>
+    </dgm:pt>
+    <dgm:pt modelId="{78B3143C-4926-A64D-85EE-57C6ECE8A6D6}" type="pres">
+      <dgm:prSet presAssocID="{584449AD-944B-0B42-9AE9-614ADC89470A}" presName="sibTransLast" presStyleLbl="sibTrans2D1" presStyleIdx="1" presStyleCnt="2"/>
+      <dgm:spPr/>
+    </dgm:pt>
+    <dgm:pt modelId="{8EFB80A8-FC8E-F743-B3C1-4F5884A4405A}" type="pres">
+      <dgm:prSet presAssocID="{584449AD-944B-0B42-9AE9-614ADC89470A}" presName="connectorText" presStyleLbl="sibTrans2D1" presStyleIdx="1" presStyleCnt="2"/>
+      <dgm:spPr/>
+    </dgm:pt>
+    <dgm:pt modelId="{5F26E2C0-F8CE-2248-A9B0-8C1B68EE5FD6}" type="pres">
+      <dgm:prSet presAssocID="{584449AD-944B-0B42-9AE9-614ADC89470A}" presName="lastNode" presStyleLbl="node1" presStyleIdx="2" presStyleCnt="3">
+        <dgm:presLayoutVars>
+          <dgm:bulletEnabled val="1"/>
+        </dgm:presLayoutVars>
+      </dgm:prSet>
+      <dgm:spPr/>
+    </dgm:pt>
+  </dgm:ptLst>
+  <dgm:cxnLst>
+    <dgm:cxn modelId="{3708DC43-99AB-FD4E-9050-FFD12C551DE8}" type="presOf" srcId="{F45D689A-85D9-C242-A995-BD9817B0AAD7}" destId="{E04F6DE1-6925-B345-B915-5D015B3AA3A3}" srcOrd="0" destOrd="0" presId="urn:microsoft.com/office/officeart/2005/8/layout/equation2"/>
+    <dgm:cxn modelId="{657C5856-9DD3-6442-8776-07902CB04F45}" srcId="{584449AD-944B-0B42-9AE9-614ADC89470A}" destId="{25EC4D7C-1217-C14D-82EC-FED2E06A9F0D}" srcOrd="1" destOrd="0" parTransId="{C3B922E9-3FA0-6444-A6C6-7D598013836B}" sibTransId="{2BDA60F1-9640-6B49-84CE-E330757291A9}"/>
+    <dgm:cxn modelId="{41ED485D-9063-584E-B99F-EA54DE0EBBAD}" type="presOf" srcId="{2BDA60F1-9640-6B49-84CE-E330757291A9}" destId="{78B3143C-4926-A64D-85EE-57C6ECE8A6D6}" srcOrd="0" destOrd="0" presId="urn:microsoft.com/office/officeart/2005/8/layout/equation2"/>
+    <dgm:cxn modelId="{C194D9AA-14D6-DF49-96B0-4457A21AC2AA}" type="presOf" srcId="{2BDA60F1-9640-6B49-84CE-E330757291A9}" destId="{8EFB80A8-FC8E-F743-B3C1-4F5884A4405A}" srcOrd="1" destOrd="0" presId="urn:microsoft.com/office/officeart/2005/8/layout/equation2"/>
+    <dgm:cxn modelId="{646889AD-FAFB-AF4B-945B-6C3DCE4260A2}" srcId="{584449AD-944B-0B42-9AE9-614ADC89470A}" destId="{FAB3EE10-B295-EC4C-A36A-D89BBECBB9AD}" srcOrd="0" destOrd="0" parTransId="{6BDA2979-B177-8B4D-AD9D-42E6B080702A}" sibTransId="{F45D689A-85D9-C242-A995-BD9817B0AAD7}"/>
+    <dgm:cxn modelId="{35C61AB6-5C27-E54D-B9B7-A041FD5080F1}" type="presOf" srcId="{FAB3EE10-B295-EC4C-A36A-D89BBECBB9AD}" destId="{02BBD494-8C8B-784C-AA51-9CCCB664488F}" srcOrd="0" destOrd="0" presId="urn:microsoft.com/office/officeart/2005/8/layout/equation2"/>
+    <dgm:cxn modelId="{B136C9BC-04F5-D94F-B535-3FFCE018A3B6}" type="presOf" srcId="{584449AD-944B-0B42-9AE9-614ADC89470A}" destId="{853FA7DF-47A3-404D-99F0-B5BFD59A6F51}" srcOrd="0" destOrd="0" presId="urn:microsoft.com/office/officeart/2005/8/layout/equation2"/>
+    <dgm:cxn modelId="{E0001EC6-E7B8-B54D-A62C-6447AEE9A773}" srcId="{584449AD-944B-0B42-9AE9-614ADC89470A}" destId="{08BC29BF-9F34-B24E-86E1-E27412C3A20A}" srcOrd="2" destOrd="0" parTransId="{CA91D3E5-BB13-5144-B54D-41C39A45E1CE}" sibTransId="{94AE9376-A112-3C40-9584-6E3021AE26C1}"/>
+    <dgm:cxn modelId="{3A0BD4D5-2CF9-624E-A31D-B969FA924075}" type="presOf" srcId="{25EC4D7C-1217-C14D-82EC-FED2E06A9F0D}" destId="{A98AE1A8-69B3-0146-B8B0-DFEE7F87F671}" srcOrd="0" destOrd="0" presId="urn:microsoft.com/office/officeart/2005/8/layout/equation2"/>
+    <dgm:cxn modelId="{D0196DE4-9472-9947-AFE7-EA86FC0CEA64}" type="presOf" srcId="{08BC29BF-9F34-B24E-86E1-E27412C3A20A}" destId="{5F26E2C0-F8CE-2248-A9B0-8C1B68EE5FD6}" srcOrd="0" destOrd="0" presId="urn:microsoft.com/office/officeart/2005/8/layout/equation2"/>
+    <dgm:cxn modelId="{BFC4258D-8A6A-994E-B525-548124FBC9CD}" type="presParOf" srcId="{853FA7DF-47A3-404D-99F0-B5BFD59A6F51}" destId="{0956F866-4AC0-164D-B5C5-3759B6B6499E}" srcOrd="0" destOrd="0" presId="urn:microsoft.com/office/officeart/2005/8/layout/equation2"/>
+    <dgm:cxn modelId="{99C2BB7D-EEAE-CF47-A51E-BD90A6F15DA7}" type="presParOf" srcId="{0956F866-4AC0-164D-B5C5-3759B6B6499E}" destId="{02BBD494-8C8B-784C-AA51-9CCCB664488F}" srcOrd="0" destOrd="0" presId="urn:microsoft.com/office/officeart/2005/8/layout/equation2"/>
+    <dgm:cxn modelId="{0A8877FB-BE64-9141-B150-5BF1534BEC5B}" type="presParOf" srcId="{0956F866-4AC0-164D-B5C5-3759B6B6499E}" destId="{6749F7EE-AAA3-6F49-9114-DCFDDA2429EE}" srcOrd="1" destOrd="0" presId="urn:microsoft.com/office/officeart/2005/8/layout/equation2"/>
+    <dgm:cxn modelId="{4852AF13-02DD-BB40-84F2-962E3D651D93}" type="presParOf" srcId="{0956F866-4AC0-164D-B5C5-3759B6B6499E}" destId="{E04F6DE1-6925-B345-B915-5D015B3AA3A3}" srcOrd="2" destOrd="0" presId="urn:microsoft.com/office/officeart/2005/8/layout/equation2"/>
+    <dgm:cxn modelId="{E9728AD5-8B97-864C-BFCE-E090985E8C04}" type="presParOf" srcId="{0956F866-4AC0-164D-B5C5-3759B6B6499E}" destId="{2065FF27-DFF5-F64D-AC60-4E86083A90C4}" srcOrd="3" destOrd="0" presId="urn:microsoft.com/office/officeart/2005/8/layout/equation2"/>
+    <dgm:cxn modelId="{3E992E0B-75D8-F44C-BD38-32770CBDB9FB}" type="presParOf" srcId="{0956F866-4AC0-164D-B5C5-3759B6B6499E}" destId="{A98AE1A8-69B3-0146-B8B0-DFEE7F87F671}" srcOrd="4" destOrd="0" presId="urn:microsoft.com/office/officeart/2005/8/layout/equation2"/>
+    <dgm:cxn modelId="{78804393-ABDE-044E-8105-2007465AAA1D}" type="presParOf" srcId="{853FA7DF-47A3-404D-99F0-B5BFD59A6F51}" destId="{78B3143C-4926-A64D-85EE-57C6ECE8A6D6}" srcOrd="1" destOrd="0" presId="urn:microsoft.com/office/officeart/2005/8/layout/equation2"/>
+    <dgm:cxn modelId="{F340C215-541E-6748-8DC0-F31E762644D2}" type="presParOf" srcId="{78B3143C-4926-A64D-85EE-57C6ECE8A6D6}" destId="{8EFB80A8-FC8E-F743-B3C1-4F5884A4405A}" srcOrd="0" destOrd="0" presId="urn:microsoft.com/office/officeart/2005/8/layout/equation2"/>
+    <dgm:cxn modelId="{B17EDD20-6030-1347-B109-B0F3A7B1B826}" type="presParOf" srcId="{853FA7DF-47A3-404D-99F0-B5BFD59A6F51}" destId="{5F26E2C0-F8CE-2248-A9B0-8C1B68EE5FD6}" srcOrd="2" destOrd="0" presId="urn:microsoft.com/office/officeart/2005/8/layout/equation2"/>
+  </dgm:cxnLst>
+  <dgm:bg/>
+  <dgm:whole/>
+  <dgm:extLst>
+    <a:ext uri="http://schemas.microsoft.com/office/drawing/2008/diagram">
+      <dsp:dataModelExt xmlns:dsp="http://schemas.microsoft.com/office/drawing/2008/diagram" relId="rId7" minVer="http://schemas.openxmlformats.org/drawingml/2006/diagram"/>
+    </a:ext>
+  </dgm:extLst>
+</dgm:dataModel>
+</file>
+
+<file path=ppt/diagrams/drawing1.xml><?xml version="1.0" encoding="utf-8"?>
+<dsp:drawing xmlns:dgm="http://schemas.openxmlformats.org/drawingml/2006/diagram" xmlns:dsp="http://schemas.microsoft.com/office/drawing/2008/diagram" xmlns:a="http://schemas.openxmlformats.org/drawingml/2006/main">
+  <dsp:spTree>
+    <dsp:nvGrpSpPr>
+      <dsp:cNvPr id="0" name=""/>
+      <dsp:cNvGrpSpPr/>
+    </dsp:nvGrpSpPr>
+    <dsp:grpSpPr/>
+    <dsp:sp modelId="{02BBD494-8C8B-784C-AA51-9CCCB664488F}">
+      <dsp:nvSpPr>
+        <dsp:cNvPr id="0" name=""/>
+        <dsp:cNvSpPr/>
+      </dsp:nvSpPr>
+      <dsp:spPr>
+        <a:xfrm>
+          <a:off x="1662953" y="888"/>
+          <a:ext cx="1083001" cy="1083001"/>
+        </a:xfrm>
+        <a:prstGeom prst="ellipse">
+          <a:avLst/>
+        </a:prstGeom>
+        <a:solidFill>
+          <a:schemeClr val="accent1">
+            <a:hueOff val="0"/>
+            <a:satOff val="0"/>
+            <a:lumOff val="0"/>
+            <a:alphaOff val="0"/>
+          </a:schemeClr>
+        </a:solidFill>
+        <a:ln w="25400" cap="flat" cmpd="sng" algn="ctr">
+          <a:solidFill>
+            <a:schemeClr val="lt1">
+              <a:hueOff val="0"/>
+              <a:satOff val="0"/>
+              <a:lumOff val="0"/>
+              <a:alphaOff val="0"/>
+            </a:schemeClr>
+          </a:solidFill>
+          <a:prstDash val="solid"/>
+        </a:ln>
+        <a:effectLst/>
+      </dsp:spPr>
+      <dsp:style>
+        <a:lnRef idx="2">
+          <a:scrgbClr r="0" g="0" b="0"/>
+        </a:lnRef>
+        <a:fillRef idx="1">
+          <a:scrgbClr r="0" g="0" b="0"/>
+        </a:fillRef>
+        <a:effectRef idx="0">
+          <a:scrgbClr r="0" g="0" b="0"/>
+        </a:effectRef>
+        <a:fontRef idx="minor">
+          <a:schemeClr val="lt1"/>
+        </a:fontRef>
+      </dsp:style>
+      <dsp:txBody>
+        <a:bodyPr spcFirstLastPara="0" vert="horz" wrap="square" lIns="12700" tIns="12700" rIns="12700" bIns="12700" numCol="1" spcCol="1270" anchor="ctr" anchorCtr="0">
+          <a:noAutofit/>
+        </a:bodyPr>
+        <a:lstStyle/>
+        <a:p>
+          <a:pPr marL="0" lvl="0" indent="0" algn="ctr" defTabSz="444500">
+            <a:lnSpc>
+              <a:spcPct val="90000"/>
+            </a:lnSpc>
+            <a:spcBef>
+              <a:spcPct val="0"/>
+            </a:spcBef>
+            <a:spcAft>
+              <a:spcPct val="35000"/>
+            </a:spcAft>
+            <a:buNone/>
+          </a:pPr>
+          <a:r>
+            <a:rPr lang="en-US" sz="1000" kern="1200" dirty="0"/>
+            <a:t>Hospital Complication Scores</a:t>
+          </a:r>
+        </a:p>
+      </dsp:txBody>
+      <dsp:txXfrm>
+        <a:off x="1821555" y="159490"/>
+        <a:ext cx="765797" cy="765797"/>
+      </dsp:txXfrm>
+    </dsp:sp>
+    <dsp:sp modelId="{E04F6DE1-6925-B345-B915-5D015B3AA3A3}">
+      <dsp:nvSpPr>
+        <dsp:cNvPr id="0" name=""/>
+        <dsp:cNvSpPr/>
+      </dsp:nvSpPr>
+      <dsp:spPr>
+        <a:xfrm>
+          <a:off x="1890384" y="1171830"/>
+          <a:ext cx="628140" cy="628140"/>
+        </a:xfrm>
+        <a:prstGeom prst="mathPlus">
+          <a:avLst/>
+        </a:prstGeom>
+        <a:solidFill>
+          <a:schemeClr val="accent1">
+            <a:tint val="60000"/>
+            <a:hueOff val="0"/>
+            <a:satOff val="0"/>
+            <a:lumOff val="0"/>
+            <a:alphaOff val="0"/>
+          </a:schemeClr>
+        </a:solidFill>
+        <a:ln>
+          <a:noFill/>
+        </a:ln>
+        <a:effectLst/>
+      </dsp:spPr>
+      <dsp:style>
+        <a:lnRef idx="0">
+          <a:scrgbClr r="0" g="0" b="0"/>
+        </a:lnRef>
+        <a:fillRef idx="1">
+          <a:scrgbClr r="0" g="0" b="0"/>
+        </a:fillRef>
+        <a:effectRef idx="0">
+          <a:scrgbClr r="0" g="0" b="0"/>
+        </a:effectRef>
+        <a:fontRef idx="minor">
+          <a:schemeClr val="lt1"/>
+        </a:fontRef>
+      </dsp:style>
+      <dsp:txBody>
+        <a:bodyPr spcFirstLastPara="0" vert="horz" wrap="square" lIns="0" tIns="0" rIns="0" bIns="0" numCol="1" spcCol="1270" anchor="ctr" anchorCtr="0">
+          <a:noAutofit/>
+        </a:bodyPr>
+        <a:lstStyle/>
+        <a:p>
+          <a:pPr marL="0" lvl="0" indent="0" algn="ctr" defTabSz="355600">
+            <a:lnSpc>
+              <a:spcPct val="90000"/>
+            </a:lnSpc>
+            <a:spcBef>
+              <a:spcPct val="0"/>
+            </a:spcBef>
+            <a:spcAft>
+              <a:spcPct val="35000"/>
+            </a:spcAft>
+            <a:buNone/>
+          </a:pPr>
+          <a:endParaRPr lang="en-US" sz="800" kern="1200"/>
+        </a:p>
+      </dsp:txBody>
+      <dsp:txXfrm>
+        <a:off x="1973644" y="1412031"/>
+        <a:ext cx="461620" cy="147738"/>
+      </dsp:txXfrm>
+    </dsp:sp>
+    <dsp:sp modelId="{A98AE1A8-69B3-0146-B8B0-DFEE7F87F671}">
+      <dsp:nvSpPr>
+        <dsp:cNvPr id="0" name=""/>
+        <dsp:cNvSpPr/>
+      </dsp:nvSpPr>
+      <dsp:spPr>
+        <a:xfrm>
+          <a:off x="1662953" y="1887910"/>
+          <a:ext cx="1083001" cy="1083001"/>
+        </a:xfrm>
+        <a:prstGeom prst="ellipse">
+          <a:avLst/>
+        </a:prstGeom>
+        <a:solidFill>
+          <a:schemeClr val="accent1">
+            <a:hueOff val="0"/>
+            <a:satOff val="0"/>
+            <a:lumOff val="0"/>
+            <a:alphaOff val="0"/>
+          </a:schemeClr>
+        </a:solidFill>
+        <a:ln w="25400" cap="flat" cmpd="sng" algn="ctr">
+          <a:solidFill>
+            <a:schemeClr val="lt1">
+              <a:hueOff val="0"/>
+              <a:satOff val="0"/>
+              <a:lumOff val="0"/>
+              <a:alphaOff val="0"/>
+            </a:schemeClr>
+          </a:solidFill>
+          <a:prstDash val="solid"/>
+        </a:ln>
+        <a:effectLst/>
+      </dsp:spPr>
+      <dsp:style>
+        <a:lnRef idx="2">
+          <a:scrgbClr r="0" g="0" b="0"/>
+        </a:lnRef>
+        <a:fillRef idx="1">
+          <a:scrgbClr r="0" g="0" b="0"/>
+        </a:fillRef>
+        <a:effectRef idx="0">
+          <a:scrgbClr r="0" g="0" b="0"/>
+        </a:effectRef>
+        <a:fontRef idx="minor">
+          <a:schemeClr val="lt1"/>
+        </a:fontRef>
+      </dsp:style>
+      <dsp:txBody>
+        <a:bodyPr spcFirstLastPara="0" vert="horz" wrap="square" lIns="12700" tIns="12700" rIns="12700" bIns="12700" numCol="1" spcCol="1270" anchor="ctr" anchorCtr="0">
+          <a:noAutofit/>
+        </a:bodyPr>
+        <a:lstStyle/>
+        <a:p>
+          <a:pPr marL="0" lvl="0" indent="0" algn="ctr" defTabSz="444500">
+            <a:lnSpc>
+              <a:spcPct val="90000"/>
+            </a:lnSpc>
+            <a:spcBef>
+              <a:spcPct val="0"/>
+            </a:spcBef>
+            <a:spcAft>
+              <a:spcPct val="35000"/>
+            </a:spcAft>
+            <a:buNone/>
+          </a:pPr>
+          <a:r>
+            <a:rPr lang="en-US" sz="1000" kern="1200" dirty="0"/>
+            <a:t>Patient Ratings</a:t>
+          </a:r>
+        </a:p>
+      </dsp:txBody>
+      <dsp:txXfrm>
+        <a:off x="1821555" y="2046512"/>
+        <a:ext cx="765797" cy="765797"/>
+      </dsp:txXfrm>
+    </dsp:sp>
+    <dsp:sp modelId="{78B3143C-4926-A64D-85EE-57C6ECE8A6D6}">
+      <dsp:nvSpPr>
+        <dsp:cNvPr id="0" name=""/>
+        <dsp:cNvSpPr/>
+      </dsp:nvSpPr>
+      <dsp:spPr>
+        <a:xfrm>
+          <a:off x="2908405" y="1284462"/>
+          <a:ext cx="344394" cy="402876"/>
+        </a:xfrm>
+        <a:prstGeom prst="rightArrow">
+          <a:avLst>
+            <a:gd name="adj1" fmla="val 60000"/>
+            <a:gd name="adj2" fmla="val 50000"/>
+          </a:avLst>
+        </a:prstGeom>
+        <a:solidFill>
+          <a:schemeClr val="accent1">
+            <a:tint val="60000"/>
+            <a:hueOff val="0"/>
+            <a:satOff val="0"/>
+            <a:lumOff val="0"/>
+            <a:alphaOff val="0"/>
+          </a:schemeClr>
+        </a:solidFill>
+        <a:ln>
+          <a:noFill/>
+        </a:ln>
+        <a:effectLst/>
+      </dsp:spPr>
+      <dsp:style>
+        <a:lnRef idx="0">
+          <a:scrgbClr r="0" g="0" b="0"/>
+        </a:lnRef>
+        <a:fillRef idx="1">
+          <a:scrgbClr r="0" g="0" b="0"/>
+        </a:fillRef>
+        <a:effectRef idx="0">
+          <a:scrgbClr r="0" g="0" b="0"/>
+        </a:effectRef>
+        <a:fontRef idx="minor">
+          <a:schemeClr val="lt1"/>
+        </a:fontRef>
+      </dsp:style>
+      <dsp:txBody>
+        <a:bodyPr spcFirstLastPara="0" vert="horz" wrap="square" lIns="0" tIns="0" rIns="0" bIns="0" numCol="1" spcCol="1270" anchor="ctr" anchorCtr="0">
+          <a:noAutofit/>
+        </a:bodyPr>
+        <a:lstStyle/>
+        <a:p>
+          <a:pPr marL="0" lvl="0" indent="0" algn="ctr" defTabSz="355600">
+            <a:lnSpc>
+              <a:spcPct val="90000"/>
+            </a:lnSpc>
+            <a:spcBef>
+              <a:spcPct val="0"/>
+            </a:spcBef>
+            <a:spcAft>
+              <a:spcPct val="35000"/>
+            </a:spcAft>
+            <a:buNone/>
+          </a:pPr>
+          <a:endParaRPr lang="en-US" sz="800" kern="1200"/>
+        </a:p>
+      </dsp:txBody>
+      <dsp:txXfrm>
+        <a:off x="2908405" y="1365037"/>
+        <a:ext cx="241076" cy="241726"/>
+      </dsp:txXfrm>
+    </dsp:sp>
+    <dsp:sp modelId="{5F26E2C0-F8CE-2248-A9B0-8C1B68EE5FD6}">
+      <dsp:nvSpPr>
+        <dsp:cNvPr id="0" name=""/>
+        <dsp:cNvSpPr/>
+      </dsp:nvSpPr>
+      <dsp:spPr>
+        <a:xfrm>
+          <a:off x="3395756" y="402899"/>
+          <a:ext cx="2166002" cy="2166002"/>
+        </a:xfrm>
+        <a:prstGeom prst="ellipse">
+          <a:avLst/>
+        </a:prstGeom>
+        <a:solidFill>
+          <a:schemeClr val="accent1">
+            <a:hueOff val="0"/>
+            <a:satOff val="0"/>
+            <a:lumOff val="0"/>
+            <a:alphaOff val="0"/>
+          </a:schemeClr>
+        </a:solidFill>
+        <a:ln w="25400" cap="flat" cmpd="sng" algn="ctr">
+          <a:solidFill>
+            <a:schemeClr val="lt1">
+              <a:hueOff val="0"/>
+              <a:satOff val="0"/>
+              <a:lumOff val="0"/>
+              <a:alphaOff val="0"/>
+            </a:schemeClr>
+          </a:solidFill>
+          <a:prstDash val="solid"/>
+        </a:ln>
+        <a:effectLst/>
+      </dsp:spPr>
+      <dsp:style>
+        <a:lnRef idx="2">
+          <a:scrgbClr r="0" g="0" b="0"/>
+        </a:lnRef>
+        <a:fillRef idx="1">
+          <a:scrgbClr r="0" g="0" b="0"/>
+        </a:fillRef>
+        <a:effectRef idx="0">
+          <a:scrgbClr r="0" g="0" b="0"/>
+        </a:effectRef>
+        <a:fontRef idx="minor">
+          <a:schemeClr val="lt1"/>
+        </a:fontRef>
+      </dsp:style>
+      <dsp:txBody>
+        <a:bodyPr spcFirstLastPara="0" vert="horz" wrap="square" lIns="22860" tIns="22860" rIns="22860" bIns="22860" numCol="1" spcCol="1270" anchor="ctr" anchorCtr="0">
+          <a:noAutofit/>
+        </a:bodyPr>
+        <a:lstStyle/>
+        <a:p>
+          <a:pPr marL="0" lvl="0" indent="0" algn="ctr" defTabSz="800100">
+            <a:lnSpc>
+              <a:spcPct val="90000"/>
+            </a:lnSpc>
+            <a:spcBef>
+              <a:spcPct val="0"/>
+            </a:spcBef>
+            <a:spcAft>
+              <a:spcPct val="35000"/>
+            </a:spcAft>
+            <a:buNone/>
+          </a:pPr>
+          <a:r>
+            <a:rPr lang="en-US" sz="1800" kern="1200" dirty="0"/>
+            <a:t>Predict Score Rating</a:t>
+          </a:r>
+        </a:p>
+      </dsp:txBody>
+      <dsp:txXfrm>
+        <a:off x="3712960" y="720103"/>
+        <a:ext cx="1531594" cy="1531594"/>
+      </dsp:txXfrm>
+    </dsp:sp>
+  </dsp:spTree>
+</dsp:drawing>
+</file>
+
+<file path=ppt/diagrams/layout1.xml><?xml version="1.0" encoding="utf-8"?>
+<dgm:layoutDef xmlns:dgm="http://schemas.openxmlformats.org/drawingml/2006/diagram" xmlns:a="http://schemas.openxmlformats.org/drawingml/2006/main" uniqueId="urn:microsoft.com/office/officeart/2005/8/layout/equation2">
+  <dgm:title val=""/>
+  <dgm:desc val=""/>
+  <dgm:catLst>
+    <dgm:cat type="relationship" pri="18000"/>
+    <dgm:cat type="process" pri="26000"/>
+  </dgm:catLst>
+  <dgm:sampData useDef="1">
+    <dgm:dataModel>
+      <dgm:ptLst/>
+      <dgm:bg/>
+      <dgm:whole/>
+    </dgm:dataModel>
+  </dgm:sampData>
+  <dgm:styleData>
+    <dgm:dataModel>
+      <dgm:ptLst>
+        <dgm:pt modelId="0" type="doc"/>
+        <dgm:pt modelId="1"/>
+        <dgm:pt modelId="2"/>
+      </dgm:ptLst>
+      <dgm:cxnLst>
+        <dgm:cxn modelId="3" srcId="0" destId="1" srcOrd="0" destOrd="0"/>
+        <dgm:cxn modelId="4" srcId="0" destId="2" srcOrd="1" destOrd="0"/>
+      </dgm:cxnLst>
+      <dgm:bg/>
+      <dgm:whole/>
+    </dgm:dataModel>
+  </dgm:styleData>
+  <dgm:clrData>
+    <dgm:dataModel>
+      <dgm:ptLst>
+        <dgm:pt modelId="0" type="doc"/>
+        <dgm:pt modelId="1"/>
+        <dgm:pt modelId="2"/>
+        <dgm:pt modelId="3"/>
+        <dgm:pt modelId="4"/>
+      </dgm:ptLst>
+      <dgm:cxnLst>
+        <dgm:cxn modelId="5" srcId="0" destId="1" srcOrd="0" destOrd="0"/>
+        <dgm:cxn modelId="6" srcId="0" destId="2" srcOrd="1" destOrd="0"/>
+        <dgm:cxn modelId="7" srcId="0" destId="3" srcOrd="2" destOrd="0"/>
+        <dgm:cxn modelId="8" srcId="0" destId="4" srcOrd="3" destOrd="0"/>
+      </dgm:cxnLst>
+      <dgm:bg/>
+      <dgm:whole/>
+    </dgm:dataModel>
+  </dgm:clrData>
+  <dgm:layoutNode name="Name0">
+    <dgm:varLst>
+      <dgm:dir/>
+      <dgm:resizeHandles val="exact"/>
+    </dgm:varLst>
+    <dgm:choose name="Name1">
+      <dgm:if name="Name2" func="var" arg="dir" op="equ" val="norm">
+        <dgm:alg type="lin">
+          <dgm:param type="linDir" val="fromL"/>
+          <dgm:param type="fallback" val="2D"/>
+        </dgm:alg>
+      </dgm:if>
+      <dgm:else name="Name3">
+        <dgm:alg type="lin">
+          <dgm:param type="linDir" val="fromR"/>
+          <dgm:param type="fallback" val="2D"/>
+        </dgm:alg>
+      </dgm:else>
+    </dgm:choose>
+    <dgm:shape xmlns:r="http://schemas.openxmlformats.org/officeDocument/2006/relationships" r:blip="">
+      <dgm:adjLst/>
+    </dgm:shape>
+    <dgm:presOf/>
+    <dgm:choose name="Name4">
+      <dgm:if name="Name5" axis="ch" ptType="node" func="cnt" op="gte" val="3">
+        <dgm:constrLst>
+          <dgm:constr type="h" for="des" forName="node" refType="w" fact="0.5"/>
+          <dgm:constr type="w" for="ch" forName="lastNode" refType="w"/>
+          <dgm:constr type="w" for="des" forName="node" refType="h" refFor="des" refForName="node"/>
+          <dgm:constr type="w" for="ch" forName="sibTransLast" refType="h" refFor="des" refForName="node" fact="0.6"/>
+          <dgm:constr type="h" for="des" forName="sibTrans" refType="h" refFor="des" refForName="node" op="equ" fact="0.58"/>
+          <dgm:constr type="w" for="des" forName="sibTrans" refType="h" refFor="des" refForName="sibTrans" op="equ"/>
+          <dgm:constr type="primFontSz" for="ch" forName="lastNode" op="equ" val="65"/>
+          <dgm:constr type="primFontSz" for="des" forName="node" op="equ" val="65"/>
+          <dgm:constr type="primFontSz" for="des" forName="sibTrans" val="55"/>
+          <dgm:constr type="primFontSz" for="des" forName="sibTrans" refType="primFontSz" refFor="des" refForName="node" op="lte" fact="0.8"/>
+          <dgm:constr type="primFontSz" for="des" forName="connectorText" refType="primFontSz" refFor="des" refForName="node" op="lte" fact="0.8"/>
+          <dgm:constr type="primFontSz" for="des" forName="connectorText" refType="primFontSz" refFor="des" refForName="sibTrans" op="equ"/>
+          <dgm:constr type="h" for="des" forName="spacerT" refType="h" refFor="des" refForName="sibTrans" fact="0.14"/>
+          <dgm:constr type="h" for="des" forName="spacerB" refType="h" refFor="des" refForName="sibTrans" fact="0.14"/>
+        </dgm:constrLst>
+      </dgm:if>
+      <dgm:else name="Name6">
+        <dgm:constrLst>
+          <dgm:constr type="h" for="des" forName="node" refType="w"/>
+          <dgm:constr type="w" for="ch" forName="lastNode" refType="w"/>
+          <dgm:constr type="w" for="des" forName="node" refType="h" refFor="des" refForName="node"/>
+          <dgm:constr type="w" for="ch" forName="sibTransLast" refType="h" refFor="des" refForName="node" fact="0.6"/>
+          <dgm:constr type="h" for="des" forName="sibTrans" refType="h" refFor="des" refForName="node" op="equ" fact="0.58"/>
+          <dgm:constr type="w" for="des" forName="sibTrans" refType="h" refFor="des" refForName="sibTrans" op="equ"/>
+          <dgm:constr type="primFontSz" for="des" forName="node" val="65"/>
+          <dgm:constr type="primFontSz" for="ch" forName="lastNode" refType="primFontSz" refFor="des" refForName="node" op="equ"/>
+          <dgm:constr type="primFontSz" for="des" forName="sibTrans" val="55"/>
+          <dgm:constr type="primFontSz" for="des" forName="connectorText" refType="primFontSz" refFor="des" refForName="node" op="lte" fact="0.8"/>
+          <dgm:constr type="primFontSz" for="des" forName="connectorText" refType="primFontSz" refFor="des" refForName="sibTrans" op="equ"/>
+          <dgm:constr type="h" for="des" forName="spacerT" refType="h" refFor="des" refForName="sibTrans" fact="0.14"/>
+          <dgm:constr type="h" for="des" forName="spacerB" refType="h" refFor="des" refForName="sibTrans" fact="0.14"/>
+        </dgm:constrLst>
+      </dgm:else>
+    </dgm:choose>
+    <dgm:ruleLst/>
+    <dgm:choose name="Name7">
+      <dgm:if name="Name8" axis="ch" ptType="node" func="cnt" op="gte" val="1">
+        <dgm:layoutNode name="vNodes">
+          <dgm:alg type="lin">
+            <dgm:param type="linDir" val="fromT"/>
+            <dgm:param type="fallback" val="2D"/>
+          </dgm:alg>
+          <dgm:shape xmlns:r="http://schemas.openxmlformats.org/officeDocument/2006/relationships" r:blip="">
+            <dgm:adjLst/>
+          </dgm:shape>
+          <dgm:presOf/>
+          <dgm:constrLst/>
+          <dgm:ruleLst/>
+          <dgm:forEach name="Name9" axis="ch" ptType="node">
+            <dgm:choose name="Name10">
+              <dgm:if name="Name11" axis="self" func="revPos" op="neq" val="1">
+                <dgm:layoutNode name="node">
+                  <dgm:varLst>
+                    <dgm:bulletEnabled val="1"/>
+                  </dgm:varLst>
+                  <dgm:alg type="tx">
+                    <dgm:param type="txAnchorVertCh" val="mid"/>
+                  </dgm:alg>
+                  <dgm:shape xmlns:r="http://schemas.openxmlformats.org/officeDocument/2006/relationships" type="ellipse" r:blip="">
+                    <dgm:adjLst/>
+                  </dgm:shape>
+                  <dgm:presOf axis="desOrSelf" ptType="node"/>
+                  <dgm:constrLst>
+                    <dgm:constr type="tMarg" refType="primFontSz" fact="0.1"/>
+                    <dgm:constr type="bMarg" refType="primFontSz" fact="0.1"/>
+                    <dgm:constr type="lMarg" refType="primFontSz" fact="0.1"/>
+                    <dgm:constr type="rMarg" refType="primFontSz" fact="0.1"/>
+                  </dgm:constrLst>
+                  <dgm:ruleLst>
+                    <dgm:rule type="primFontSz" val="5" fact="NaN" max="NaN"/>
+                  </dgm:ruleLst>
+                </dgm:layoutNode>
+                <dgm:choose name="Name12">
+                  <dgm:if name="Name13" axis="self" ptType="node" func="revPos" op="gt" val="2">
+                    <dgm:forEach name="sibTransForEach" axis="followSib" ptType="sibTrans" cnt="1">
+                      <dgm:layoutNode name="spacerT">
+                        <dgm:alg type="sp"/>
+                        <dgm:shape xmlns:r="http://schemas.openxmlformats.org/officeDocument/2006/relationships" r:blip="">
+                          <dgm:adjLst/>
+                        </dgm:shape>
+                        <dgm:presOf axis="self"/>
+                        <dgm:constrLst/>
+                        <dgm:ruleLst/>
+                      </dgm:layoutNode>
+                      <dgm:layoutNode name="sibTrans">
+                        <dgm:alg type="tx"/>
+                        <dgm:shape xmlns:r="http://schemas.openxmlformats.org/officeDocument/2006/relationships" type="mathPlus" r:blip="">
+                          <dgm:adjLst/>
+                        </dgm:shape>
+                        <dgm:presOf axis="self"/>
+                        <dgm:constrLst>
+                          <dgm:constr type="h" refType="w"/>
+                          <dgm:constr type="lMarg"/>
+                          <dgm:constr type="rMarg"/>
+                          <dgm:constr type="tMarg"/>
+                          <dgm:constr type="bMarg"/>
+                        </dgm:constrLst>
+                        <dgm:ruleLst>
+                          <dgm:rule type="primFontSz" val="5" fact="NaN" max="NaN"/>
+                        </dgm:ruleLst>
+                      </dgm:layoutNode>
+                      <dgm:layoutNode name="spacerB">
+                        <dgm:alg type="sp"/>
+                        <dgm:shape xmlns:r="http://schemas.openxmlformats.org/officeDocument/2006/relationships" r:blip="">
+                          <dgm:adjLst/>
+                        </dgm:shape>
+                        <dgm:presOf axis="self"/>
+                        <dgm:constrLst/>
+                        <dgm:ruleLst/>
+                      </dgm:layoutNode>
+                    </dgm:forEach>
+                  </dgm:if>
+                  <dgm:else name="Name14"/>
+                </dgm:choose>
+              </dgm:if>
+              <dgm:else name="Name15"/>
+            </dgm:choose>
+          </dgm:forEach>
+        </dgm:layoutNode>
+        <dgm:choose name="Name16">
+          <dgm:if name="Name17" axis="ch" ptType="node" func="cnt" op="gt" val="1">
+            <dgm:layoutNode name="sibTransLast">
+              <dgm:alg type="conn">
+                <dgm:param type="begPts" val="auto"/>
+                <dgm:param type="endPts" val="auto"/>
+                <dgm:param type="srcNode" val="vNodes"/>
+                <dgm:param type="dstNode" val="lastNode"/>
+              </dgm:alg>
+              <dgm:shape xmlns:r="http://schemas.openxmlformats.org/officeDocument/2006/relationships" type="conn" r:blip="">
+                <dgm:adjLst/>
+              </dgm:shape>
+              <dgm:presOf axis="ch" ptType="sibTrans" st="-1" cnt="1"/>
+              <dgm:constrLst>
+                <dgm:constr type="h" refType="w" fact="0.62"/>
+                <dgm:constr type="connDist"/>
+                <dgm:constr type="begPad" refType="connDist" fact="0.25"/>
+                <dgm:constr type="endPad" refType="connDist" fact="0.22"/>
+              </dgm:constrLst>
+              <dgm:ruleLst/>
+              <dgm:layoutNode name="connectorText">
+                <dgm:alg type="tx">
+                  <dgm:param type="autoTxRot" val="grav"/>
+                </dgm:alg>
+                <dgm:shape xmlns:r="http://schemas.openxmlformats.org/officeDocument/2006/relationships" type="conn" r:blip="" hideGeom="1">
+                  <dgm:adjLst/>
+                </dgm:shape>
+                <dgm:presOf axis="ch desOrSelf" ptType="sibTrans sibTrans" st="-1 1" cnt="1 0"/>
+                <dgm:constrLst>
+                  <dgm:constr type="lMarg"/>
+                  <dgm:constr type="rMarg"/>
+                  <dgm:constr type="tMarg"/>
+                  <dgm:constr type="bMarg"/>
+                </dgm:constrLst>
+                <dgm:ruleLst>
+                  <dgm:rule type="primFontSz" val="5" fact="NaN" max="NaN"/>
+                </dgm:ruleLst>
+              </dgm:layoutNode>
+            </dgm:layoutNode>
+          </dgm:if>
+          <dgm:else name="Name18"/>
+        </dgm:choose>
+        <dgm:layoutNode name="lastNode">
+          <dgm:varLst>
+            <dgm:bulletEnabled val="1"/>
+          </dgm:varLst>
+          <dgm:alg type="tx">
+            <dgm:param type="txAnchorVertCh" val="mid"/>
+          </dgm:alg>
+          <dgm:shape xmlns:r="http://schemas.openxmlformats.org/officeDocument/2006/relationships" type="ellipse" r:blip="">
+            <dgm:adjLst/>
+          </dgm:shape>
+          <dgm:presOf axis="ch desOrSelf" ptType="node node" st="-1 1" cnt="1 0"/>
+          <dgm:constrLst>
+            <dgm:constr type="h" refType="w"/>
+            <dgm:constr type="tMarg" refType="primFontSz" fact="0.1"/>
+            <dgm:constr type="bMarg" refType="primFontSz" fact="0.1"/>
+            <dgm:constr type="lMarg" refType="primFontSz" fact="0.1"/>
+            <dgm:constr type="rMarg" refType="primFontSz" fact="0.1"/>
+          </dgm:constrLst>
+          <dgm:ruleLst>
+            <dgm:rule type="primFontSz" val="5" fact="NaN" max="NaN"/>
+          </dgm:ruleLst>
+        </dgm:layoutNode>
+      </dgm:if>
+      <dgm:else name="Name19"/>
+    </dgm:choose>
+  </dgm:layoutNode>
+</dgm:layoutDef>
+</file>
+
+<file path=ppt/diagrams/quickStyle1.xml><?xml version="1.0" encoding="utf-8"?>
+<dgm:styleDef xmlns:dgm="http://schemas.openxmlformats.org/drawingml/2006/diagram" xmlns:a="http://schemas.openxmlformats.org/drawingml/2006/main" uniqueId="urn:microsoft.com/office/officeart/2005/8/quickstyle/simple1">
+  <dgm:title val=""/>
+  <dgm:desc val=""/>
+  <dgm:catLst>
+    <dgm:cat type="simple" pri="10100"/>
+  </dgm:catLst>
+  <dgm:scene3d>
+    <a:camera prst="orthographicFront"/>
+    <a:lightRig rig="threePt" dir="t"/>
+  </dgm:scene3d>
+  <dgm:styleLbl name="node0">
+    <dgm:scene3d>
+      <a:camera prst="orthographicFront"/>
+      <a:lightRig rig="threePt" dir="t"/>
+    </dgm:scene3d>
+    <dgm:sp3d/>
+    <dgm:txPr/>
+    <dgm:style>
+      <a:lnRef idx="2">
+        <a:scrgbClr r="0" g="0" b="0"/>
+      </a:lnRef>
+      <a:fillRef idx="1">
+        <a:scrgbClr r="0" g="0" b="0"/>
+      </a:fillRef>
+      <a:effectRef idx="0">
+        <a:scrgbClr r="0" g="0" b="0"/>
+      </a:effectRef>
+      <a:fontRef idx="minor">
+        <a:schemeClr val="lt1"/>
+      </a:fontRef>
+    </dgm:style>
+  </dgm:styleLbl>
+  <dgm:styleLbl name="lnNode1">
+    <dgm:scene3d>
+      <a:camera prst="orthographicFront"/>
+      <a:lightRig rig="threePt" dir="t"/>
+    </dgm:scene3d>
+    <dgm:sp3d/>
+    <dgm:txPr/>
+    <dgm:style>
+      <a:lnRef idx="2">
+        <a:scrgbClr r="0" g="0" b="0"/>
+      </a:lnRef>
+      <a:fillRef idx="1">
+        <a:scrgbClr r="0" g="0" b="0"/>
+      </a:fillRef>
+      <a:effectRef idx="0">
+        <a:scrgbClr r="0" g="0" b="0"/>
+      </a:effectRef>
+      <a:fontRef idx="minor">
+        <a:schemeClr val="lt1"/>
+      </a:fontRef>
+    </dgm:style>
+  </dgm:styleLbl>
+  <dgm:styleLbl name="vennNode1">
+    <dgm:scene3d>
+      <a:camera prst="orthographicFront"/>
+      <a:lightRig rig="threePt" dir="t"/>
+    </dgm:scene3d>
+    <dgm:sp3d/>
+    <dgm:txPr/>
+    <dgm:style>
+      <a:lnRef idx="2">
+        <a:scrgbClr r="0" g="0" b="0"/>
+      </a:lnRef>
+      <a:fillRef idx="1">
+        <a:scrgbClr r="0" g="0" b="0"/>
+      </a:fillRef>
+      <a:effectRef idx="0">
+        <a:scrgbClr r="0" g="0" b="0"/>
+      </a:effectRef>
+      <a:fontRef idx="minor">
+        <a:schemeClr val="tx1"/>
+      </a:fontRef>
+    </dgm:style>
+  </dgm:styleLbl>
+  <dgm:styleLbl name="alignNode1">
+    <dgm:scene3d>
+      <a:camera prst="orthographicFront"/>
+      <a:lightRig rig="threePt" dir="t"/>
+    </dgm:scene3d>
+    <dgm:sp3d/>
+    <dgm:txPr/>
+    <dgm:style>
+      <a:lnRef idx="2">
+        <a:scrgbClr r="0" g="0" b="0"/>
+      </a:lnRef>
+      <a:fillRef idx="1">
+        <a:scrgbClr r="0" g="0" b="0"/>
+      </a:fillRef>
+      <a:effectRef idx="0">
+        <a:scrgbClr r="0" g="0" b="0"/>
+      </a:effectRef>
+      <a:fontRef idx="minor">
+        <a:schemeClr val="lt1"/>
+      </a:fontRef>
+    </dgm:style>
+  </dgm:styleLbl>
+  <dgm:styleLbl name="node1">
+    <dgm:scene3d>
+      <a:camera prst="orthographicFront"/>
+      <a:lightRig rig="threePt" dir="t"/>
+    </dgm:scene3d>
+    <dgm:sp3d/>
+    <dgm:txPr/>
+    <dgm:style>
+      <a:lnRef idx="2">
+        <a:scrgbClr r="0" g="0" b="0"/>
+      </a:lnRef>
+      <a:fillRef idx="1">
+        <a:scrgbClr r="0" g="0" b="0"/>
+      </a:fillRef>
+      <a:effectRef idx="0">
+        <a:scrgbClr r="0" g="0" b="0"/>
+      </a:effectRef>
+      <a:fontRef idx="minor">
+        <a:schemeClr val="lt1"/>
+      </a:fontRef>
+    </dgm:style>
+  </dgm:styleLbl>
+  <dgm:styleLbl name="node2">
+    <dgm:scene3d>
+      <a:camera prst="orthographicFront"/>
+      <a:lightRig rig="threePt" dir="t"/>
+    </dgm:scene3d>
+    <dgm:sp3d/>
+    <dgm:txPr/>
+    <dgm:style>
+      <a:lnRef idx="2">
+        <a:scrgbClr r="0" g="0" b="0"/>
+      </a:lnRef>
+      <a:fillRef idx="1">
+        <a:scrgbClr r="0" g="0" b="0"/>
+      </a:fillRef>
+      <a:effectRef idx="0">
+        <a:scrgbClr r="0" g="0" b="0"/>
+      </a:effectRef>
+      <a:fontRef idx="minor">
+        <a:schemeClr val="lt1"/>
+      </a:fontRef>
+    </dgm:style>
+  </dgm:styleLbl>
+  <dgm:styleLbl name="node3">
+    <dgm:scene3d>
+      <a:camera prst="orthographicFront"/>
+      <a:lightRig rig="threePt" dir="t"/>
+    </dgm:scene3d>
+    <dgm:sp3d/>
+    <dgm:txPr/>
+    <dgm:style>
+      <a:lnRef idx="2">
+        <a:scrgbClr r="0" g="0" b="0"/>
+      </a:lnRef>
+      <a:fillRef idx="1">
+        <a:scrgbClr r="0" g="0" b="0"/>
+      </a:fillRef>
+      <a:effectRef idx="0">
+        <a:scrgbClr r="0" g="0" b="0"/>
+      </a:effectRef>
+      <a:fontRef idx="minor">
+        <a:schemeClr val="lt1"/>
+      </a:fontRef>
+    </dgm:style>
+  </dgm:styleLbl>
+  <dgm:styleLbl name="node4">
+    <dgm:scene3d>
+      <a:camera prst="orthographicFront"/>
+      <a:lightRig rig="threePt" dir="t"/>
+    </dgm:scene3d>
+    <dgm:sp3d/>
+    <dgm:txPr/>
+    <dgm:style>
+      <a:lnRef idx="2">
+        <a:scrgbClr r="0" g="0" b="0"/>
+      </a:lnRef>
+      <a:fillRef idx="1">
+        <a:scrgbClr r="0" g="0" b="0"/>
+      </a:fillRef>
+      <a:effectRef idx="0">
+        <a:scrgbClr r="0" g="0" b="0"/>
+      </a:effectRef>
+      <a:fontRef idx="minor">
+        <a:schemeClr val="lt1"/>
+      </a:fontRef>
+    </dgm:style>
+  </dgm:styleLbl>
+  <dgm:styleLbl name="fgImgPlace1">
+    <dgm:scene3d>
+      <a:camera prst="orthographicFront"/>
+      <a:lightRig rig="threePt" dir="t"/>
+    </dgm:scene3d>
+    <dgm:sp3d/>
+    <dgm:txPr/>
+    <dgm:style>
+      <a:lnRef idx="2">
+        <a:scrgbClr r="0" g="0" b="0"/>
+      </a:lnRef>
+      <a:fillRef idx="1">
+        <a:scrgbClr r="0" g="0" b="0"/>
+      </a:fillRef>
+      <a:effectRef idx="0">
+        <a:scrgbClr r="0" g="0" b="0"/>
+      </a:effectRef>
+      <a:fontRef idx="minor"/>
+    </dgm:style>
+  </dgm:styleLbl>
+  <dgm:styleLbl name="alignImgPlace1">
+    <dgm:scene3d>
+      <a:camera prst="orthographicFront"/>
+      <a:lightRig rig="threePt" dir="t"/>
+    </dgm:scene3d>
+    <dgm:sp3d/>
+    <dgm:txPr/>
+    <dgm:style>
+      <a:lnRef idx="2">
+        <a:scrgbClr r="0" g="0" b="0"/>
+      </a:lnRef>
+      <a:fillRef idx="1">
+        <a:scrgbClr r="0" g="0" b="0"/>
+      </a:fillRef>
+      <a:effectRef idx="0">
+        <a:scrgbClr r="0" g="0" b="0"/>
+      </a:effectRef>
+      <a:fontRef idx="minor"/>
+    </dgm:style>
+  </dgm:styleLbl>
+  <dgm:styleLbl name="bgImgPlace1">
+    <dgm:scene3d>
+      <a:camera prst="orthographicFront"/>
+      <a:lightRig rig="threePt" dir="t"/>
+    </dgm:scene3d>
+    <dgm:sp3d/>
+    <dgm:txPr/>
+    <dgm:style>
+      <a:lnRef idx="2">
+        <a:scrgbClr r="0" g="0" b="0"/>
+      </a:lnRef>
+      <a:fillRef idx="1">
+        <a:scrgbClr r="0" g="0" b="0"/>
+      </a:fillRef>
+      <a:effectRef idx="0">
+        <a:scrgbClr r="0" g="0" b="0"/>
+      </a:effectRef>
+      <a:fontRef idx="minor"/>
+    </dgm:style>
+  </dgm:styleLbl>
+  <dgm:styleLbl name="sibTrans2D1">
+    <dgm:scene3d>
+      <a:camera prst="orthographicFront"/>
+      <a:lightRig rig="threePt" dir="t"/>
+    </dgm:scene3d>
+    <dgm:sp3d/>
+    <dgm:txPr/>
+    <dgm:style>
+      <a:lnRef idx="0">
+        <a:scrgbClr r="0" g="0" b="0"/>
+      </a:lnRef>
+      <a:fillRef idx="1">
+        <a:scrgbClr r="0" g="0" b="0"/>
+      </a:fillRef>
+      <a:effectRef idx="0">
+        <a:scrgbClr r="0" g="0" b="0"/>
+      </a:effectRef>
+      <a:fontRef idx="minor">
+        <a:schemeClr val="lt1"/>
+      </a:fontRef>
+    </dgm:style>
+  </dgm:styleLbl>
+  <dgm:styleLbl name="fgSibTrans2D1">
+    <dgm:scene3d>
+      <a:camera prst="orthographicFront"/>
+      <a:lightRig rig="threePt" dir="t"/>
+    </dgm:scene3d>
+    <dgm:sp3d/>
+    <dgm:txPr/>
+    <dgm:style>
+      <a:lnRef idx="0">
+        <a:scrgbClr r="0" g="0" b="0"/>
+      </a:lnRef>
+      <a:fillRef idx="1">
+        <a:scrgbClr r="0" g="0" b="0"/>
+      </a:fillRef>
+      <a:effectRef idx="0">
+        <a:scrgbClr r="0" g="0" b="0"/>
+      </a:effectRef>
+      <a:fontRef idx="minor">
+        <a:schemeClr val="lt1"/>
+      </a:fontRef>
+    </dgm:style>
+  </dgm:styleLbl>
+  <dgm:styleLbl name="bgSibTrans2D1">
+    <dgm:scene3d>
+      <a:camera prst="orthographicFront"/>
+      <a:lightRig rig="threePt" dir="t"/>
+    </dgm:scene3d>
+    <dgm:sp3d/>
+    <dgm:txPr/>
+    <dgm:style>
+      <a:lnRef idx="0">
+        <a:scrgbClr r="0" g="0" b="0"/>
+      </a:lnRef>
+      <a:fillRef idx="1">
+        <a:scrgbClr r="0" g="0" b="0"/>
+      </a:fillRef>
+      <a:effectRef idx="0">
+        <a:scrgbClr r="0" g="0" b="0"/>
+      </a:effectRef>
+      <a:fontRef idx="minor">
+        <a:schemeClr val="lt1"/>
+      </a:fontRef>
+    </dgm:style>
+  </dgm:styleLbl>
+  <dgm:styleLbl name="sibTrans1D1">
+    <dgm:scene3d>
+      <a:camera prst="orthographicFront"/>
+      <a:lightRig rig="threePt" dir="t"/>
+    </dgm:scene3d>
+    <dgm:sp3d/>
+    <dgm:txPr/>
+    <dgm:style>
+      <a:lnRef idx="1">
+        <a:scrgbClr r="0" g="0" b="0"/>
+      </a:lnRef>
+      <a:fillRef idx="0">
+        <a:scrgbClr r="0" g="0" b="0"/>
+      </a:fillRef>
+      <a:effectRef idx="0">
+        <a:scrgbClr r="0" g="0" b="0"/>
+      </a:effectRef>
+      <a:fontRef idx="minor"/>
+    </dgm:style>
+  </dgm:styleLbl>
+  <dgm:styleLbl name="callout">
+    <dgm:scene3d>
+      <a:camera prst="orthographicFront"/>
+      <a:lightRig rig="threePt" dir="t"/>
+    </dgm:scene3d>
+    <dgm:sp3d/>
+    <dgm:txPr/>
+    <dgm:style>
+      <a:lnRef idx="2">
+        <a:scrgbClr r="0" g="0" b="0"/>
+      </a:lnRef>
+      <a:fillRef idx="1">
+        <a:scrgbClr r="0" g="0" b="0"/>
+      </a:fillRef>
+      <a:effectRef idx="0">
+        <a:scrgbClr r="0" g="0" b="0"/>
+      </a:effectRef>
+      <a:fontRef idx="minor"/>
+    </dgm:style>
+  </dgm:styleLbl>
+  <dgm:styleLbl name="asst0">
+    <dgm:scene3d>
+      <a:camera prst="orthographicFront"/>
+      <a:lightRig rig="threePt" dir="t"/>
+    </dgm:scene3d>
+    <dgm:sp3d/>
+    <dgm:txPr/>
+    <dgm:style>
+      <a:lnRef idx="2">
+        <a:scrgbClr r="0" g="0" b="0"/>
+      </a:lnRef>
+      <a:fillRef idx="1">
+        <a:scrgbClr r="0" g="0" b="0"/>
+      </a:fillRef>
+      <a:effectRef idx="0">
+        <a:scrgbClr r="0" g="0" b="0"/>
+      </a:effectRef>
+      <a:fontRef idx="minor">
+        <a:schemeClr val="lt1"/>
+      </a:fontRef>
+    </dgm:style>
+  </dgm:styleLbl>
+  <dgm:styleLbl name="asst1">
+    <dgm:scene3d>
+      <a:camera prst="orthographicFront"/>
+      <a:lightRig rig="threePt" dir="t"/>
+    </dgm:scene3d>
+    <dgm:sp3d/>
+    <dgm:txPr/>
+    <dgm:style>
+      <a:lnRef idx="2">
+        <a:scrgbClr r="0" g="0" b="0"/>
+      </a:lnRef>
+      <a:fillRef idx="1">
+        <a:scrgbClr r="0" g="0" b="0"/>
+      </a:fillRef>
+      <a:effectRef idx="0">
+        <a:scrgbClr r="0" g="0" b="0"/>
+      </a:effectRef>
+      <a:fontRef idx="minor">
+        <a:schemeClr val="lt1"/>
+      </a:fontRef>
+    </dgm:style>
+  </dgm:styleLbl>
+  <dgm:styleLbl name="asst2">
+    <dgm:scene3d>
+      <a:camera prst="orthographicFront"/>
+      <a:lightRig rig="threePt" dir="t"/>
+    </dgm:scene3d>
+    <dgm:sp3d/>
+    <dgm:txPr/>
+    <dgm:style>
+      <a:lnRef idx="2">
+        <a:scrgbClr r="0" g="0" b="0"/>
+      </a:lnRef>
+      <a:fillRef idx="1">
+        <a:scrgbClr r="0" g="0" b="0"/>
+      </a:fillRef>
+      <a:effectRef idx="0">
+        <a:scrgbClr r="0" g="0" b="0"/>
+      </a:effectRef>
+      <a:fontRef idx="minor">
+        <a:schemeClr val="lt1"/>
+      </a:fontRef>
+    </dgm:style>
+  </dgm:styleLbl>
+  <dgm:styleLbl name="asst3">
+    <dgm:scene3d>
+      <a:camera prst="orthographicFront"/>
+      <a:lightRig rig="threePt" dir="t"/>
+    </dgm:scene3d>
+    <dgm:sp3d/>
+    <dgm:txPr/>
+    <dgm:style>
+      <a:lnRef idx="2">
+        <a:scrgbClr r="0" g="0" b="0"/>
+      </a:lnRef>
+      <a:fillRef idx="1">
+        <a:scrgbClr r="0" g="0" b="0"/>
+      </a:fillRef>
+      <a:effectRef idx="0">
+        <a:scrgbClr r="0" g="0" b="0"/>
+      </a:effectRef>
+      <a:fontRef idx="minor">
+        <a:schemeClr val="lt1"/>
+      </a:fontRef>
+    </dgm:style>
+  </dgm:styleLbl>
+  <dgm:styleLbl name="asst4">
+    <dgm:scene3d>
+      <a:camera prst="orthographicFront"/>
+      <a:lightRig rig="threePt" dir="t"/>
+    </dgm:scene3d>
+    <dgm:sp3d/>
+    <dgm:txPr/>
+    <dgm:style>
+      <a:lnRef idx="2">
+        <a:scrgbClr r="0" g="0" b="0"/>
+      </a:lnRef>
+      <a:fillRef idx="1">
+        <a:scrgbClr r="0" g="0" b="0"/>
+      </a:fillRef>
+      <a:effectRef idx="0">
+        <a:scrgbClr r="0" g="0" b="0"/>
+      </a:effectRef>
+      <a:fontRef idx="minor">
+        <a:schemeClr val="lt1"/>
+      </a:fontRef>
+    </dgm:style>
+  </dgm:styleLbl>
+  <dgm:styleLbl name="parChTrans2D1">
+    <dgm:scene3d>
+      <a:camera prst="orthographicFront"/>
+      <a:lightRig rig="threePt" dir="t"/>
+    </dgm:scene3d>
+    <dgm:sp3d/>
+    <dgm:txPr/>
+    <dgm:style>
+      <a:lnRef idx="2">
+        <a:scrgbClr r="0" g="0" b="0"/>
+      </a:lnRef>
+      <a:fillRef idx="1">
+        <a:scrgbClr r="0" g="0" b="0"/>
+      </a:fillRef>
+      <a:effectRef idx="0">
+        <a:scrgbClr r="0" g="0" b="0"/>
+      </a:effectRef>
+      <a:fontRef idx="minor">
+        <a:schemeClr val="lt1"/>
+      </a:fontRef>
+    </dgm:style>
+  </dgm:styleLbl>
+  <dgm:styleLbl name="parChTrans2D2">
+    <dgm:scene3d>
+      <a:camera prst="orthographicFront"/>
+      <a:lightRig rig="threePt" dir="t"/>
+    </dgm:scene3d>
+    <dgm:sp3d/>
+    <dgm:txPr/>
+    <dgm:style>
+      <a:lnRef idx="2">
+        <a:scrgbClr r="0" g="0" b="0"/>
+      </a:lnRef>
+      <a:fillRef idx="1">
+        <a:scrgbClr r="0" g="0" b="0"/>
+      </a:fillRef>
+      <a:effectRef idx="0">
+        <a:scrgbClr r="0" g="0" b="0"/>
+      </a:effectRef>
+      <a:fontRef idx="minor">
+        <a:schemeClr val="lt1"/>
+      </a:fontRef>
+    </dgm:style>
+  </dgm:styleLbl>
+  <dgm:styleLbl name="parChTrans2D3">
+    <dgm:scene3d>
+      <a:camera prst="orthographicFront"/>
+      <a:lightRig rig="threePt" dir="t"/>
+    </dgm:scene3d>
+    <dgm:sp3d/>
+    <dgm:txPr/>
+    <dgm:style>
+      <a:lnRef idx="2">
+        <a:scrgbClr r="0" g="0" b="0"/>
+      </a:lnRef>
+      <a:fillRef idx="1">
+        <a:scrgbClr r="0" g="0" b="0"/>
+      </a:fillRef>
+      <a:effectRef idx="0">
+        <a:scrgbClr r="0" g="0" b="0"/>
+      </a:effectRef>
+      <a:fontRef idx="minor">
+        <a:schemeClr val="lt1"/>
+      </a:fontRef>
+    </dgm:style>
+  </dgm:styleLbl>
+  <dgm:styleLbl name="parChTrans2D4">
+    <dgm:scene3d>
+      <a:camera prst="orthographicFront"/>
+      <a:lightRig rig="threePt" dir="t"/>
+    </dgm:scene3d>
+    <dgm:sp3d/>
+    <dgm:txPr/>
+    <dgm:style>
+      <a:lnRef idx="2">
+        <a:scrgbClr r="0" g="0" b="0"/>
+      </a:lnRef>
+      <a:fillRef idx="1">
+        <a:scrgbClr r="0" g="0" b="0"/>
+      </a:fillRef>
+      <a:effectRef idx="0">
+        <a:scrgbClr r="0" g="0" b="0"/>
+      </a:effectRef>
+      <a:fontRef idx="minor">
+        <a:schemeClr val="lt1"/>
+      </a:fontRef>
+    </dgm:style>
+  </dgm:styleLbl>
+  <dgm:styleLbl name="parChTrans1D1">
+    <dgm:scene3d>
+      <a:camera prst="orthographicFront"/>
+      <a:lightRig rig="threePt" dir="t"/>
+    </dgm:scene3d>
+    <dgm:sp3d/>
+    <dgm:txPr/>
+    <dgm:style>
+      <a:lnRef idx="2">
+        <a:scrgbClr r="0" g="0" b="0"/>
+      </a:lnRef>
+      <a:fillRef idx="0">
+        <a:scrgbClr r="0" g="0" b="0"/>
+      </a:fillRef>
+      <a:effectRef idx="0">
+        <a:scrgbClr r="0" g="0" b="0"/>
+      </a:effectRef>
+      <a:fontRef idx="minor"/>
+    </dgm:style>
+  </dgm:styleLbl>
+  <dgm:styleLbl name="parChTrans1D2">
+    <dgm:scene3d>
+      <a:camera prst="orthographicFront"/>
+      <a:lightRig rig="threePt" dir="t"/>
+    </dgm:scene3d>
+    <dgm:sp3d/>
+    <dgm:txPr/>
+    <dgm:style>
+      <a:lnRef idx="2">
+        <a:scrgbClr r="0" g="0" b="0"/>
+      </a:lnRef>
+      <a:fillRef idx="0">
+        <a:scrgbClr r="0" g="0" b="0"/>
+      </a:fillRef>
+      <a:effectRef idx="0">
+        <a:scrgbClr r="0" g="0" b="0"/>
+      </a:effectRef>
+      <a:fontRef idx="minor"/>
+    </dgm:style>
+  </dgm:styleLbl>
+  <dgm:styleLbl name="parChTrans1D3">
+    <dgm:scene3d>
+      <a:camera prst="orthographicFront"/>
+      <a:lightRig rig="threePt" dir="t"/>
+    </dgm:scene3d>
+    <dgm:sp3d/>
+    <dgm:txPr/>
+    <dgm:style>
+      <a:lnRef idx="2">
+        <a:scrgbClr r="0" g="0" b="0"/>
+      </a:lnRef>
+      <a:fillRef idx="0">
+        <a:scrgbClr r="0" g="0" b="0"/>
+      </a:fillRef>
+      <a:effectRef idx="0">
+        <a:scrgbClr r="0" g="0" b="0"/>
+      </a:effectRef>
+      <a:fontRef idx="minor"/>
+    </dgm:style>
+  </dgm:styleLbl>
+  <dgm:styleLbl name="parChTrans1D4">
+    <dgm:scene3d>
+      <a:camera prst="orthographicFront"/>
+      <a:lightRig rig="threePt" dir="t"/>
+    </dgm:scene3d>
+    <dgm:sp3d/>
+    <dgm:txPr/>
+    <dgm:style>
+      <a:lnRef idx="2">
+        <a:scrgbClr r="0" g="0" b="0"/>
+      </a:lnRef>
+      <a:fillRef idx="0">
+        <a:scrgbClr r="0" g="0" b="0"/>
+      </a:fillRef>
+      <a:effectRef idx="0">
+        <a:scrgbClr r="0" g="0" b="0"/>
+      </a:effectRef>
+      <a:fontRef idx="minor"/>
+    </dgm:style>
+  </dgm:styleLbl>
+  <dgm:styleLbl name="fgAcc1">
+    <dgm:scene3d>
+      <a:camera prst="orthographicFront"/>
+      <a:lightRig rig="threePt" dir="t"/>
+    </dgm:scene3d>
+    <dgm:sp3d/>
+    <dgm:txPr/>
+    <dgm:style>
+      <a:lnRef idx="2">
+        <a:scrgbClr r="0" g="0" b="0"/>
+      </a:lnRef>
+      <a:fillRef idx="1">
+        <a:scrgbClr r="0" g="0" b="0"/>
+      </a:fillRef>
+      <a:effectRef idx="0">
+        <a:scrgbClr r="0" g="0" b="0"/>
+      </a:effectRef>
+      <a:fontRef idx="minor"/>
+    </dgm:style>
+  </dgm:styleLbl>
+  <dgm:styleLbl name="conFgAcc1">
+    <dgm:scene3d>
+      <a:camera prst="orthographicFront"/>
+      <a:lightRig rig="threePt" dir="t"/>
+    </dgm:scene3d>
+    <dgm:sp3d/>
+    <dgm:txPr/>
+    <dgm:style>
+      <a:lnRef idx="2">
+        <a:scrgbClr r="0" g="0" b="0"/>
+      </a:lnRef>
+      <a:fillRef idx="1">
+        <a:scrgbClr r="0" g="0" b="0"/>
+      </a:fillRef>
+      <a:effectRef idx="0">
+        <a:scrgbClr r="0" g="0" b="0"/>
+      </a:effectRef>
+      <a:fontRef idx="minor"/>
+    </dgm:style>
+  </dgm:styleLbl>
+  <dgm:styleLbl name="alignAcc1">
+    <dgm:scene3d>
+      <a:camera prst="orthographicFront"/>
+      <a:lightRig rig="threePt" dir="t"/>
+    </dgm:scene3d>
+    <dgm:sp3d/>
+    <dgm:txPr/>
+    <dgm:style>
+      <a:lnRef idx="2">
+        <a:scrgbClr r="0" g="0" b="0"/>
+      </a:lnRef>
+      <a:fillRef idx="1">
+        <a:scrgbClr r="0" g="0" b="0"/>
+      </a:fillRef>
+      <a:effectRef idx="0">
+        <a:scrgbClr r="0" g="0" b="0"/>
+      </a:effectRef>
+      <a:fontRef idx="minor"/>
+    </dgm:style>
+  </dgm:styleLbl>
+  <dgm:styleLbl name="trAlignAcc1">
+    <dgm:scene3d>
+      <a:camera prst="orthographicFront"/>
+      <a:lightRig rig="threePt" dir="t"/>
+    </dgm:scene3d>
+    <dgm:sp3d/>
+    <dgm:txPr/>
+    <dgm:style>
+      <a:lnRef idx="1">
+        <a:scrgbClr r="0" g="0" b="0"/>
+      </a:lnRef>
+      <a:fillRef idx="1">
+        <a:scrgbClr r="0" g="0" b="0"/>
+      </a:fillRef>
+      <a:effectRef idx="0">
+        <a:scrgbClr r="0" g="0" b="0"/>
+      </a:effectRef>
+      <a:fontRef idx="minor"/>
+    </dgm:style>
+  </dgm:styleLbl>
+  <dgm:styleLbl name="bgAcc1">
+    <dgm:scene3d>
+      <a:camera prst="orthographicFront"/>
+      <a:lightRig rig="threePt" dir="t"/>
+    </dgm:scene3d>
+    <dgm:sp3d/>
+    <dgm:txPr/>
+    <dgm:style>
+      <a:lnRef idx="2">
+        <a:scrgbClr r="0" g="0" b="0"/>
+      </a:lnRef>
+      <a:fillRef idx="1">
+        <a:scrgbClr r="0" g="0" b="0"/>
+      </a:fillRef>
+      <a:effectRef idx="0">
+        <a:scrgbClr r="0" g="0" b="0"/>
+      </a:effectRef>
+      <a:fontRef idx="minor"/>
+    </dgm:style>
+  </dgm:styleLbl>
+  <dgm:styleLbl name="solidFgAcc1">
+    <dgm:scene3d>
+      <a:camera prst="orthographicFront"/>
+      <a:lightRig rig="threePt" dir="t"/>
+    </dgm:scene3d>
+    <dgm:sp3d/>
+    <dgm:txPr/>
+    <dgm:style>
+      <a:lnRef idx="2">
+        <a:scrgbClr r="0" g="0" b="0"/>
+      </a:lnRef>
+      <a:fillRef idx="1">
+        <a:scrgbClr r="0" g="0" b="0"/>
+      </a:fillRef>
+      <a:effectRef idx="0">
+        <a:scrgbClr r="0" g="0" b="0"/>
+      </a:effectRef>
+      <a:fontRef idx="minor"/>
+    </dgm:style>
+  </dgm:styleLbl>
+  <dgm:styleLbl name="solidAlignAcc1">
+    <dgm:scene3d>
+      <a:camera prst="orthographicFront"/>
+      <a:lightRig rig="threePt" dir="t"/>
+    </dgm:scene3d>
+    <dgm:sp3d/>
+    <dgm:txPr/>
+    <dgm:style>
+      <a:lnRef idx="2">
+        <a:scrgbClr r="0" g="0" b="0"/>
+      </a:lnRef>
+      <a:fillRef idx="1">
+        <a:scrgbClr r="0" g="0" b="0"/>
+      </a:fillRef>
+      <a:effectRef idx="0">
+        <a:scrgbClr r="0" g="0" b="0"/>
+      </a:effectRef>
+      <a:fontRef idx="minor"/>
+    </dgm:style>
+  </dgm:styleLbl>
+  <dgm:styleLbl name="solidBgAcc1">
+    <dgm:scene3d>
+      <a:camera prst="orthographicFront"/>
+      <a:lightRig rig="threePt" dir="t"/>
+    </dgm:scene3d>
+    <dgm:sp3d/>
+    <dgm:txPr/>
+    <dgm:style>
+      <a:lnRef idx="2">
+        <a:scrgbClr r="0" g="0" b="0"/>
+      </a:lnRef>
+      <a:fillRef idx="1">
+        <a:scrgbClr r="0" g="0" b="0"/>
+      </a:fillRef>
+      <a:effectRef idx="0">
+        <a:scrgbClr r="0" g="0" b="0"/>
+      </a:effectRef>
+      <a:fontRef idx="minor"/>
+    </dgm:style>
+  </dgm:styleLbl>
+  <dgm:styleLbl name="fgAccFollowNode1">
+    <dgm:scene3d>
+      <a:camera prst="orthographicFront"/>
+      <a:lightRig rig="threePt" dir="t"/>
+    </dgm:scene3d>
+    <dgm:sp3d/>
+    <dgm:txPr/>
+    <dgm:style>
+      <a:lnRef idx="2">
+        <a:scrgbClr r="0" g="0" b="0"/>
+      </a:lnRef>
+      <a:fillRef idx="1">
+        <a:scrgbClr r="0" g="0" b="0"/>
+      </a:fillRef>
+      <a:effectRef idx="0">
+        <a:scrgbClr r="0" g="0" b="0"/>
+      </a:effectRef>
+      <a:fontRef idx="minor"/>
+    </dgm:style>
+  </dgm:styleLbl>
+  <dgm:styleLbl name="alignAccFollowNode1">
+    <dgm:scene3d>
+      <a:camera prst="orthographicFront"/>
+      <a:lightRig rig="threePt" dir="t"/>
+    </dgm:scene3d>
+    <dgm:sp3d/>
+    <dgm:txPr/>
+    <dgm:style>
+      <a:lnRef idx="2">
+        <a:scrgbClr r="0" g="0" b="0"/>
+      </a:lnRef>
+      <a:fillRef idx="1">
+        <a:scrgbClr r="0" g="0" b="0"/>
+      </a:fillRef>
+      <a:effectRef idx="0">
+        <a:scrgbClr r="0" g="0" b="0"/>
+      </a:effectRef>
+      <a:fontRef idx="minor"/>
+    </dgm:style>
+  </dgm:styleLbl>
+  <dgm:styleLbl name="bgAccFollowNode1">
+    <dgm:scene3d>
+      <a:camera prst="orthographicFront"/>
+      <a:lightRig rig="threePt" dir="t"/>
+    </dgm:scene3d>
+    <dgm:sp3d/>
+    <dgm:txPr/>
+    <dgm:style>
+      <a:lnRef idx="2">
+        <a:scrgbClr r="0" g="0" b="0"/>
+      </a:lnRef>
+      <a:fillRef idx="1">
+        <a:scrgbClr r="0" g="0" b="0"/>
+      </a:fillRef>
+      <a:effectRef idx="0">
+        <a:scrgbClr r="0" g="0" b="0"/>
+      </a:effectRef>
+      <a:fontRef idx="minor"/>
+    </dgm:style>
+  </dgm:styleLbl>
+  <dgm:styleLbl name="fgAcc0">
+    <dgm:scene3d>
+      <a:camera prst="orthographicFront"/>
+      <a:lightRig rig="threePt" dir="t"/>
+    </dgm:scene3d>
+    <dgm:sp3d/>
+    <dgm:txPr/>
+    <dgm:style>
+      <a:lnRef idx="2">
+        <a:scrgbClr r="0" g="0" b="0"/>
+      </a:lnRef>
+      <a:fillRef idx="1">
+        <a:scrgbClr r="0" g="0" b="0"/>
+      </a:fillRef>
+      <a:effectRef idx="0">
+        <a:scrgbClr r="0" g="0" b="0"/>
+      </a:effectRef>
+      <a:fontRef idx="minor"/>
+    </dgm:style>
+  </dgm:styleLbl>
+  <dgm:styleLbl name="fgAcc2">
+    <dgm:scene3d>
+      <a:camera prst="orthographicFront"/>
+      <a:lightRig rig="threePt" dir="t"/>
+    </dgm:scene3d>
+    <dgm:sp3d/>
+    <dgm:txPr/>
+    <dgm:style>
+      <a:lnRef idx="2">
+        <a:scrgbClr r="0" g="0" b="0"/>
+      </a:lnRef>
+      <a:fillRef idx="1">
+        <a:scrgbClr r="0" g="0" b="0"/>
+      </a:fillRef>
+      <a:effectRef idx="0">
+        <a:scrgbClr r="0" g="0" b="0"/>
+      </a:effectRef>
+      <a:fontRef idx="minor"/>
+    </dgm:style>
+  </dgm:styleLbl>
+  <dgm:styleLbl name="fgAcc3">
+    <dgm:scene3d>
+      <a:camera prst="orthographicFront"/>
+      <a:lightRig rig="threePt" dir="t"/>
+    </dgm:scene3d>
+    <dgm:sp3d/>
+    <dgm:txPr/>
+    <dgm:style>
+      <a:lnRef idx="2">
+        <a:scrgbClr r="0" g="0" b="0"/>
+      </a:lnRef>
+      <a:fillRef idx="1">
+        <a:scrgbClr r="0" g="0" b="0"/>
+      </a:fillRef>
+      <a:effectRef idx="0">
+        <a:scrgbClr r="0" g="0" b="0"/>
+      </a:effectRef>
+      <a:fontRef idx="minor"/>
+    </dgm:style>
+  </dgm:styleLbl>
+  <dgm:styleLbl name="fgAcc4">
+    <dgm:scene3d>
+      <a:camera prst="orthographicFront"/>
+      <a:lightRig rig="threePt" dir="t"/>
+    </dgm:scene3d>
+    <dgm:sp3d/>
+    <dgm:txPr/>
+    <dgm:style>
+      <a:lnRef idx="2">
+        <a:scrgbClr r="0" g="0" b="0"/>
+      </a:lnRef>
+      <a:fillRef idx="1">
+        <a:scrgbClr r="0" g="0" b="0"/>
+      </a:fillRef>
+      <a:effectRef idx="0">
+        <a:scrgbClr r="0" g="0" b="0"/>
+      </a:effectRef>
+      <a:fontRef idx="minor"/>
+    </dgm:style>
+  </dgm:styleLbl>
+  <dgm:styleLbl name="bgShp">
+    <dgm:scene3d>
+      <a:camera prst="orthographicFront"/>
+      <a:lightRig rig="threePt" dir="t"/>
+    </dgm:scene3d>
+    <dgm:sp3d/>
+    <dgm:txPr/>
+    <dgm:style>
+      <a:lnRef idx="0">
+        <a:scrgbClr r="0" g="0" b="0"/>
+      </a:lnRef>
+      <a:fillRef idx="1">
+        <a:scrgbClr r="0" g="0" b="0"/>
+      </a:fillRef>
+      <a:effectRef idx="0">
+        <a:scrgbClr r="0" g="0" b="0"/>
+      </a:effectRef>
+      <a:fontRef idx="minor"/>
+    </dgm:style>
+  </dgm:styleLbl>
+  <dgm:styleLbl name="dkBgShp">
+    <dgm:scene3d>
+      <a:camera prst="orthographicFront"/>
+      <a:lightRig rig="threePt" dir="t"/>
+    </dgm:scene3d>
+    <dgm:sp3d/>
+    <dgm:txPr/>
+    <dgm:style>
+      <a:lnRef idx="0">
+        <a:scrgbClr r="0" g="0" b="0"/>
+      </a:lnRef>
+      <a:fillRef idx="1">
+        <a:scrgbClr r="0" g="0" b="0"/>
+      </a:fillRef>
+      <a:effectRef idx="0">
+        <a:scrgbClr r="0" g="0" b="0"/>
+      </a:effectRef>
+      <a:fontRef idx="minor"/>
+    </dgm:style>
+  </dgm:styleLbl>
+  <dgm:styleLbl name="trBgShp">
+    <dgm:scene3d>
+      <a:camera prst="orthographicFront"/>
+      <a:lightRig rig="threePt" dir="t"/>
+    </dgm:scene3d>
+    <dgm:sp3d/>
+    <dgm:txPr/>
+    <dgm:style>
+      <a:lnRef idx="0">
+        <a:scrgbClr r="0" g="0" b="0"/>
+      </a:lnRef>
+      <a:fillRef idx="1">
+        <a:scrgbClr r="0" g="0" b="0"/>
+      </a:fillRef>
+      <a:effectRef idx="0">
+        <a:scrgbClr r="0" g="0" b="0"/>
+      </a:effectRef>
+      <a:fontRef idx="minor"/>
+    </dgm:style>
+  </dgm:styleLbl>
+  <dgm:styleLbl name="fgShp">
+    <dgm:scene3d>
+      <a:camera prst="orthographicFront"/>
+      <a:lightRig rig="threePt" dir="t"/>
+    </dgm:scene3d>
+    <dgm:sp3d/>
+    <dgm:txPr/>
+    <dgm:style>
+      <a:lnRef idx="2">
+        <a:scrgbClr r="0" g="0" b="0"/>
+      </a:lnRef>
+      <a:fillRef idx="1">
+        <a:scrgbClr r="0" g="0" b="0"/>
+      </a:fillRef>
+      <a:effectRef idx="0">
+        <a:scrgbClr r="0" g="0" b="0"/>
+      </a:effectRef>
+      <a:fontRef idx="minor"/>
+    </dgm:style>
+  </dgm:styleLbl>
+  <dgm:styleLbl name="revTx">
+    <dgm:scene3d>
+      <a:camera prst="orthographicFront"/>
+      <a:lightRig rig="threePt" dir="t"/>
+    </dgm:scene3d>
+    <dgm:sp3d/>
+    <dgm:txPr/>
+    <dgm:style>
+      <a:lnRef idx="0">
+        <a:scrgbClr r="0" g="0" b="0"/>
+      </a:lnRef>
+      <a:fillRef idx="0">
+        <a:scrgbClr r="0" g="0" b="0"/>
+      </a:fillRef>
+      <a:effectRef idx="0">
+        <a:scrgbClr r="0" g="0" b="0"/>
+      </a:effectRef>
+      <a:fontRef idx="minor"/>
+    </dgm:style>
+  </dgm:styleLbl>
+</dgm:styleDef>
 </file>
 
 <file path=ppt/notesMasters/notesMaster1.xml><?xml version="1.0" encoding="utf-8"?>
@@ -3153,7 +5776,7 @@
     </p:spTree>
     <p:extLst>
       <p:ext uri="{BB962C8B-B14F-4D97-AF65-F5344CB8AC3E}">
-        <p14:creationId xmlns:p14="http://schemas.microsoft.com/office/powerpoint/2010/main" val="2298777400"/>
+        <p14:creationId xmlns:p14="http://schemas.microsoft.com/office/powerpoint/2010/main" val="3063944135"/>
       </p:ext>
     </p:extLst>
   </p:cSld>
@@ -3262,7 +5885,7 @@
     </p:spTree>
     <p:extLst>
       <p:ext uri="{BB962C8B-B14F-4D97-AF65-F5344CB8AC3E}">
-        <p14:creationId xmlns:p14="http://schemas.microsoft.com/office/powerpoint/2010/main" val="427315351"/>
+        <p14:creationId xmlns:p14="http://schemas.microsoft.com/office/powerpoint/2010/main" val="1751214929"/>
       </p:ext>
     </p:extLst>
   </p:cSld>
@@ -10746,49 +13369,10 @@
       </p:sp>
       <p:sp>
         <p:nvSpPr>
-          <p:cNvPr id="4" name="TextBox 3">
+          <p:cNvPr id="3" name="Slide Number Placeholder 2">
             <a:extLst>
               <a:ext uri="{FF2B5EF4-FFF2-40B4-BE49-F238E27FC236}">
-                <a16:creationId xmlns:a16="http://schemas.microsoft.com/office/drawing/2014/main" id="{BBC4606E-4940-4851-BF99-9D456FA4E71E}"/>
-              </a:ext>
-            </a:extLst>
-          </p:cNvPr>
-          <p:cNvSpPr txBox="1"/>
-          <p:nvPr/>
-        </p:nvSpPr>
-        <p:spPr>
-          <a:xfrm>
-            <a:off x="669302" y="2394003"/>
-            <a:ext cx="7481640" cy="307777"/>
-          </a:xfrm>
-          <a:prstGeom prst="rect">
-            <a:avLst/>
-          </a:prstGeom>
-          <a:noFill/>
-        </p:spPr>
-        <p:txBody>
-          <a:bodyPr wrap="square" rtlCol="0">
-            <a:spAutoFit/>
-          </a:bodyPr>
-          <a:lstStyle/>
-          <a:p>
-            <a:r>
-              <a:rPr lang="en-US" dirty="0">
-                <a:solidFill>
-                  <a:srgbClr val="C00000"/>
-                </a:solidFill>
-              </a:rPr>
-              <a:t>Recommendations on how to use the model, improve it, etc.</a:t>
-            </a:r>
-          </a:p>
-        </p:txBody>
-      </p:sp>
-      <p:sp>
-        <p:nvSpPr>
-          <p:cNvPr id="2" name="Slide Number Placeholder 1">
-            <a:extLst>
-              <a:ext uri="{FF2B5EF4-FFF2-40B4-BE49-F238E27FC236}">
-                <a16:creationId xmlns:a16="http://schemas.microsoft.com/office/drawing/2014/main" id="{56080BCD-9662-47BE-80E1-2D491F0E6E6E}"/>
+                <a16:creationId xmlns:a16="http://schemas.microsoft.com/office/drawing/2014/main" id="{FA45625F-C8E6-4145-A23F-ED669D899DA4}"/>
               </a:ext>
             </a:extLst>
           </p:cNvPr>
@@ -10821,10 +13405,375 @@
           </a:p>
         </p:txBody>
       </p:sp>
+      <p:sp>
+        <p:nvSpPr>
+          <p:cNvPr id="7" name="TextBox 6">
+            <a:extLst>
+              <a:ext uri="{FF2B5EF4-FFF2-40B4-BE49-F238E27FC236}">
+                <a16:creationId xmlns:a16="http://schemas.microsoft.com/office/drawing/2014/main" id="{3B77DB42-66A9-C640-857A-7C74AA241269}"/>
+              </a:ext>
+            </a:extLst>
+          </p:cNvPr>
+          <p:cNvSpPr txBox="1"/>
+          <p:nvPr/>
+        </p:nvSpPr>
+        <p:spPr>
+          <a:xfrm>
+            <a:off x="761999" y="948155"/>
+            <a:ext cx="10668001" cy="2308324"/>
+          </a:xfrm>
+          <a:prstGeom prst="rect">
+            <a:avLst/>
+          </a:prstGeom>
+          <a:noFill/>
+        </p:spPr>
+        <p:txBody>
+          <a:bodyPr wrap="square" rtlCol="0">
+            <a:spAutoFit/>
+          </a:bodyPr>
+          <a:lstStyle/>
+          <a:p>
+            <a:pPr marL="342900" indent="-342900">
+              <a:buFont typeface="Arial" panose="020B0604020202020204" pitchFamily="34" charset="0"/>
+              <a:buChar char="•"/>
+            </a:pPr>
+            <a:r>
+              <a:rPr lang="en-US" sz="1800" dirty="0"/>
+              <a:t>Based on Hospital Complication Scores and Patient Ratings the model predicts a reliable CMS Rating Score which evaluates hospital performance</a:t>
+            </a:r>
+          </a:p>
+          <a:p>
+            <a:pPr marL="342900" indent="-342900">
+              <a:buFont typeface="Arial" panose="020B0604020202020204" pitchFamily="34" charset="0"/>
+              <a:buChar char="•"/>
+            </a:pPr>
+            <a:r>
+              <a:rPr lang="en-US" sz="1800" dirty="0"/>
+              <a:t>No longer need to wait two years to receive an accurate CMS Rating for hospitals</a:t>
+            </a:r>
+          </a:p>
+          <a:p>
+            <a:pPr marL="342900" indent="-342900">
+              <a:buFont typeface="Arial" panose="020B0604020202020204" pitchFamily="34" charset="0"/>
+              <a:buChar char="•"/>
+            </a:pPr>
+            <a:r>
+              <a:rPr lang="en-US" sz="1800" dirty="0"/>
+              <a:t>Rating scores include actual hospital performance and patient survey feedback rather than just patient surveys</a:t>
+            </a:r>
+          </a:p>
+          <a:p>
+            <a:pPr marL="342900" indent="-342900">
+              <a:buFont typeface="Arial" panose="020B0604020202020204" pitchFamily="34" charset="0"/>
+              <a:buChar char="•"/>
+            </a:pPr>
+            <a:r>
+              <a:rPr lang="en-US" sz="1800" dirty="0"/>
+              <a:t>Care Transition and Nurse Communication appear to be the biggest drivers of higher scores and predictability</a:t>
+            </a:r>
+          </a:p>
+          <a:p>
+            <a:pPr marL="342900" indent="-342900">
+              <a:buFont typeface="Arial" panose="020B0604020202020204" pitchFamily="34" charset="0"/>
+              <a:buChar char="•"/>
+            </a:pPr>
+            <a:endParaRPr lang="en-US" sz="1800" dirty="0"/>
+          </a:p>
+        </p:txBody>
+      </p:sp>
+      <p:graphicFrame>
+        <p:nvGraphicFramePr>
+          <p:cNvPr id="4" name="Diagram 3">
+            <a:extLst>
+              <a:ext uri="{FF2B5EF4-FFF2-40B4-BE49-F238E27FC236}">
+                <a16:creationId xmlns:a16="http://schemas.microsoft.com/office/drawing/2014/main" id="{6C855F4A-239A-A24D-BD66-9F8916E343AF}"/>
+              </a:ext>
+            </a:extLst>
+          </p:cNvPr>
+          <p:cNvGraphicFramePr/>
+          <p:nvPr/>
+        </p:nvGraphicFramePr>
+        <p:xfrm>
+          <a:off x="761999" y="2828924"/>
+          <a:ext cx="7224713" cy="2971801"/>
+        </p:xfrm>
+        <a:graphic>
+          <a:graphicData uri="http://schemas.openxmlformats.org/drawingml/2006/diagram">
+            <dgm:relIds xmlns:dgm="http://schemas.openxmlformats.org/drawingml/2006/diagram" xmlns:r="http://schemas.openxmlformats.org/officeDocument/2006/relationships" r:dm="rId3" r:lo="rId4" r:qs="rId5" r:cs="rId6"/>
+          </a:graphicData>
+        </a:graphic>
+      </p:graphicFrame>
+      <p:grpSp>
+        <p:nvGrpSpPr>
+          <p:cNvPr id="8" name="Group 7">
+            <a:extLst>
+              <a:ext uri="{FF2B5EF4-FFF2-40B4-BE49-F238E27FC236}">
+                <a16:creationId xmlns:a16="http://schemas.microsoft.com/office/drawing/2014/main" id="{D30F9CBD-A68D-FD41-8564-5F7DF0F1A321}"/>
+              </a:ext>
+            </a:extLst>
+          </p:cNvPr>
+          <p:cNvGrpSpPr/>
+          <p:nvPr/>
+        </p:nvGrpSpPr>
+        <p:grpSpPr>
+          <a:xfrm>
+            <a:off x="6652381" y="4058179"/>
+            <a:ext cx="344394" cy="402876"/>
+            <a:chOff x="2908405" y="1284462"/>
+            <a:chExt cx="344394" cy="402876"/>
+          </a:xfrm>
+        </p:grpSpPr>
+        <p:sp>
+          <p:nvSpPr>
+            <p:cNvPr id="9" name="Right Arrow 8">
+              <a:extLst>
+                <a:ext uri="{FF2B5EF4-FFF2-40B4-BE49-F238E27FC236}">
+                  <a16:creationId xmlns:a16="http://schemas.microsoft.com/office/drawing/2014/main" id="{824B15D5-E696-BE4A-8CAF-AF055D78EFC5}"/>
+                </a:ext>
+              </a:extLst>
+            </p:cNvPr>
+            <p:cNvSpPr/>
+            <p:nvPr/>
+          </p:nvSpPr>
+          <p:spPr>
+            <a:xfrm>
+              <a:off x="2908405" y="1284462"/>
+              <a:ext cx="344394" cy="402876"/>
+            </a:xfrm>
+            <a:prstGeom prst="rightArrow">
+              <a:avLst>
+                <a:gd name="adj1" fmla="val 60000"/>
+                <a:gd name="adj2" fmla="val 50000"/>
+              </a:avLst>
+            </a:prstGeom>
+          </p:spPr>
+          <p:style>
+            <a:lnRef idx="0">
+              <a:schemeClr val="accent1">
+                <a:tint val="60000"/>
+                <a:hueOff val="0"/>
+                <a:satOff val="0"/>
+                <a:lumOff val="0"/>
+                <a:alphaOff val="0"/>
+              </a:schemeClr>
+            </a:lnRef>
+            <a:fillRef idx="1">
+              <a:schemeClr val="accent1">
+                <a:tint val="60000"/>
+                <a:hueOff val="0"/>
+                <a:satOff val="0"/>
+                <a:lumOff val="0"/>
+                <a:alphaOff val="0"/>
+              </a:schemeClr>
+            </a:fillRef>
+            <a:effectRef idx="0">
+              <a:schemeClr val="accent1">
+                <a:tint val="60000"/>
+                <a:hueOff val="0"/>
+                <a:satOff val="0"/>
+                <a:lumOff val="0"/>
+                <a:alphaOff val="0"/>
+              </a:schemeClr>
+            </a:effectRef>
+            <a:fontRef idx="minor">
+              <a:schemeClr val="lt1"/>
+            </a:fontRef>
+          </p:style>
+        </p:sp>
+        <p:sp>
+          <p:nvSpPr>
+            <p:cNvPr id="10" name="Right Arrow 4">
+              <a:extLst>
+                <a:ext uri="{FF2B5EF4-FFF2-40B4-BE49-F238E27FC236}">
+                  <a16:creationId xmlns:a16="http://schemas.microsoft.com/office/drawing/2014/main" id="{6FFB93D9-D978-6548-919F-8E8742CAB5AC}"/>
+                </a:ext>
+              </a:extLst>
+            </p:cNvPr>
+            <p:cNvSpPr txBox="1"/>
+            <p:nvPr/>
+          </p:nvSpPr>
+          <p:spPr>
+            <a:xfrm>
+              <a:off x="2908405" y="1365037"/>
+              <a:ext cx="241076" cy="241726"/>
+            </a:xfrm>
+            <a:prstGeom prst="rect">
+              <a:avLst/>
+            </a:prstGeom>
+          </p:spPr>
+          <p:style>
+            <a:lnRef idx="0">
+              <a:scrgbClr r="0" g="0" b="0"/>
+            </a:lnRef>
+            <a:fillRef idx="0">
+              <a:scrgbClr r="0" g="0" b="0"/>
+            </a:fillRef>
+            <a:effectRef idx="0">
+              <a:scrgbClr r="0" g="0" b="0"/>
+            </a:effectRef>
+            <a:fontRef idx="minor">
+              <a:schemeClr val="lt1"/>
+            </a:fontRef>
+          </p:style>
+          <p:txBody>
+            <a:bodyPr spcFirstLastPara="0" vert="horz" wrap="square" lIns="0" tIns="0" rIns="0" bIns="0" numCol="1" spcCol="1270" anchor="ctr" anchorCtr="0">
+              <a:noAutofit/>
+            </a:bodyPr>
+            <a:lstStyle/>
+            <a:p>
+              <a:pPr marL="0" lvl="0" indent="0" algn="ctr" defTabSz="355600">
+                <a:lnSpc>
+                  <a:spcPct val="90000"/>
+                </a:lnSpc>
+                <a:spcBef>
+                  <a:spcPct val="0"/>
+                </a:spcBef>
+                <a:spcAft>
+                  <a:spcPct val="35000"/>
+                </a:spcAft>
+                <a:buNone/>
+              </a:pPr>
+              <a:endParaRPr lang="en-US" sz="800" kern="1200"/>
+            </a:p>
+          </p:txBody>
+        </p:sp>
+      </p:grpSp>
+      <p:grpSp>
+        <p:nvGrpSpPr>
+          <p:cNvPr id="11" name="Group 10">
+            <a:extLst>
+              <a:ext uri="{FF2B5EF4-FFF2-40B4-BE49-F238E27FC236}">
+                <a16:creationId xmlns:a16="http://schemas.microsoft.com/office/drawing/2014/main" id="{89214307-C2C7-7A42-B72A-210ABED4977E}"/>
+              </a:ext>
+            </a:extLst>
+          </p:cNvPr>
+          <p:cNvGrpSpPr/>
+          <p:nvPr/>
+        </p:nvGrpSpPr>
+        <p:grpSpPr>
+          <a:xfrm>
+            <a:off x="7327574" y="3176616"/>
+            <a:ext cx="2166002" cy="2166002"/>
+            <a:chOff x="3395756" y="402899"/>
+            <a:chExt cx="2166002" cy="2166002"/>
+          </a:xfrm>
+        </p:grpSpPr>
+        <p:sp>
+          <p:nvSpPr>
+            <p:cNvPr id="12" name="Oval 11">
+              <a:extLst>
+                <a:ext uri="{FF2B5EF4-FFF2-40B4-BE49-F238E27FC236}">
+                  <a16:creationId xmlns:a16="http://schemas.microsoft.com/office/drawing/2014/main" id="{9FD6FD0F-220C-AE4A-9250-7B1C18AB0B3B}"/>
+                </a:ext>
+              </a:extLst>
+            </p:cNvPr>
+            <p:cNvSpPr/>
+            <p:nvPr/>
+          </p:nvSpPr>
+          <p:spPr>
+            <a:xfrm>
+              <a:off x="3395756" y="402899"/>
+              <a:ext cx="2166002" cy="2166002"/>
+            </a:xfrm>
+            <a:prstGeom prst="ellipse">
+              <a:avLst/>
+            </a:prstGeom>
+          </p:spPr>
+          <p:style>
+            <a:lnRef idx="2">
+              <a:schemeClr val="lt1">
+                <a:hueOff val="0"/>
+                <a:satOff val="0"/>
+                <a:lumOff val="0"/>
+                <a:alphaOff val="0"/>
+              </a:schemeClr>
+            </a:lnRef>
+            <a:fillRef idx="1">
+              <a:schemeClr val="accent1">
+                <a:hueOff val="0"/>
+                <a:satOff val="0"/>
+                <a:lumOff val="0"/>
+                <a:alphaOff val="0"/>
+              </a:schemeClr>
+            </a:fillRef>
+            <a:effectRef idx="0">
+              <a:schemeClr val="accent1">
+                <a:hueOff val="0"/>
+                <a:satOff val="0"/>
+                <a:lumOff val="0"/>
+                <a:alphaOff val="0"/>
+              </a:schemeClr>
+            </a:effectRef>
+            <a:fontRef idx="minor">
+              <a:schemeClr val="lt1"/>
+            </a:fontRef>
+          </p:style>
+        </p:sp>
+        <p:sp>
+          <p:nvSpPr>
+            <p:cNvPr id="13" name="Oval 4">
+              <a:extLst>
+                <a:ext uri="{FF2B5EF4-FFF2-40B4-BE49-F238E27FC236}">
+                  <a16:creationId xmlns:a16="http://schemas.microsoft.com/office/drawing/2014/main" id="{1C86225A-CB05-4F4B-99A5-000BBEB5B921}"/>
+                </a:ext>
+              </a:extLst>
+            </p:cNvPr>
+            <p:cNvSpPr txBox="1"/>
+            <p:nvPr/>
+          </p:nvSpPr>
+          <p:spPr>
+            <a:xfrm>
+              <a:off x="3712960" y="720103"/>
+              <a:ext cx="1531594" cy="1531594"/>
+            </a:xfrm>
+            <a:prstGeom prst="rect">
+              <a:avLst/>
+            </a:prstGeom>
+          </p:spPr>
+          <p:style>
+            <a:lnRef idx="0">
+              <a:scrgbClr r="0" g="0" b="0"/>
+            </a:lnRef>
+            <a:fillRef idx="0">
+              <a:scrgbClr r="0" g="0" b="0"/>
+            </a:fillRef>
+            <a:effectRef idx="0">
+              <a:scrgbClr r="0" g="0" b="0"/>
+            </a:effectRef>
+            <a:fontRef idx="minor">
+              <a:schemeClr val="lt1"/>
+            </a:fontRef>
+          </p:style>
+          <p:txBody>
+            <a:bodyPr spcFirstLastPara="0" vert="horz" wrap="square" lIns="45720" tIns="45720" rIns="45720" bIns="45720" numCol="1" spcCol="1270" anchor="ctr" anchorCtr="0">
+              <a:noAutofit/>
+            </a:bodyPr>
+            <a:lstStyle/>
+            <a:p>
+              <a:pPr marL="0" lvl="0" indent="0" algn="ctr" defTabSz="1600200">
+                <a:lnSpc>
+                  <a:spcPct val="90000"/>
+                </a:lnSpc>
+                <a:spcBef>
+                  <a:spcPct val="0"/>
+                </a:spcBef>
+                <a:spcAft>
+                  <a:spcPct val="35000"/>
+                </a:spcAft>
+                <a:buNone/>
+              </a:pPr>
+              <a:r>
+                <a:rPr lang="en-US" sz="1800" kern="1200" dirty="0"/>
+                <a:t>Best Hospital Ranking for User</a:t>
+              </a:r>
+            </a:p>
+          </p:txBody>
+        </p:sp>
+      </p:grpSp>
     </p:spTree>
     <p:extLst>
       <p:ext uri="{BB962C8B-B14F-4D97-AF65-F5344CB8AC3E}">
-        <p14:creationId xmlns:p14="http://schemas.microsoft.com/office/powerpoint/2010/main" val="1193765717"/>
+        <p14:creationId xmlns:p14="http://schemas.microsoft.com/office/powerpoint/2010/main" val="941524990"/>
       </p:ext>
     </p:extLst>
   </p:cSld>
@@ -10899,55 +13848,12 @@
             </a:pPr>
             <a:r>
               <a:rPr lang="en-US" sz="3200" dirty="0"/>
-              <a:t>Challenges &amp; Limitations</a:t>
+              <a:t>Challenges and Model Improvements</a:t>
             </a:r>
             <a:endParaRPr sz="3200" dirty="0"/>
           </a:p>
         </p:txBody>
       </p:sp>
-      <p:cxnSp>
-        <p:nvCxnSpPr>
-          <p:cNvPr id="5" name="Straight Arrow Connector 4">
-            <a:extLst>
-              <a:ext uri="{FF2B5EF4-FFF2-40B4-BE49-F238E27FC236}">
-                <a16:creationId xmlns:a16="http://schemas.microsoft.com/office/drawing/2014/main" id="{A15D6FFA-37E7-430D-A166-9D1DF9105971}"/>
-              </a:ext>
-            </a:extLst>
-          </p:cNvPr>
-          <p:cNvCxnSpPr>
-            <a:cxnSpLocks/>
-          </p:cNvCxnSpPr>
-          <p:nvPr/>
-        </p:nvCxnSpPr>
-        <p:spPr>
-          <a:xfrm>
-            <a:off x="6096000" y="1359081"/>
-            <a:ext cx="0" cy="3996965"/>
-          </a:xfrm>
-          <a:prstGeom prst="straightConnector1">
-            <a:avLst/>
-          </a:prstGeom>
-          <a:ln w="28575">
-            <a:solidFill>
-              <a:schemeClr val="tx1"/>
-            </a:solidFill>
-          </a:ln>
-        </p:spPr>
-        <p:style>
-          <a:lnRef idx="1">
-            <a:schemeClr val="accent1"/>
-          </a:lnRef>
-          <a:fillRef idx="0">
-            <a:schemeClr val="accent1"/>
-          </a:fillRef>
-          <a:effectRef idx="0">
-            <a:schemeClr val="accent1"/>
-          </a:effectRef>
-          <a:fontRef idx="minor">
-            <a:schemeClr val="tx1"/>
-          </a:fontRef>
-        </p:style>
-      </p:cxnSp>
       <p:sp>
         <p:nvSpPr>
           <p:cNvPr id="3" name="Slide Number Placeholder 2">
@@ -10986,10 +13892,221 @@
           </a:p>
         </p:txBody>
       </p:sp>
+      <p:sp>
+        <p:nvSpPr>
+          <p:cNvPr id="2" name="TextBox 1">
+            <a:extLst>
+              <a:ext uri="{FF2B5EF4-FFF2-40B4-BE49-F238E27FC236}">
+                <a16:creationId xmlns:a16="http://schemas.microsoft.com/office/drawing/2014/main" id="{0A1B8A35-11E1-A544-813A-73AF8E7B6A44}"/>
+              </a:ext>
+            </a:extLst>
+          </p:cNvPr>
+          <p:cNvSpPr txBox="1"/>
+          <p:nvPr/>
+        </p:nvSpPr>
+        <p:spPr>
+          <a:xfrm>
+            <a:off x="928689" y="1111788"/>
+            <a:ext cx="5014912" cy="4031873"/>
+          </a:xfrm>
+          <a:prstGeom prst="rect">
+            <a:avLst/>
+          </a:prstGeom>
+          <a:noFill/>
+        </p:spPr>
+        <p:txBody>
+          <a:bodyPr wrap="square" rtlCol="0">
+            <a:spAutoFit/>
+          </a:bodyPr>
+          <a:lstStyle/>
+          <a:p>
+            <a:r>
+              <a:rPr lang="en-US" sz="2400" b="1" u="sng" dirty="0"/>
+              <a:t>Challenges</a:t>
+            </a:r>
+          </a:p>
+          <a:p>
+            <a:pPr marL="285750" indent="-285750">
+              <a:buFont typeface="Arial" panose="020B0604020202020204" pitchFamily="34" charset="0"/>
+              <a:buChar char="•"/>
+            </a:pPr>
+            <a:r>
+              <a:rPr lang="en-US" sz="2000" b="1" dirty="0"/>
+              <a:t>Missing Values</a:t>
+            </a:r>
+            <a:r>
+              <a:rPr lang="en-US" sz="2000" dirty="0"/>
+              <a:t>: </a:t>
+            </a:r>
+            <a:r>
+              <a:rPr lang="en-US" sz="1600" dirty="0"/>
+              <a:t>Only roughly 25% of the data had all the variables filled out and the other 75% was used by regression imputation</a:t>
+            </a:r>
+          </a:p>
+          <a:p>
+            <a:pPr marL="285750" indent="-285750">
+              <a:buFont typeface="Arial" panose="020B0604020202020204" pitchFamily="34" charset="0"/>
+              <a:buChar char="•"/>
+            </a:pPr>
+            <a:endParaRPr lang="en-US" sz="2000" b="1" dirty="0"/>
+          </a:p>
+          <a:p>
+            <a:pPr marL="285750" indent="-285750">
+              <a:buFont typeface="Arial" panose="020B0604020202020204" pitchFamily="34" charset="0"/>
+              <a:buChar char="•"/>
+            </a:pPr>
+            <a:r>
+              <a:rPr lang="en-US" sz="2000" b="1" dirty="0"/>
+              <a:t>Data Lag: </a:t>
+            </a:r>
+            <a:r>
+              <a:rPr lang="en-US" sz="1600" dirty="0"/>
+              <a:t>Data has a two year lag period and we need a reporting mechanism to feed in more recent information</a:t>
+            </a:r>
+          </a:p>
+          <a:p>
+            <a:pPr marL="285750" indent="-285750">
+              <a:buFont typeface="Arial" panose="020B0604020202020204" pitchFamily="34" charset="0"/>
+              <a:buChar char="•"/>
+            </a:pPr>
+            <a:endParaRPr lang="en-US" sz="2000" b="1" dirty="0"/>
+          </a:p>
+          <a:p>
+            <a:pPr marL="285750" indent="-285750">
+              <a:buFont typeface="Arial" panose="020B0604020202020204" pitchFamily="34" charset="0"/>
+              <a:buChar char="•"/>
+            </a:pPr>
+            <a:r>
+              <a:rPr lang="en-US" sz="2000" b="1" dirty="0"/>
+              <a:t>Hospital Features</a:t>
+            </a:r>
+            <a:r>
+              <a:rPr lang="en-US" sz="2000" dirty="0"/>
+              <a:t>: </a:t>
+            </a:r>
+            <a:r>
+              <a:rPr lang="en-US" sz="1600" dirty="0"/>
+              <a:t>Features regarding the hospitals themselves are missing to develop a reliable </a:t>
+            </a:r>
+            <a:r>
+              <a:rPr lang="en-US" sz="1600" dirty="0" err="1"/>
+              <a:t>NetworkX</a:t>
+            </a:r>
+            <a:r>
+              <a:rPr lang="en-US" sz="1600" dirty="0"/>
+              <a:t> ranking analysis</a:t>
+            </a:r>
+          </a:p>
+          <a:p>
+            <a:pPr marL="285750" indent="-285750">
+              <a:buFont typeface="Arial" panose="020B0604020202020204" pitchFamily="34" charset="0"/>
+              <a:buChar char="•"/>
+            </a:pPr>
+            <a:endParaRPr lang="en-US" sz="1600" dirty="0"/>
+          </a:p>
+          <a:p>
+            <a:pPr marL="285750" indent="-285750">
+              <a:buFont typeface="Arial" panose="020B0604020202020204" pitchFamily="34" charset="0"/>
+              <a:buChar char="•"/>
+            </a:pPr>
+            <a:r>
+              <a:rPr lang="en-US" sz="2000" b="1" dirty="0"/>
+              <a:t>Overfitting</a:t>
+            </a:r>
+            <a:r>
+              <a:rPr lang="en-US" sz="2000" dirty="0"/>
+              <a:t>: </a:t>
+            </a:r>
+            <a:r>
+              <a:rPr lang="en-US" sz="1800" dirty="0">
+                <a:solidFill>
+                  <a:srgbClr val="FF0000"/>
+                </a:solidFill>
+              </a:rPr>
+              <a:t>Need feedback from team</a:t>
+            </a:r>
+            <a:endParaRPr lang="en-US" sz="1600" dirty="0">
+              <a:solidFill>
+                <a:srgbClr val="FF0000"/>
+              </a:solidFill>
+            </a:endParaRPr>
+          </a:p>
+        </p:txBody>
+      </p:sp>
+      <p:sp>
+        <p:nvSpPr>
+          <p:cNvPr id="8" name="TextBox 7">
+            <a:extLst>
+              <a:ext uri="{FF2B5EF4-FFF2-40B4-BE49-F238E27FC236}">
+                <a16:creationId xmlns:a16="http://schemas.microsoft.com/office/drawing/2014/main" id="{ACD9A3B6-9389-1D42-9152-1AD0E8405C7D}"/>
+              </a:ext>
+            </a:extLst>
+          </p:cNvPr>
+          <p:cNvSpPr txBox="1"/>
+          <p:nvPr/>
+        </p:nvSpPr>
+        <p:spPr>
+          <a:xfrm>
+            <a:off x="6267452" y="1111788"/>
+            <a:ext cx="5014912" cy="3016210"/>
+          </a:xfrm>
+          <a:prstGeom prst="rect">
+            <a:avLst/>
+          </a:prstGeom>
+          <a:noFill/>
+        </p:spPr>
+        <p:txBody>
+          <a:bodyPr wrap="square" rtlCol="0">
+            <a:spAutoFit/>
+          </a:bodyPr>
+          <a:lstStyle/>
+          <a:p>
+            <a:r>
+              <a:rPr lang="en-US" sz="2200" b="1" u="sng" dirty="0"/>
+              <a:t>Model Improvements</a:t>
+            </a:r>
+          </a:p>
+          <a:p>
+            <a:pPr marL="285750" indent="-285750">
+              <a:buFont typeface="Arial" panose="020B0604020202020204" pitchFamily="34" charset="0"/>
+              <a:buChar char="•"/>
+            </a:pPr>
+            <a:r>
+              <a:rPr lang="en-US" sz="2000" b="1" dirty="0"/>
+              <a:t>PageRank: </a:t>
+            </a:r>
+            <a:r>
+              <a:rPr lang="en-US" sz="1600" dirty="0"/>
+              <a:t>Model can be improved by adding hospital features to develop accurate edges and nodes for a hospital rank recommendation</a:t>
+            </a:r>
+          </a:p>
+          <a:p>
+            <a:pPr marL="285750" indent="-285750">
+              <a:buFont typeface="Arial" panose="020B0604020202020204" pitchFamily="34" charset="0"/>
+              <a:buChar char="•"/>
+            </a:pPr>
+            <a:endParaRPr lang="en-US" sz="1600" dirty="0"/>
+          </a:p>
+          <a:p>
+            <a:pPr marL="285750" indent="-285750">
+              <a:buFont typeface="Arial" panose="020B0604020202020204" pitchFamily="34" charset="0"/>
+              <a:buChar char="•"/>
+            </a:pPr>
+            <a:r>
+              <a:rPr lang="en-US" sz="2000" b="1" dirty="0"/>
+              <a:t>Complication Scores Limitation: </a:t>
+            </a:r>
+            <a:r>
+              <a:rPr lang="en-US" sz="1600" dirty="0"/>
+              <a:t>CMS complications scores only include 20 different complication types – with additional complications the model can predict better rating scores and provide more accurate recommendations based on patient’s current complication</a:t>
+            </a:r>
+          </a:p>
+        </p:txBody>
+      </p:sp>
     </p:spTree>
     <p:extLst>
       <p:ext uri="{BB962C8B-B14F-4D97-AF65-F5344CB8AC3E}">
-        <p14:creationId xmlns:p14="http://schemas.microsoft.com/office/powerpoint/2010/main" val="1359544750"/>
+        <p14:creationId xmlns:p14="http://schemas.microsoft.com/office/powerpoint/2010/main" val="2463463231"/>
       </p:ext>
     </p:extLst>
   </p:cSld>
